--- a/Servidor/Temas/1_7_2 - Code Igniter básico.pptx
+++ b/Servidor/Temas/1_7_2 - Code Igniter básico.pptx
@@ -12,10 +12,10 @@
     <p:sldId id="257" r:id="rId3"/>
     <p:sldId id="258" r:id="rId4"/>
     <p:sldId id="259" r:id="rId5"/>
-    <p:sldId id="260" r:id="rId6"/>
-    <p:sldId id="261" r:id="rId7"/>
-    <p:sldId id="262" r:id="rId8"/>
-    <p:sldId id="263" r:id="rId9"/>
+    <p:sldId id="262" r:id="rId6"/>
+    <p:sldId id="263" r:id="rId7"/>
+    <p:sldId id="260" r:id="rId8"/>
+    <p:sldId id="261" r:id="rId9"/>
     <p:sldId id="264" r:id="rId10"/>
   </p:sldIdLst>
   <p:sldSz cx="9144000" cy="5143500" type="screen16x9"/>
@@ -945,7 +945,7 @@
   <p:cSld>
     <p:spTree>
       <p:nvGrpSpPr>
-        <p:cNvPr id="1" name="Shape 68"/>
+        <p:cNvPr id="1" name="Shape 80"/>
         <p:cNvGrpSpPr/>
         <p:nvPr/>
       </p:nvGrpSpPr>
@@ -959,7 +959,7 @@
       </p:grpSpPr>
       <p:sp>
         <p:nvSpPr>
-          <p:cNvPr id="69" name="Shape 69"/>
+          <p:cNvPr id="81" name="Shape 81"/>
           <p:cNvSpPr>
             <a:spLocks noGrp="1" noRot="1" noChangeAspect="1"/>
           </p:cNvSpPr>
@@ -969,7 +969,7 @@
         </p:nvSpPr>
         <p:spPr>
           <a:xfrm>
-            <a:off x="381300" y="685800"/>
+            <a:off x="381000" y="685800"/>
             <a:ext cx="6096000" cy="3429000"/>
           </a:xfrm>
           <a:custGeom>
@@ -1010,7 +1010,7 @@
       </p:sp>
       <p:sp>
         <p:nvSpPr>
-          <p:cNvPr id="70" name="Shape 70"/>
+          <p:cNvPr id="82" name="Shape 82"/>
           <p:cNvSpPr txBox="1">
             <a:spLocks noGrp="1"/>
           </p:cNvSpPr>
@@ -1056,7 +1056,7 @@
   <p:cSld>
     <p:spTree>
       <p:nvGrpSpPr>
-        <p:cNvPr id="1" name="Shape 74"/>
+        <p:cNvPr id="1" name="Shape 86"/>
         <p:cNvGrpSpPr/>
         <p:nvPr/>
       </p:nvGrpSpPr>
@@ -1070,7 +1070,7 @@
       </p:grpSpPr>
       <p:sp>
         <p:nvSpPr>
-          <p:cNvPr id="75" name="Shape 75"/>
+          <p:cNvPr id="87" name="Shape 87"/>
           <p:cNvSpPr>
             <a:spLocks noGrp="1" noRot="1" noChangeAspect="1"/>
           </p:cNvSpPr>
@@ -1121,7 +1121,7 @@
       </p:sp>
       <p:sp>
         <p:nvSpPr>
-          <p:cNvPr id="76" name="Shape 76"/>
+          <p:cNvPr id="88" name="Shape 88"/>
           <p:cNvSpPr txBox="1">
             <a:spLocks noGrp="1"/>
           </p:cNvSpPr>
@@ -1167,7 +1167,7 @@
   <p:cSld>
     <p:spTree>
       <p:nvGrpSpPr>
-        <p:cNvPr id="1" name="Shape 80"/>
+        <p:cNvPr id="1" name="Shape 68"/>
         <p:cNvGrpSpPr/>
         <p:nvPr/>
       </p:nvGrpSpPr>
@@ -1181,7 +1181,7 @@
       </p:grpSpPr>
       <p:sp>
         <p:nvSpPr>
-          <p:cNvPr id="81" name="Shape 81"/>
+          <p:cNvPr id="69" name="Shape 69"/>
           <p:cNvSpPr>
             <a:spLocks noGrp="1" noRot="1" noChangeAspect="1"/>
           </p:cNvSpPr>
@@ -1191,7 +1191,7 @@
         </p:nvSpPr>
         <p:spPr>
           <a:xfrm>
-            <a:off x="381000" y="685800"/>
+            <a:off x="381300" y="685800"/>
             <a:ext cx="6096000" cy="3429000"/>
           </a:xfrm>
           <a:custGeom>
@@ -1232,7 +1232,7 @@
       </p:sp>
       <p:sp>
         <p:nvSpPr>
-          <p:cNvPr id="82" name="Shape 82"/>
+          <p:cNvPr id="70" name="Shape 70"/>
           <p:cNvSpPr txBox="1">
             <a:spLocks noGrp="1"/>
           </p:cNvSpPr>
@@ -1278,7 +1278,7 @@
   <p:cSld>
     <p:spTree>
       <p:nvGrpSpPr>
-        <p:cNvPr id="1" name="Shape 86"/>
+        <p:cNvPr id="1" name="Shape 74"/>
         <p:cNvGrpSpPr/>
         <p:nvPr/>
       </p:nvGrpSpPr>
@@ -1292,7 +1292,7 @@
       </p:grpSpPr>
       <p:sp>
         <p:nvSpPr>
-          <p:cNvPr id="87" name="Shape 87"/>
+          <p:cNvPr id="75" name="Shape 75"/>
           <p:cNvSpPr>
             <a:spLocks noGrp="1" noRot="1" noChangeAspect="1"/>
           </p:cNvSpPr>
@@ -1343,7 +1343,7 @@
       </p:sp>
       <p:sp>
         <p:nvSpPr>
-          <p:cNvPr id="88" name="Shape 88"/>
+          <p:cNvPr id="76" name="Shape 76"/>
           <p:cNvSpPr txBox="1">
             <a:spLocks noGrp="1"/>
           </p:cNvSpPr>
@@ -5092,6 +5092,742 @@
   <p:cSld>
     <p:spTree>
       <p:nvGrpSpPr>
+        <p:cNvPr id="1" name="Shape 83"/>
+        <p:cNvGrpSpPr/>
+        <p:nvPr/>
+      </p:nvGrpSpPr>
+      <p:grpSpPr>
+        <a:xfrm>
+          <a:off x="0" y="0"/>
+          <a:ext cx="0" cy="0"/>
+          <a:chOff x="0" y="0"/>
+          <a:chExt cx="0" cy="0"/>
+        </a:xfrm>
+      </p:grpSpPr>
+      <p:sp>
+        <p:nvSpPr>
+          <p:cNvPr id="84" name="Shape 84"/>
+          <p:cNvSpPr txBox="1">
+            <a:spLocks noGrp="1"/>
+          </p:cNvSpPr>
+          <p:nvPr>
+            <p:ph type="title"/>
+          </p:nvPr>
+        </p:nvSpPr>
+        <p:spPr>
+          <a:xfrm>
+            <a:off x="457200" y="139527"/>
+            <a:ext cx="8229600" cy="857400"/>
+          </a:xfrm>
+          <a:prstGeom prst="rect">
+            <a:avLst/>
+          </a:prstGeom>
+        </p:spPr>
+        <p:txBody>
+          <a:bodyPr lIns="91425" tIns="91425" rIns="91425" bIns="91425" anchor="b" anchorCtr="0">
+            <a:noAutofit/>
+          </a:bodyPr>
+          <a:lstStyle/>
+          <a:p>
+            <a:pPr>
+              <a:spcBef>
+                <a:spcPts val="0"/>
+              </a:spcBef>
+              <a:buNone/>
+            </a:pPr>
+            <a:r>
+              <a:rPr lang="es"/>
+              <a:t>Vistas</a:t>
+            </a:r>
+          </a:p>
+        </p:txBody>
+      </p:sp>
+      <p:sp>
+        <p:nvSpPr>
+          <p:cNvPr id="85" name="Shape 85"/>
+          <p:cNvSpPr txBox="1">
+            <a:spLocks noGrp="1"/>
+          </p:cNvSpPr>
+          <p:nvPr>
+            <p:ph type="body" idx="1"/>
+          </p:nvPr>
+        </p:nvSpPr>
+        <p:spPr>
+          <a:xfrm>
+            <a:off x="457200" y="1200150"/>
+            <a:ext cx="8229600" cy="3725699"/>
+          </a:xfrm>
+          <a:prstGeom prst="rect">
+            <a:avLst/>
+          </a:prstGeom>
+        </p:spPr>
+        <p:txBody>
+          <a:bodyPr lIns="91425" tIns="91425" rIns="91425" bIns="91425" anchor="t" anchorCtr="0">
+            <a:noAutofit/>
+          </a:bodyPr>
+          <a:lstStyle/>
+          <a:p>
+            <a:pPr marL="457200" lvl="0" indent="-228600" rtl="0">
+              <a:spcBef>
+                <a:spcPts val="0"/>
+              </a:spcBef>
+              <a:buSzPct val="100000"/>
+            </a:pPr>
+            <a:r>
+              <a:rPr lang="es" sz="1200" dirty="0"/>
+              <a:t>Son ficheros que se ubican bajo el directorio “application/views”, y contienen HTML “salpicado” de marcas </a:t>
+            </a:r>
+            <a:r>
+              <a:rPr lang="es" sz="1200" dirty="0">
+                <a:solidFill>
+                  <a:srgbClr val="0000FF"/>
+                </a:solidFill>
+              </a:rPr>
+              <a:t>&lt;?php … ?&gt;</a:t>
+            </a:r>
+            <a:r>
+              <a:rPr lang="es" sz="1200" dirty="0"/>
+              <a:t> del estilo </a:t>
+            </a:r>
+            <a:r>
+              <a:rPr lang="es" sz="1200" dirty="0">
+                <a:solidFill>
+                  <a:srgbClr val="0000FF"/>
+                </a:solidFill>
+              </a:rPr>
+              <a:t>&lt;?=...?&gt;</a:t>
+            </a:r>
+            <a:r>
+              <a:rPr lang="es" sz="1200" dirty="0"/>
+              <a:t>, </a:t>
+            </a:r>
+            <a:r>
+              <a:rPr lang="es" sz="1200" dirty="0">
+                <a:solidFill>
+                  <a:srgbClr val="0000FF"/>
+                </a:solidFill>
+              </a:rPr>
+              <a:t>&lt;?php foreach …. ?&gt;</a:t>
+            </a:r>
+            <a:r>
+              <a:rPr lang="es" sz="1200" dirty="0"/>
+              <a:t>, etc.</a:t>
+            </a:r>
+          </a:p>
+          <a:p>
+            <a:pPr marL="457200" lvl="0" indent="-228600" rtl="0">
+              <a:spcBef>
+                <a:spcPts val="0"/>
+              </a:spcBef>
+              <a:buSzPct val="100000"/>
+            </a:pPr>
+            <a:r>
+              <a:rPr lang="es" sz="1200" dirty="0"/>
+              <a:t>Se cargan </a:t>
+            </a:r>
+            <a:r>
+              <a:rPr lang="es" sz="1200" u="sng" dirty="0"/>
+              <a:t>desde un controlador</a:t>
+            </a:r>
+            <a:r>
+              <a:rPr lang="es" sz="1200" dirty="0"/>
+              <a:t> mediante </a:t>
+            </a:r>
+            <a:r>
+              <a:rPr lang="es" sz="1200" dirty="0">
+                <a:solidFill>
+                  <a:srgbClr val="A61C00"/>
+                </a:solidFill>
+              </a:rPr>
+              <a:t>$this -&gt; load -&gt; view(‘ficheroVista</a:t>
+            </a:r>
+            <a:r>
+              <a:rPr lang="es" sz="1200" dirty="0" smtClean="0">
+                <a:solidFill>
+                  <a:srgbClr val="A61C00"/>
+                </a:solidFill>
+              </a:rPr>
+              <a:t>’)</a:t>
+            </a:r>
+            <a:endParaRPr lang="es" sz="1200" dirty="0">
+              <a:solidFill>
+                <a:srgbClr val="A61C00"/>
+              </a:solidFill>
+            </a:endParaRPr>
+          </a:p>
+          <a:p>
+            <a:pPr marL="914400" lvl="1" indent="-228600" rtl="0">
+              <a:spcBef>
+                <a:spcPts val="0"/>
+              </a:spcBef>
+              <a:buSzPct val="100000"/>
+            </a:pPr>
+            <a:r>
+              <a:rPr lang="es" sz="1200" dirty="0"/>
+              <a:t>Se cargaría el fichero “</a:t>
+            </a:r>
+            <a:r>
+              <a:rPr lang="es" sz="1200"/>
+              <a:t>application/views/ficheroVista.php</a:t>
+            </a:r>
+            <a:r>
+              <a:rPr lang="es" sz="1200" smtClean="0"/>
+              <a:t>”</a:t>
+            </a:r>
+            <a:endParaRPr lang="es" sz="1200" dirty="0"/>
+          </a:p>
+          <a:p>
+            <a:pPr marL="457200" lvl="0" indent="-228600" rtl="0">
+              <a:spcBef>
+                <a:spcPts val="0"/>
+              </a:spcBef>
+              <a:buSzPct val="100000"/>
+            </a:pPr>
+            <a:r>
+              <a:rPr lang="es" sz="1200" dirty="0"/>
+              <a:t>También se pueden organizar las vistas en carpetas: </a:t>
+            </a:r>
+            <a:r>
+              <a:rPr lang="es" sz="1200" dirty="0">
+                <a:solidFill>
+                  <a:srgbClr val="A61C00"/>
+                </a:solidFill>
+              </a:rPr>
+              <a:t>$this -&gt; load -&gt;view(‘c1/c2/ficheroVista’)</a:t>
+            </a:r>
+          </a:p>
+          <a:p>
+            <a:pPr marL="914400" lvl="1" indent="-228600" rtl="0">
+              <a:spcBef>
+                <a:spcPts val="0"/>
+              </a:spcBef>
+              <a:buSzPct val="100000"/>
+            </a:pPr>
+            <a:r>
+              <a:rPr lang="es" sz="1200" dirty="0"/>
+              <a:t>Cargaría el fichero “application/views/c1/c2/ficheroVista.php</a:t>
+            </a:r>
+            <a:r>
+              <a:rPr lang="es" sz="1200" dirty="0" smtClean="0"/>
+              <a:t>”</a:t>
+            </a:r>
+            <a:endParaRPr lang="es" sz="1200" dirty="0"/>
+          </a:p>
+          <a:p>
+            <a:pPr marL="457200" lvl="0" indent="-228600" rtl="0">
+              <a:spcBef>
+                <a:spcPts val="0"/>
+              </a:spcBef>
+              <a:buSzPct val="100000"/>
+            </a:pPr>
+            <a:r>
+              <a:rPr lang="es" sz="1200" dirty="0"/>
+              <a:t>Se le pueden pasar datos de la siguiente manera:</a:t>
+            </a:r>
+          </a:p>
+          <a:p>
+            <a:pPr marL="914400" lvl="1" indent="-228600" rtl="0">
+              <a:spcBef>
+                <a:spcPts val="0"/>
+              </a:spcBef>
+              <a:buSzPct val="100000"/>
+            </a:pPr>
+            <a:r>
+              <a:rPr lang="es" sz="1200" dirty="0">
+                <a:solidFill>
+                  <a:srgbClr val="A61C00"/>
+                </a:solidFill>
+              </a:rPr>
+              <a:t>$this -&gt; load -&gt; view(‘ficheroVista’,$datos)</a:t>
+            </a:r>
+            <a:r>
+              <a:rPr lang="es" sz="1200" dirty="0"/>
+              <a:t>, donde $datos suele ser un array asociativo del estilo:</a:t>
+            </a:r>
+          </a:p>
+          <a:p>
+            <a:pPr marL="1371600" lvl="2" indent="-228600" rtl="0">
+              <a:spcBef>
+                <a:spcPts val="0"/>
+              </a:spcBef>
+              <a:buSzPct val="100000"/>
+            </a:pPr>
+            <a:r>
+              <a:rPr lang="es" sz="1200" dirty="0"/>
+              <a:t>$datos = [ ‘dato1’ =&gt; valor1, ‘dato2’ =&gt; valor2 , ….. ]</a:t>
+            </a:r>
+          </a:p>
+          <a:p>
+            <a:pPr marL="457200" lvl="0" indent="-228600" rtl="0">
+              <a:spcBef>
+                <a:spcPts val="0"/>
+              </a:spcBef>
+              <a:buSzPct val="100000"/>
+            </a:pPr>
+            <a:r>
+              <a:rPr lang="es" sz="1200" dirty="0"/>
+              <a:t>Los datos pasados de la forma anterior se pueden recuperar en las vistas así de sencillo.</a:t>
+            </a:r>
+          </a:p>
+          <a:p>
+            <a:pPr marL="914400" lvl="1" indent="-228600" rtl="0">
+              <a:spcBef>
+                <a:spcPts val="0"/>
+              </a:spcBef>
+              <a:buSzPct val="100000"/>
+            </a:pPr>
+            <a:r>
+              <a:rPr lang="es" sz="1200" dirty="0"/>
+              <a:t>Ej: </a:t>
+            </a:r>
+            <a:r>
+              <a:rPr lang="es" sz="1200" dirty="0">
+                <a:solidFill>
+                  <a:srgbClr val="38761D"/>
+                </a:solidFill>
+              </a:rPr>
+              <a:t>&lt;body&gt; …. El valor del dato1 es: </a:t>
+            </a:r>
+            <a:r>
+              <a:rPr lang="es" sz="1200" dirty="0">
+                <a:solidFill>
+                  <a:srgbClr val="0000FF"/>
+                </a:solidFill>
+              </a:rPr>
+              <a:t>&lt;?= $dato1 ?&gt;</a:t>
+            </a:r>
+            <a:r>
+              <a:rPr lang="es" sz="1200" dirty="0">
+                <a:solidFill>
+                  <a:srgbClr val="38761D"/>
+                </a:solidFill>
+              </a:rPr>
+              <a:t> &lt;/body&gt;</a:t>
+            </a:r>
+          </a:p>
+          <a:p>
+            <a:pPr marL="457200" lvl="0" indent="-228600" rtl="0">
+              <a:spcBef>
+                <a:spcPts val="0"/>
+              </a:spcBef>
+              <a:buClr>
+                <a:srgbClr val="000000"/>
+              </a:buClr>
+              <a:buSzPct val="100000"/>
+            </a:pPr>
+            <a:r>
+              <a:rPr lang="es" sz="1200" dirty="0">
+                <a:solidFill>
+                  <a:srgbClr val="000000"/>
+                </a:solidFill>
+              </a:rPr>
+              <a:t>También se pueden pasar datos desde el controlador empaquetados en objetos. En ese caso, en lugar de aludir a los índices del array asociativo, aludiremos a los </a:t>
+            </a:r>
+            <a:r>
+              <a:rPr lang="es" sz="1200" u="sng" dirty="0">
+                <a:solidFill>
+                  <a:srgbClr val="000000"/>
+                </a:solidFill>
+              </a:rPr>
+              <a:t>atributos</a:t>
+            </a:r>
+            <a:r>
+              <a:rPr lang="es" sz="1200" dirty="0">
+                <a:solidFill>
+                  <a:srgbClr val="000000"/>
+                </a:solidFill>
+              </a:rPr>
+              <a:t> del objeto.</a:t>
+            </a:r>
+          </a:p>
+          <a:p>
+            <a:pPr marL="457200" lvl="0" indent="-228600" rtl="0">
+              <a:spcBef>
+                <a:spcPts val="0"/>
+              </a:spcBef>
+              <a:buClr>
+                <a:srgbClr val="000000"/>
+              </a:buClr>
+              <a:buSzPct val="100000"/>
+            </a:pPr>
+            <a:r>
+              <a:rPr lang="es" sz="1200" dirty="0">
+                <a:solidFill>
+                  <a:srgbClr val="000000"/>
+                </a:solidFill>
+              </a:rPr>
+              <a:t>Se puede obtener el código HTML de la vista en lugar de desplegarla poniendo el último parámetro de view a true.</a:t>
+            </a:r>
+          </a:p>
+          <a:p>
+            <a:pPr marL="914400" lvl="1" indent="-228600" rtl="0">
+              <a:spcBef>
+                <a:spcPts val="0"/>
+              </a:spcBef>
+              <a:buClr>
+                <a:srgbClr val="000000"/>
+              </a:buClr>
+              <a:buSzPct val="100000"/>
+            </a:pPr>
+            <a:r>
+              <a:rPr lang="es" sz="1200" dirty="0">
+                <a:solidFill>
+                  <a:srgbClr val="A61C00"/>
+                </a:solidFill>
+              </a:rPr>
+              <a:t>$this -&gt; load -&gt; view(‘miVista’)</a:t>
+            </a:r>
+            <a:r>
+              <a:rPr lang="es" sz="1200" dirty="0">
+                <a:solidFill>
+                  <a:srgbClr val="000000"/>
+                </a:solidFill>
+              </a:rPr>
+              <a:t>  transmitiría vía HTTP el código HTML al navegador.</a:t>
+            </a:r>
+          </a:p>
+          <a:p>
+            <a:pPr marL="914400" lvl="1" indent="-228600" rtl="0">
+              <a:spcBef>
+                <a:spcPts val="0"/>
+              </a:spcBef>
+              <a:buClr>
+                <a:srgbClr val="000000"/>
+              </a:buClr>
+              <a:buSzPct val="100000"/>
+            </a:pPr>
+            <a:r>
+              <a:rPr lang="es" sz="1200" dirty="0">
+                <a:solidFill>
+                  <a:srgbClr val="A61C00"/>
+                </a:solidFill>
+              </a:rPr>
+              <a:t>$codigoVista = $this -&gt; load -&gt; view(‘miVista’,’’,true)</a:t>
+            </a:r>
+            <a:r>
+              <a:rPr lang="es" sz="1200" dirty="0">
+                <a:solidFill>
+                  <a:srgbClr val="000000"/>
+                </a:solidFill>
+              </a:rPr>
+              <a:t>  guardaría en $codigoVista el string que contiene el HTML de la vista.</a:t>
+            </a:r>
+          </a:p>
+          <a:p>
+            <a:pPr marL="457200" lvl="0" indent="-228600" rtl="0">
+              <a:spcBef>
+                <a:spcPts val="0"/>
+              </a:spcBef>
+              <a:buClr>
+                <a:srgbClr val="000000"/>
+              </a:buClr>
+              <a:buSzPct val="100000"/>
+            </a:pPr>
+            <a:r>
+              <a:rPr lang="es" sz="1200" dirty="0">
+                <a:solidFill>
+                  <a:srgbClr val="000000"/>
+                </a:solidFill>
+              </a:rPr>
+              <a:t>Se pueden utilizar helpers en el código de las vistas para facilitar su despliegue.</a:t>
+            </a:r>
+          </a:p>
+        </p:txBody>
+      </p:sp>
+    </p:spTree>
+  </p:cSld>
+  <p:clrMapOvr>
+    <a:masterClrMapping/>
+  </p:clrMapOvr>
+  <p:transition spd="slow">
+    <p:cut/>
+  </p:transition>
+</p:sld>
+</file>
+
+<file path=ppt/slides/slide6.xml><?xml version="1.0" encoding="utf-8"?>
+<p:sld xmlns:a="http://schemas.openxmlformats.org/drawingml/2006/main" xmlns:r="http://schemas.openxmlformats.org/officeDocument/2006/relationships" xmlns:p="http://schemas.openxmlformats.org/presentationml/2006/main">
+  <p:cSld>
+    <p:spTree>
+      <p:nvGrpSpPr>
+        <p:cNvPr id="1" name="Shape 89"/>
+        <p:cNvGrpSpPr/>
+        <p:nvPr/>
+      </p:nvGrpSpPr>
+      <p:grpSpPr>
+        <a:xfrm>
+          <a:off x="0" y="0"/>
+          <a:ext cx="0" cy="0"/>
+          <a:chOff x="0" y="0"/>
+          <a:chExt cx="0" cy="0"/>
+        </a:xfrm>
+      </p:grpSpPr>
+      <p:sp>
+        <p:nvSpPr>
+          <p:cNvPr id="90" name="Shape 90"/>
+          <p:cNvSpPr txBox="1">
+            <a:spLocks noGrp="1"/>
+          </p:cNvSpPr>
+          <p:nvPr>
+            <p:ph type="title"/>
+          </p:nvPr>
+        </p:nvSpPr>
+        <p:spPr>
+          <a:xfrm>
+            <a:off x="457200" y="139527"/>
+            <a:ext cx="8229600" cy="857400"/>
+          </a:xfrm>
+          <a:prstGeom prst="rect">
+            <a:avLst/>
+          </a:prstGeom>
+        </p:spPr>
+        <p:txBody>
+          <a:bodyPr lIns="91425" tIns="91425" rIns="91425" bIns="91425" anchor="b" anchorCtr="0">
+            <a:noAutofit/>
+          </a:bodyPr>
+          <a:lstStyle/>
+          <a:p>
+            <a:pPr>
+              <a:spcBef>
+                <a:spcPts val="0"/>
+              </a:spcBef>
+              <a:buNone/>
+            </a:pPr>
+            <a:r>
+              <a:rPr lang="es"/>
+              <a:t>Helpers</a:t>
+            </a:r>
+          </a:p>
+        </p:txBody>
+      </p:sp>
+      <p:sp>
+        <p:nvSpPr>
+          <p:cNvPr id="91" name="Shape 91"/>
+          <p:cNvSpPr txBox="1">
+            <a:spLocks noGrp="1"/>
+          </p:cNvSpPr>
+          <p:nvPr>
+            <p:ph type="body" idx="1"/>
+          </p:nvPr>
+        </p:nvSpPr>
+        <p:spPr>
+          <a:xfrm>
+            <a:off x="457200" y="1200150"/>
+            <a:ext cx="6834599" cy="3725699"/>
+          </a:xfrm>
+          <a:prstGeom prst="rect">
+            <a:avLst/>
+          </a:prstGeom>
+        </p:spPr>
+        <p:txBody>
+          <a:bodyPr lIns="91425" tIns="91425" rIns="91425" bIns="91425" anchor="t" anchorCtr="0">
+            <a:noAutofit/>
+          </a:bodyPr>
+          <a:lstStyle/>
+          <a:p>
+            <a:pPr marL="457200" lvl="0" indent="-228600" rtl="0">
+              <a:spcBef>
+                <a:spcPts val="0"/>
+              </a:spcBef>
+              <a:buSzPct val="100000"/>
+            </a:pPr>
+            <a:r>
+              <a:rPr lang="es" sz="1800"/>
+              <a:t>Son librerías que nos ayudan a realizar el código de manera más sencilla</a:t>
+            </a:r>
+          </a:p>
+          <a:p>
+            <a:pPr marL="457200" lvl="0" indent="-228600" rtl="0">
+              <a:spcBef>
+                <a:spcPts val="0"/>
+              </a:spcBef>
+              <a:buSzPct val="100000"/>
+            </a:pPr>
+            <a:r>
+              <a:rPr lang="es" sz="1800"/>
+              <a:t>Se cargan así:</a:t>
+            </a:r>
+          </a:p>
+          <a:p>
+            <a:pPr marL="914400" lvl="1" indent="-228600" rtl="0">
+              <a:spcBef>
+                <a:spcPts val="0"/>
+              </a:spcBef>
+              <a:buClr>
+                <a:srgbClr val="980000"/>
+              </a:buClr>
+              <a:buSzPct val="100000"/>
+            </a:pPr>
+            <a:r>
+              <a:rPr lang="es" sz="1800">
+                <a:solidFill>
+                  <a:srgbClr val="980000"/>
+                </a:solidFill>
+              </a:rPr>
+              <a:t>$this -&gt; load -&gt; helper (‘nombre_del_helper’)</a:t>
+            </a:r>
+          </a:p>
+          <a:p>
+            <a:pPr marL="914400" lvl="1" indent="-228600" rtl="0">
+              <a:spcBef>
+                <a:spcPts val="0"/>
+              </a:spcBef>
+              <a:buSzPct val="100000"/>
+            </a:pPr>
+            <a:r>
+              <a:rPr lang="es" sz="1800"/>
+              <a:t>Ej: </a:t>
+            </a:r>
+            <a:r>
+              <a:rPr lang="es" sz="1800">
+                <a:solidFill>
+                  <a:srgbClr val="980000"/>
+                </a:solidFill>
+              </a:rPr>
+              <a:t>$this -&gt; load -&gt; helper (‘url’)</a:t>
+            </a:r>
+          </a:p>
+          <a:p>
+            <a:pPr marL="457200" lvl="0" indent="-228600" rtl="0">
+              <a:spcBef>
+                <a:spcPts val="0"/>
+              </a:spcBef>
+              <a:buSzPct val="100000"/>
+            </a:pPr>
+            <a:r>
+              <a:rPr lang="es" sz="1800"/>
+              <a:t>Una vez cargados se pueden utilizar sus funciones dentro del código.</a:t>
+            </a:r>
+          </a:p>
+          <a:p>
+            <a:pPr marL="914400" lvl="1" indent="-228600" rtl="0">
+              <a:spcBef>
+                <a:spcPts val="0"/>
+              </a:spcBef>
+              <a:buSzPct val="100000"/>
+            </a:pPr>
+            <a:r>
+              <a:rPr lang="es" sz="1800"/>
+              <a:t>Ej: </a:t>
+            </a:r>
+            <a:r>
+              <a:rPr lang="es" sz="1800" b="1">
+                <a:solidFill>
+                  <a:srgbClr val="980000"/>
+                </a:solidFill>
+              </a:rPr>
+              <a:t>&lt;?=</a:t>
+            </a:r>
+            <a:r>
+              <a:rPr lang="es" sz="1800"/>
+              <a:t> </a:t>
+            </a:r>
+            <a:r>
+              <a:rPr lang="es" sz="1800">
+                <a:solidFill>
+                  <a:srgbClr val="0000FF"/>
+                </a:solidFill>
+              </a:rPr>
+              <a:t>anchor('blog/comentarios’, 'Pincha aquí')</a:t>
+            </a:r>
+            <a:r>
+              <a:rPr lang="es" sz="1800"/>
+              <a:t> </a:t>
+            </a:r>
+            <a:r>
+              <a:rPr lang="es" sz="1800" b="1">
+                <a:solidFill>
+                  <a:srgbClr val="980000"/>
+                </a:solidFill>
+              </a:rPr>
+              <a:t>?&gt;</a:t>
+            </a:r>
+          </a:p>
+          <a:p>
+            <a:pPr marL="1371600" lvl="2" indent="-228600" rtl="0">
+              <a:spcBef>
+                <a:spcPts val="0"/>
+              </a:spcBef>
+              <a:buSzPct val="100000"/>
+            </a:pPr>
+            <a:r>
+              <a:rPr lang="es" sz="1800"/>
+              <a:t>Devuelve el código HTML de un link</a:t>
+            </a:r>
+          </a:p>
+          <a:p>
+            <a:pPr marL="457200" lvl="0" indent="-228600">
+              <a:spcBef>
+                <a:spcPts val="0"/>
+              </a:spcBef>
+              <a:buSzPct val="100000"/>
+            </a:pPr>
+            <a:r>
+              <a:rPr lang="es" sz="1800"/>
+              <a:t>Para ver una descripción de todos los helpers de CodeIgniter, pincha </a:t>
+            </a:r>
+            <a:r>
+              <a:rPr lang="es" sz="1800" u="sng">
+                <a:solidFill>
+                  <a:schemeClr val="hlink"/>
+                </a:solidFill>
+                <a:hlinkClick r:id="rId3"/>
+              </a:rPr>
+              <a:t>aquí</a:t>
+            </a:r>
+          </a:p>
+        </p:txBody>
+      </p:sp>
+      <p:pic>
+        <p:nvPicPr>
+          <p:cNvPr id="92" name="Shape 92"/>
+          <p:cNvPicPr preferRelativeResize="0"/>
+          <p:nvPr/>
+        </p:nvPicPr>
+        <p:blipFill>
+          <a:blip r:embed="rId4">
+            <a:alphaModFix/>
+          </a:blip>
+          <a:stretch>
+            <a:fillRect/>
+          </a:stretch>
+        </p:blipFill>
+        <p:spPr>
+          <a:xfrm>
+            <a:off x="7413700" y="1200150"/>
+            <a:ext cx="1213024" cy="3768499"/>
+          </a:xfrm>
+          <a:prstGeom prst="rect">
+            <a:avLst/>
+          </a:prstGeom>
+          <a:noFill/>
+          <a:ln w="9525" cap="flat" cmpd="sng">
+            <a:solidFill>
+              <a:srgbClr val="980000"/>
+            </a:solidFill>
+            <a:prstDash val="solid"/>
+            <a:round/>
+            <a:headEnd type="none" w="med" len="med"/>
+            <a:tailEnd type="none" w="med" len="med"/>
+          </a:ln>
+        </p:spPr>
+      </p:pic>
+    </p:spTree>
+  </p:cSld>
+  <p:clrMapOvr>
+    <a:masterClrMapping/>
+  </p:clrMapOvr>
+  <p:transition spd="slow">
+    <p:cut/>
+  </p:transition>
+</p:sld>
+</file>
+
+<file path=ppt/slides/slide7.xml><?xml version="1.0" encoding="utf-8"?>
+<p:sld xmlns:a="http://schemas.openxmlformats.org/drawingml/2006/main" xmlns:r="http://schemas.openxmlformats.org/officeDocument/2006/relationships" xmlns:p="http://schemas.openxmlformats.org/presentationml/2006/main">
+  <p:cSld>
+    <p:spTree>
+      <p:nvGrpSpPr>
         <p:cNvPr id="1" name="Shape 71"/>
         <p:cNvGrpSpPr/>
         <p:nvPr/>
@@ -5292,7 +6028,7 @@
 </p:sld>
 </file>
 
-<file path=ppt/slides/slide6.xml><?xml version="1.0" encoding="utf-8"?>
+<file path=ppt/slides/slide8.xml><?xml version="1.0" encoding="utf-8"?>
 <p:sld xmlns:a="http://schemas.openxmlformats.org/drawingml/2006/main" xmlns:r="http://schemas.openxmlformats.org/officeDocument/2006/relationships" xmlns:p="http://schemas.openxmlformats.org/presentationml/2006/main">
   <p:cSld>
     <p:spTree>
@@ -5546,742 +6282,6 @@
           </a:p>
         </p:txBody>
       </p:sp>
-    </p:spTree>
-  </p:cSld>
-  <p:clrMapOvr>
-    <a:masterClrMapping/>
-  </p:clrMapOvr>
-  <p:transition spd="slow">
-    <p:cut/>
-  </p:transition>
-</p:sld>
-</file>
-
-<file path=ppt/slides/slide7.xml><?xml version="1.0" encoding="utf-8"?>
-<p:sld xmlns:a="http://schemas.openxmlformats.org/drawingml/2006/main" xmlns:r="http://schemas.openxmlformats.org/officeDocument/2006/relationships" xmlns:p="http://schemas.openxmlformats.org/presentationml/2006/main">
-  <p:cSld>
-    <p:spTree>
-      <p:nvGrpSpPr>
-        <p:cNvPr id="1" name="Shape 83"/>
-        <p:cNvGrpSpPr/>
-        <p:nvPr/>
-      </p:nvGrpSpPr>
-      <p:grpSpPr>
-        <a:xfrm>
-          <a:off x="0" y="0"/>
-          <a:ext cx="0" cy="0"/>
-          <a:chOff x="0" y="0"/>
-          <a:chExt cx="0" cy="0"/>
-        </a:xfrm>
-      </p:grpSpPr>
-      <p:sp>
-        <p:nvSpPr>
-          <p:cNvPr id="84" name="Shape 84"/>
-          <p:cNvSpPr txBox="1">
-            <a:spLocks noGrp="1"/>
-          </p:cNvSpPr>
-          <p:nvPr>
-            <p:ph type="title"/>
-          </p:nvPr>
-        </p:nvSpPr>
-        <p:spPr>
-          <a:xfrm>
-            <a:off x="457200" y="139527"/>
-            <a:ext cx="8229600" cy="857400"/>
-          </a:xfrm>
-          <a:prstGeom prst="rect">
-            <a:avLst/>
-          </a:prstGeom>
-        </p:spPr>
-        <p:txBody>
-          <a:bodyPr lIns="91425" tIns="91425" rIns="91425" bIns="91425" anchor="b" anchorCtr="0">
-            <a:noAutofit/>
-          </a:bodyPr>
-          <a:lstStyle/>
-          <a:p>
-            <a:pPr>
-              <a:spcBef>
-                <a:spcPts val="0"/>
-              </a:spcBef>
-              <a:buNone/>
-            </a:pPr>
-            <a:r>
-              <a:rPr lang="es"/>
-              <a:t>Vistas</a:t>
-            </a:r>
-          </a:p>
-        </p:txBody>
-      </p:sp>
-      <p:sp>
-        <p:nvSpPr>
-          <p:cNvPr id="85" name="Shape 85"/>
-          <p:cNvSpPr txBox="1">
-            <a:spLocks noGrp="1"/>
-          </p:cNvSpPr>
-          <p:nvPr>
-            <p:ph type="body" idx="1"/>
-          </p:nvPr>
-        </p:nvSpPr>
-        <p:spPr>
-          <a:xfrm>
-            <a:off x="457200" y="1200150"/>
-            <a:ext cx="8229600" cy="3725699"/>
-          </a:xfrm>
-          <a:prstGeom prst="rect">
-            <a:avLst/>
-          </a:prstGeom>
-        </p:spPr>
-        <p:txBody>
-          <a:bodyPr lIns="91425" tIns="91425" rIns="91425" bIns="91425" anchor="t" anchorCtr="0">
-            <a:noAutofit/>
-          </a:bodyPr>
-          <a:lstStyle/>
-          <a:p>
-            <a:pPr marL="457200" lvl="0" indent="-228600" rtl="0">
-              <a:spcBef>
-                <a:spcPts val="0"/>
-              </a:spcBef>
-              <a:buSzPct val="100000"/>
-            </a:pPr>
-            <a:r>
-              <a:rPr lang="es" sz="1200" dirty="0"/>
-              <a:t>Son ficheros que se ubican bajo el directorio “application/views”, y contienen HTML “salpicado” de marcas </a:t>
-            </a:r>
-            <a:r>
-              <a:rPr lang="es" sz="1200" dirty="0">
-                <a:solidFill>
-                  <a:srgbClr val="0000FF"/>
-                </a:solidFill>
-              </a:rPr>
-              <a:t>&lt;?php … ?&gt;</a:t>
-            </a:r>
-            <a:r>
-              <a:rPr lang="es" sz="1200" dirty="0"/>
-              <a:t> del estilo </a:t>
-            </a:r>
-            <a:r>
-              <a:rPr lang="es" sz="1200" dirty="0">
-                <a:solidFill>
-                  <a:srgbClr val="0000FF"/>
-                </a:solidFill>
-              </a:rPr>
-              <a:t>&lt;?=...?&gt;</a:t>
-            </a:r>
-            <a:r>
-              <a:rPr lang="es" sz="1200" dirty="0"/>
-              <a:t>, </a:t>
-            </a:r>
-            <a:r>
-              <a:rPr lang="es" sz="1200" dirty="0">
-                <a:solidFill>
-                  <a:srgbClr val="0000FF"/>
-                </a:solidFill>
-              </a:rPr>
-              <a:t>&lt;?php foreach …. ?&gt;</a:t>
-            </a:r>
-            <a:r>
-              <a:rPr lang="es" sz="1200" dirty="0"/>
-              <a:t>, etc.</a:t>
-            </a:r>
-          </a:p>
-          <a:p>
-            <a:pPr marL="457200" lvl="0" indent="-228600" rtl="0">
-              <a:spcBef>
-                <a:spcPts val="0"/>
-              </a:spcBef>
-              <a:buSzPct val="100000"/>
-            </a:pPr>
-            <a:r>
-              <a:rPr lang="es" sz="1200" dirty="0"/>
-              <a:t>Se cargan </a:t>
-            </a:r>
-            <a:r>
-              <a:rPr lang="es" sz="1200" u="sng" dirty="0"/>
-              <a:t>desde un controlador</a:t>
-            </a:r>
-            <a:r>
-              <a:rPr lang="es" sz="1200" dirty="0"/>
-              <a:t> mediante </a:t>
-            </a:r>
-            <a:r>
-              <a:rPr lang="es" sz="1200" dirty="0">
-                <a:solidFill>
-                  <a:srgbClr val="A61C00"/>
-                </a:solidFill>
-              </a:rPr>
-              <a:t>$this -&gt; load -&gt; view(‘ficheroVista</a:t>
-            </a:r>
-            <a:r>
-              <a:rPr lang="es" sz="1200" dirty="0" smtClean="0">
-                <a:solidFill>
-                  <a:srgbClr val="A61C00"/>
-                </a:solidFill>
-              </a:rPr>
-              <a:t>’)</a:t>
-            </a:r>
-            <a:endParaRPr lang="es" sz="1200" dirty="0">
-              <a:solidFill>
-                <a:srgbClr val="A61C00"/>
-              </a:solidFill>
-            </a:endParaRPr>
-          </a:p>
-          <a:p>
-            <a:pPr marL="914400" lvl="1" indent="-228600" rtl="0">
-              <a:spcBef>
-                <a:spcPts val="0"/>
-              </a:spcBef>
-              <a:buSzPct val="100000"/>
-            </a:pPr>
-            <a:r>
-              <a:rPr lang="es" sz="1200" dirty="0"/>
-              <a:t>Se cargaría el fichero “</a:t>
-            </a:r>
-            <a:r>
-              <a:rPr lang="es" sz="1200"/>
-              <a:t>application/views/ficheroVista.php</a:t>
-            </a:r>
-            <a:r>
-              <a:rPr lang="es" sz="1200" smtClean="0"/>
-              <a:t>”</a:t>
-            </a:r>
-            <a:endParaRPr lang="es" sz="1200" dirty="0"/>
-          </a:p>
-          <a:p>
-            <a:pPr marL="457200" lvl="0" indent="-228600" rtl="0">
-              <a:spcBef>
-                <a:spcPts val="0"/>
-              </a:spcBef>
-              <a:buSzPct val="100000"/>
-            </a:pPr>
-            <a:r>
-              <a:rPr lang="es" sz="1200" dirty="0"/>
-              <a:t>También se pueden organizar las vistas en carpetas: </a:t>
-            </a:r>
-            <a:r>
-              <a:rPr lang="es" sz="1200" dirty="0">
-                <a:solidFill>
-                  <a:srgbClr val="A61C00"/>
-                </a:solidFill>
-              </a:rPr>
-              <a:t>$this -&gt; load -&gt;view(‘c1/c2/ficheroVista’)</a:t>
-            </a:r>
-          </a:p>
-          <a:p>
-            <a:pPr marL="914400" lvl="1" indent="-228600" rtl="0">
-              <a:spcBef>
-                <a:spcPts val="0"/>
-              </a:spcBef>
-              <a:buSzPct val="100000"/>
-            </a:pPr>
-            <a:r>
-              <a:rPr lang="es" sz="1200" dirty="0"/>
-              <a:t>Cargaría el fichero “application/views/c1/c2/ficheroVista.php</a:t>
-            </a:r>
-            <a:r>
-              <a:rPr lang="es" sz="1200" dirty="0" smtClean="0"/>
-              <a:t>”</a:t>
-            </a:r>
-            <a:endParaRPr lang="es" sz="1200" dirty="0"/>
-          </a:p>
-          <a:p>
-            <a:pPr marL="457200" lvl="0" indent="-228600" rtl="0">
-              <a:spcBef>
-                <a:spcPts val="0"/>
-              </a:spcBef>
-              <a:buSzPct val="100000"/>
-            </a:pPr>
-            <a:r>
-              <a:rPr lang="es" sz="1200" dirty="0"/>
-              <a:t>Se le pueden pasar datos de la siguiente manera:</a:t>
-            </a:r>
-          </a:p>
-          <a:p>
-            <a:pPr marL="914400" lvl="1" indent="-228600" rtl="0">
-              <a:spcBef>
-                <a:spcPts val="0"/>
-              </a:spcBef>
-              <a:buSzPct val="100000"/>
-            </a:pPr>
-            <a:r>
-              <a:rPr lang="es" sz="1200" dirty="0">
-                <a:solidFill>
-                  <a:srgbClr val="A61C00"/>
-                </a:solidFill>
-              </a:rPr>
-              <a:t>$this -&gt; load -&gt; view(‘ficheroVista’,$datos)</a:t>
-            </a:r>
-            <a:r>
-              <a:rPr lang="es" sz="1200" dirty="0"/>
-              <a:t>, donde $datos suele ser un array asociativo del estilo:</a:t>
-            </a:r>
-          </a:p>
-          <a:p>
-            <a:pPr marL="1371600" lvl="2" indent="-228600" rtl="0">
-              <a:spcBef>
-                <a:spcPts val="0"/>
-              </a:spcBef>
-              <a:buSzPct val="100000"/>
-            </a:pPr>
-            <a:r>
-              <a:rPr lang="es" sz="1200" dirty="0"/>
-              <a:t>$datos = [ ‘dato1’ =&gt; valor1, ‘dato2’ =&gt; valor2 , ….. ]</a:t>
-            </a:r>
-          </a:p>
-          <a:p>
-            <a:pPr marL="457200" lvl="0" indent="-228600" rtl="0">
-              <a:spcBef>
-                <a:spcPts val="0"/>
-              </a:spcBef>
-              <a:buSzPct val="100000"/>
-            </a:pPr>
-            <a:r>
-              <a:rPr lang="es" sz="1200" dirty="0"/>
-              <a:t>Los datos pasados de la forma anterior se pueden recuperar en las vistas así de sencillo.</a:t>
-            </a:r>
-          </a:p>
-          <a:p>
-            <a:pPr marL="914400" lvl="1" indent="-228600" rtl="0">
-              <a:spcBef>
-                <a:spcPts val="0"/>
-              </a:spcBef>
-              <a:buSzPct val="100000"/>
-            </a:pPr>
-            <a:r>
-              <a:rPr lang="es" sz="1200" dirty="0"/>
-              <a:t>Ej: </a:t>
-            </a:r>
-            <a:r>
-              <a:rPr lang="es" sz="1200" dirty="0">
-                <a:solidFill>
-                  <a:srgbClr val="38761D"/>
-                </a:solidFill>
-              </a:rPr>
-              <a:t>&lt;body&gt; …. El valor del dato1 es: </a:t>
-            </a:r>
-            <a:r>
-              <a:rPr lang="es" sz="1200" dirty="0">
-                <a:solidFill>
-                  <a:srgbClr val="0000FF"/>
-                </a:solidFill>
-              </a:rPr>
-              <a:t>&lt;?= $dato1 ?&gt;</a:t>
-            </a:r>
-            <a:r>
-              <a:rPr lang="es" sz="1200" dirty="0">
-                <a:solidFill>
-                  <a:srgbClr val="38761D"/>
-                </a:solidFill>
-              </a:rPr>
-              <a:t> &lt;/body&gt;</a:t>
-            </a:r>
-          </a:p>
-          <a:p>
-            <a:pPr marL="457200" lvl="0" indent="-228600" rtl="0">
-              <a:spcBef>
-                <a:spcPts val="0"/>
-              </a:spcBef>
-              <a:buClr>
-                <a:srgbClr val="000000"/>
-              </a:buClr>
-              <a:buSzPct val="100000"/>
-            </a:pPr>
-            <a:r>
-              <a:rPr lang="es" sz="1200" dirty="0">
-                <a:solidFill>
-                  <a:srgbClr val="000000"/>
-                </a:solidFill>
-              </a:rPr>
-              <a:t>También se pueden pasar datos desde el controlador empaquetados en objetos. En ese caso, en lugar de aludir a los índices del array asociativo, aludiremos a los </a:t>
-            </a:r>
-            <a:r>
-              <a:rPr lang="es" sz="1200" u="sng" dirty="0">
-                <a:solidFill>
-                  <a:srgbClr val="000000"/>
-                </a:solidFill>
-              </a:rPr>
-              <a:t>atributos</a:t>
-            </a:r>
-            <a:r>
-              <a:rPr lang="es" sz="1200" dirty="0">
-                <a:solidFill>
-                  <a:srgbClr val="000000"/>
-                </a:solidFill>
-              </a:rPr>
-              <a:t> del objeto.</a:t>
-            </a:r>
-          </a:p>
-          <a:p>
-            <a:pPr marL="457200" lvl="0" indent="-228600" rtl="0">
-              <a:spcBef>
-                <a:spcPts val="0"/>
-              </a:spcBef>
-              <a:buClr>
-                <a:srgbClr val="000000"/>
-              </a:buClr>
-              <a:buSzPct val="100000"/>
-            </a:pPr>
-            <a:r>
-              <a:rPr lang="es" sz="1200" dirty="0">
-                <a:solidFill>
-                  <a:srgbClr val="000000"/>
-                </a:solidFill>
-              </a:rPr>
-              <a:t>Se puede obtener el código HTML de la vista en lugar de desplegarla poniendo el último parámetro de view a true.</a:t>
-            </a:r>
-          </a:p>
-          <a:p>
-            <a:pPr marL="914400" lvl="1" indent="-228600" rtl="0">
-              <a:spcBef>
-                <a:spcPts val="0"/>
-              </a:spcBef>
-              <a:buClr>
-                <a:srgbClr val="000000"/>
-              </a:buClr>
-              <a:buSzPct val="100000"/>
-            </a:pPr>
-            <a:r>
-              <a:rPr lang="es" sz="1200" dirty="0">
-                <a:solidFill>
-                  <a:srgbClr val="A61C00"/>
-                </a:solidFill>
-              </a:rPr>
-              <a:t>$this -&gt; load -&gt; view(‘miVista’)</a:t>
-            </a:r>
-            <a:r>
-              <a:rPr lang="es" sz="1200" dirty="0">
-                <a:solidFill>
-                  <a:srgbClr val="000000"/>
-                </a:solidFill>
-              </a:rPr>
-              <a:t>  transmitiría vía HTTP el código HTML al navegador.</a:t>
-            </a:r>
-          </a:p>
-          <a:p>
-            <a:pPr marL="914400" lvl="1" indent="-228600" rtl="0">
-              <a:spcBef>
-                <a:spcPts val="0"/>
-              </a:spcBef>
-              <a:buClr>
-                <a:srgbClr val="000000"/>
-              </a:buClr>
-              <a:buSzPct val="100000"/>
-            </a:pPr>
-            <a:r>
-              <a:rPr lang="es" sz="1200" dirty="0">
-                <a:solidFill>
-                  <a:srgbClr val="A61C00"/>
-                </a:solidFill>
-              </a:rPr>
-              <a:t>$codigoVista = $this -&gt; load -&gt; view(‘miVista’,’’,true)</a:t>
-            </a:r>
-            <a:r>
-              <a:rPr lang="es" sz="1200" dirty="0">
-                <a:solidFill>
-                  <a:srgbClr val="000000"/>
-                </a:solidFill>
-              </a:rPr>
-              <a:t>  guardaría en $codigoVista el string que contiene el HTML de la vista.</a:t>
-            </a:r>
-          </a:p>
-          <a:p>
-            <a:pPr marL="457200" lvl="0" indent="-228600" rtl="0">
-              <a:spcBef>
-                <a:spcPts val="0"/>
-              </a:spcBef>
-              <a:buClr>
-                <a:srgbClr val="000000"/>
-              </a:buClr>
-              <a:buSzPct val="100000"/>
-            </a:pPr>
-            <a:r>
-              <a:rPr lang="es" sz="1200" dirty="0">
-                <a:solidFill>
-                  <a:srgbClr val="000000"/>
-                </a:solidFill>
-              </a:rPr>
-              <a:t>Se pueden utilizar helpers en el código de las vistas para facilitar su despliegue.</a:t>
-            </a:r>
-          </a:p>
-        </p:txBody>
-      </p:sp>
-    </p:spTree>
-  </p:cSld>
-  <p:clrMapOvr>
-    <a:masterClrMapping/>
-  </p:clrMapOvr>
-  <p:transition spd="slow">
-    <p:cut/>
-  </p:transition>
-</p:sld>
-</file>
-
-<file path=ppt/slides/slide8.xml><?xml version="1.0" encoding="utf-8"?>
-<p:sld xmlns:a="http://schemas.openxmlformats.org/drawingml/2006/main" xmlns:r="http://schemas.openxmlformats.org/officeDocument/2006/relationships" xmlns:p="http://schemas.openxmlformats.org/presentationml/2006/main">
-  <p:cSld>
-    <p:spTree>
-      <p:nvGrpSpPr>
-        <p:cNvPr id="1" name="Shape 89"/>
-        <p:cNvGrpSpPr/>
-        <p:nvPr/>
-      </p:nvGrpSpPr>
-      <p:grpSpPr>
-        <a:xfrm>
-          <a:off x="0" y="0"/>
-          <a:ext cx="0" cy="0"/>
-          <a:chOff x="0" y="0"/>
-          <a:chExt cx="0" cy="0"/>
-        </a:xfrm>
-      </p:grpSpPr>
-      <p:sp>
-        <p:nvSpPr>
-          <p:cNvPr id="90" name="Shape 90"/>
-          <p:cNvSpPr txBox="1">
-            <a:spLocks noGrp="1"/>
-          </p:cNvSpPr>
-          <p:nvPr>
-            <p:ph type="title"/>
-          </p:nvPr>
-        </p:nvSpPr>
-        <p:spPr>
-          <a:xfrm>
-            <a:off x="457200" y="139527"/>
-            <a:ext cx="8229600" cy="857400"/>
-          </a:xfrm>
-          <a:prstGeom prst="rect">
-            <a:avLst/>
-          </a:prstGeom>
-        </p:spPr>
-        <p:txBody>
-          <a:bodyPr lIns="91425" tIns="91425" rIns="91425" bIns="91425" anchor="b" anchorCtr="0">
-            <a:noAutofit/>
-          </a:bodyPr>
-          <a:lstStyle/>
-          <a:p>
-            <a:pPr>
-              <a:spcBef>
-                <a:spcPts val="0"/>
-              </a:spcBef>
-              <a:buNone/>
-            </a:pPr>
-            <a:r>
-              <a:rPr lang="es"/>
-              <a:t>Helpers</a:t>
-            </a:r>
-          </a:p>
-        </p:txBody>
-      </p:sp>
-      <p:sp>
-        <p:nvSpPr>
-          <p:cNvPr id="91" name="Shape 91"/>
-          <p:cNvSpPr txBox="1">
-            <a:spLocks noGrp="1"/>
-          </p:cNvSpPr>
-          <p:nvPr>
-            <p:ph type="body" idx="1"/>
-          </p:nvPr>
-        </p:nvSpPr>
-        <p:spPr>
-          <a:xfrm>
-            <a:off x="457200" y="1200150"/>
-            <a:ext cx="6834599" cy="3725699"/>
-          </a:xfrm>
-          <a:prstGeom prst="rect">
-            <a:avLst/>
-          </a:prstGeom>
-        </p:spPr>
-        <p:txBody>
-          <a:bodyPr lIns="91425" tIns="91425" rIns="91425" bIns="91425" anchor="t" anchorCtr="0">
-            <a:noAutofit/>
-          </a:bodyPr>
-          <a:lstStyle/>
-          <a:p>
-            <a:pPr marL="457200" lvl="0" indent="-228600" rtl="0">
-              <a:spcBef>
-                <a:spcPts val="0"/>
-              </a:spcBef>
-              <a:buSzPct val="100000"/>
-            </a:pPr>
-            <a:r>
-              <a:rPr lang="es" sz="1800"/>
-              <a:t>Son librerías que nos ayudan a realizar el código de manera más sencilla</a:t>
-            </a:r>
-          </a:p>
-          <a:p>
-            <a:pPr marL="457200" lvl="0" indent="-228600" rtl="0">
-              <a:spcBef>
-                <a:spcPts val="0"/>
-              </a:spcBef>
-              <a:buSzPct val="100000"/>
-            </a:pPr>
-            <a:r>
-              <a:rPr lang="es" sz="1800"/>
-              <a:t>Se cargan así:</a:t>
-            </a:r>
-          </a:p>
-          <a:p>
-            <a:pPr marL="914400" lvl="1" indent="-228600" rtl="0">
-              <a:spcBef>
-                <a:spcPts val="0"/>
-              </a:spcBef>
-              <a:buClr>
-                <a:srgbClr val="980000"/>
-              </a:buClr>
-              <a:buSzPct val="100000"/>
-            </a:pPr>
-            <a:r>
-              <a:rPr lang="es" sz="1800">
-                <a:solidFill>
-                  <a:srgbClr val="980000"/>
-                </a:solidFill>
-              </a:rPr>
-              <a:t>$this -&gt; load -&gt; helper (‘nombre_del_helper’)</a:t>
-            </a:r>
-          </a:p>
-          <a:p>
-            <a:pPr marL="914400" lvl="1" indent="-228600" rtl="0">
-              <a:spcBef>
-                <a:spcPts val="0"/>
-              </a:spcBef>
-              <a:buSzPct val="100000"/>
-            </a:pPr>
-            <a:r>
-              <a:rPr lang="es" sz="1800"/>
-              <a:t>Ej: </a:t>
-            </a:r>
-            <a:r>
-              <a:rPr lang="es" sz="1800">
-                <a:solidFill>
-                  <a:srgbClr val="980000"/>
-                </a:solidFill>
-              </a:rPr>
-              <a:t>$this -&gt; load -&gt; helper (‘url’)</a:t>
-            </a:r>
-          </a:p>
-          <a:p>
-            <a:pPr marL="457200" lvl="0" indent="-228600" rtl="0">
-              <a:spcBef>
-                <a:spcPts val="0"/>
-              </a:spcBef>
-              <a:buSzPct val="100000"/>
-            </a:pPr>
-            <a:r>
-              <a:rPr lang="es" sz="1800"/>
-              <a:t>Una vez cargados se pueden utilizar sus funciones dentro del código.</a:t>
-            </a:r>
-          </a:p>
-          <a:p>
-            <a:pPr marL="914400" lvl="1" indent="-228600" rtl="0">
-              <a:spcBef>
-                <a:spcPts val="0"/>
-              </a:spcBef>
-              <a:buSzPct val="100000"/>
-            </a:pPr>
-            <a:r>
-              <a:rPr lang="es" sz="1800"/>
-              <a:t>Ej: </a:t>
-            </a:r>
-            <a:r>
-              <a:rPr lang="es" sz="1800" b="1">
-                <a:solidFill>
-                  <a:srgbClr val="980000"/>
-                </a:solidFill>
-              </a:rPr>
-              <a:t>&lt;?=</a:t>
-            </a:r>
-            <a:r>
-              <a:rPr lang="es" sz="1800"/>
-              <a:t> </a:t>
-            </a:r>
-            <a:r>
-              <a:rPr lang="es" sz="1800">
-                <a:solidFill>
-                  <a:srgbClr val="0000FF"/>
-                </a:solidFill>
-              </a:rPr>
-              <a:t>anchor('blog/comentarios’, 'Pincha aquí')</a:t>
-            </a:r>
-            <a:r>
-              <a:rPr lang="es" sz="1800"/>
-              <a:t> </a:t>
-            </a:r>
-            <a:r>
-              <a:rPr lang="es" sz="1800" b="1">
-                <a:solidFill>
-                  <a:srgbClr val="980000"/>
-                </a:solidFill>
-              </a:rPr>
-              <a:t>?&gt;</a:t>
-            </a:r>
-          </a:p>
-          <a:p>
-            <a:pPr marL="1371600" lvl="2" indent="-228600" rtl="0">
-              <a:spcBef>
-                <a:spcPts val="0"/>
-              </a:spcBef>
-              <a:buSzPct val="100000"/>
-            </a:pPr>
-            <a:r>
-              <a:rPr lang="es" sz="1800"/>
-              <a:t>Devuelve el código HTML de un link</a:t>
-            </a:r>
-          </a:p>
-          <a:p>
-            <a:pPr marL="457200" lvl="0" indent="-228600">
-              <a:spcBef>
-                <a:spcPts val="0"/>
-              </a:spcBef>
-              <a:buSzPct val="100000"/>
-            </a:pPr>
-            <a:r>
-              <a:rPr lang="es" sz="1800"/>
-              <a:t>Para ver una descripción de todos los helpers de CodeIgniter, pincha </a:t>
-            </a:r>
-            <a:r>
-              <a:rPr lang="es" sz="1800" u="sng">
-                <a:solidFill>
-                  <a:schemeClr val="hlink"/>
-                </a:solidFill>
-                <a:hlinkClick r:id="rId3"/>
-              </a:rPr>
-              <a:t>aquí</a:t>
-            </a:r>
-          </a:p>
-        </p:txBody>
-      </p:sp>
-      <p:pic>
-        <p:nvPicPr>
-          <p:cNvPr id="92" name="Shape 92"/>
-          <p:cNvPicPr preferRelativeResize="0"/>
-          <p:nvPr/>
-        </p:nvPicPr>
-        <p:blipFill>
-          <a:blip r:embed="rId4">
-            <a:alphaModFix/>
-          </a:blip>
-          <a:stretch>
-            <a:fillRect/>
-          </a:stretch>
-        </p:blipFill>
-        <p:spPr>
-          <a:xfrm>
-            <a:off x="7413700" y="1200150"/>
-            <a:ext cx="1213024" cy="3768499"/>
-          </a:xfrm>
-          <a:prstGeom prst="rect">
-            <a:avLst/>
-          </a:prstGeom>
-          <a:noFill/>
-          <a:ln w="9525" cap="flat" cmpd="sng">
-            <a:solidFill>
-              <a:srgbClr val="980000"/>
-            </a:solidFill>
-            <a:prstDash val="solid"/>
-            <a:round/>
-            <a:headEnd type="none" w="med" len="med"/>
-            <a:tailEnd type="none" w="med" len="med"/>
-          </a:ln>
-        </p:spPr>
-      </p:pic>
     </p:spTree>
   </p:cSld>
   <p:clrMapOvr>

--- a/Servidor/Temas/1_7_2 - Code Igniter básico.pptx
+++ b/Servidor/Temas/1_7_2 - Code Igniter básico.pptx
@@ -5264,14 +5264,10 @@
             </a:pPr>
             <a:r>
               <a:rPr lang="es" sz="1200" dirty="0"/>
-              <a:t>Se cargaría el fichero “</a:t>
-            </a:r>
-            <a:r>
-              <a:rPr lang="es" sz="1200"/>
-              <a:t>application/views/ficheroVista.php</a:t>
-            </a:r>
-            <a:r>
-              <a:rPr lang="es" sz="1200" smtClean="0"/>
+              <a:t>Se cargaría el fichero “application/views/ficheroVista.php</a:t>
+            </a:r>
+            <a:r>
+              <a:rPr lang="es" sz="1200" dirty="0" smtClean="0"/>
               <a:t>”</a:t>
             </a:r>
             <a:endParaRPr lang="es" sz="1200" dirty="0"/>
@@ -5529,8 +5525,63 @@
                   <a:srgbClr val="000000"/>
                 </a:solidFill>
               </a:rPr>
-              <a:t>Se pueden utilizar helpers en el código de las vistas para facilitar su despliegue.</a:t>
-            </a:r>
+              <a:t>Se pueden utilizar helpers en el código de las vistas para facilitar su despliegue</a:t>
+            </a:r>
+            <a:r>
+              <a:rPr lang="es" sz="1200" dirty="0" smtClean="0">
+                <a:solidFill>
+                  <a:srgbClr val="000000"/>
+                </a:solidFill>
+              </a:rPr>
+              <a:t>.</a:t>
+            </a:r>
+          </a:p>
+          <a:p>
+            <a:pPr marL="457200" indent="-228600">
+              <a:buClr>
+                <a:srgbClr val="000000"/>
+              </a:buClr>
+            </a:pPr>
+            <a:r>
+              <a:rPr lang="es-ES" sz="1200" dirty="0">
+                <a:solidFill>
+                  <a:srgbClr val="000000"/>
+                </a:solidFill>
+              </a:rPr>
+              <a:t>En los link y los “</a:t>
+            </a:r>
+            <a:r>
+              <a:rPr lang="es-ES" sz="1200" dirty="0" err="1">
+                <a:solidFill>
+                  <a:srgbClr val="000000"/>
+                </a:solidFill>
+              </a:rPr>
+              <a:t>action</a:t>
+            </a:r>
+            <a:r>
+              <a:rPr lang="es-ES" sz="1200" dirty="0">
+                <a:solidFill>
+                  <a:srgbClr val="000000"/>
+                </a:solidFill>
+              </a:rPr>
+              <a:t>” basta con poner el nombre del controlador y la acción (ruta relativa)</a:t>
+            </a:r>
+          </a:p>
+          <a:p>
+            <a:pPr marL="457200" lvl="0" indent="-228600" rtl="0">
+              <a:spcBef>
+                <a:spcPts val="0"/>
+              </a:spcBef>
+              <a:buClr>
+                <a:srgbClr val="000000"/>
+              </a:buClr>
+              <a:buSzPct val="100000"/>
+            </a:pPr>
+            <a:endParaRPr lang="es" sz="1200" dirty="0">
+              <a:solidFill>
+                <a:srgbClr val="000000"/>
+              </a:solidFill>
+            </a:endParaRPr>
           </a:p>
         </p:txBody>
       </p:sp>

--- a/Servidor/Temas/1_7_2 - Code Igniter básico.pptx
+++ b/Servidor/Temas/1_7_2 - Code Igniter básico.pptx
@@ -1,27 +1,27 @@
 
 <file path=ppt/presentation.xml><?xml version="1.0" encoding="utf-8"?>
-<p:presentation xmlns:a="http://schemas.openxmlformats.org/drawingml/2006/main" xmlns:r="http://schemas.openxmlformats.org/officeDocument/2006/relationships" xmlns:p="http://schemas.openxmlformats.org/presentationml/2006/main" strictFirstAndLastChars="0" saveSubsetFonts="1" autoCompressPictures="0">
+<p:presentation xmlns:a="http://schemas.openxmlformats.org/drawingml/2006/main" xmlns:r="http://schemas.openxmlformats.org/officeDocument/2006/relationships" xmlns:mc="http://schemas.openxmlformats.org/markup-compatibility/2006" xmlns:mv="urn:schemas-microsoft-com:mac:vml" xmlns:p="http://schemas.openxmlformats.org/presentationml/2006/main" xmlns:c="http://schemas.openxmlformats.org/drawingml/2006/chart" xmlns:dgm="http://schemas.openxmlformats.org/drawingml/2006/diagram" xmlns:o="urn:schemas-microsoft-com:office:office" xmlns:v="urn:schemas-microsoft-com:vml" xmlns:pvml="urn:schemas-microsoft-com:office:powerpoint" xmlns:com="http://schemas.openxmlformats.org/drawingml/2006/compatibility" xmlns:p14="http://schemas.microsoft.com/office/powerpoint/2010/main" autoCompressPictures="0" strictFirstAndLastChars="0" saveSubsetFonts="1">
   <p:sldMasterIdLst>
-    <p:sldMasterId id="2147483654" r:id="rId1"/>
+    <p:sldMasterId id="2147483654" r:id="rId3"/>
   </p:sldMasterIdLst>
   <p:notesMasterIdLst>
-    <p:notesMasterId r:id="rId11"/>
+    <p:notesMasterId r:id="rId4"/>
   </p:notesMasterIdLst>
   <p:sldIdLst>
-    <p:sldId id="256" r:id="rId2"/>
-    <p:sldId id="257" r:id="rId3"/>
-    <p:sldId id="258" r:id="rId4"/>
-    <p:sldId id="259" r:id="rId5"/>
-    <p:sldId id="262" r:id="rId6"/>
-    <p:sldId id="263" r:id="rId7"/>
-    <p:sldId id="260" r:id="rId8"/>
-    <p:sldId id="261" r:id="rId9"/>
-    <p:sldId id="264" r:id="rId10"/>
+    <p:sldId id="256" r:id="rId5"/>
+    <p:sldId id="257" r:id="rId6"/>
+    <p:sldId id="258" r:id="rId7"/>
+    <p:sldId id="259" r:id="rId8"/>
+    <p:sldId id="260" r:id="rId9"/>
+    <p:sldId id="261" r:id="rId10"/>
+    <p:sldId id="262" r:id="rId11"/>
+    <p:sldId id="263" r:id="rId12"/>
+    <p:sldId id="264" r:id="rId13"/>
   </p:sldIdLst>
-  <p:sldSz cx="9144000" cy="5143500" type="screen16x9"/>
+  <p:sldSz cy="5143500" cx="9144000"/>
   <p:notesSz cx="6858000" cy="9144000"/>
   <p:defaultTextStyle>
-    <a:defPPr marR="0" algn="l" rtl="0">
+    <a:defPPr lvl="0" marR="0" rtl="0" algn="l">
       <a:lnSpc>
         <a:spcPct val="100000"/>
       </a:lnSpc>
@@ -32,7 +32,7 @@
         <a:spcPts val="0"/>
       </a:spcAft>
     </a:defPPr>
-    <a:lvl1pPr marR="0" algn="l" rtl="0">
+    <a:lvl1pPr lvl="0" marR="0" rtl="0" algn="l">
       <a:lnSpc>
         <a:spcPct val="100000"/>
       </a:lnSpc>
@@ -43,7 +43,7 @@
         <a:spcPts val="0"/>
       </a:spcAft>
       <a:buNone/>
-      <a:defRPr sz="1400" b="0" i="0" u="none" strike="noStrike" cap="none" baseline="0">
+      <a:defRPr b="0" i="0" sz="1400" u="none" cap="none" strike="noStrike">
         <a:solidFill>
           <a:srgbClr val="000000"/>
         </a:solidFill>
@@ -54,7 +54,7 @@
         <a:rtl val="0"/>
       </a:defRPr>
     </a:lvl1pPr>
-    <a:lvl2pPr marR="0" algn="l" rtl="0">
+    <a:lvl2pPr lvl="1" marR="0" rtl="0" algn="l">
       <a:lnSpc>
         <a:spcPct val="100000"/>
       </a:lnSpc>
@@ -65,7 +65,7 @@
         <a:spcPts val="0"/>
       </a:spcAft>
       <a:buNone/>
-      <a:defRPr sz="1400" b="0" i="0" u="none" strike="noStrike" cap="none" baseline="0">
+      <a:defRPr b="0" i="0" sz="1400" u="none" cap="none" strike="noStrike">
         <a:solidFill>
           <a:srgbClr val="000000"/>
         </a:solidFill>
@@ -76,7 +76,7 @@
         <a:rtl val="0"/>
       </a:defRPr>
     </a:lvl2pPr>
-    <a:lvl3pPr marR="0" algn="l" rtl="0">
+    <a:lvl3pPr lvl="2" marR="0" rtl="0" algn="l">
       <a:lnSpc>
         <a:spcPct val="100000"/>
       </a:lnSpc>
@@ -87,7 +87,7 @@
         <a:spcPts val="0"/>
       </a:spcAft>
       <a:buNone/>
-      <a:defRPr sz="1400" b="0" i="0" u="none" strike="noStrike" cap="none" baseline="0">
+      <a:defRPr b="0" i="0" sz="1400" u="none" cap="none" strike="noStrike">
         <a:solidFill>
           <a:srgbClr val="000000"/>
         </a:solidFill>
@@ -98,7 +98,7 @@
         <a:rtl val="0"/>
       </a:defRPr>
     </a:lvl3pPr>
-    <a:lvl4pPr marR="0" algn="l" rtl="0">
+    <a:lvl4pPr lvl="3" marR="0" rtl="0" algn="l">
       <a:lnSpc>
         <a:spcPct val="100000"/>
       </a:lnSpc>
@@ -109,7 +109,7 @@
         <a:spcPts val="0"/>
       </a:spcAft>
       <a:buNone/>
-      <a:defRPr sz="1400" b="0" i="0" u="none" strike="noStrike" cap="none" baseline="0">
+      <a:defRPr b="0" i="0" sz="1400" u="none" cap="none" strike="noStrike">
         <a:solidFill>
           <a:srgbClr val="000000"/>
         </a:solidFill>
@@ -120,7 +120,7 @@
         <a:rtl val="0"/>
       </a:defRPr>
     </a:lvl4pPr>
-    <a:lvl5pPr marR="0" algn="l" rtl="0">
+    <a:lvl5pPr lvl="4" marR="0" rtl="0" algn="l">
       <a:lnSpc>
         <a:spcPct val="100000"/>
       </a:lnSpc>
@@ -131,7 +131,7 @@
         <a:spcPts val="0"/>
       </a:spcAft>
       <a:buNone/>
-      <a:defRPr sz="1400" b="0" i="0" u="none" strike="noStrike" cap="none" baseline="0">
+      <a:defRPr b="0" i="0" sz="1400" u="none" cap="none" strike="noStrike">
         <a:solidFill>
           <a:srgbClr val="000000"/>
         </a:solidFill>
@@ -142,7 +142,7 @@
         <a:rtl val="0"/>
       </a:defRPr>
     </a:lvl5pPr>
-    <a:lvl6pPr marR="0" algn="l" rtl="0">
+    <a:lvl6pPr lvl="5" marR="0" rtl="0" algn="l">
       <a:lnSpc>
         <a:spcPct val="100000"/>
       </a:lnSpc>
@@ -153,7 +153,7 @@
         <a:spcPts val="0"/>
       </a:spcAft>
       <a:buNone/>
-      <a:defRPr sz="1400" b="0" i="0" u="none" strike="noStrike" cap="none" baseline="0">
+      <a:defRPr b="0" i="0" sz="1400" u="none" cap="none" strike="noStrike">
         <a:solidFill>
           <a:srgbClr val="000000"/>
         </a:solidFill>
@@ -164,7 +164,7 @@
         <a:rtl val="0"/>
       </a:defRPr>
     </a:lvl6pPr>
-    <a:lvl7pPr marR="0" algn="l" rtl="0">
+    <a:lvl7pPr lvl="6" marR="0" rtl="0" algn="l">
       <a:lnSpc>
         <a:spcPct val="100000"/>
       </a:lnSpc>
@@ -175,7 +175,7 @@
         <a:spcPts val="0"/>
       </a:spcAft>
       <a:buNone/>
-      <a:defRPr sz="1400" b="0" i="0" u="none" strike="noStrike" cap="none" baseline="0">
+      <a:defRPr b="0" i="0" sz="1400" u="none" cap="none" strike="noStrike">
         <a:solidFill>
           <a:srgbClr val="000000"/>
         </a:solidFill>
@@ -186,7 +186,7 @@
         <a:rtl val="0"/>
       </a:defRPr>
     </a:lvl7pPr>
-    <a:lvl8pPr marR="0" algn="l" rtl="0">
+    <a:lvl8pPr lvl="7" marR="0" rtl="0" algn="l">
       <a:lnSpc>
         <a:spcPct val="100000"/>
       </a:lnSpc>
@@ -197,7 +197,7 @@
         <a:spcPts val="0"/>
       </a:spcAft>
       <a:buNone/>
-      <a:defRPr sz="1400" b="0" i="0" u="none" strike="noStrike" cap="none" baseline="0">
+      <a:defRPr b="0" i="0" sz="1400" u="none" cap="none" strike="noStrike">
         <a:solidFill>
           <a:srgbClr val="000000"/>
         </a:solidFill>
@@ -208,7 +208,7 @@
         <a:rtl val="0"/>
       </a:defRPr>
     </a:lvl8pPr>
-    <a:lvl9pPr marR="0" algn="l" rtl="0">
+    <a:lvl9pPr lvl="8" marR="0" rtl="0" algn="l">
       <a:lnSpc>
         <a:spcPct val="100000"/>
       </a:lnSpc>
@@ -219,7 +219,7 @@
         <a:spcPts val="0"/>
       </a:spcAft>
       <a:buNone/>
-      <a:defRPr sz="1400" b="0" i="0" u="none" strike="noStrike" cap="none" baseline="0">
+      <a:defRPr b="0" i="0" sz="1400" u="none" cap="none" strike="noStrike">
         <a:solidFill>
           <a:srgbClr val="000000"/>
         </a:solidFill>
@@ -235,16 +235,11 @@
 </file>
 
 <file path=ppt/notesMasters/notesMaster1.xml><?xml version="1.0" encoding="utf-8"?>
-<p:notesMaster xmlns:a="http://schemas.openxmlformats.org/drawingml/2006/main" xmlns:r="http://schemas.openxmlformats.org/officeDocument/2006/relationships" xmlns:p="http://schemas.openxmlformats.org/presentationml/2006/main">
+<p:notesMaster xmlns:a="http://schemas.openxmlformats.org/drawingml/2006/main" xmlns:r="http://schemas.openxmlformats.org/officeDocument/2006/relationships" xmlns:mc="http://schemas.openxmlformats.org/markup-compatibility/2006" xmlns:mv="urn:schemas-microsoft-com:mac:vml" xmlns:p="http://schemas.openxmlformats.org/presentationml/2006/main" xmlns:c="http://schemas.openxmlformats.org/drawingml/2006/chart" xmlns:dgm="http://schemas.openxmlformats.org/drawingml/2006/diagram" xmlns:o="urn:schemas-microsoft-com:office:office" xmlns:v="urn:schemas-microsoft-com:vml" xmlns:pvml="urn:schemas-microsoft-com:office:powerpoint" xmlns:com="http://schemas.openxmlformats.org/drawingml/2006/compatibility" xmlns:p14="http://schemas.microsoft.com/office/powerpoint/2010/main">
   <p:cSld>
-    <p:bg>
-      <p:bgRef idx="1001">
-        <a:schemeClr val="bg1"/>
-      </p:bgRef>
-    </p:bg>
     <p:spTree>
       <p:nvGrpSpPr>
-        <p:cNvPr id="1" name="Shape 1"/>
+        <p:cNvPr id="2" name="Shape 2"/>
         <p:cNvGrpSpPr/>
         <p:nvPr/>
       </p:nvGrpSpPr>
@@ -258,12 +253,10 @@
       </p:grpSpPr>
       <p:sp>
         <p:nvSpPr>
-          <p:cNvPr id="2" name="Shape 2"/>
-          <p:cNvSpPr>
-            <a:spLocks noGrp="1" noRot="1" noChangeAspect="1"/>
-          </p:cNvSpPr>
+          <p:cNvPr id="3" name="Shape 3"/>
+          <p:cNvSpPr/>
           <p:nvPr>
-            <p:ph type="sldImg" idx="2"/>
+            <p:ph idx="2" type="sldImg"/>
           </p:nvPr>
         </p:nvSpPr>
         <p:spPr>
@@ -272,13 +265,8 @@
             <a:ext cx="6096075" cy="3429000"/>
           </a:xfrm>
           <a:custGeom>
-            <a:avLst/>
-            <a:gdLst/>
-            <a:ahLst/>
-            <a:cxnLst/>
-            <a:rect l="0" t="0" r="0" b="0"/>
             <a:pathLst>
-              <a:path w="120000" h="120000" extrusionOk="0">
+              <a:path extrusionOk="0" h="120000" w="120000">
                 <a:moveTo>
                   <a:pt x="0" y="0"/>
                 </a:moveTo>
@@ -296,25 +284,23 @@
             </a:pathLst>
           </a:custGeom>
           <a:noFill/>
-          <a:ln w="9525" cap="flat" cmpd="sng">
+          <a:ln cap="flat" cmpd="sng" w="9525">
             <a:solidFill>
               <a:srgbClr val="000000"/>
             </a:solidFill>
             <a:prstDash val="solid"/>
             <a:round/>
-            <a:headEnd type="none" w="med" len="med"/>
-            <a:tailEnd type="none" w="med" len="med"/>
+            <a:headEnd len="med" w="med" type="none"/>
+            <a:tailEnd len="med" w="med" type="none"/>
           </a:ln>
         </p:spPr>
       </p:sp>
       <p:sp>
         <p:nvSpPr>
-          <p:cNvPr id="3" name="Shape 3"/>
-          <p:cNvSpPr txBox="1">
-            <a:spLocks noGrp="1"/>
-          </p:cNvSpPr>
+          <p:cNvPr id="4" name="Shape 4"/>
+          <p:cNvSpPr txBox="1"/>
           <p:nvPr>
-            <p:ph type="body" idx="1"/>
+            <p:ph idx="1" type="body"/>
           </p:nvPr>
         </p:nvSpPr>
         <p:spPr>
@@ -331,177 +317,78 @@
           </a:ln>
         </p:spPr>
         <p:txBody>
-          <a:bodyPr lIns="91425" tIns="91425" rIns="91425" bIns="91425" anchor="t" anchorCtr="0"/>
+          <a:bodyPr anchorCtr="0" anchor="t" bIns="91425" lIns="91425" rIns="91425" tIns="91425"/>
           <a:lstStyle>
-            <a:lvl1pPr>
+            <a:lvl1pPr lvl="0">
               <a:spcBef>
                 <a:spcPts val="0"/>
               </a:spcBef>
               <a:defRPr sz="1100"/>
             </a:lvl1pPr>
-            <a:lvl2pPr>
+            <a:lvl2pPr lvl="1">
               <a:spcBef>
                 <a:spcPts val="0"/>
               </a:spcBef>
               <a:defRPr sz="1100"/>
             </a:lvl2pPr>
-            <a:lvl3pPr>
+            <a:lvl3pPr lvl="2">
               <a:spcBef>
                 <a:spcPts val="0"/>
               </a:spcBef>
               <a:defRPr sz="1100"/>
             </a:lvl3pPr>
-            <a:lvl4pPr>
+            <a:lvl4pPr lvl="3">
               <a:spcBef>
                 <a:spcPts val="0"/>
               </a:spcBef>
               <a:defRPr sz="1100"/>
             </a:lvl4pPr>
-            <a:lvl5pPr>
+            <a:lvl5pPr lvl="4">
               <a:spcBef>
                 <a:spcPts val="0"/>
               </a:spcBef>
               <a:defRPr sz="1100"/>
             </a:lvl5pPr>
-            <a:lvl6pPr>
+            <a:lvl6pPr lvl="5">
               <a:spcBef>
                 <a:spcPts val="0"/>
               </a:spcBef>
               <a:defRPr sz="1100"/>
             </a:lvl6pPr>
-            <a:lvl7pPr>
+            <a:lvl7pPr lvl="6">
               <a:spcBef>
                 <a:spcPts val="0"/>
               </a:spcBef>
               <a:defRPr sz="1100"/>
             </a:lvl7pPr>
-            <a:lvl8pPr>
+            <a:lvl8pPr lvl="7">
               <a:spcBef>
                 <a:spcPts val="0"/>
               </a:spcBef>
               <a:defRPr sz="1100"/>
             </a:lvl8pPr>
-            <a:lvl9pPr>
+            <a:lvl9pPr lvl="8">
               <a:spcBef>
                 <a:spcPts val="0"/>
               </a:spcBef>
               <a:defRPr sz="1100"/>
             </a:lvl9pPr>
           </a:lstStyle>
-          <a:p>
-            <a:endParaRPr/>
-          </a:p>
+          <a:p/>
         </p:txBody>
       </p:sp>
     </p:spTree>
-    <p:extLst>
-      <p:ext uri="{BB962C8B-B14F-4D97-AF65-F5344CB8AC3E}">
-        <p14:creationId xmlns:p14="http://schemas.microsoft.com/office/powerpoint/2010/main" val="3705102099"/>
-      </p:ext>
-    </p:extLst>
   </p:cSld>
-  <p:clrMap bg1="lt1" tx1="dk1" bg2="dk2" tx2="lt2" accent1="accent1" accent2="accent2" accent3="accent3" accent4="accent4" accent5="accent5" accent6="accent6" hlink="hlink" folHlink="folHlink"/>
-  <p:notesStyle>
-    <a:lvl1pPr marL="0" algn="l" defTabSz="914400" rtl="0" eaLnBrk="1" latinLnBrk="0" hangingPunct="1">
-      <a:defRPr sz="1200" kern="1200">
-        <a:solidFill>
-          <a:schemeClr val="tx1"/>
-        </a:solidFill>
-        <a:latin typeface="+mn-lt"/>
-        <a:ea typeface="+mn-ea"/>
-        <a:cs typeface="+mn-cs"/>
-      </a:defRPr>
-    </a:lvl1pPr>
-    <a:lvl2pPr marL="457200" algn="l" defTabSz="914400" rtl="0" eaLnBrk="1" latinLnBrk="0" hangingPunct="1">
-      <a:defRPr sz="1200" kern="1200">
-        <a:solidFill>
-          <a:schemeClr val="tx1"/>
-        </a:solidFill>
-        <a:latin typeface="+mn-lt"/>
-        <a:ea typeface="+mn-ea"/>
-        <a:cs typeface="+mn-cs"/>
-      </a:defRPr>
-    </a:lvl2pPr>
-    <a:lvl3pPr marL="914400" algn="l" defTabSz="914400" rtl="0" eaLnBrk="1" latinLnBrk="0" hangingPunct="1">
-      <a:defRPr sz="1200" kern="1200">
-        <a:solidFill>
-          <a:schemeClr val="tx1"/>
-        </a:solidFill>
-        <a:latin typeface="+mn-lt"/>
-        <a:ea typeface="+mn-ea"/>
-        <a:cs typeface="+mn-cs"/>
-      </a:defRPr>
-    </a:lvl3pPr>
-    <a:lvl4pPr marL="1371600" algn="l" defTabSz="914400" rtl="0" eaLnBrk="1" latinLnBrk="0" hangingPunct="1">
-      <a:defRPr sz="1200" kern="1200">
-        <a:solidFill>
-          <a:schemeClr val="tx1"/>
-        </a:solidFill>
-        <a:latin typeface="+mn-lt"/>
-        <a:ea typeface="+mn-ea"/>
-        <a:cs typeface="+mn-cs"/>
-      </a:defRPr>
-    </a:lvl4pPr>
-    <a:lvl5pPr marL="1828800" algn="l" defTabSz="914400" rtl="0" eaLnBrk="1" latinLnBrk="0" hangingPunct="1">
-      <a:defRPr sz="1200" kern="1200">
-        <a:solidFill>
-          <a:schemeClr val="tx1"/>
-        </a:solidFill>
-        <a:latin typeface="+mn-lt"/>
-        <a:ea typeface="+mn-ea"/>
-        <a:cs typeface="+mn-cs"/>
-      </a:defRPr>
-    </a:lvl5pPr>
-    <a:lvl6pPr marL="2286000" algn="l" defTabSz="914400" rtl="0" eaLnBrk="1" latinLnBrk="0" hangingPunct="1">
-      <a:defRPr sz="1200" kern="1200">
-        <a:solidFill>
-          <a:schemeClr val="tx1"/>
-        </a:solidFill>
-        <a:latin typeface="+mn-lt"/>
-        <a:ea typeface="+mn-ea"/>
-        <a:cs typeface="+mn-cs"/>
-      </a:defRPr>
-    </a:lvl6pPr>
-    <a:lvl7pPr marL="2743200" algn="l" defTabSz="914400" rtl="0" eaLnBrk="1" latinLnBrk="0" hangingPunct="1">
-      <a:defRPr sz="1200" kern="1200">
-        <a:solidFill>
-          <a:schemeClr val="tx1"/>
-        </a:solidFill>
-        <a:latin typeface="+mn-lt"/>
-        <a:ea typeface="+mn-ea"/>
-        <a:cs typeface="+mn-cs"/>
-      </a:defRPr>
-    </a:lvl7pPr>
-    <a:lvl8pPr marL="3200400" algn="l" defTabSz="914400" rtl="0" eaLnBrk="1" latinLnBrk="0" hangingPunct="1">
-      <a:defRPr sz="1200" kern="1200">
-        <a:solidFill>
-          <a:schemeClr val="tx1"/>
-        </a:solidFill>
-        <a:latin typeface="+mn-lt"/>
-        <a:ea typeface="+mn-ea"/>
-        <a:cs typeface="+mn-cs"/>
-      </a:defRPr>
-    </a:lvl8pPr>
-    <a:lvl9pPr marL="3657600" algn="l" defTabSz="914400" rtl="0" eaLnBrk="1" latinLnBrk="0" hangingPunct="1">
-      <a:defRPr sz="1200" kern="1200">
-        <a:solidFill>
-          <a:schemeClr val="tx1"/>
-        </a:solidFill>
-        <a:latin typeface="+mn-lt"/>
-        <a:ea typeface="+mn-ea"/>
-        <a:cs typeface="+mn-cs"/>
-      </a:defRPr>
-    </a:lvl9pPr>
-  </p:notesStyle>
+  <p:clrMap accent1="accent1" accent2="accent2" accent3="accent3" accent4="accent4" accent5="accent5" accent6="accent6" bg1="lt1" bg2="dk2" tx1="dk1" tx2="lt2" folHlink="folHlink" hlink="hlink"/>
 </p:notesMaster>
 </file>
 
 <file path=ppt/notesSlides/notesSlide1.xml><?xml version="1.0" encoding="utf-8"?>
-<p:notes xmlns:a="http://schemas.openxmlformats.org/drawingml/2006/main" xmlns:r="http://schemas.openxmlformats.org/officeDocument/2006/relationships" xmlns:p="http://schemas.openxmlformats.org/presentationml/2006/main" showMasterSp="0" showMasterPhAnim="0">
+<p:notes xmlns:a="http://schemas.openxmlformats.org/drawingml/2006/main" xmlns:r="http://schemas.openxmlformats.org/officeDocument/2006/relationships" xmlns:mc="http://schemas.openxmlformats.org/markup-compatibility/2006" xmlns:mv="urn:schemas-microsoft-com:mac:vml" xmlns:p="http://schemas.openxmlformats.org/presentationml/2006/main" xmlns:c="http://schemas.openxmlformats.org/drawingml/2006/chart" xmlns:dgm="http://schemas.openxmlformats.org/drawingml/2006/diagram" xmlns:o="urn:schemas-microsoft-com:office:office" xmlns:v="urn:schemas-microsoft-com:vml" xmlns:pvml="urn:schemas-microsoft-com:office:powerpoint" xmlns:com="http://schemas.openxmlformats.org/drawingml/2006/compatibility" xmlns:p14="http://schemas.microsoft.com/office/powerpoint/2010/main" showMasterPhAnim="0" showMasterSp="0">
   <p:cSld>
     <p:spTree>
       <p:nvGrpSpPr>
-        <p:cNvPr id="1" name="Shape 40"/>
+        <p:cNvPr id="41" name="Shape 41"/>
         <p:cNvGrpSpPr/>
         <p:nvPr/>
       </p:nvGrpSpPr>
@@ -515,12 +402,10 @@
       </p:grpSpPr>
       <p:sp>
         <p:nvSpPr>
-          <p:cNvPr id="41" name="Shape 41"/>
-          <p:cNvSpPr>
-            <a:spLocks noGrp="1" noRot="1" noChangeAspect="1"/>
-          </p:cNvSpPr>
+          <p:cNvPr id="42" name="Shape 42"/>
+          <p:cNvSpPr/>
           <p:nvPr>
-            <p:ph type="sldImg" idx="2"/>
+            <p:ph idx="2" type="sldImg"/>
           </p:nvPr>
         </p:nvSpPr>
         <p:spPr>
@@ -529,13 +414,8 @@
             <a:ext cx="6096075" cy="3429000"/>
           </a:xfrm>
           <a:custGeom>
-            <a:avLst/>
-            <a:gdLst/>
-            <a:ahLst/>
-            <a:cxnLst/>
-            <a:rect l="0" t="0" r="0" b="0"/>
             <a:pathLst>
-              <a:path w="120000" h="120000" extrusionOk="0">
+              <a:path extrusionOk="0" h="120000" w="120000">
                 <a:moveTo>
                   <a:pt x="0" y="0"/>
                 </a:moveTo>
@@ -553,25 +433,23 @@
             </a:pathLst>
           </a:custGeom>
           <a:noFill/>
-          <a:ln w="9525" cap="flat" cmpd="sng">
+          <a:ln cap="flat" cmpd="sng" w="9525">
             <a:solidFill>
               <a:srgbClr val="000000"/>
             </a:solidFill>
             <a:prstDash val="solid"/>
             <a:round/>
-            <a:headEnd type="none" w="med" len="med"/>
-            <a:tailEnd type="none" w="med" len="med"/>
+            <a:headEnd len="med" w="med" type="none"/>
+            <a:tailEnd len="med" w="med" type="none"/>
           </a:ln>
         </p:spPr>
       </p:sp>
       <p:sp>
         <p:nvSpPr>
-          <p:cNvPr id="42" name="Shape 42"/>
-          <p:cNvSpPr txBox="1">
-            <a:spLocks noGrp="1"/>
-          </p:cNvSpPr>
+          <p:cNvPr id="43" name="Shape 43"/>
+          <p:cNvSpPr txBox="1"/>
           <p:nvPr>
-            <p:ph type="body" idx="1"/>
+            <p:ph idx="1" type="body"/>
           </p:nvPr>
         </p:nvSpPr>
         <p:spPr>
@@ -584,17 +462,20 @@
           </a:prstGeom>
         </p:spPr>
         <p:txBody>
-          <a:bodyPr lIns="91425" tIns="91425" rIns="91425" bIns="91425" anchor="t" anchorCtr="0">
+          <a:bodyPr anchorCtr="0" anchor="t" bIns="91425" lIns="91425" rIns="91425" tIns="91425">
             <a:noAutofit/>
           </a:bodyPr>
           <a:lstStyle/>
           <a:p>
-            <a:pPr>
+            <a:pPr lvl="0">
               <a:spcBef>
                 <a:spcPts val="0"/>
               </a:spcBef>
               <a:buNone/>
             </a:pPr>
+            <a:r>
+              <a:t/>
+            </a:r>
             <a:endParaRPr/>
           </a:p>
         </p:txBody>
@@ -608,11 +489,11 @@
 </file>
 
 <file path=ppt/notesSlides/notesSlide2.xml><?xml version="1.0" encoding="utf-8"?>
-<p:notes xmlns:a="http://schemas.openxmlformats.org/drawingml/2006/main" xmlns:r="http://schemas.openxmlformats.org/officeDocument/2006/relationships" xmlns:p="http://schemas.openxmlformats.org/presentationml/2006/main" showMasterSp="0" showMasterPhAnim="0">
+<p:notes xmlns:a="http://schemas.openxmlformats.org/drawingml/2006/main" xmlns:r="http://schemas.openxmlformats.org/officeDocument/2006/relationships" xmlns:mc="http://schemas.openxmlformats.org/markup-compatibility/2006" xmlns:mv="urn:schemas-microsoft-com:mac:vml" xmlns:p="http://schemas.openxmlformats.org/presentationml/2006/main" xmlns:c="http://schemas.openxmlformats.org/drawingml/2006/chart" xmlns:dgm="http://schemas.openxmlformats.org/drawingml/2006/diagram" xmlns:o="urn:schemas-microsoft-com:office:office" xmlns:v="urn:schemas-microsoft-com:vml" xmlns:pvml="urn:schemas-microsoft-com:office:powerpoint" xmlns:com="http://schemas.openxmlformats.org/drawingml/2006/compatibility" xmlns:p14="http://schemas.microsoft.com/office/powerpoint/2010/main" showMasterPhAnim="0" showMasterSp="0">
   <p:cSld>
     <p:spTree>
       <p:nvGrpSpPr>
-        <p:cNvPr id="1" name="Shape 46"/>
+        <p:cNvPr id="47" name="Shape 47"/>
         <p:cNvGrpSpPr/>
         <p:nvPr/>
       </p:nvGrpSpPr>
@@ -626,12 +507,10 @@
       </p:grpSpPr>
       <p:sp>
         <p:nvSpPr>
-          <p:cNvPr id="47" name="Shape 47"/>
-          <p:cNvSpPr>
-            <a:spLocks noGrp="1" noRot="1" noChangeAspect="1"/>
-          </p:cNvSpPr>
+          <p:cNvPr id="48" name="Shape 48"/>
+          <p:cNvSpPr/>
           <p:nvPr>
-            <p:ph type="sldImg" idx="2"/>
+            <p:ph idx="2" type="sldImg"/>
           </p:nvPr>
         </p:nvSpPr>
         <p:spPr>
@@ -640,13 +519,8 @@
             <a:ext cx="6096000" cy="3429000"/>
           </a:xfrm>
           <a:custGeom>
-            <a:avLst/>
-            <a:gdLst/>
-            <a:ahLst/>
-            <a:cxnLst/>
-            <a:rect l="0" t="0" r="0" b="0"/>
             <a:pathLst>
-              <a:path w="120000" h="120000" extrusionOk="0">
+              <a:path extrusionOk="0" h="120000" w="120000">
                 <a:moveTo>
                   <a:pt x="0" y="0"/>
                 </a:moveTo>
@@ -664,25 +538,23 @@
             </a:pathLst>
           </a:custGeom>
           <a:noFill/>
-          <a:ln w="9525" cap="flat" cmpd="sng">
+          <a:ln cap="flat" cmpd="sng" w="9525">
             <a:solidFill>
               <a:srgbClr val="000000"/>
             </a:solidFill>
             <a:prstDash val="solid"/>
             <a:round/>
-            <a:headEnd type="none" w="med" len="med"/>
-            <a:tailEnd type="none" w="med" len="med"/>
+            <a:headEnd len="med" w="med" type="none"/>
+            <a:tailEnd len="med" w="med" type="none"/>
           </a:ln>
         </p:spPr>
       </p:sp>
       <p:sp>
         <p:nvSpPr>
-          <p:cNvPr id="48" name="Shape 48"/>
-          <p:cNvSpPr txBox="1">
-            <a:spLocks noGrp="1"/>
-          </p:cNvSpPr>
+          <p:cNvPr id="49" name="Shape 49"/>
+          <p:cNvSpPr txBox="1"/>
           <p:nvPr>
-            <p:ph type="body" idx="1"/>
+            <p:ph idx="1" type="body"/>
           </p:nvPr>
         </p:nvSpPr>
         <p:spPr>
@@ -695,17 +567,20 @@
           </a:prstGeom>
         </p:spPr>
         <p:txBody>
-          <a:bodyPr lIns="91425" tIns="91425" rIns="91425" bIns="91425" anchor="t" anchorCtr="0">
+          <a:bodyPr anchorCtr="0" anchor="t" bIns="91425" lIns="91425" rIns="91425" tIns="91425">
             <a:noAutofit/>
           </a:bodyPr>
           <a:lstStyle/>
           <a:p>
-            <a:pPr>
+            <a:pPr lvl="0">
               <a:spcBef>
                 <a:spcPts val="0"/>
               </a:spcBef>
               <a:buNone/>
             </a:pPr>
+            <a:r>
+              <a:t/>
+            </a:r>
             <a:endParaRPr/>
           </a:p>
         </p:txBody>
@@ -719,11 +594,11 @@
 </file>
 
 <file path=ppt/notesSlides/notesSlide3.xml><?xml version="1.0" encoding="utf-8"?>
-<p:notes xmlns:a="http://schemas.openxmlformats.org/drawingml/2006/main" xmlns:r="http://schemas.openxmlformats.org/officeDocument/2006/relationships" xmlns:p="http://schemas.openxmlformats.org/presentationml/2006/main" showMasterSp="0" showMasterPhAnim="0">
+<p:notes xmlns:a="http://schemas.openxmlformats.org/drawingml/2006/main" xmlns:r="http://schemas.openxmlformats.org/officeDocument/2006/relationships" xmlns:mc="http://schemas.openxmlformats.org/markup-compatibility/2006" xmlns:mv="urn:schemas-microsoft-com:mac:vml" xmlns:p="http://schemas.openxmlformats.org/presentationml/2006/main" xmlns:c="http://schemas.openxmlformats.org/drawingml/2006/chart" xmlns:dgm="http://schemas.openxmlformats.org/drawingml/2006/diagram" xmlns:o="urn:schemas-microsoft-com:office:office" xmlns:v="urn:schemas-microsoft-com:vml" xmlns:pvml="urn:schemas-microsoft-com:office:powerpoint" xmlns:com="http://schemas.openxmlformats.org/drawingml/2006/compatibility" xmlns:p14="http://schemas.microsoft.com/office/powerpoint/2010/main" showMasterPhAnim="0" showMasterSp="0">
   <p:cSld>
     <p:spTree>
       <p:nvGrpSpPr>
-        <p:cNvPr id="1" name="Shape 54"/>
+        <p:cNvPr id="55" name="Shape 55"/>
         <p:cNvGrpSpPr/>
         <p:nvPr/>
       </p:nvGrpSpPr>
@@ -737,12 +612,10 @@
       </p:grpSpPr>
       <p:sp>
         <p:nvSpPr>
-          <p:cNvPr id="55" name="Shape 55"/>
-          <p:cNvSpPr>
-            <a:spLocks noGrp="1" noRot="1" noChangeAspect="1"/>
-          </p:cNvSpPr>
+          <p:cNvPr id="56" name="Shape 56"/>
+          <p:cNvSpPr/>
           <p:nvPr>
-            <p:ph type="sldImg" idx="2"/>
+            <p:ph idx="2" type="sldImg"/>
           </p:nvPr>
         </p:nvSpPr>
         <p:spPr>
@@ -751,13 +624,8 @@
             <a:ext cx="6096000" cy="3429000"/>
           </a:xfrm>
           <a:custGeom>
-            <a:avLst/>
-            <a:gdLst/>
-            <a:ahLst/>
-            <a:cxnLst/>
-            <a:rect l="0" t="0" r="0" b="0"/>
             <a:pathLst>
-              <a:path w="120000" h="120000" extrusionOk="0">
+              <a:path extrusionOk="0" h="120000" w="120000">
                 <a:moveTo>
                   <a:pt x="0" y="0"/>
                 </a:moveTo>
@@ -775,25 +643,23 @@
             </a:pathLst>
           </a:custGeom>
           <a:noFill/>
-          <a:ln w="9525" cap="flat" cmpd="sng">
+          <a:ln cap="flat" cmpd="sng" w="9525">
             <a:solidFill>
               <a:srgbClr val="000000"/>
             </a:solidFill>
             <a:prstDash val="solid"/>
             <a:round/>
-            <a:headEnd type="none" w="med" len="med"/>
-            <a:tailEnd type="none" w="med" len="med"/>
+            <a:headEnd len="med" w="med" type="none"/>
+            <a:tailEnd len="med" w="med" type="none"/>
           </a:ln>
         </p:spPr>
       </p:sp>
       <p:sp>
         <p:nvSpPr>
-          <p:cNvPr id="56" name="Shape 56"/>
-          <p:cNvSpPr txBox="1">
-            <a:spLocks noGrp="1"/>
-          </p:cNvSpPr>
+          <p:cNvPr id="57" name="Shape 57"/>
+          <p:cNvSpPr txBox="1"/>
           <p:nvPr>
-            <p:ph type="body" idx="1"/>
+            <p:ph idx="1" type="body"/>
           </p:nvPr>
         </p:nvSpPr>
         <p:spPr>
@@ -806,17 +672,20 @@
           </a:prstGeom>
         </p:spPr>
         <p:txBody>
-          <a:bodyPr lIns="91425" tIns="91425" rIns="91425" bIns="91425" anchor="t" anchorCtr="0">
+          <a:bodyPr anchorCtr="0" anchor="t" bIns="91425" lIns="91425" rIns="91425" tIns="91425">
             <a:noAutofit/>
           </a:bodyPr>
           <a:lstStyle/>
           <a:p>
-            <a:pPr>
+            <a:pPr lvl="0">
               <a:spcBef>
                 <a:spcPts val="0"/>
               </a:spcBef>
               <a:buNone/>
             </a:pPr>
+            <a:r>
+              <a:t/>
+            </a:r>
             <a:endParaRPr/>
           </a:p>
         </p:txBody>
@@ -830,11 +699,11 @@
 </file>
 
 <file path=ppt/notesSlides/notesSlide4.xml><?xml version="1.0" encoding="utf-8"?>
-<p:notes xmlns:a="http://schemas.openxmlformats.org/drawingml/2006/main" xmlns:r="http://schemas.openxmlformats.org/officeDocument/2006/relationships" xmlns:p="http://schemas.openxmlformats.org/presentationml/2006/main" showMasterSp="0" showMasterPhAnim="0">
+<p:notes xmlns:a="http://schemas.openxmlformats.org/drawingml/2006/main" xmlns:r="http://schemas.openxmlformats.org/officeDocument/2006/relationships" xmlns:mc="http://schemas.openxmlformats.org/markup-compatibility/2006" xmlns:mv="urn:schemas-microsoft-com:mac:vml" xmlns:p="http://schemas.openxmlformats.org/presentationml/2006/main" xmlns:c="http://schemas.openxmlformats.org/drawingml/2006/chart" xmlns:dgm="http://schemas.openxmlformats.org/drawingml/2006/diagram" xmlns:o="urn:schemas-microsoft-com:office:office" xmlns:v="urn:schemas-microsoft-com:vml" xmlns:pvml="urn:schemas-microsoft-com:office:powerpoint" xmlns:com="http://schemas.openxmlformats.org/drawingml/2006/compatibility" xmlns:p14="http://schemas.microsoft.com/office/powerpoint/2010/main" showMasterPhAnim="0" showMasterSp="0">
   <p:cSld>
     <p:spTree>
       <p:nvGrpSpPr>
-        <p:cNvPr id="1" name="Shape 62"/>
+        <p:cNvPr id="63" name="Shape 63"/>
         <p:cNvGrpSpPr/>
         <p:nvPr/>
       </p:nvGrpSpPr>
@@ -848,12 +717,10 @@
       </p:grpSpPr>
       <p:sp>
         <p:nvSpPr>
-          <p:cNvPr id="63" name="Shape 63"/>
-          <p:cNvSpPr>
-            <a:spLocks noGrp="1" noRot="1" noChangeAspect="1"/>
-          </p:cNvSpPr>
+          <p:cNvPr id="64" name="Shape 64"/>
+          <p:cNvSpPr/>
           <p:nvPr>
-            <p:ph type="sldImg" idx="2"/>
+            <p:ph idx="2" type="sldImg"/>
           </p:nvPr>
         </p:nvSpPr>
         <p:spPr>
@@ -862,13 +729,8 @@
             <a:ext cx="6096000" cy="3429000"/>
           </a:xfrm>
           <a:custGeom>
-            <a:avLst/>
-            <a:gdLst/>
-            <a:ahLst/>
-            <a:cxnLst/>
-            <a:rect l="0" t="0" r="0" b="0"/>
             <a:pathLst>
-              <a:path w="120000" h="120000" extrusionOk="0">
+              <a:path extrusionOk="0" h="120000" w="120000">
                 <a:moveTo>
                   <a:pt x="0" y="0"/>
                 </a:moveTo>
@@ -886,25 +748,23 @@
             </a:pathLst>
           </a:custGeom>
           <a:noFill/>
-          <a:ln w="9525" cap="flat" cmpd="sng">
+          <a:ln cap="flat" cmpd="sng" w="9525">
             <a:solidFill>
               <a:srgbClr val="000000"/>
             </a:solidFill>
             <a:prstDash val="solid"/>
             <a:round/>
-            <a:headEnd type="none" w="med" len="med"/>
-            <a:tailEnd type="none" w="med" len="med"/>
+            <a:headEnd len="med" w="med" type="none"/>
+            <a:tailEnd len="med" w="med" type="none"/>
           </a:ln>
         </p:spPr>
       </p:sp>
       <p:sp>
         <p:nvSpPr>
-          <p:cNvPr id="64" name="Shape 64"/>
-          <p:cNvSpPr txBox="1">
-            <a:spLocks noGrp="1"/>
-          </p:cNvSpPr>
+          <p:cNvPr id="65" name="Shape 65"/>
+          <p:cNvSpPr txBox="1"/>
           <p:nvPr>
-            <p:ph type="body" idx="1"/>
+            <p:ph idx="1" type="body"/>
           </p:nvPr>
         </p:nvSpPr>
         <p:spPr>
@@ -917,17 +777,20 @@
           </a:prstGeom>
         </p:spPr>
         <p:txBody>
-          <a:bodyPr lIns="91425" tIns="91425" rIns="91425" bIns="91425" anchor="t" anchorCtr="0">
+          <a:bodyPr anchorCtr="0" anchor="t" bIns="91425" lIns="91425" rIns="91425" tIns="91425">
             <a:noAutofit/>
           </a:bodyPr>
           <a:lstStyle/>
           <a:p>
-            <a:pPr>
+            <a:pPr lvl="0">
               <a:spcBef>
                 <a:spcPts val="0"/>
               </a:spcBef>
               <a:buNone/>
             </a:pPr>
+            <a:r>
+              <a:t/>
+            </a:r>
             <a:endParaRPr/>
           </a:p>
         </p:txBody>
@@ -941,11 +804,11 @@
 </file>
 
 <file path=ppt/notesSlides/notesSlide5.xml><?xml version="1.0" encoding="utf-8"?>
-<p:notes xmlns:a="http://schemas.openxmlformats.org/drawingml/2006/main" xmlns:r="http://schemas.openxmlformats.org/officeDocument/2006/relationships" xmlns:p="http://schemas.openxmlformats.org/presentationml/2006/main" showMasterSp="0" showMasterPhAnim="0">
+<p:notes xmlns:a="http://schemas.openxmlformats.org/drawingml/2006/main" xmlns:r="http://schemas.openxmlformats.org/officeDocument/2006/relationships" xmlns:mc="http://schemas.openxmlformats.org/markup-compatibility/2006" xmlns:mv="urn:schemas-microsoft-com:mac:vml" xmlns:p="http://schemas.openxmlformats.org/presentationml/2006/main" xmlns:c="http://schemas.openxmlformats.org/drawingml/2006/chart" xmlns:dgm="http://schemas.openxmlformats.org/drawingml/2006/diagram" xmlns:o="urn:schemas-microsoft-com:office:office" xmlns:v="urn:schemas-microsoft-com:vml" xmlns:pvml="urn:schemas-microsoft-com:office:powerpoint" xmlns:com="http://schemas.openxmlformats.org/drawingml/2006/compatibility" xmlns:p14="http://schemas.microsoft.com/office/powerpoint/2010/main" showMasterPhAnim="0" showMasterSp="0">
   <p:cSld>
     <p:spTree>
       <p:nvGrpSpPr>
-        <p:cNvPr id="1" name="Shape 80"/>
+        <p:cNvPr id="69" name="Shape 69"/>
         <p:cNvGrpSpPr/>
         <p:nvPr/>
       </p:nvGrpSpPr>
@@ -959,27 +822,20 @@
       </p:grpSpPr>
       <p:sp>
         <p:nvSpPr>
-          <p:cNvPr id="81" name="Shape 81"/>
-          <p:cNvSpPr>
-            <a:spLocks noGrp="1" noRot="1" noChangeAspect="1"/>
-          </p:cNvSpPr>
+          <p:cNvPr id="70" name="Shape 70"/>
+          <p:cNvSpPr/>
           <p:nvPr>
-            <p:ph type="sldImg" idx="2"/>
+            <p:ph idx="2" type="sldImg"/>
           </p:nvPr>
         </p:nvSpPr>
         <p:spPr>
           <a:xfrm>
-            <a:off x="381000" y="685800"/>
+            <a:off x="381300" y="685800"/>
             <a:ext cx="6096000" cy="3429000"/>
           </a:xfrm>
           <a:custGeom>
-            <a:avLst/>
-            <a:gdLst/>
-            <a:ahLst/>
-            <a:cxnLst/>
-            <a:rect l="0" t="0" r="0" b="0"/>
             <a:pathLst>
-              <a:path w="120000" h="120000" extrusionOk="0">
+              <a:path extrusionOk="0" h="120000" w="120000">
                 <a:moveTo>
                   <a:pt x="0" y="0"/>
                 </a:moveTo>
@@ -997,25 +853,23 @@
             </a:pathLst>
           </a:custGeom>
           <a:noFill/>
-          <a:ln w="9525" cap="flat" cmpd="sng">
+          <a:ln cap="flat" cmpd="sng" w="9525">
             <a:solidFill>
               <a:srgbClr val="000000"/>
             </a:solidFill>
             <a:prstDash val="solid"/>
             <a:round/>
-            <a:headEnd type="none" w="med" len="med"/>
-            <a:tailEnd type="none" w="med" len="med"/>
+            <a:headEnd len="med" w="med" type="none"/>
+            <a:tailEnd len="med" w="med" type="none"/>
           </a:ln>
         </p:spPr>
       </p:sp>
       <p:sp>
         <p:nvSpPr>
-          <p:cNvPr id="82" name="Shape 82"/>
-          <p:cNvSpPr txBox="1">
-            <a:spLocks noGrp="1"/>
-          </p:cNvSpPr>
+          <p:cNvPr id="71" name="Shape 71"/>
+          <p:cNvSpPr txBox="1"/>
           <p:nvPr>
-            <p:ph type="body" idx="1"/>
+            <p:ph idx="1" type="body"/>
           </p:nvPr>
         </p:nvSpPr>
         <p:spPr>
@@ -1028,17 +882,20 @@
           </a:prstGeom>
         </p:spPr>
         <p:txBody>
-          <a:bodyPr lIns="91425" tIns="91425" rIns="91425" bIns="91425" anchor="t" anchorCtr="0">
+          <a:bodyPr anchorCtr="0" anchor="t" bIns="91425" lIns="91425" rIns="91425" tIns="91425">
             <a:noAutofit/>
           </a:bodyPr>
           <a:lstStyle/>
           <a:p>
-            <a:pPr>
+            <a:pPr lvl="0">
               <a:spcBef>
                 <a:spcPts val="0"/>
               </a:spcBef>
               <a:buNone/>
             </a:pPr>
+            <a:r>
+              <a:t/>
+            </a:r>
             <a:endParaRPr/>
           </a:p>
         </p:txBody>
@@ -1052,11 +909,11 @@
 </file>
 
 <file path=ppt/notesSlides/notesSlide6.xml><?xml version="1.0" encoding="utf-8"?>
-<p:notes xmlns:a="http://schemas.openxmlformats.org/drawingml/2006/main" xmlns:r="http://schemas.openxmlformats.org/officeDocument/2006/relationships" xmlns:p="http://schemas.openxmlformats.org/presentationml/2006/main" showMasterSp="0" showMasterPhAnim="0">
+<p:notes xmlns:a="http://schemas.openxmlformats.org/drawingml/2006/main" xmlns:r="http://schemas.openxmlformats.org/officeDocument/2006/relationships" xmlns:mc="http://schemas.openxmlformats.org/markup-compatibility/2006" xmlns:mv="urn:schemas-microsoft-com:mac:vml" xmlns:p="http://schemas.openxmlformats.org/presentationml/2006/main" xmlns:c="http://schemas.openxmlformats.org/drawingml/2006/chart" xmlns:dgm="http://schemas.openxmlformats.org/drawingml/2006/diagram" xmlns:o="urn:schemas-microsoft-com:office:office" xmlns:v="urn:schemas-microsoft-com:vml" xmlns:pvml="urn:schemas-microsoft-com:office:powerpoint" xmlns:com="http://schemas.openxmlformats.org/drawingml/2006/compatibility" xmlns:p14="http://schemas.microsoft.com/office/powerpoint/2010/main" showMasterPhAnim="0" showMasterSp="0">
   <p:cSld>
     <p:spTree>
       <p:nvGrpSpPr>
-        <p:cNvPr id="1" name="Shape 86"/>
+        <p:cNvPr id="75" name="Shape 75"/>
         <p:cNvGrpSpPr/>
         <p:nvPr/>
       </p:nvGrpSpPr>
@@ -1070,12 +927,10 @@
       </p:grpSpPr>
       <p:sp>
         <p:nvSpPr>
-          <p:cNvPr id="87" name="Shape 87"/>
-          <p:cNvSpPr>
-            <a:spLocks noGrp="1" noRot="1" noChangeAspect="1"/>
-          </p:cNvSpPr>
+          <p:cNvPr id="76" name="Shape 76"/>
+          <p:cNvSpPr/>
           <p:nvPr>
-            <p:ph type="sldImg" idx="2"/>
+            <p:ph idx="2" type="sldImg"/>
           </p:nvPr>
         </p:nvSpPr>
         <p:spPr>
@@ -1084,13 +939,8 @@
             <a:ext cx="6096000" cy="3429000"/>
           </a:xfrm>
           <a:custGeom>
-            <a:avLst/>
-            <a:gdLst/>
-            <a:ahLst/>
-            <a:cxnLst/>
-            <a:rect l="0" t="0" r="0" b="0"/>
             <a:pathLst>
-              <a:path w="120000" h="120000" extrusionOk="0">
+              <a:path extrusionOk="0" h="120000" w="120000">
                 <a:moveTo>
                   <a:pt x="0" y="0"/>
                 </a:moveTo>
@@ -1108,25 +958,23 @@
             </a:pathLst>
           </a:custGeom>
           <a:noFill/>
-          <a:ln w="9525" cap="flat" cmpd="sng">
+          <a:ln cap="flat" cmpd="sng" w="9525">
             <a:solidFill>
               <a:srgbClr val="000000"/>
             </a:solidFill>
             <a:prstDash val="solid"/>
             <a:round/>
-            <a:headEnd type="none" w="med" len="med"/>
-            <a:tailEnd type="none" w="med" len="med"/>
+            <a:headEnd len="med" w="med" type="none"/>
+            <a:tailEnd len="med" w="med" type="none"/>
           </a:ln>
         </p:spPr>
       </p:sp>
       <p:sp>
         <p:nvSpPr>
-          <p:cNvPr id="88" name="Shape 88"/>
-          <p:cNvSpPr txBox="1">
-            <a:spLocks noGrp="1"/>
-          </p:cNvSpPr>
+          <p:cNvPr id="77" name="Shape 77"/>
+          <p:cNvSpPr txBox="1"/>
           <p:nvPr>
-            <p:ph type="body" idx="1"/>
+            <p:ph idx="1" type="body"/>
           </p:nvPr>
         </p:nvSpPr>
         <p:spPr>
@@ -1139,17 +987,20 @@
           </a:prstGeom>
         </p:spPr>
         <p:txBody>
-          <a:bodyPr lIns="91425" tIns="91425" rIns="91425" bIns="91425" anchor="t" anchorCtr="0">
+          <a:bodyPr anchorCtr="0" anchor="t" bIns="91425" lIns="91425" rIns="91425" tIns="91425">
             <a:noAutofit/>
           </a:bodyPr>
           <a:lstStyle/>
           <a:p>
-            <a:pPr>
+            <a:pPr lvl="0">
               <a:spcBef>
                 <a:spcPts val="0"/>
               </a:spcBef>
               <a:buNone/>
             </a:pPr>
+            <a:r>
+              <a:t/>
+            </a:r>
             <a:endParaRPr/>
           </a:p>
         </p:txBody>
@@ -1163,11 +1014,11 @@
 </file>
 
 <file path=ppt/notesSlides/notesSlide7.xml><?xml version="1.0" encoding="utf-8"?>
-<p:notes xmlns:a="http://schemas.openxmlformats.org/drawingml/2006/main" xmlns:r="http://schemas.openxmlformats.org/officeDocument/2006/relationships" xmlns:p="http://schemas.openxmlformats.org/presentationml/2006/main" showMasterSp="0" showMasterPhAnim="0">
+<p:notes xmlns:a="http://schemas.openxmlformats.org/drawingml/2006/main" xmlns:r="http://schemas.openxmlformats.org/officeDocument/2006/relationships" xmlns:mc="http://schemas.openxmlformats.org/markup-compatibility/2006" xmlns:mv="urn:schemas-microsoft-com:mac:vml" xmlns:p="http://schemas.openxmlformats.org/presentationml/2006/main" xmlns:c="http://schemas.openxmlformats.org/drawingml/2006/chart" xmlns:dgm="http://schemas.openxmlformats.org/drawingml/2006/diagram" xmlns:o="urn:schemas-microsoft-com:office:office" xmlns:v="urn:schemas-microsoft-com:vml" xmlns:pvml="urn:schemas-microsoft-com:office:powerpoint" xmlns:com="http://schemas.openxmlformats.org/drawingml/2006/compatibility" xmlns:p14="http://schemas.microsoft.com/office/powerpoint/2010/main" showMasterPhAnim="0" showMasterSp="0">
   <p:cSld>
     <p:spTree>
       <p:nvGrpSpPr>
-        <p:cNvPr id="1" name="Shape 68"/>
+        <p:cNvPr id="82" name="Shape 82"/>
         <p:cNvGrpSpPr/>
         <p:nvPr/>
       </p:nvGrpSpPr>
@@ -1181,12 +1032,10 @@
       </p:grpSpPr>
       <p:sp>
         <p:nvSpPr>
-          <p:cNvPr id="69" name="Shape 69"/>
-          <p:cNvSpPr>
-            <a:spLocks noGrp="1" noRot="1" noChangeAspect="1"/>
-          </p:cNvSpPr>
+          <p:cNvPr id="83" name="Shape 83"/>
+          <p:cNvSpPr/>
           <p:nvPr>
-            <p:ph type="sldImg" idx="2"/>
+            <p:ph idx="2" type="sldImg"/>
           </p:nvPr>
         </p:nvSpPr>
         <p:spPr>
@@ -1195,13 +1044,8 @@
             <a:ext cx="6096000" cy="3429000"/>
           </a:xfrm>
           <a:custGeom>
-            <a:avLst/>
-            <a:gdLst/>
-            <a:ahLst/>
-            <a:cxnLst/>
-            <a:rect l="0" t="0" r="0" b="0"/>
             <a:pathLst>
-              <a:path w="120000" h="120000" extrusionOk="0">
+              <a:path extrusionOk="0" h="120000" w="120000">
                 <a:moveTo>
                   <a:pt x="0" y="0"/>
                 </a:moveTo>
@@ -1219,25 +1063,23 @@
             </a:pathLst>
           </a:custGeom>
           <a:noFill/>
-          <a:ln w="9525" cap="flat" cmpd="sng">
+          <a:ln cap="flat" cmpd="sng" w="9525">
             <a:solidFill>
               <a:srgbClr val="000000"/>
             </a:solidFill>
             <a:prstDash val="solid"/>
             <a:round/>
-            <a:headEnd type="none" w="med" len="med"/>
-            <a:tailEnd type="none" w="med" len="med"/>
+            <a:headEnd len="med" w="med" type="none"/>
+            <a:tailEnd len="med" w="med" type="none"/>
           </a:ln>
         </p:spPr>
       </p:sp>
       <p:sp>
         <p:nvSpPr>
-          <p:cNvPr id="70" name="Shape 70"/>
-          <p:cNvSpPr txBox="1">
-            <a:spLocks noGrp="1"/>
-          </p:cNvSpPr>
+          <p:cNvPr id="84" name="Shape 84"/>
+          <p:cNvSpPr txBox="1"/>
           <p:nvPr>
-            <p:ph type="body" idx="1"/>
+            <p:ph idx="1" type="body"/>
           </p:nvPr>
         </p:nvSpPr>
         <p:spPr>
@@ -1250,17 +1092,20 @@
           </a:prstGeom>
         </p:spPr>
         <p:txBody>
-          <a:bodyPr lIns="91425" tIns="91425" rIns="91425" bIns="91425" anchor="t" anchorCtr="0">
+          <a:bodyPr anchorCtr="0" anchor="t" bIns="91425" lIns="91425" rIns="91425" tIns="91425">
             <a:noAutofit/>
           </a:bodyPr>
           <a:lstStyle/>
           <a:p>
-            <a:pPr>
+            <a:pPr lvl="0">
               <a:spcBef>
                 <a:spcPts val="0"/>
               </a:spcBef>
               <a:buNone/>
             </a:pPr>
+            <a:r>
+              <a:t/>
+            </a:r>
             <a:endParaRPr/>
           </a:p>
         </p:txBody>
@@ -1274,11 +1119,11 @@
 </file>
 
 <file path=ppt/notesSlides/notesSlide8.xml><?xml version="1.0" encoding="utf-8"?>
-<p:notes xmlns:a="http://schemas.openxmlformats.org/drawingml/2006/main" xmlns:r="http://schemas.openxmlformats.org/officeDocument/2006/relationships" xmlns:p="http://schemas.openxmlformats.org/presentationml/2006/main" showMasterSp="0" showMasterPhAnim="0">
+<p:notes xmlns:a="http://schemas.openxmlformats.org/drawingml/2006/main" xmlns:r="http://schemas.openxmlformats.org/officeDocument/2006/relationships" xmlns:mc="http://schemas.openxmlformats.org/markup-compatibility/2006" xmlns:mv="urn:schemas-microsoft-com:mac:vml" xmlns:p="http://schemas.openxmlformats.org/presentationml/2006/main" xmlns:c="http://schemas.openxmlformats.org/drawingml/2006/chart" xmlns:dgm="http://schemas.openxmlformats.org/drawingml/2006/diagram" xmlns:o="urn:schemas-microsoft-com:office:office" xmlns:v="urn:schemas-microsoft-com:vml" xmlns:pvml="urn:schemas-microsoft-com:office:powerpoint" xmlns:com="http://schemas.openxmlformats.org/drawingml/2006/compatibility" xmlns:p14="http://schemas.microsoft.com/office/powerpoint/2010/main" showMasterPhAnim="0" showMasterSp="0">
   <p:cSld>
     <p:spTree>
       <p:nvGrpSpPr>
-        <p:cNvPr id="1" name="Shape 74"/>
+        <p:cNvPr id="88" name="Shape 88"/>
         <p:cNvGrpSpPr/>
         <p:nvPr/>
       </p:nvGrpSpPr>
@@ -1292,12 +1137,10 @@
       </p:grpSpPr>
       <p:sp>
         <p:nvSpPr>
-          <p:cNvPr id="75" name="Shape 75"/>
-          <p:cNvSpPr>
-            <a:spLocks noGrp="1" noRot="1" noChangeAspect="1"/>
-          </p:cNvSpPr>
+          <p:cNvPr id="89" name="Shape 89"/>
+          <p:cNvSpPr/>
           <p:nvPr>
-            <p:ph type="sldImg" idx="2"/>
+            <p:ph idx="2" type="sldImg"/>
           </p:nvPr>
         </p:nvSpPr>
         <p:spPr>
@@ -1306,13 +1149,8 @@
             <a:ext cx="6096000" cy="3429000"/>
           </a:xfrm>
           <a:custGeom>
-            <a:avLst/>
-            <a:gdLst/>
-            <a:ahLst/>
-            <a:cxnLst/>
-            <a:rect l="0" t="0" r="0" b="0"/>
             <a:pathLst>
-              <a:path w="120000" h="120000" extrusionOk="0">
+              <a:path extrusionOk="0" h="120000" w="120000">
                 <a:moveTo>
                   <a:pt x="0" y="0"/>
                 </a:moveTo>
@@ -1330,25 +1168,23 @@
             </a:pathLst>
           </a:custGeom>
           <a:noFill/>
-          <a:ln w="9525" cap="flat" cmpd="sng">
+          <a:ln cap="flat" cmpd="sng" w="9525">
             <a:solidFill>
               <a:srgbClr val="000000"/>
             </a:solidFill>
             <a:prstDash val="solid"/>
             <a:round/>
-            <a:headEnd type="none" w="med" len="med"/>
-            <a:tailEnd type="none" w="med" len="med"/>
+            <a:headEnd len="med" w="med" type="none"/>
+            <a:tailEnd len="med" w="med" type="none"/>
           </a:ln>
         </p:spPr>
       </p:sp>
       <p:sp>
         <p:nvSpPr>
-          <p:cNvPr id="76" name="Shape 76"/>
-          <p:cNvSpPr txBox="1">
-            <a:spLocks noGrp="1"/>
-          </p:cNvSpPr>
+          <p:cNvPr id="90" name="Shape 90"/>
+          <p:cNvSpPr txBox="1"/>
           <p:nvPr>
-            <p:ph type="body" idx="1"/>
+            <p:ph idx="1" type="body"/>
           </p:nvPr>
         </p:nvSpPr>
         <p:spPr>
@@ -1361,17 +1197,20 @@
           </a:prstGeom>
         </p:spPr>
         <p:txBody>
-          <a:bodyPr lIns="91425" tIns="91425" rIns="91425" bIns="91425" anchor="t" anchorCtr="0">
+          <a:bodyPr anchorCtr="0" anchor="t" bIns="91425" lIns="91425" rIns="91425" tIns="91425">
             <a:noAutofit/>
           </a:bodyPr>
           <a:lstStyle/>
           <a:p>
-            <a:pPr>
+            <a:pPr lvl="0">
               <a:spcBef>
                 <a:spcPts val="0"/>
               </a:spcBef>
               <a:buNone/>
             </a:pPr>
+            <a:r>
+              <a:t/>
+            </a:r>
             <a:endParaRPr/>
           </a:p>
         </p:txBody>
@@ -1385,11 +1224,11 @@
 </file>
 
 <file path=ppt/notesSlides/notesSlide9.xml><?xml version="1.0" encoding="utf-8"?>
-<p:notes xmlns:a="http://schemas.openxmlformats.org/drawingml/2006/main" xmlns:r="http://schemas.openxmlformats.org/officeDocument/2006/relationships" xmlns:p="http://schemas.openxmlformats.org/presentationml/2006/main" showMasterSp="0" showMasterPhAnim="0">
+<p:notes xmlns:a="http://schemas.openxmlformats.org/drawingml/2006/main" xmlns:r="http://schemas.openxmlformats.org/officeDocument/2006/relationships" xmlns:mc="http://schemas.openxmlformats.org/markup-compatibility/2006" xmlns:mv="urn:schemas-microsoft-com:mac:vml" xmlns:p="http://schemas.openxmlformats.org/presentationml/2006/main" xmlns:c="http://schemas.openxmlformats.org/drawingml/2006/chart" xmlns:dgm="http://schemas.openxmlformats.org/drawingml/2006/diagram" xmlns:o="urn:schemas-microsoft-com:office:office" xmlns:v="urn:schemas-microsoft-com:vml" xmlns:pvml="urn:schemas-microsoft-com:office:powerpoint" xmlns:com="http://schemas.openxmlformats.org/drawingml/2006/compatibility" xmlns:p14="http://schemas.microsoft.com/office/powerpoint/2010/main" showMasterPhAnim="0" showMasterSp="0">
   <p:cSld>
     <p:spTree>
       <p:nvGrpSpPr>
-        <p:cNvPr id="1" name="Shape 93"/>
+        <p:cNvPr id="94" name="Shape 94"/>
         <p:cNvGrpSpPr/>
         <p:nvPr/>
       </p:nvGrpSpPr>
@@ -1403,12 +1242,10 @@
       </p:grpSpPr>
       <p:sp>
         <p:nvSpPr>
-          <p:cNvPr id="94" name="Shape 94"/>
-          <p:cNvSpPr>
-            <a:spLocks noGrp="1" noRot="1" noChangeAspect="1"/>
-          </p:cNvSpPr>
+          <p:cNvPr id="95" name="Shape 95"/>
+          <p:cNvSpPr/>
           <p:nvPr>
-            <p:ph type="sldImg" idx="2"/>
+            <p:ph idx="2" type="sldImg"/>
           </p:nvPr>
         </p:nvSpPr>
         <p:spPr>
@@ -1417,13 +1254,8 @@
             <a:ext cx="6096000" cy="3429000"/>
           </a:xfrm>
           <a:custGeom>
-            <a:avLst/>
-            <a:gdLst/>
-            <a:ahLst/>
-            <a:cxnLst/>
-            <a:rect l="0" t="0" r="0" b="0"/>
             <a:pathLst>
-              <a:path w="120000" h="120000" extrusionOk="0">
+              <a:path extrusionOk="0" h="120000" w="120000">
                 <a:moveTo>
                   <a:pt x="0" y="0"/>
                 </a:moveTo>
@@ -1441,25 +1273,23 @@
             </a:pathLst>
           </a:custGeom>
           <a:noFill/>
-          <a:ln w="9525" cap="flat" cmpd="sng">
+          <a:ln cap="flat" cmpd="sng" w="9525">
             <a:solidFill>
               <a:srgbClr val="000000"/>
             </a:solidFill>
             <a:prstDash val="solid"/>
             <a:round/>
-            <a:headEnd type="none" w="med" len="med"/>
-            <a:tailEnd type="none" w="med" len="med"/>
+            <a:headEnd len="med" w="med" type="none"/>
+            <a:tailEnd len="med" w="med" type="none"/>
           </a:ln>
         </p:spPr>
       </p:sp>
       <p:sp>
         <p:nvSpPr>
-          <p:cNvPr id="95" name="Shape 95"/>
-          <p:cNvSpPr txBox="1">
-            <a:spLocks noGrp="1"/>
-          </p:cNvSpPr>
+          <p:cNvPr id="96" name="Shape 96"/>
+          <p:cNvSpPr txBox="1"/>
           <p:nvPr>
-            <p:ph type="body" idx="1"/>
+            <p:ph idx="1" type="body"/>
           </p:nvPr>
         </p:nvSpPr>
         <p:spPr>
@@ -1472,17 +1302,20 @@
           </a:prstGeom>
         </p:spPr>
         <p:txBody>
-          <a:bodyPr lIns="91425" tIns="91425" rIns="91425" bIns="91425" anchor="t" anchorCtr="0">
+          <a:bodyPr anchorCtr="0" anchor="t" bIns="91425" lIns="91425" rIns="91425" tIns="91425">
             <a:noAutofit/>
           </a:bodyPr>
           <a:lstStyle/>
           <a:p>
-            <a:pPr>
+            <a:pPr lvl="0">
               <a:spcBef>
                 <a:spcPts val="0"/>
               </a:spcBef>
               <a:buNone/>
             </a:pPr>
+            <a:r>
+              <a:t/>
+            </a:r>
             <a:endParaRPr/>
           </a:p>
         </p:txBody>
@@ -1496,11 +1329,11 @@
 </file>
 
 <file path=ppt/slideLayouts/slideLayout1.xml><?xml version="1.0" encoding="utf-8"?>
-<p:sldLayout xmlns:a="http://schemas.openxmlformats.org/drawingml/2006/main" xmlns:r="http://schemas.openxmlformats.org/officeDocument/2006/relationships" xmlns:p="http://schemas.openxmlformats.org/presentationml/2006/main" type="title">
+<p:sldLayout xmlns:a="http://schemas.openxmlformats.org/drawingml/2006/main" xmlns:r="http://schemas.openxmlformats.org/officeDocument/2006/relationships" xmlns:mc="http://schemas.openxmlformats.org/markup-compatibility/2006" xmlns:mv="urn:schemas-microsoft-com:mac:vml" xmlns:p="http://schemas.openxmlformats.org/presentationml/2006/main" xmlns:c="http://schemas.openxmlformats.org/drawingml/2006/chart" xmlns:dgm="http://schemas.openxmlformats.org/drawingml/2006/diagram" xmlns:o="urn:schemas-microsoft-com:office:office" xmlns:v="urn:schemas-microsoft-com:vml" xmlns:pvml="urn:schemas-microsoft-com:office:powerpoint" xmlns:com="http://schemas.openxmlformats.org/drawingml/2006/compatibility" xmlns:p14="http://schemas.microsoft.com/office/powerpoint/2010/main" type="title">
   <p:cSld name="Title slide">
     <p:spTree>
       <p:nvGrpSpPr>
-        <p:cNvPr id="1" name="Shape 8"/>
+        <p:cNvPr id="9" name="Shape 9"/>
         <p:cNvGrpSpPr/>
         <p:nvPr/>
       </p:nvGrpSpPr>
@@ -1514,7 +1347,7 @@
       </p:grpSpPr>
       <p:sp>
         <p:nvSpPr>
-          <p:cNvPr id="9" name="Shape 9"/>
+          <p:cNvPr id="10" name="Shape 10"/>
           <p:cNvSpPr/>
           <p:nvPr/>
         </p:nvSpPr>
@@ -1525,7 +1358,7 @@
           </a:xfrm>
           <a:prstGeom prst="roundRect">
             <a:avLst>
-              <a:gd name="adj" fmla="val 3653"/>
+              <a:gd fmla="val 3653" name="adj"/>
             </a:avLst>
           </a:prstGeom>
           <a:solidFill>
@@ -1536,24 +1369,27 @@
           </a:ln>
         </p:spPr>
         <p:txBody>
-          <a:bodyPr lIns="91425" tIns="45700" rIns="91425" bIns="45700" anchor="ctr" anchorCtr="0">
+          <a:bodyPr anchorCtr="0" anchor="ctr" bIns="45700" lIns="91425" rIns="91425" tIns="45700">
             <a:noAutofit/>
           </a:bodyPr>
           <a:lstStyle/>
           <a:p>
-            <a:pPr>
+            <a:pPr lvl="0">
               <a:spcBef>
                 <a:spcPts val="0"/>
               </a:spcBef>
               <a:buNone/>
             </a:pPr>
+            <a:r>
+              <a:t/>
+            </a:r>
             <a:endParaRPr/>
           </a:p>
         </p:txBody>
       </p:sp>
       <p:sp>
         <p:nvSpPr>
-          <p:cNvPr id="10" name="Shape 10"/>
+          <p:cNvPr id="11" name="Shape 11"/>
           <p:cNvSpPr/>
           <p:nvPr/>
         </p:nvSpPr>
@@ -1564,7 +1400,7 @@
           </a:xfrm>
           <a:prstGeom prst="roundRect">
             <a:avLst>
-              <a:gd name="adj" fmla="val 15243"/>
+              <a:gd fmla="val 15243" name="adj"/>
             </a:avLst>
           </a:prstGeom>
           <a:solidFill>
@@ -1575,27 +1411,28 @@
           </a:ln>
         </p:spPr>
         <p:txBody>
-          <a:bodyPr lIns="91425" tIns="45700" rIns="91425" bIns="45700" anchor="ctr" anchorCtr="0">
+          <a:bodyPr anchorCtr="0" anchor="ctr" bIns="45700" lIns="91425" rIns="91425" tIns="45700">
             <a:noAutofit/>
           </a:bodyPr>
           <a:lstStyle/>
           <a:p>
-            <a:pPr>
+            <a:pPr lvl="0">
               <a:spcBef>
                 <a:spcPts val="0"/>
               </a:spcBef>
               <a:buNone/>
             </a:pPr>
+            <a:r>
+              <a:t/>
+            </a:r>
             <a:endParaRPr/>
           </a:p>
         </p:txBody>
       </p:sp>
       <p:sp>
         <p:nvSpPr>
-          <p:cNvPr id="11" name="Shape 11"/>
-          <p:cNvSpPr txBox="1">
-            <a:spLocks noGrp="1"/>
-          </p:cNvSpPr>
+          <p:cNvPr id="12" name="Shape 12"/>
+          <p:cNvSpPr txBox="1"/>
           <p:nvPr>
             <p:ph type="ctrTitle"/>
           </p:nvPr>
@@ -1610,65 +1447,65 @@
           </a:prstGeom>
         </p:spPr>
         <p:txBody>
-          <a:bodyPr lIns="91425" tIns="91425" rIns="91425" bIns="91425" anchor="b" anchorCtr="0"/>
+          <a:bodyPr anchorCtr="0" anchor="b" bIns="91425" lIns="91425" rIns="91425" tIns="91425"/>
           <a:lstStyle>
-            <a:lvl1pPr>
+            <a:lvl1pPr lvl="0">
               <a:spcBef>
                 <a:spcPts val="0"/>
               </a:spcBef>
               <a:buSzPct val="100000"/>
               <a:defRPr sz="7200"/>
             </a:lvl1pPr>
-            <a:lvl2pPr>
+            <a:lvl2pPr lvl="1">
               <a:spcBef>
                 <a:spcPts val="0"/>
               </a:spcBef>
               <a:buSzPct val="100000"/>
               <a:defRPr sz="7200"/>
             </a:lvl2pPr>
-            <a:lvl3pPr>
+            <a:lvl3pPr lvl="2">
               <a:spcBef>
                 <a:spcPts val="0"/>
               </a:spcBef>
               <a:buSzPct val="100000"/>
               <a:defRPr sz="7200"/>
             </a:lvl3pPr>
-            <a:lvl4pPr>
+            <a:lvl4pPr lvl="3">
               <a:spcBef>
                 <a:spcPts val="0"/>
               </a:spcBef>
               <a:buSzPct val="100000"/>
               <a:defRPr sz="7200"/>
             </a:lvl4pPr>
-            <a:lvl5pPr>
+            <a:lvl5pPr lvl="4">
               <a:spcBef>
                 <a:spcPts val="0"/>
               </a:spcBef>
               <a:buSzPct val="100000"/>
               <a:defRPr sz="7200"/>
             </a:lvl5pPr>
-            <a:lvl6pPr>
+            <a:lvl6pPr lvl="5">
               <a:spcBef>
                 <a:spcPts val="0"/>
               </a:spcBef>
               <a:buSzPct val="100000"/>
               <a:defRPr sz="7200"/>
             </a:lvl6pPr>
-            <a:lvl7pPr>
+            <a:lvl7pPr lvl="6">
               <a:spcBef>
                 <a:spcPts val="0"/>
               </a:spcBef>
               <a:buSzPct val="100000"/>
               <a:defRPr sz="7200"/>
             </a:lvl7pPr>
-            <a:lvl8pPr>
+            <a:lvl8pPr lvl="7">
               <a:spcBef>
                 <a:spcPts val="0"/>
               </a:spcBef>
               <a:buSzPct val="100000"/>
               <a:defRPr sz="7200"/>
             </a:lvl8pPr>
-            <a:lvl9pPr>
+            <a:lvl9pPr lvl="8">
               <a:spcBef>
                 <a:spcPts val="0"/>
               </a:spcBef>
@@ -1676,19 +1513,15 @@
               <a:defRPr sz="7200"/>
             </a:lvl9pPr>
           </a:lstStyle>
-          <a:p>
-            <a:endParaRPr/>
-          </a:p>
+          <a:p/>
         </p:txBody>
       </p:sp>
       <p:sp>
         <p:nvSpPr>
-          <p:cNvPr id="12" name="Shape 12"/>
-          <p:cNvSpPr txBox="1">
-            <a:spLocks noGrp="1"/>
-          </p:cNvSpPr>
+          <p:cNvPr id="13" name="Shape 13"/>
+          <p:cNvSpPr txBox="1"/>
           <p:nvPr>
-            <p:ph type="subTitle" idx="1"/>
+            <p:ph idx="1" type="subTitle"/>
           </p:nvPr>
         </p:nvSpPr>
         <p:spPr>
@@ -1701,16 +1534,16 @@
           </a:prstGeom>
         </p:spPr>
         <p:txBody>
-          <a:bodyPr lIns="91425" tIns="91425" rIns="91425" bIns="91425" anchor="ctr" anchorCtr="0"/>
+          <a:bodyPr anchorCtr="0" anchor="ctr" bIns="91425" lIns="91425" rIns="91425" tIns="91425"/>
           <a:lstStyle>
-            <a:lvl1pPr>
+            <a:lvl1pPr lvl="0">
               <a:spcBef>
                 <a:spcPts val="0"/>
               </a:spcBef>
               <a:buNone/>
               <a:defRPr/>
             </a:lvl1pPr>
-            <a:lvl2pPr>
+            <a:lvl2pPr lvl="1">
               <a:spcBef>
                 <a:spcPts val="0"/>
               </a:spcBef>
@@ -1718,7 +1551,7 @@
               <a:buNone/>
               <a:defRPr sz="3000"/>
             </a:lvl2pPr>
-            <a:lvl3pPr>
+            <a:lvl3pPr lvl="2">
               <a:spcBef>
                 <a:spcPts val="0"/>
               </a:spcBef>
@@ -1726,7 +1559,7 @@
               <a:buNone/>
               <a:defRPr sz="3000"/>
             </a:lvl3pPr>
-            <a:lvl4pPr>
+            <a:lvl4pPr lvl="3">
               <a:spcBef>
                 <a:spcPts val="0"/>
               </a:spcBef>
@@ -1734,7 +1567,7 @@
               <a:buNone/>
               <a:defRPr sz="3000"/>
             </a:lvl4pPr>
-            <a:lvl5pPr>
+            <a:lvl5pPr lvl="4">
               <a:spcBef>
                 <a:spcPts val="0"/>
               </a:spcBef>
@@ -1742,7 +1575,7 @@
               <a:buNone/>
               <a:defRPr sz="3000"/>
             </a:lvl5pPr>
-            <a:lvl6pPr>
+            <a:lvl6pPr lvl="5">
               <a:spcBef>
                 <a:spcPts val="0"/>
               </a:spcBef>
@@ -1750,7 +1583,7 @@
               <a:buNone/>
               <a:defRPr sz="3000"/>
             </a:lvl6pPr>
-            <a:lvl7pPr>
+            <a:lvl7pPr lvl="6">
               <a:spcBef>
                 <a:spcPts val="0"/>
               </a:spcBef>
@@ -1758,7 +1591,7 @@
               <a:buNone/>
               <a:defRPr sz="3000"/>
             </a:lvl7pPr>
-            <a:lvl8pPr>
+            <a:lvl8pPr lvl="7">
               <a:spcBef>
                 <a:spcPts val="0"/>
               </a:spcBef>
@@ -1766,7 +1599,7 @@
               <a:buNone/>
               <a:defRPr sz="3000"/>
             </a:lvl8pPr>
-            <a:lvl9pPr>
+            <a:lvl9pPr lvl="8">
               <a:spcBef>
                 <a:spcPts val="0"/>
               </a:spcBef>
@@ -1775,19 +1608,15 @@
               <a:defRPr sz="3000"/>
             </a:lvl9pPr>
           </a:lstStyle>
-          <a:p>
-            <a:endParaRPr/>
-          </a:p>
+          <a:p/>
         </p:txBody>
       </p:sp>
       <p:sp>
         <p:nvSpPr>
-          <p:cNvPr id="13" name="Shape 13"/>
-          <p:cNvSpPr txBox="1">
-            <a:spLocks noGrp="1"/>
-          </p:cNvSpPr>
+          <p:cNvPr id="14" name="Shape 14"/>
+          <p:cNvSpPr txBox="1"/>
           <p:nvPr>
-            <p:ph type="sldNum" idx="12"/>
+            <p:ph idx="12" type="sldNum"/>
           </p:nvPr>
         </p:nvSpPr>
         <p:spPr>
@@ -1800,12 +1629,12 @@
           </a:prstGeom>
         </p:spPr>
         <p:txBody>
-          <a:bodyPr lIns="91425" tIns="91425" rIns="91425" bIns="91425" anchor="ctr" anchorCtr="0">
+          <a:bodyPr anchorCtr="0" anchor="ctr" bIns="91425" lIns="91425" rIns="91425" tIns="91425">
             <a:noAutofit/>
           </a:bodyPr>
           <a:lstStyle/>
           <a:p>
-            <a:pPr>
+            <a:pPr lvl="0">
               <a:spcBef>
                 <a:spcPts val="0"/>
               </a:spcBef>
@@ -1813,9 +1642,8 @@
             </a:pPr>
             <a:fld id="{00000000-1234-1234-1234-123412341234}" type="slidenum">
               <a:rPr lang="es"/>
-              <a:t>‹Nº›</a:t>
+              <a:t>‹#›</a:t>
             </a:fld>
-            <a:endParaRPr lang="es"/>
           </a:p>
         </p:txBody>
       </p:sp>
@@ -1828,11 +1656,11 @@
 </file>
 
 <file path=ppt/slideLayouts/slideLayout2.xml><?xml version="1.0" encoding="utf-8"?>
-<p:sldLayout xmlns:a="http://schemas.openxmlformats.org/drawingml/2006/main" xmlns:r="http://schemas.openxmlformats.org/officeDocument/2006/relationships" xmlns:p="http://schemas.openxmlformats.org/presentationml/2006/main" type="tx">
+<p:sldLayout xmlns:a="http://schemas.openxmlformats.org/drawingml/2006/main" xmlns:r="http://schemas.openxmlformats.org/officeDocument/2006/relationships" xmlns:mc="http://schemas.openxmlformats.org/markup-compatibility/2006" xmlns:mv="urn:schemas-microsoft-com:mac:vml" xmlns:p="http://schemas.openxmlformats.org/presentationml/2006/main" xmlns:c="http://schemas.openxmlformats.org/drawingml/2006/chart" xmlns:dgm="http://schemas.openxmlformats.org/drawingml/2006/diagram" xmlns:o="urn:schemas-microsoft-com:office:office" xmlns:v="urn:schemas-microsoft-com:vml" xmlns:pvml="urn:schemas-microsoft-com:office:powerpoint" xmlns:com="http://schemas.openxmlformats.org/drawingml/2006/compatibility" xmlns:p14="http://schemas.microsoft.com/office/powerpoint/2010/main" type="tx">
   <p:cSld name="Title and body">
     <p:spTree>
       <p:nvGrpSpPr>
-        <p:cNvPr id="1" name="Shape 14"/>
+        <p:cNvPr id="15" name="Shape 15"/>
         <p:cNvGrpSpPr/>
         <p:nvPr/>
       </p:nvGrpSpPr>
@@ -1846,7 +1674,7 @@
       </p:grpSpPr>
       <p:sp>
         <p:nvSpPr>
-          <p:cNvPr id="15" name="Shape 15"/>
+          <p:cNvPr id="16" name="Shape 16"/>
           <p:cNvSpPr/>
           <p:nvPr/>
         </p:nvSpPr>
@@ -1857,7 +1685,7 @@
           </a:xfrm>
           <a:prstGeom prst="roundRect">
             <a:avLst>
-              <a:gd name="adj" fmla="val 2970"/>
+              <a:gd fmla="val 2970" name="adj"/>
             </a:avLst>
           </a:prstGeom>
           <a:solidFill>
@@ -1868,36 +1696,39 @@
           </a:ln>
         </p:spPr>
         <p:txBody>
-          <a:bodyPr lIns="91425" tIns="45700" rIns="91425" bIns="45700" anchor="ctr" anchorCtr="0">
+          <a:bodyPr anchorCtr="0" anchor="ctr" bIns="45700" lIns="91425" rIns="91425" tIns="45700">
             <a:noAutofit/>
           </a:bodyPr>
           <a:lstStyle/>
           <a:p>
-            <a:pPr>
+            <a:pPr lvl="0">
               <a:spcBef>
                 <a:spcPts val="0"/>
               </a:spcBef>
               <a:buNone/>
             </a:pPr>
+            <a:r>
+              <a:t/>
+            </a:r>
             <a:endParaRPr/>
           </a:p>
         </p:txBody>
       </p:sp>
       <p:sp>
         <p:nvSpPr>
-          <p:cNvPr id="16" name="Shape 16"/>
+          <p:cNvPr id="17" name="Shape 17"/>
           <p:cNvSpPr/>
           <p:nvPr/>
         </p:nvSpPr>
         <p:spPr>
-          <a:xfrm rot="10800000" flipH="1">
+          <a:xfrm flipH="1" rot="10800000">
             <a:off x="372035" y="59"/>
             <a:ext cx="8399999" cy="1049700"/>
           </a:xfrm>
           <a:prstGeom prst="round2SameRect">
             <a:avLst>
-              <a:gd name="adj1" fmla="val 10590"/>
-              <a:gd name="adj2" fmla="val 0"/>
+              <a:gd fmla="val 10590" name="adj1"/>
+              <a:gd fmla="val 0" name="adj2"/>
             </a:avLst>
           </a:prstGeom>
           <a:solidFill>
@@ -1908,27 +1739,28 @@
           </a:ln>
         </p:spPr>
         <p:txBody>
-          <a:bodyPr lIns="91425" tIns="45700" rIns="91425" bIns="45700" anchor="ctr" anchorCtr="0">
+          <a:bodyPr anchorCtr="0" anchor="ctr" bIns="45700" lIns="91425" rIns="91425" tIns="45700">
             <a:noAutofit/>
           </a:bodyPr>
           <a:lstStyle/>
           <a:p>
-            <a:pPr>
+            <a:pPr lvl="0">
               <a:spcBef>
                 <a:spcPts val="0"/>
               </a:spcBef>
               <a:buNone/>
             </a:pPr>
+            <a:r>
+              <a:t/>
+            </a:r>
             <a:endParaRPr/>
           </a:p>
         </p:txBody>
       </p:sp>
       <p:sp>
         <p:nvSpPr>
-          <p:cNvPr id="17" name="Shape 17"/>
-          <p:cNvSpPr txBox="1">
-            <a:spLocks noGrp="1"/>
-          </p:cNvSpPr>
+          <p:cNvPr id="18" name="Shape 18"/>
+          <p:cNvSpPr txBox="1"/>
           <p:nvPr>
             <p:ph type="title"/>
           </p:nvPr>
@@ -1943,76 +1775,72 @@
           </a:prstGeom>
         </p:spPr>
         <p:txBody>
-          <a:bodyPr lIns="91425" tIns="91425" rIns="91425" bIns="91425" anchor="b" anchorCtr="0"/>
+          <a:bodyPr anchorCtr="0" anchor="b" bIns="91425" lIns="91425" rIns="91425" tIns="91425"/>
           <a:lstStyle>
-            <a:lvl1pPr>
+            <a:lvl1pPr lvl="0">
               <a:spcBef>
                 <a:spcPts val="0"/>
               </a:spcBef>
               <a:defRPr/>
             </a:lvl1pPr>
-            <a:lvl2pPr>
+            <a:lvl2pPr lvl="1">
               <a:spcBef>
                 <a:spcPts val="0"/>
               </a:spcBef>
               <a:defRPr/>
             </a:lvl2pPr>
-            <a:lvl3pPr>
+            <a:lvl3pPr lvl="2">
               <a:spcBef>
                 <a:spcPts val="0"/>
               </a:spcBef>
               <a:defRPr/>
             </a:lvl3pPr>
-            <a:lvl4pPr>
+            <a:lvl4pPr lvl="3">
               <a:spcBef>
                 <a:spcPts val="0"/>
               </a:spcBef>
               <a:defRPr/>
             </a:lvl4pPr>
-            <a:lvl5pPr>
+            <a:lvl5pPr lvl="4">
               <a:spcBef>
                 <a:spcPts val="0"/>
               </a:spcBef>
               <a:defRPr/>
             </a:lvl5pPr>
-            <a:lvl6pPr>
+            <a:lvl6pPr lvl="5">
               <a:spcBef>
                 <a:spcPts val="0"/>
               </a:spcBef>
               <a:defRPr/>
             </a:lvl6pPr>
-            <a:lvl7pPr>
+            <a:lvl7pPr lvl="6">
               <a:spcBef>
                 <a:spcPts val="0"/>
               </a:spcBef>
               <a:defRPr/>
             </a:lvl7pPr>
-            <a:lvl8pPr>
+            <a:lvl8pPr lvl="7">
               <a:spcBef>
                 <a:spcPts val="0"/>
               </a:spcBef>
               <a:defRPr/>
             </a:lvl8pPr>
-            <a:lvl9pPr>
+            <a:lvl9pPr lvl="8">
               <a:spcBef>
                 <a:spcPts val="0"/>
               </a:spcBef>
               <a:defRPr/>
             </a:lvl9pPr>
           </a:lstStyle>
-          <a:p>
-            <a:endParaRPr/>
-          </a:p>
+          <a:p/>
         </p:txBody>
       </p:sp>
       <p:sp>
         <p:nvSpPr>
-          <p:cNvPr id="18" name="Shape 18"/>
-          <p:cNvSpPr txBox="1">
-            <a:spLocks noGrp="1"/>
-          </p:cNvSpPr>
+          <p:cNvPr id="19" name="Shape 19"/>
+          <p:cNvSpPr txBox="1"/>
           <p:nvPr>
-            <p:ph type="body" idx="1"/>
+            <p:ph idx="1" type="body"/>
           </p:nvPr>
         </p:nvSpPr>
         <p:spPr>
@@ -2025,76 +1853,72 @@
           </a:prstGeom>
         </p:spPr>
         <p:txBody>
-          <a:bodyPr lIns="91425" tIns="91425" rIns="91425" bIns="91425" anchor="t" anchorCtr="0"/>
+          <a:bodyPr anchorCtr="0" anchor="t" bIns="91425" lIns="91425" rIns="91425" tIns="91425"/>
           <a:lstStyle>
-            <a:lvl1pPr>
+            <a:lvl1pPr lvl="0">
               <a:spcBef>
                 <a:spcPts val="0"/>
               </a:spcBef>
               <a:defRPr/>
             </a:lvl1pPr>
-            <a:lvl2pPr>
+            <a:lvl2pPr lvl="1">
               <a:spcBef>
                 <a:spcPts val="0"/>
               </a:spcBef>
               <a:defRPr/>
             </a:lvl2pPr>
-            <a:lvl3pPr>
+            <a:lvl3pPr lvl="2">
               <a:spcBef>
                 <a:spcPts val="0"/>
               </a:spcBef>
               <a:defRPr/>
             </a:lvl3pPr>
-            <a:lvl4pPr>
+            <a:lvl4pPr lvl="3">
               <a:spcBef>
                 <a:spcPts val="0"/>
               </a:spcBef>
               <a:defRPr/>
             </a:lvl4pPr>
-            <a:lvl5pPr>
+            <a:lvl5pPr lvl="4">
               <a:spcBef>
                 <a:spcPts val="0"/>
               </a:spcBef>
               <a:defRPr/>
             </a:lvl5pPr>
-            <a:lvl6pPr>
+            <a:lvl6pPr lvl="5">
               <a:spcBef>
                 <a:spcPts val="0"/>
               </a:spcBef>
               <a:defRPr/>
             </a:lvl6pPr>
-            <a:lvl7pPr>
+            <a:lvl7pPr lvl="6">
               <a:spcBef>
                 <a:spcPts val="0"/>
               </a:spcBef>
               <a:defRPr/>
             </a:lvl7pPr>
-            <a:lvl8pPr>
+            <a:lvl8pPr lvl="7">
               <a:spcBef>
                 <a:spcPts val="0"/>
               </a:spcBef>
               <a:defRPr/>
             </a:lvl8pPr>
-            <a:lvl9pPr>
+            <a:lvl9pPr lvl="8">
               <a:spcBef>
                 <a:spcPts val="0"/>
               </a:spcBef>
               <a:defRPr/>
             </a:lvl9pPr>
           </a:lstStyle>
-          <a:p>
-            <a:endParaRPr/>
-          </a:p>
+          <a:p/>
         </p:txBody>
       </p:sp>
       <p:sp>
         <p:nvSpPr>
-          <p:cNvPr id="19" name="Shape 19"/>
-          <p:cNvSpPr txBox="1">
-            <a:spLocks noGrp="1"/>
-          </p:cNvSpPr>
+          <p:cNvPr id="20" name="Shape 20"/>
+          <p:cNvSpPr txBox="1"/>
           <p:nvPr>
-            <p:ph type="sldNum" idx="12"/>
+            <p:ph idx="12" type="sldNum"/>
           </p:nvPr>
         </p:nvSpPr>
         <p:spPr>
@@ -2107,12 +1931,12 @@
           </a:prstGeom>
         </p:spPr>
         <p:txBody>
-          <a:bodyPr lIns="91425" tIns="91425" rIns="91425" bIns="91425" anchor="ctr" anchorCtr="0">
+          <a:bodyPr anchorCtr="0" anchor="ctr" bIns="91425" lIns="91425" rIns="91425" tIns="91425">
             <a:noAutofit/>
           </a:bodyPr>
           <a:lstStyle/>
           <a:p>
-            <a:pPr>
+            <a:pPr lvl="0">
               <a:spcBef>
                 <a:spcPts val="0"/>
               </a:spcBef>
@@ -2120,9 +1944,8 @@
             </a:pPr>
             <a:fld id="{00000000-1234-1234-1234-123412341234}" type="slidenum">
               <a:rPr lang="es"/>
-              <a:t>‹Nº›</a:t>
+              <a:t>‹#›</a:t>
             </a:fld>
-            <a:endParaRPr lang="es"/>
           </a:p>
         </p:txBody>
       </p:sp>
@@ -2135,11 +1958,11 @@
 </file>
 
 <file path=ppt/slideLayouts/slideLayout3.xml><?xml version="1.0" encoding="utf-8"?>
-<p:sldLayout xmlns:a="http://schemas.openxmlformats.org/drawingml/2006/main" xmlns:r="http://schemas.openxmlformats.org/officeDocument/2006/relationships" xmlns:p="http://schemas.openxmlformats.org/presentationml/2006/main" type="twoColTx">
+<p:sldLayout xmlns:a="http://schemas.openxmlformats.org/drawingml/2006/main" xmlns:r="http://schemas.openxmlformats.org/officeDocument/2006/relationships" xmlns:mc="http://schemas.openxmlformats.org/markup-compatibility/2006" xmlns:mv="urn:schemas-microsoft-com:mac:vml" xmlns:p="http://schemas.openxmlformats.org/presentationml/2006/main" xmlns:c="http://schemas.openxmlformats.org/drawingml/2006/chart" xmlns:dgm="http://schemas.openxmlformats.org/drawingml/2006/diagram" xmlns:o="urn:schemas-microsoft-com:office:office" xmlns:v="urn:schemas-microsoft-com:vml" xmlns:pvml="urn:schemas-microsoft-com:office:powerpoint" xmlns:com="http://schemas.openxmlformats.org/drawingml/2006/compatibility" xmlns:p14="http://schemas.microsoft.com/office/powerpoint/2010/main" type="twoColTx">
   <p:cSld name="Title and two columns">
     <p:spTree>
       <p:nvGrpSpPr>
-        <p:cNvPr id="1" name="Shape 20"/>
+        <p:cNvPr id="21" name="Shape 21"/>
         <p:cNvGrpSpPr/>
         <p:nvPr/>
       </p:nvGrpSpPr>
@@ -2153,7 +1976,7 @@
       </p:grpSpPr>
       <p:sp>
         <p:nvSpPr>
-          <p:cNvPr id="21" name="Shape 21"/>
+          <p:cNvPr id="22" name="Shape 22"/>
           <p:cNvSpPr/>
           <p:nvPr/>
         </p:nvSpPr>
@@ -2164,7 +1987,7 @@
           </a:xfrm>
           <a:prstGeom prst="roundRect">
             <a:avLst>
-              <a:gd name="adj" fmla="val 3784"/>
+              <a:gd fmla="val 3784" name="adj"/>
             </a:avLst>
           </a:prstGeom>
           <a:solidFill>
@@ -2175,36 +1998,39 @@
           </a:ln>
         </p:spPr>
         <p:txBody>
-          <a:bodyPr lIns="91425" tIns="45700" rIns="91425" bIns="45700" anchor="ctr" anchorCtr="0">
+          <a:bodyPr anchorCtr="0" anchor="ctr" bIns="45700" lIns="91425" rIns="91425" tIns="45700">
             <a:noAutofit/>
           </a:bodyPr>
           <a:lstStyle/>
           <a:p>
-            <a:pPr>
+            <a:pPr lvl="0">
               <a:spcBef>
                 <a:spcPts val="0"/>
               </a:spcBef>
               <a:buNone/>
             </a:pPr>
+            <a:r>
+              <a:t/>
+            </a:r>
             <a:endParaRPr/>
           </a:p>
         </p:txBody>
       </p:sp>
       <p:sp>
         <p:nvSpPr>
-          <p:cNvPr id="22" name="Shape 22"/>
+          <p:cNvPr id="23" name="Shape 23"/>
           <p:cNvSpPr/>
           <p:nvPr/>
         </p:nvSpPr>
         <p:spPr>
-          <a:xfrm rot="10800000" flipH="1">
+          <a:xfrm flipH="1" rot="10800000">
             <a:off x="372035" y="59"/>
             <a:ext cx="8399999" cy="1049700"/>
           </a:xfrm>
           <a:prstGeom prst="round2SameRect">
             <a:avLst>
-              <a:gd name="adj1" fmla="val 10590"/>
-              <a:gd name="adj2" fmla="val 0"/>
+              <a:gd fmla="val 10590" name="adj1"/>
+              <a:gd fmla="val 0" name="adj2"/>
             </a:avLst>
           </a:prstGeom>
           <a:solidFill>
@@ -2215,27 +2041,28 @@
           </a:ln>
         </p:spPr>
         <p:txBody>
-          <a:bodyPr lIns="91425" tIns="45700" rIns="91425" bIns="45700" anchor="ctr" anchorCtr="0">
+          <a:bodyPr anchorCtr="0" anchor="ctr" bIns="45700" lIns="91425" rIns="91425" tIns="45700">
             <a:noAutofit/>
           </a:bodyPr>
           <a:lstStyle/>
           <a:p>
-            <a:pPr>
+            <a:pPr lvl="0">
               <a:spcBef>
                 <a:spcPts val="0"/>
               </a:spcBef>
               <a:buNone/>
             </a:pPr>
+            <a:r>
+              <a:t/>
+            </a:r>
             <a:endParaRPr/>
           </a:p>
         </p:txBody>
       </p:sp>
       <p:sp>
         <p:nvSpPr>
-          <p:cNvPr id="23" name="Shape 23"/>
-          <p:cNvSpPr txBox="1">
-            <a:spLocks noGrp="1"/>
-          </p:cNvSpPr>
+          <p:cNvPr id="24" name="Shape 24"/>
+          <p:cNvSpPr txBox="1"/>
           <p:nvPr>
             <p:ph type="title"/>
           </p:nvPr>
@@ -2250,76 +2077,72 @@
           </a:prstGeom>
         </p:spPr>
         <p:txBody>
-          <a:bodyPr lIns="91425" tIns="91425" rIns="91425" bIns="91425" anchor="b" anchorCtr="0"/>
+          <a:bodyPr anchorCtr="0" anchor="b" bIns="91425" lIns="91425" rIns="91425" tIns="91425"/>
           <a:lstStyle>
-            <a:lvl1pPr>
+            <a:lvl1pPr lvl="0">
               <a:spcBef>
                 <a:spcPts val="0"/>
               </a:spcBef>
               <a:defRPr/>
             </a:lvl1pPr>
-            <a:lvl2pPr>
+            <a:lvl2pPr lvl="1">
               <a:spcBef>
                 <a:spcPts val="0"/>
               </a:spcBef>
               <a:defRPr/>
             </a:lvl2pPr>
-            <a:lvl3pPr>
+            <a:lvl3pPr lvl="2">
               <a:spcBef>
                 <a:spcPts val="0"/>
               </a:spcBef>
               <a:defRPr/>
             </a:lvl3pPr>
-            <a:lvl4pPr>
+            <a:lvl4pPr lvl="3">
               <a:spcBef>
                 <a:spcPts val="0"/>
               </a:spcBef>
               <a:defRPr/>
             </a:lvl4pPr>
-            <a:lvl5pPr>
+            <a:lvl5pPr lvl="4">
               <a:spcBef>
                 <a:spcPts val="0"/>
               </a:spcBef>
               <a:defRPr/>
             </a:lvl5pPr>
-            <a:lvl6pPr>
+            <a:lvl6pPr lvl="5">
               <a:spcBef>
                 <a:spcPts val="0"/>
               </a:spcBef>
               <a:defRPr/>
             </a:lvl6pPr>
-            <a:lvl7pPr>
+            <a:lvl7pPr lvl="6">
               <a:spcBef>
                 <a:spcPts val="0"/>
               </a:spcBef>
               <a:defRPr/>
             </a:lvl7pPr>
-            <a:lvl8pPr>
+            <a:lvl8pPr lvl="7">
               <a:spcBef>
                 <a:spcPts val="0"/>
               </a:spcBef>
               <a:defRPr/>
             </a:lvl8pPr>
-            <a:lvl9pPr>
+            <a:lvl9pPr lvl="8">
               <a:spcBef>
                 <a:spcPts val="0"/>
               </a:spcBef>
               <a:defRPr/>
             </a:lvl9pPr>
           </a:lstStyle>
-          <a:p>
-            <a:endParaRPr/>
-          </a:p>
+          <a:p/>
         </p:txBody>
       </p:sp>
       <p:sp>
         <p:nvSpPr>
-          <p:cNvPr id="24" name="Shape 24"/>
-          <p:cNvSpPr txBox="1">
-            <a:spLocks noGrp="1"/>
-          </p:cNvSpPr>
+          <p:cNvPr id="25" name="Shape 25"/>
+          <p:cNvSpPr txBox="1"/>
           <p:nvPr>
-            <p:ph type="body" idx="1"/>
+            <p:ph idx="1" type="body"/>
           </p:nvPr>
         </p:nvSpPr>
         <p:spPr>
@@ -2332,71 +2155,69 @@
           </a:prstGeom>
         </p:spPr>
         <p:txBody>
-          <a:bodyPr lIns="91425" tIns="91425" rIns="91425" bIns="91425" anchor="t" anchorCtr="0"/>
+          <a:bodyPr anchorCtr="0" anchor="t" bIns="91425" lIns="91425" rIns="91425" tIns="91425"/>
           <a:lstStyle>
-            <a:lvl1pPr>
+            <a:lvl1pPr lvl="0">
               <a:spcBef>
                 <a:spcPts val="0"/>
               </a:spcBef>
               <a:defRPr/>
             </a:lvl1pPr>
-            <a:lvl2pPr>
+            <a:lvl2pPr lvl="1">
               <a:spcBef>
                 <a:spcPts val="0"/>
               </a:spcBef>
               <a:defRPr/>
             </a:lvl2pPr>
-            <a:lvl3pPr>
+            <a:lvl3pPr lvl="2">
               <a:spcBef>
                 <a:spcPts val="0"/>
               </a:spcBef>
               <a:defRPr/>
             </a:lvl3pPr>
-            <a:lvl4pPr>
+            <a:lvl4pPr lvl="3">
               <a:spcBef>
                 <a:spcPts val="0"/>
               </a:spcBef>
               <a:defRPr/>
             </a:lvl4pPr>
-            <a:lvl5pPr>
+            <a:lvl5pPr lvl="4">
               <a:spcBef>
                 <a:spcPts val="0"/>
               </a:spcBef>
               <a:defRPr/>
             </a:lvl5pPr>
-            <a:lvl6pPr>
+            <a:lvl6pPr lvl="5">
               <a:spcBef>
                 <a:spcPts val="0"/>
               </a:spcBef>
               <a:defRPr/>
             </a:lvl6pPr>
-            <a:lvl7pPr>
+            <a:lvl7pPr lvl="6">
               <a:spcBef>
                 <a:spcPts val="0"/>
               </a:spcBef>
               <a:defRPr/>
             </a:lvl7pPr>
-            <a:lvl8pPr>
+            <a:lvl8pPr lvl="7">
               <a:spcBef>
                 <a:spcPts val="0"/>
               </a:spcBef>
               <a:defRPr/>
             </a:lvl8pPr>
-            <a:lvl9pPr>
+            <a:lvl9pPr lvl="8">
               <a:spcBef>
                 <a:spcPts val="0"/>
               </a:spcBef>
               <a:defRPr/>
             </a:lvl9pPr>
           </a:lstStyle>
-          <a:p>
-            <a:endParaRPr/>
-          </a:p>
+          <a:p/>
         </p:txBody>
       </p:sp>
       <p:sp>
         <p:nvSpPr>
-          <p:cNvPr id="25" name="Shape 25"/>
+          <p:cNvPr id="26" name="Shape 26"/>
           <p:cNvSpPr/>
           <p:nvPr/>
         </p:nvSpPr>
@@ -2407,7 +2228,7 @@
           </a:xfrm>
           <a:prstGeom prst="roundRect">
             <a:avLst>
-              <a:gd name="adj" fmla="val 3784"/>
+              <a:gd fmla="val 3784" name="adj"/>
             </a:avLst>
           </a:prstGeom>
           <a:solidFill>
@@ -2418,29 +2239,30 @@
           </a:ln>
         </p:spPr>
         <p:txBody>
-          <a:bodyPr lIns="91425" tIns="45700" rIns="91425" bIns="45700" anchor="ctr" anchorCtr="0">
+          <a:bodyPr anchorCtr="0" anchor="ctr" bIns="45700" lIns="91425" rIns="91425" tIns="45700">
             <a:noAutofit/>
           </a:bodyPr>
           <a:lstStyle/>
           <a:p>
-            <a:pPr>
+            <a:pPr lvl="0">
               <a:spcBef>
                 <a:spcPts val="0"/>
               </a:spcBef>
               <a:buNone/>
             </a:pPr>
+            <a:r>
+              <a:t/>
+            </a:r>
             <a:endParaRPr/>
           </a:p>
         </p:txBody>
       </p:sp>
       <p:sp>
         <p:nvSpPr>
-          <p:cNvPr id="26" name="Shape 26"/>
-          <p:cNvSpPr txBox="1">
-            <a:spLocks noGrp="1"/>
-          </p:cNvSpPr>
+          <p:cNvPr id="27" name="Shape 27"/>
+          <p:cNvSpPr txBox="1"/>
           <p:nvPr>
-            <p:ph type="body" idx="2"/>
+            <p:ph idx="2" type="body"/>
           </p:nvPr>
         </p:nvSpPr>
         <p:spPr>
@@ -2453,76 +2275,72 @@
           </a:prstGeom>
         </p:spPr>
         <p:txBody>
-          <a:bodyPr lIns="91425" tIns="91425" rIns="91425" bIns="91425" anchor="t" anchorCtr="0"/>
+          <a:bodyPr anchorCtr="0" anchor="t" bIns="91425" lIns="91425" rIns="91425" tIns="91425"/>
           <a:lstStyle>
-            <a:lvl1pPr>
+            <a:lvl1pPr lvl="0">
               <a:spcBef>
                 <a:spcPts val="0"/>
               </a:spcBef>
               <a:defRPr/>
             </a:lvl1pPr>
-            <a:lvl2pPr>
+            <a:lvl2pPr lvl="1">
               <a:spcBef>
                 <a:spcPts val="0"/>
               </a:spcBef>
               <a:defRPr/>
             </a:lvl2pPr>
-            <a:lvl3pPr>
+            <a:lvl3pPr lvl="2">
               <a:spcBef>
                 <a:spcPts val="0"/>
               </a:spcBef>
               <a:defRPr/>
             </a:lvl3pPr>
-            <a:lvl4pPr>
+            <a:lvl4pPr lvl="3">
               <a:spcBef>
                 <a:spcPts val="0"/>
               </a:spcBef>
               <a:defRPr/>
             </a:lvl4pPr>
-            <a:lvl5pPr>
+            <a:lvl5pPr lvl="4">
               <a:spcBef>
                 <a:spcPts val="0"/>
               </a:spcBef>
               <a:defRPr/>
             </a:lvl5pPr>
-            <a:lvl6pPr>
+            <a:lvl6pPr lvl="5">
               <a:spcBef>
                 <a:spcPts val="0"/>
               </a:spcBef>
               <a:defRPr/>
             </a:lvl6pPr>
-            <a:lvl7pPr>
+            <a:lvl7pPr lvl="6">
               <a:spcBef>
                 <a:spcPts val="0"/>
               </a:spcBef>
               <a:defRPr/>
             </a:lvl7pPr>
-            <a:lvl8pPr>
+            <a:lvl8pPr lvl="7">
               <a:spcBef>
                 <a:spcPts val="0"/>
               </a:spcBef>
               <a:defRPr/>
             </a:lvl8pPr>
-            <a:lvl9pPr>
+            <a:lvl9pPr lvl="8">
               <a:spcBef>
                 <a:spcPts val="0"/>
               </a:spcBef>
               <a:defRPr/>
             </a:lvl9pPr>
           </a:lstStyle>
-          <a:p>
-            <a:endParaRPr/>
-          </a:p>
+          <a:p/>
         </p:txBody>
       </p:sp>
       <p:sp>
         <p:nvSpPr>
-          <p:cNvPr id="27" name="Shape 27"/>
-          <p:cNvSpPr txBox="1">
-            <a:spLocks noGrp="1"/>
-          </p:cNvSpPr>
+          <p:cNvPr id="28" name="Shape 28"/>
+          <p:cNvSpPr txBox="1"/>
           <p:nvPr>
-            <p:ph type="sldNum" idx="12"/>
+            <p:ph idx="12" type="sldNum"/>
           </p:nvPr>
         </p:nvSpPr>
         <p:spPr>
@@ -2535,12 +2353,12 @@
           </a:prstGeom>
         </p:spPr>
         <p:txBody>
-          <a:bodyPr lIns="91425" tIns="91425" rIns="91425" bIns="91425" anchor="ctr" anchorCtr="0">
+          <a:bodyPr anchorCtr="0" anchor="ctr" bIns="91425" lIns="91425" rIns="91425" tIns="91425">
             <a:noAutofit/>
           </a:bodyPr>
           <a:lstStyle/>
           <a:p>
-            <a:pPr>
+            <a:pPr lvl="0">
               <a:spcBef>
                 <a:spcPts val="0"/>
               </a:spcBef>
@@ -2548,9 +2366,8 @@
             </a:pPr>
             <a:fld id="{00000000-1234-1234-1234-123412341234}" type="slidenum">
               <a:rPr lang="es"/>
-              <a:t>‹Nº›</a:t>
+              <a:t>‹#›</a:t>
             </a:fld>
-            <a:endParaRPr lang="es"/>
           </a:p>
         </p:txBody>
       </p:sp>
@@ -2563,11 +2380,11 @@
 </file>
 
 <file path=ppt/slideLayouts/slideLayout4.xml><?xml version="1.0" encoding="utf-8"?>
-<p:sldLayout xmlns:a="http://schemas.openxmlformats.org/drawingml/2006/main" xmlns:r="http://schemas.openxmlformats.org/officeDocument/2006/relationships" xmlns:p="http://schemas.openxmlformats.org/presentationml/2006/main" type="titleOnly">
+<p:sldLayout xmlns:a="http://schemas.openxmlformats.org/drawingml/2006/main" xmlns:r="http://schemas.openxmlformats.org/officeDocument/2006/relationships" xmlns:mc="http://schemas.openxmlformats.org/markup-compatibility/2006" xmlns:mv="urn:schemas-microsoft-com:mac:vml" xmlns:p="http://schemas.openxmlformats.org/presentationml/2006/main" xmlns:c="http://schemas.openxmlformats.org/drawingml/2006/chart" xmlns:dgm="http://schemas.openxmlformats.org/drawingml/2006/diagram" xmlns:o="urn:schemas-microsoft-com:office:office" xmlns:v="urn:schemas-microsoft-com:vml" xmlns:pvml="urn:schemas-microsoft-com:office:powerpoint" xmlns:com="http://schemas.openxmlformats.org/drawingml/2006/compatibility" xmlns:p14="http://schemas.microsoft.com/office/powerpoint/2010/main" type="titleOnly">
   <p:cSld name="Title only">
     <p:spTree>
       <p:nvGrpSpPr>
-        <p:cNvPr id="1" name="Shape 28"/>
+        <p:cNvPr id="29" name="Shape 29"/>
         <p:cNvGrpSpPr/>
         <p:nvPr/>
       </p:nvGrpSpPr>
@@ -2581,7 +2398,7 @@
       </p:grpSpPr>
       <p:sp>
         <p:nvSpPr>
-          <p:cNvPr id="29" name="Shape 29"/>
+          <p:cNvPr id="30" name="Shape 30"/>
           <p:cNvSpPr/>
           <p:nvPr/>
         </p:nvSpPr>
@@ -2592,7 +2409,7 @@
           </a:xfrm>
           <a:prstGeom prst="roundRect">
             <a:avLst>
-              <a:gd name="adj" fmla="val 2970"/>
+              <a:gd fmla="val 2970" name="adj"/>
             </a:avLst>
           </a:prstGeom>
           <a:solidFill>
@@ -2603,36 +2420,39 @@
           </a:ln>
         </p:spPr>
         <p:txBody>
-          <a:bodyPr lIns="91425" tIns="45700" rIns="91425" bIns="45700" anchor="ctr" anchorCtr="0">
+          <a:bodyPr anchorCtr="0" anchor="ctr" bIns="45700" lIns="91425" rIns="91425" tIns="45700">
             <a:noAutofit/>
           </a:bodyPr>
           <a:lstStyle/>
           <a:p>
-            <a:pPr>
+            <a:pPr lvl="0">
               <a:spcBef>
                 <a:spcPts val="0"/>
               </a:spcBef>
               <a:buNone/>
             </a:pPr>
+            <a:r>
+              <a:t/>
+            </a:r>
             <a:endParaRPr/>
           </a:p>
         </p:txBody>
       </p:sp>
       <p:sp>
         <p:nvSpPr>
-          <p:cNvPr id="30" name="Shape 30"/>
+          <p:cNvPr id="31" name="Shape 31"/>
           <p:cNvSpPr/>
           <p:nvPr/>
         </p:nvSpPr>
         <p:spPr>
-          <a:xfrm rot="10800000" flipH="1">
+          <a:xfrm flipH="1" rot="10800000">
             <a:off x="372035" y="59"/>
             <a:ext cx="8399999" cy="1049700"/>
           </a:xfrm>
           <a:prstGeom prst="round2SameRect">
             <a:avLst>
-              <a:gd name="adj1" fmla="val 10590"/>
-              <a:gd name="adj2" fmla="val 0"/>
+              <a:gd fmla="val 10590" name="adj1"/>
+              <a:gd fmla="val 0" name="adj2"/>
             </a:avLst>
           </a:prstGeom>
           <a:solidFill>
@@ -2643,27 +2463,28 @@
           </a:ln>
         </p:spPr>
         <p:txBody>
-          <a:bodyPr lIns="91425" tIns="45700" rIns="91425" bIns="45700" anchor="ctr" anchorCtr="0">
+          <a:bodyPr anchorCtr="0" anchor="ctr" bIns="45700" lIns="91425" rIns="91425" tIns="45700">
             <a:noAutofit/>
           </a:bodyPr>
           <a:lstStyle/>
           <a:p>
-            <a:pPr>
+            <a:pPr lvl="0">
               <a:spcBef>
                 <a:spcPts val="0"/>
               </a:spcBef>
               <a:buNone/>
             </a:pPr>
+            <a:r>
+              <a:t/>
+            </a:r>
             <a:endParaRPr/>
           </a:p>
         </p:txBody>
       </p:sp>
       <p:sp>
         <p:nvSpPr>
-          <p:cNvPr id="31" name="Shape 31"/>
-          <p:cNvSpPr txBox="1">
-            <a:spLocks noGrp="1"/>
-          </p:cNvSpPr>
+          <p:cNvPr id="32" name="Shape 32"/>
+          <p:cNvSpPr txBox="1"/>
           <p:nvPr>
             <p:ph type="title"/>
           </p:nvPr>
@@ -2678,76 +2499,72 @@
           </a:prstGeom>
         </p:spPr>
         <p:txBody>
-          <a:bodyPr lIns="91425" tIns="91425" rIns="91425" bIns="91425" anchor="b" anchorCtr="0"/>
+          <a:bodyPr anchorCtr="0" anchor="b" bIns="91425" lIns="91425" rIns="91425" tIns="91425"/>
           <a:lstStyle>
-            <a:lvl1pPr>
+            <a:lvl1pPr lvl="0">
               <a:spcBef>
                 <a:spcPts val="0"/>
               </a:spcBef>
               <a:defRPr/>
             </a:lvl1pPr>
-            <a:lvl2pPr>
+            <a:lvl2pPr lvl="1">
               <a:spcBef>
                 <a:spcPts val="0"/>
               </a:spcBef>
               <a:defRPr/>
             </a:lvl2pPr>
-            <a:lvl3pPr>
+            <a:lvl3pPr lvl="2">
               <a:spcBef>
                 <a:spcPts val="0"/>
               </a:spcBef>
               <a:defRPr/>
             </a:lvl3pPr>
-            <a:lvl4pPr>
+            <a:lvl4pPr lvl="3">
               <a:spcBef>
                 <a:spcPts val="0"/>
               </a:spcBef>
               <a:defRPr/>
             </a:lvl4pPr>
-            <a:lvl5pPr>
+            <a:lvl5pPr lvl="4">
               <a:spcBef>
                 <a:spcPts val="0"/>
               </a:spcBef>
               <a:defRPr/>
             </a:lvl5pPr>
-            <a:lvl6pPr>
+            <a:lvl6pPr lvl="5">
               <a:spcBef>
                 <a:spcPts val="0"/>
               </a:spcBef>
               <a:defRPr/>
             </a:lvl6pPr>
-            <a:lvl7pPr>
+            <a:lvl7pPr lvl="6">
               <a:spcBef>
                 <a:spcPts val="0"/>
               </a:spcBef>
               <a:defRPr/>
             </a:lvl7pPr>
-            <a:lvl8pPr>
+            <a:lvl8pPr lvl="7">
               <a:spcBef>
                 <a:spcPts val="0"/>
               </a:spcBef>
               <a:defRPr/>
             </a:lvl8pPr>
-            <a:lvl9pPr>
+            <a:lvl9pPr lvl="8">
               <a:spcBef>
                 <a:spcPts val="0"/>
               </a:spcBef>
               <a:defRPr/>
             </a:lvl9pPr>
           </a:lstStyle>
-          <a:p>
-            <a:endParaRPr/>
-          </a:p>
+          <a:p/>
         </p:txBody>
       </p:sp>
       <p:sp>
         <p:nvSpPr>
-          <p:cNvPr id="32" name="Shape 32"/>
-          <p:cNvSpPr txBox="1">
-            <a:spLocks noGrp="1"/>
-          </p:cNvSpPr>
+          <p:cNvPr id="33" name="Shape 33"/>
+          <p:cNvSpPr txBox="1"/>
           <p:nvPr>
-            <p:ph type="sldNum" idx="12"/>
+            <p:ph idx="12" type="sldNum"/>
           </p:nvPr>
         </p:nvSpPr>
         <p:spPr>
@@ -2760,12 +2577,12 @@
           </a:prstGeom>
         </p:spPr>
         <p:txBody>
-          <a:bodyPr lIns="91425" tIns="91425" rIns="91425" bIns="91425" anchor="ctr" anchorCtr="0">
+          <a:bodyPr anchorCtr="0" anchor="ctr" bIns="91425" lIns="91425" rIns="91425" tIns="91425">
             <a:noAutofit/>
           </a:bodyPr>
           <a:lstStyle/>
           <a:p>
-            <a:pPr>
+            <a:pPr lvl="0">
               <a:spcBef>
                 <a:spcPts val="0"/>
               </a:spcBef>
@@ -2773,9 +2590,8 @@
             </a:pPr>
             <a:fld id="{00000000-1234-1234-1234-123412341234}" type="slidenum">
               <a:rPr lang="es"/>
-              <a:t>‹Nº›</a:t>
+              <a:t>‹#›</a:t>
             </a:fld>
-            <a:endParaRPr lang="es"/>
           </a:p>
         </p:txBody>
       </p:sp>
@@ -2788,11 +2604,11 @@
 </file>
 
 <file path=ppt/slideLayouts/slideLayout5.xml><?xml version="1.0" encoding="utf-8"?>
-<p:sldLayout xmlns:a="http://schemas.openxmlformats.org/drawingml/2006/main" xmlns:r="http://schemas.openxmlformats.org/officeDocument/2006/relationships" xmlns:p="http://schemas.openxmlformats.org/presentationml/2006/main">
+<p:sldLayout xmlns:a="http://schemas.openxmlformats.org/drawingml/2006/main" xmlns:r="http://schemas.openxmlformats.org/officeDocument/2006/relationships" xmlns:mc="http://schemas.openxmlformats.org/markup-compatibility/2006" xmlns:mv="urn:schemas-microsoft-com:mac:vml" xmlns:p="http://schemas.openxmlformats.org/presentationml/2006/main" xmlns:c="http://schemas.openxmlformats.org/drawingml/2006/chart" xmlns:dgm="http://schemas.openxmlformats.org/drawingml/2006/diagram" xmlns:o="urn:schemas-microsoft-com:office:office" xmlns:v="urn:schemas-microsoft-com:vml" xmlns:pvml="urn:schemas-microsoft-com:office:powerpoint" xmlns:com="http://schemas.openxmlformats.org/drawingml/2006/compatibility" xmlns:p14="http://schemas.microsoft.com/office/powerpoint/2010/main">
   <p:cSld name="Caption">
     <p:spTree>
       <p:nvGrpSpPr>
-        <p:cNvPr id="1" name="Shape 33"/>
+        <p:cNvPr id="34" name="Shape 34"/>
         <p:cNvGrpSpPr/>
         <p:nvPr/>
       </p:nvGrpSpPr>
@@ -2806,12 +2622,10 @@
       </p:grpSpPr>
       <p:sp>
         <p:nvSpPr>
-          <p:cNvPr id="34" name="Shape 34"/>
-          <p:cNvSpPr txBox="1">
-            <a:spLocks noGrp="1"/>
-          </p:cNvSpPr>
+          <p:cNvPr id="35" name="Shape 35"/>
+          <p:cNvSpPr txBox="1"/>
           <p:nvPr>
-            <p:ph type="body" idx="1"/>
+            <p:ph idx="1" type="body"/>
           </p:nvPr>
         </p:nvSpPr>
         <p:spPr>
@@ -2824,9 +2638,9 @@
           </a:prstGeom>
         </p:spPr>
         <p:txBody>
-          <a:bodyPr lIns="91425" tIns="91425" rIns="91425" bIns="91425" anchor="t" anchorCtr="0"/>
+          <a:bodyPr anchorCtr="0" anchor="t" bIns="91425" lIns="91425" rIns="91425" tIns="91425"/>
           <a:lstStyle>
-            <a:lvl1pPr>
+            <a:lvl1pPr lvl="0">
               <a:spcBef>
                 <a:spcPts val="0"/>
               </a:spcBef>
@@ -2835,21 +2649,19 @@
               </a:buClr>
               <a:buSzPct val="100000"/>
               <a:buNone/>
-              <a:defRPr sz="2400" b="1">
+              <a:defRPr b="1" sz="2400">
                 <a:solidFill>
                   <a:schemeClr val="lt1"/>
                 </a:solidFill>
               </a:defRPr>
             </a:lvl1pPr>
           </a:lstStyle>
-          <a:p>
-            <a:endParaRPr/>
-          </a:p>
+          <a:p/>
         </p:txBody>
       </p:sp>
       <p:sp>
         <p:nvSpPr>
-          <p:cNvPr id="35" name="Shape 35"/>
+          <p:cNvPr id="36" name="Shape 36"/>
           <p:cNvSpPr/>
           <p:nvPr/>
         </p:nvSpPr>
@@ -2860,7 +2672,7 @@
           </a:xfrm>
           <a:prstGeom prst="roundRect">
             <a:avLst>
-              <a:gd name="adj" fmla="val 2776"/>
+              <a:gd fmla="val 2776" name="adj"/>
             </a:avLst>
           </a:prstGeom>
           <a:solidFill>
@@ -2871,29 +2683,30 @@
           </a:ln>
         </p:spPr>
         <p:txBody>
-          <a:bodyPr lIns="91425" tIns="45700" rIns="91425" bIns="45700" anchor="ctr" anchorCtr="0">
+          <a:bodyPr anchorCtr="0" anchor="ctr" bIns="45700" lIns="91425" rIns="91425" tIns="45700">
             <a:noAutofit/>
           </a:bodyPr>
           <a:lstStyle/>
           <a:p>
-            <a:pPr>
+            <a:pPr lvl="0">
               <a:spcBef>
                 <a:spcPts val="0"/>
               </a:spcBef>
               <a:buNone/>
             </a:pPr>
+            <a:r>
+              <a:t/>
+            </a:r>
             <a:endParaRPr/>
           </a:p>
         </p:txBody>
       </p:sp>
       <p:sp>
         <p:nvSpPr>
-          <p:cNvPr id="36" name="Shape 36"/>
-          <p:cNvSpPr txBox="1">
-            <a:spLocks noGrp="1"/>
-          </p:cNvSpPr>
+          <p:cNvPr id="37" name="Shape 37"/>
+          <p:cNvSpPr txBox="1"/>
           <p:nvPr>
-            <p:ph type="sldNum" idx="12"/>
+            <p:ph idx="12" type="sldNum"/>
           </p:nvPr>
         </p:nvSpPr>
         <p:spPr>
@@ -2906,12 +2719,12 @@
           </a:prstGeom>
         </p:spPr>
         <p:txBody>
-          <a:bodyPr lIns="91425" tIns="91425" rIns="91425" bIns="91425" anchor="ctr" anchorCtr="0">
+          <a:bodyPr anchorCtr="0" anchor="ctr" bIns="91425" lIns="91425" rIns="91425" tIns="91425">
             <a:noAutofit/>
           </a:bodyPr>
           <a:lstStyle/>
           <a:p>
-            <a:pPr>
+            <a:pPr lvl="0">
               <a:spcBef>
                 <a:spcPts val="0"/>
               </a:spcBef>
@@ -2919,9 +2732,8 @@
             </a:pPr>
             <a:fld id="{00000000-1234-1234-1234-123412341234}" type="slidenum">
               <a:rPr lang="es"/>
-              <a:t>‹Nº›</a:t>
+              <a:t>‹#›</a:t>
             </a:fld>
-            <a:endParaRPr lang="es"/>
           </a:p>
         </p:txBody>
       </p:sp>
@@ -2934,11 +2746,11 @@
 </file>
 
 <file path=ppt/slideLayouts/slideLayout6.xml><?xml version="1.0" encoding="utf-8"?>
-<p:sldLayout xmlns:a="http://schemas.openxmlformats.org/drawingml/2006/main" xmlns:r="http://schemas.openxmlformats.org/officeDocument/2006/relationships" xmlns:p="http://schemas.openxmlformats.org/presentationml/2006/main" type="blank">
+<p:sldLayout xmlns:a="http://schemas.openxmlformats.org/drawingml/2006/main" xmlns:r="http://schemas.openxmlformats.org/officeDocument/2006/relationships" xmlns:mc="http://schemas.openxmlformats.org/markup-compatibility/2006" xmlns:mv="urn:schemas-microsoft-com:mac:vml" xmlns:p="http://schemas.openxmlformats.org/presentationml/2006/main" xmlns:c="http://schemas.openxmlformats.org/drawingml/2006/chart" xmlns:dgm="http://schemas.openxmlformats.org/drawingml/2006/diagram" xmlns:o="urn:schemas-microsoft-com:office:office" xmlns:v="urn:schemas-microsoft-com:vml" xmlns:pvml="urn:schemas-microsoft-com:office:powerpoint" xmlns:com="http://schemas.openxmlformats.org/drawingml/2006/compatibility" xmlns:p14="http://schemas.microsoft.com/office/powerpoint/2010/main" type="blank">
   <p:cSld name="Blank">
     <p:spTree>
       <p:nvGrpSpPr>
-        <p:cNvPr id="1" name="Shape 37"/>
+        <p:cNvPr id="38" name="Shape 38"/>
         <p:cNvGrpSpPr/>
         <p:nvPr/>
       </p:nvGrpSpPr>
@@ -2952,7 +2764,7 @@
       </p:grpSpPr>
       <p:sp>
         <p:nvSpPr>
-          <p:cNvPr id="38" name="Shape 38"/>
+          <p:cNvPr id="39" name="Shape 39"/>
           <p:cNvSpPr/>
           <p:nvPr/>
         </p:nvSpPr>
@@ -2963,7 +2775,7 @@
           </a:xfrm>
           <a:prstGeom prst="roundRect">
             <a:avLst>
-              <a:gd name="adj" fmla="val 2255"/>
+              <a:gd fmla="val 2255" name="adj"/>
             </a:avLst>
           </a:prstGeom>
           <a:solidFill>
@@ -2974,29 +2786,30 @@
           </a:ln>
         </p:spPr>
         <p:txBody>
-          <a:bodyPr lIns="91425" tIns="45700" rIns="91425" bIns="45700" anchor="ctr" anchorCtr="0">
+          <a:bodyPr anchorCtr="0" anchor="ctr" bIns="45700" lIns="91425" rIns="91425" tIns="45700">
             <a:noAutofit/>
           </a:bodyPr>
           <a:lstStyle/>
           <a:p>
-            <a:pPr>
+            <a:pPr lvl="0">
               <a:spcBef>
                 <a:spcPts val="0"/>
               </a:spcBef>
               <a:buNone/>
             </a:pPr>
+            <a:r>
+              <a:t/>
+            </a:r>
             <a:endParaRPr/>
           </a:p>
         </p:txBody>
       </p:sp>
       <p:sp>
         <p:nvSpPr>
-          <p:cNvPr id="39" name="Shape 39"/>
-          <p:cNvSpPr txBox="1">
-            <a:spLocks noGrp="1"/>
-          </p:cNvSpPr>
+          <p:cNvPr id="40" name="Shape 40"/>
+          <p:cNvSpPr txBox="1"/>
           <p:nvPr>
-            <p:ph type="sldNum" idx="12"/>
+            <p:ph idx="12" type="sldNum"/>
           </p:nvPr>
         </p:nvSpPr>
         <p:spPr>
@@ -3009,12 +2822,12 @@
           </a:prstGeom>
         </p:spPr>
         <p:txBody>
-          <a:bodyPr lIns="91425" tIns="91425" rIns="91425" bIns="91425" anchor="ctr" anchorCtr="0">
+          <a:bodyPr anchorCtr="0" anchor="ctr" bIns="91425" lIns="91425" rIns="91425" tIns="91425">
             <a:noAutofit/>
           </a:bodyPr>
           <a:lstStyle/>
           <a:p>
-            <a:pPr>
+            <a:pPr lvl="0">
               <a:spcBef>
                 <a:spcPts val="0"/>
               </a:spcBef>
@@ -3022,9 +2835,8 @@
             </a:pPr>
             <a:fld id="{00000000-1234-1234-1234-123412341234}" type="slidenum">
               <a:rPr lang="es"/>
-              <a:t>‹Nº›</a:t>
+              <a:t>‹#›</a:t>
             </a:fld>
-            <a:endParaRPr lang="es"/>
           </a:p>
         </p:txBody>
       </p:sp>
@@ -3037,19 +2849,18 @@
 </file>
 
 <file path=ppt/slideMasters/slideMaster1.xml><?xml version="1.0" encoding="utf-8"?>
-<p:sldMaster xmlns:a="http://schemas.openxmlformats.org/drawingml/2006/main" xmlns:r="http://schemas.openxmlformats.org/officeDocument/2006/relationships" xmlns:p="http://schemas.openxmlformats.org/presentationml/2006/main">
+<p:sldMaster xmlns:a="http://schemas.openxmlformats.org/drawingml/2006/main" xmlns:r="http://schemas.openxmlformats.org/officeDocument/2006/relationships" xmlns:mc="http://schemas.openxmlformats.org/markup-compatibility/2006" xmlns:mv="urn:schemas-microsoft-com:mac:vml" xmlns:p="http://schemas.openxmlformats.org/presentationml/2006/main" xmlns:c="http://schemas.openxmlformats.org/drawingml/2006/chart" xmlns:dgm="http://schemas.openxmlformats.org/drawingml/2006/diagram" xmlns:o="urn:schemas-microsoft-com:office:office" xmlns:v="urn:schemas-microsoft-com:vml" xmlns:pvml="urn:schemas-microsoft-com:office:powerpoint" xmlns:com="http://schemas.openxmlformats.org/drawingml/2006/compatibility" xmlns:p14="http://schemas.microsoft.com/office/powerpoint/2010/main">
   <p:cSld>
     <p:bg>
       <p:bgPr>
         <a:solidFill>
           <a:schemeClr val="dk2"/>
         </a:solidFill>
-        <a:effectLst/>
       </p:bgPr>
     </p:bg>
     <p:spTree>
       <p:nvGrpSpPr>
-        <p:cNvPr id="1" name="Shape 4"/>
+        <p:cNvPr id="5" name="Shape 5"/>
         <p:cNvGrpSpPr/>
         <p:nvPr/>
       </p:nvGrpSpPr>
@@ -3063,10 +2874,8 @@
       </p:grpSpPr>
       <p:sp>
         <p:nvSpPr>
-          <p:cNvPr id="5" name="Shape 5"/>
-          <p:cNvSpPr txBox="1">
-            <a:spLocks noGrp="1"/>
-          </p:cNvSpPr>
+          <p:cNvPr id="6" name="Shape 6"/>
+          <p:cNvSpPr txBox="1"/>
           <p:nvPr>
             <p:ph type="title"/>
           </p:nvPr>
@@ -3085,9 +2894,9 @@
           </a:ln>
         </p:spPr>
         <p:txBody>
-          <a:bodyPr lIns="91425" tIns="91425" rIns="91425" bIns="91425" anchor="b" anchorCtr="0"/>
+          <a:bodyPr anchorCtr="0" anchor="b" bIns="91425" lIns="91425" rIns="91425" tIns="91425"/>
           <a:lstStyle>
-            <a:lvl1pPr>
+            <a:lvl1pPr lvl="0">
               <a:spcBef>
                 <a:spcPts val="0"/>
               </a:spcBef>
@@ -3096,13 +2905,13 @@
               </a:buClr>
               <a:buSzPct val="100000"/>
               <a:buNone/>
-              <a:defRPr sz="3600" b="1">
+              <a:defRPr b="1" sz="3600">
                 <a:solidFill>
                   <a:schemeClr val="dk2"/>
                 </a:solidFill>
               </a:defRPr>
             </a:lvl1pPr>
-            <a:lvl2pPr>
+            <a:lvl2pPr lvl="1">
               <a:spcBef>
                 <a:spcPts val="0"/>
               </a:spcBef>
@@ -3111,13 +2920,13 @@
               </a:buClr>
               <a:buSzPct val="100000"/>
               <a:buNone/>
-              <a:defRPr sz="3600" b="1">
+              <a:defRPr b="1" sz="3600">
                 <a:solidFill>
                   <a:schemeClr val="dk2"/>
                 </a:solidFill>
               </a:defRPr>
             </a:lvl2pPr>
-            <a:lvl3pPr>
+            <a:lvl3pPr lvl="2">
               <a:spcBef>
                 <a:spcPts val="0"/>
               </a:spcBef>
@@ -3126,13 +2935,13 @@
               </a:buClr>
               <a:buSzPct val="100000"/>
               <a:buNone/>
-              <a:defRPr sz="3600" b="1">
+              <a:defRPr b="1" sz="3600">
                 <a:solidFill>
                   <a:schemeClr val="dk2"/>
                 </a:solidFill>
               </a:defRPr>
             </a:lvl3pPr>
-            <a:lvl4pPr>
+            <a:lvl4pPr lvl="3">
               <a:spcBef>
                 <a:spcPts val="0"/>
               </a:spcBef>
@@ -3141,13 +2950,13 @@
               </a:buClr>
               <a:buSzPct val="100000"/>
               <a:buNone/>
-              <a:defRPr sz="3600" b="1">
+              <a:defRPr b="1" sz="3600">
                 <a:solidFill>
                   <a:schemeClr val="dk2"/>
                 </a:solidFill>
               </a:defRPr>
             </a:lvl4pPr>
-            <a:lvl5pPr>
+            <a:lvl5pPr lvl="4">
               <a:spcBef>
                 <a:spcPts val="0"/>
               </a:spcBef>
@@ -3156,13 +2965,13 @@
               </a:buClr>
               <a:buSzPct val="100000"/>
               <a:buNone/>
-              <a:defRPr sz="3600" b="1">
+              <a:defRPr b="1" sz="3600">
                 <a:solidFill>
                   <a:schemeClr val="dk2"/>
                 </a:solidFill>
               </a:defRPr>
             </a:lvl5pPr>
-            <a:lvl6pPr>
+            <a:lvl6pPr lvl="5">
               <a:spcBef>
                 <a:spcPts val="0"/>
               </a:spcBef>
@@ -3171,13 +2980,13 @@
               </a:buClr>
               <a:buSzPct val="100000"/>
               <a:buNone/>
-              <a:defRPr sz="3600" b="1">
+              <a:defRPr b="1" sz="3600">
                 <a:solidFill>
                   <a:schemeClr val="dk2"/>
                 </a:solidFill>
               </a:defRPr>
             </a:lvl6pPr>
-            <a:lvl7pPr>
+            <a:lvl7pPr lvl="6">
               <a:spcBef>
                 <a:spcPts val="0"/>
               </a:spcBef>
@@ -3186,13 +2995,13 @@
               </a:buClr>
               <a:buSzPct val="100000"/>
               <a:buNone/>
-              <a:defRPr sz="3600" b="1">
+              <a:defRPr b="1" sz="3600">
                 <a:solidFill>
                   <a:schemeClr val="dk2"/>
                 </a:solidFill>
               </a:defRPr>
             </a:lvl7pPr>
-            <a:lvl8pPr>
+            <a:lvl8pPr lvl="7">
               <a:spcBef>
                 <a:spcPts val="0"/>
               </a:spcBef>
@@ -3201,13 +3010,13 @@
               </a:buClr>
               <a:buSzPct val="100000"/>
               <a:buNone/>
-              <a:defRPr sz="3600" b="1">
+              <a:defRPr b="1" sz="3600">
                 <a:solidFill>
                   <a:schemeClr val="dk2"/>
                 </a:solidFill>
               </a:defRPr>
             </a:lvl8pPr>
-            <a:lvl9pPr>
+            <a:lvl9pPr lvl="8">
               <a:spcBef>
                 <a:spcPts val="0"/>
               </a:spcBef>
@@ -3216,26 +3025,22 @@
               </a:buClr>
               <a:buSzPct val="100000"/>
               <a:buNone/>
-              <a:defRPr sz="3600" b="1">
+              <a:defRPr b="1" sz="3600">
                 <a:solidFill>
                   <a:schemeClr val="dk2"/>
                 </a:solidFill>
               </a:defRPr>
             </a:lvl9pPr>
           </a:lstStyle>
-          <a:p>
-            <a:endParaRPr/>
-          </a:p>
+          <a:p/>
         </p:txBody>
       </p:sp>
       <p:sp>
         <p:nvSpPr>
-          <p:cNvPr id="6" name="Shape 6"/>
-          <p:cNvSpPr txBox="1">
-            <a:spLocks noGrp="1"/>
-          </p:cNvSpPr>
+          <p:cNvPr id="7" name="Shape 7"/>
+          <p:cNvSpPr txBox="1"/>
           <p:nvPr>
-            <p:ph type="body" idx="1"/>
+            <p:ph idx="1" type="body"/>
           </p:nvPr>
         </p:nvSpPr>
         <p:spPr>
@@ -3252,9 +3057,9 @@
           </a:ln>
         </p:spPr>
         <p:txBody>
-          <a:bodyPr lIns="91425" tIns="91425" rIns="91425" bIns="91425" anchor="t" anchorCtr="0"/>
+          <a:bodyPr anchorCtr="0" anchor="t" bIns="91425" lIns="91425" rIns="91425" tIns="91425"/>
           <a:lstStyle>
-            <a:lvl1pPr>
+            <a:lvl1pPr lvl="0">
               <a:spcBef>
                 <a:spcPts val="600"/>
               </a:spcBef>
@@ -3268,7 +3073,7 @@
                 </a:solidFill>
               </a:defRPr>
             </a:lvl1pPr>
-            <a:lvl2pPr>
+            <a:lvl2pPr lvl="1">
               <a:spcBef>
                 <a:spcPts val="480"/>
               </a:spcBef>
@@ -3282,7 +3087,7 @@
                 </a:solidFill>
               </a:defRPr>
             </a:lvl2pPr>
-            <a:lvl3pPr>
+            <a:lvl3pPr lvl="2">
               <a:spcBef>
                 <a:spcPts val="480"/>
               </a:spcBef>
@@ -3296,7 +3101,7 @@
                 </a:solidFill>
               </a:defRPr>
             </a:lvl3pPr>
-            <a:lvl4pPr>
+            <a:lvl4pPr lvl="3">
               <a:spcBef>
                 <a:spcPts val="360"/>
               </a:spcBef>
@@ -3310,7 +3115,7 @@
                 </a:solidFill>
               </a:defRPr>
             </a:lvl4pPr>
-            <a:lvl5pPr>
+            <a:lvl5pPr lvl="4">
               <a:spcBef>
                 <a:spcPts val="360"/>
               </a:spcBef>
@@ -3324,7 +3129,7 @@
                 </a:solidFill>
               </a:defRPr>
             </a:lvl5pPr>
-            <a:lvl6pPr>
+            <a:lvl6pPr lvl="5">
               <a:spcBef>
                 <a:spcPts val="360"/>
               </a:spcBef>
@@ -3338,7 +3143,7 @@
                 </a:solidFill>
               </a:defRPr>
             </a:lvl6pPr>
-            <a:lvl7pPr>
+            <a:lvl7pPr lvl="6">
               <a:spcBef>
                 <a:spcPts val="360"/>
               </a:spcBef>
@@ -3352,7 +3157,7 @@
                 </a:solidFill>
               </a:defRPr>
             </a:lvl7pPr>
-            <a:lvl8pPr>
+            <a:lvl8pPr lvl="7">
               <a:spcBef>
                 <a:spcPts val="360"/>
               </a:spcBef>
@@ -3366,7 +3171,7 @@
                 </a:solidFill>
               </a:defRPr>
             </a:lvl8pPr>
-            <a:lvl9pPr>
+            <a:lvl9pPr lvl="8">
               <a:spcBef>
                 <a:spcPts val="360"/>
               </a:spcBef>
@@ -3381,19 +3186,15 @@
               </a:defRPr>
             </a:lvl9pPr>
           </a:lstStyle>
-          <a:p>
-            <a:endParaRPr/>
-          </a:p>
+          <a:p/>
         </p:txBody>
       </p:sp>
       <p:sp>
         <p:nvSpPr>
-          <p:cNvPr id="7" name="Shape 7"/>
-          <p:cNvSpPr txBox="1">
-            <a:spLocks noGrp="1"/>
-          </p:cNvSpPr>
+          <p:cNvPr id="8" name="Shape 8"/>
+          <p:cNvSpPr txBox="1"/>
           <p:nvPr>
-            <p:ph type="sldNum" idx="12"/>
+            <p:ph idx="12" type="sldNum"/>
           </p:nvPr>
         </p:nvSpPr>
         <p:spPr>
@@ -3410,12 +3211,12 @@
           </a:ln>
         </p:spPr>
         <p:txBody>
-          <a:bodyPr lIns="91425" tIns="91425" rIns="91425" bIns="91425" anchor="ctr" anchorCtr="0">
+          <a:bodyPr anchorCtr="0" anchor="ctr" bIns="91425" lIns="91425" rIns="91425" tIns="91425">
             <a:noAutofit/>
           </a:bodyPr>
           <a:lstStyle/>
           <a:p>
-            <a:pPr algn="r">
+            <a:pPr lvl="0" algn="r">
               <a:spcBef>
                 <a:spcPts val="0"/>
               </a:spcBef>
@@ -3427,19 +3228,14 @@
                   <a:schemeClr val="lt1"/>
                 </a:solidFill>
               </a:rPr>
-              <a:t>‹Nº›</a:t>
+              <a:t>‹#›</a:t>
             </a:fld>
-            <a:endParaRPr lang="es" sz="1300">
-              <a:solidFill>
-                <a:schemeClr val="lt1"/>
-              </a:solidFill>
-            </a:endParaRPr>
           </a:p>
         </p:txBody>
       </p:sp>
     </p:spTree>
   </p:cSld>
-  <p:clrMap bg1="lt1" tx1="dk1" bg2="dk2" tx2="lt2" accent1="accent1" accent2="accent2" accent3="accent3" accent4="accent4" accent5="accent5" accent6="accent6" hlink="hlink" folHlink="folHlink"/>
+  <p:clrMap accent1="accent1" accent2="accent2" accent3="accent3" accent4="accent4" accent5="accent5" accent6="accent6" bg1="lt1" bg2="dk2" tx1="dk1" tx2="lt2" folHlink="folHlink" hlink="hlink"/>
   <p:sldLayoutIdLst>
     <p:sldLayoutId id="2147483648" r:id="rId1"/>
     <p:sldLayoutId id="2147483649" r:id="rId2"/>
@@ -3448,10 +3244,10 @@
     <p:sldLayoutId id="2147483652" r:id="rId5"/>
     <p:sldLayoutId id="2147483653" r:id="rId6"/>
   </p:sldLayoutIdLst>
-  <p:hf sldNum="0" hdr="0" ftr="0" dt="0"/>
+  <p:hf dt="0" ftr="0" hdr="0" sldNum="0"/>
   <p:txStyles>
     <p:titleStyle>
-      <a:defPPr marR="0" algn="l" rtl="0">
+      <a:defPPr lvl="0" marR="0" rtl="0" algn="l">
         <a:lnSpc>
           <a:spcPct val="100000"/>
         </a:lnSpc>
@@ -3462,7 +3258,7 @@
           <a:spcPts val="0"/>
         </a:spcAft>
       </a:defPPr>
-      <a:lvl1pPr marR="0" algn="l" rtl="0">
+      <a:lvl1pPr lvl="0" marR="0" rtl="0" algn="l">
         <a:lnSpc>
           <a:spcPct val="100000"/>
         </a:lnSpc>
@@ -3473,7 +3269,7 @@
           <a:spcPts val="0"/>
         </a:spcAft>
         <a:buNone/>
-        <a:defRPr sz="1400" b="0" i="0" u="none" strike="noStrike" cap="none" baseline="0">
+        <a:defRPr b="0" i="0" sz="1400" u="none" cap="none" strike="noStrike">
           <a:solidFill>
             <a:srgbClr val="000000"/>
           </a:solidFill>
@@ -3486,7 +3282,7 @@
       </a:lvl1pPr>
     </p:titleStyle>
     <p:bodyStyle>
-      <a:defPPr marR="0" algn="l" rtl="0">
+      <a:defPPr lvl="0" marR="0" rtl="0" algn="l">
         <a:lnSpc>
           <a:spcPct val="100000"/>
         </a:lnSpc>
@@ -3497,7 +3293,7 @@
           <a:spcPts val="0"/>
         </a:spcAft>
       </a:defPPr>
-      <a:lvl1pPr marR="0" algn="l" rtl="0">
+      <a:lvl1pPr lvl="0" marR="0" rtl="0" algn="l">
         <a:lnSpc>
           <a:spcPct val="100000"/>
         </a:lnSpc>
@@ -3508,7 +3304,7 @@
           <a:spcPts val="0"/>
         </a:spcAft>
         <a:buNone/>
-        <a:defRPr sz="1400" b="0" i="0" u="none" strike="noStrike" cap="none" baseline="0">
+        <a:defRPr b="0" i="0" sz="1400" u="none" cap="none" strike="noStrike">
           <a:solidFill>
             <a:srgbClr val="000000"/>
           </a:solidFill>
@@ -3519,7 +3315,7 @@
           <a:rtl val="0"/>
         </a:defRPr>
       </a:lvl1pPr>
-      <a:lvl2pPr marR="0" algn="l" rtl="0">
+      <a:lvl2pPr lvl="1" marR="0" rtl="0" algn="l">
         <a:lnSpc>
           <a:spcPct val="100000"/>
         </a:lnSpc>
@@ -3530,7 +3326,7 @@
           <a:spcPts val="0"/>
         </a:spcAft>
         <a:buNone/>
-        <a:defRPr sz="1400" b="0" i="0" u="none" strike="noStrike" cap="none" baseline="0">
+        <a:defRPr b="0" i="0" sz="1400" u="none" cap="none" strike="noStrike">
           <a:solidFill>
             <a:srgbClr val="000000"/>
           </a:solidFill>
@@ -3541,7 +3337,7 @@
           <a:rtl val="0"/>
         </a:defRPr>
       </a:lvl2pPr>
-      <a:lvl3pPr marR="0" algn="l" rtl="0">
+      <a:lvl3pPr lvl="2" marR="0" rtl="0" algn="l">
         <a:lnSpc>
           <a:spcPct val="100000"/>
         </a:lnSpc>
@@ -3552,7 +3348,7 @@
           <a:spcPts val="0"/>
         </a:spcAft>
         <a:buNone/>
-        <a:defRPr sz="1400" b="0" i="0" u="none" strike="noStrike" cap="none" baseline="0">
+        <a:defRPr b="0" i="0" sz="1400" u="none" cap="none" strike="noStrike">
           <a:solidFill>
             <a:srgbClr val="000000"/>
           </a:solidFill>
@@ -3563,7 +3359,7 @@
           <a:rtl val="0"/>
         </a:defRPr>
       </a:lvl3pPr>
-      <a:lvl4pPr marR="0" algn="l" rtl="0">
+      <a:lvl4pPr lvl="3" marR="0" rtl="0" algn="l">
         <a:lnSpc>
           <a:spcPct val="100000"/>
         </a:lnSpc>
@@ -3574,7 +3370,7 @@
           <a:spcPts val="0"/>
         </a:spcAft>
         <a:buNone/>
-        <a:defRPr sz="1400" b="0" i="0" u="none" strike="noStrike" cap="none" baseline="0">
+        <a:defRPr b="0" i="0" sz="1400" u="none" cap="none" strike="noStrike">
           <a:solidFill>
             <a:srgbClr val="000000"/>
           </a:solidFill>
@@ -3585,7 +3381,7 @@
           <a:rtl val="0"/>
         </a:defRPr>
       </a:lvl4pPr>
-      <a:lvl5pPr marR="0" algn="l" rtl="0">
+      <a:lvl5pPr lvl="4" marR="0" rtl="0" algn="l">
         <a:lnSpc>
           <a:spcPct val="100000"/>
         </a:lnSpc>
@@ -3596,7 +3392,7 @@
           <a:spcPts val="0"/>
         </a:spcAft>
         <a:buNone/>
-        <a:defRPr sz="1400" b="0" i="0" u="none" strike="noStrike" cap="none" baseline="0">
+        <a:defRPr b="0" i="0" sz="1400" u="none" cap="none" strike="noStrike">
           <a:solidFill>
             <a:srgbClr val="000000"/>
           </a:solidFill>
@@ -3607,7 +3403,7 @@
           <a:rtl val="0"/>
         </a:defRPr>
       </a:lvl5pPr>
-      <a:lvl6pPr marR="0" algn="l" rtl="0">
+      <a:lvl6pPr lvl="5" marR="0" rtl="0" algn="l">
         <a:lnSpc>
           <a:spcPct val="100000"/>
         </a:lnSpc>
@@ -3618,7 +3414,7 @@
           <a:spcPts val="0"/>
         </a:spcAft>
         <a:buNone/>
-        <a:defRPr sz="1400" b="0" i="0" u="none" strike="noStrike" cap="none" baseline="0">
+        <a:defRPr b="0" i="0" sz="1400" u="none" cap="none" strike="noStrike">
           <a:solidFill>
             <a:srgbClr val="000000"/>
           </a:solidFill>
@@ -3629,7 +3425,7 @@
           <a:rtl val="0"/>
         </a:defRPr>
       </a:lvl6pPr>
-      <a:lvl7pPr marR="0" algn="l" rtl="0">
+      <a:lvl7pPr lvl="6" marR="0" rtl="0" algn="l">
         <a:lnSpc>
           <a:spcPct val="100000"/>
         </a:lnSpc>
@@ -3640,7 +3436,7 @@
           <a:spcPts val="0"/>
         </a:spcAft>
         <a:buNone/>
-        <a:defRPr sz="1400" b="0" i="0" u="none" strike="noStrike" cap="none" baseline="0">
+        <a:defRPr b="0" i="0" sz="1400" u="none" cap="none" strike="noStrike">
           <a:solidFill>
             <a:srgbClr val="000000"/>
           </a:solidFill>
@@ -3651,7 +3447,7 @@
           <a:rtl val="0"/>
         </a:defRPr>
       </a:lvl7pPr>
-      <a:lvl8pPr marR="0" algn="l" rtl="0">
+      <a:lvl8pPr lvl="7" marR="0" rtl="0" algn="l">
         <a:lnSpc>
           <a:spcPct val="100000"/>
         </a:lnSpc>
@@ -3662,7 +3458,7 @@
           <a:spcPts val="0"/>
         </a:spcAft>
         <a:buNone/>
-        <a:defRPr sz="1400" b="0" i="0" u="none" strike="noStrike" cap="none" baseline="0">
+        <a:defRPr b="0" i="0" sz="1400" u="none" cap="none" strike="noStrike">
           <a:solidFill>
             <a:srgbClr val="000000"/>
           </a:solidFill>
@@ -3673,7 +3469,7 @@
           <a:rtl val="0"/>
         </a:defRPr>
       </a:lvl8pPr>
-      <a:lvl9pPr marR="0" algn="l" rtl="0">
+      <a:lvl9pPr lvl="8" marR="0" rtl="0" algn="l">
         <a:lnSpc>
           <a:spcPct val="100000"/>
         </a:lnSpc>
@@ -3684,7 +3480,7 @@
           <a:spcPts val="0"/>
         </a:spcAft>
         <a:buNone/>
-        <a:defRPr sz="1400" b="0" i="0" u="none" strike="noStrike" cap="none" baseline="0">
+        <a:defRPr b="0" i="0" sz="1400" u="none" cap="none" strike="noStrike">
           <a:solidFill>
             <a:srgbClr val="000000"/>
           </a:solidFill>
@@ -3697,7 +3493,7 @@
       </a:lvl9pPr>
     </p:bodyStyle>
     <p:otherStyle>
-      <a:defPPr marR="0" algn="l" rtl="0">
+      <a:defPPr lvl="0" marR="0" rtl="0" algn="l">
         <a:lnSpc>
           <a:spcPct val="100000"/>
         </a:lnSpc>
@@ -3708,7 +3504,7 @@
           <a:spcPts val="0"/>
         </a:spcAft>
       </a:defPPr>
-      <a:lvl1pPr marR="0" algn="l" rtl="0">
+      <a:lvl1pPr lvl="0" marR="0" rtl="0" algn="l">
         <a:lnSpc>
           <a:spcPct val="100000"/>
         </a:lnSpc>
@@ -3719,7 +3515,7 @@
           <a:spcPts val="0"/>
         </a:spcAft>
         <a:buNone/>
-        <a:defRPr sz="1400" b="0" i="0" u="none" strike="noStrike" cap="none" baseline="0">
+        <a:defRPr b="0" i="0" sz="1400" u="none" cap="none" strike="noStrike">
           <a:solidFill>
             <a:srgbClr val="000000"/>
           </a:solidFill>
@@ -3730,7 +3526,7 @@
           <a:rtl val="0"/>
         </a:defRPr>
       </a:lvl1pPr>
-      <a:lvl2pPr marR="0" algn="l" rtl="0">
+      <a:lvl2pPr lvl="1" marR="0" rtl="0" algn="l">
         <a:lnSpc>
           <a:spcPct val="100000"/>
         </a:lnSpc>
@@ -3741,7 +3537,7 @@
           <a:spcPts val="0"/>
         </a:spcAft>
         <a:buNone/>
-        <a:defRPr sz="1400" b="0" i="0" u="none" strike="noStrike" cap="none" baseline="0">
+        <a:defRPr b="0" i="0" sz="1400" u="none" cap="none" strike="noStrike">
           <a:solidFill>
             <a:srgbClr val="000000"/>
           </a:solidFill>
@@ -3752,7 +3548,7 @@
           <a:rtl val="0"/>
         </a:defRPr>
       </a:lvl2pPr>
-      <a:lvl3pPr marR="0" algn="l" rtl="0">
+      <a:lvl3pPr lvl="2" marR="0" rtl="0" algn="l">
         <a:lnSpc>
           <a:spcPct val="100000"/>
         </a:lnSpc>
@@ -3763,7 +3559,7 @@
           <a:spcPts val="0"/>
         </a:spcAft>
         <a:buNone/>
-        <a:defRPr sz="1400" b="0" i="0" u="none" strike="noStrike" cap="none" baseline="0">
+        <a:defRPr b="0" i="0" sz="1400" u="none" cap="none" strike="noStrike">
           <a:solidFill>
             <a:srgbClr val="000000"/>
           </a:solidFill>
@@ -3774,7 +3570,7 @@
           <a:rtl val="0"/>
         </a:defRPr>
       </a:lvl3pPr>
-      <a:lvl4pPr marR="0" algn="l" rtl="0">
+      <a:lvl4pPr lvl="3" marR="0" rtl="0" algn="l">
         <a:lnSpc>
           <a:spcPct val="100000"/>
         </a:lnSpc>
@@ -3785,7 +3581,7 @@
           <a:spcPts val="0"/>
         </a:spcAft>
         <a:buNone/>
-        <a:defRPr sz="1400" b="0" i="0" u="none" strike="noStrike" cap="none" baseline="0">
+        <a:defRPr b="0" i="0" sz="1400" u="none" cap="none" strike="noStrike">
           <a:solidFill>
             <a:srgbClr val="000000"/>
           </a:solidFill>
@@ -3796,7 +3592,7 @@
           <a:rtl val="0"/>
         </a:defRPr>
       </a:lvl4pPr>
-      <a:lvl5pPr marR="0" algn="l" rtl="0">
+      <a:lvl5pPr lvl="4" marR="0" rtl="0" algn="l">
         <a:lnSpc>
           <a:spcPct val="100000"/>
         </a:lnSpc>
@@ -3807,7 +3603,7 @@
           <a:spcPts val="0"/>
         </a:spcAft>
         <a:buNone/>
-        <a:defRPr sz="1400" b="0" i="0" u="none" strike="noStrike" cap="none" baseline="0">
+        <a:defRPr b="0" i="0" sz="1400" u="none" cap="none" strike="noStrike">
           <a:solidFill>
             <a:srgbClr val="000000"/>
           </a:solidFill>
@@ -3818,7 +3614,7 @@
           <a:rtl val="0"/>
         </a:defRPr>
       </a:lvl5pPr>
-      <a:lvl6pPr marR="0" algn="l" rtl="0">
+      <a:lvl6pPr lvl="5" marR="0" rtl="0" algn="l">
         <a:lnSpc>
           <a:spcPct val="100000"/>
         </a:lnSpc>
@@ -3829,7 +3625,7 @@
           <a:spcPts val="0"/>
         </a:spcAft>
         <a:buNone/>
-        <a:defRPr sz="1400" b="0" i="0" u="none" strike="noStrike" cap="none" baseline="0">
+        <a:defRPr b="0" i="0" sz="1400" u="none" cap="none" strike="noStrike">
           <a:solidFill>
             <a:srgbClr val="000000"/>
           </a:solidFill>
@@ -3840,7 +3636,7 @@
           <a:rtl val="0"/>
         </a:defRPr>
       </a:lvl6pPr>
-      <a:lvl7pPr marR="0" algn="l" rtl="0">
+      <a:lvl7pPr lvl="6" marR="0" rtl="0" algn="l">
         <a:lnSpc>
           <a:spcPct val="100000"/>
         </a:lnSpc>
@@ -3851,7 +3647,7 @@
           <a:spcPts val="0"/>
         </a:spcAft>
         <a:buNone/>
-        <a:defRPr sz="1400" b="0" i="0" u="none" strike="noStrike" cap="none" baseline="0">
+        <a:defRPr b="0" i="0" sz="1400" u="none" cap="none" strike="noStrike">
           <a:solidFill>
             <a:srgbClr val="000000"/>
           </a:solidFill>
@@ -3862,7 +3658,7 @@
           <a:rtl val="0"/>
         </a:defRPr>
       </a:lvl7pPr>
-      <a:lvl8pPr marR="0" algn="l" rtl="0">
+      <a:lvl8pPr lvl="7" marR="0" rtl="0" algn="l">
         <a:lnSpc>
           <a:spcPct val="100000"/>
         </a:lnSpc>
@@ -3873,7 +3669,7 @@
           <a:spcPts val="0"/>
         </a:spcAft>
         <a:buNone/>
-        <a:defRPr sz="1400" b="0" i="0" u="none" strike="noStrike" cap="none" baseline="0">
+        <a:defRPr b="0" i="0" sz="1400" u="none" cap="none" strike="noStrike">
           <a:solidFill>
             <a:srgbClr val="000000"/>
           </a:solidFill>
@@ -3884,7 +3680,7 @@
           <a:rtl val="0"/>
         </a:defRPr>
       </a:lvl8pPr>
-      <a:lvl9pPr marR="0" algn="l" rtl="0">
+      <a:lvl9pPr lvl="8" marR="0" rtl="0" algn="l">
         <a:lnSpc>
           <a:spcPct val="100000"/>
         </a:lnSpc>
@@ -3895,7 +3691,7 @@
           <a:spcPts val="0"/>
         </a:spcAft>
         <a:buNone/>
-        <a:defRPr sz="1400" b="0" i="0" u="none" strike="noStrike" cap="none" baseline="0">
+        <a:defRPr b="0" i="0" sz="1400" u="none" cap="none" strike="noStrike">
           <a:solidFill>
             <a:srgbClr val="000000"/>
           </a:solidFill>
@@ -3912,11 +3708,11 @@
 </file>
 
 <file path=ppt/slides/slide1.xml><?xml version="1.0" encoding="utf-8"?>
-<p:sld xmlns:a="http://schemas.openxmlformats.org/drawingml/2006/main" xmlns:r="http://schemas.openxmlformats.org/officeDocument/2006/relationships" xmlns:p="http://schemas.openxmlformats.org/presentationml/2006/main">
+<p:sld xmlns:a="http://schemas.openxmlformats.org/drawingml/2006/main" xmlns:r="http://schemas.openxmlformats.org/officeDocument/2006/relationships" xmlns:mc="http://schemas.openxmlformats.org/markup-compatibility/2006" xmlns:mv="urn:schemas-microsoft-com:mac:vml" xmlns:p="http://schemas.openxmlformats.org/presentationml/2006/main" xmlns:c="http://schemas.openxmlformats.org/drawingml/2006/chart" xmlns:dgm="http://schemas.openxmlformats.org/drawingml/2006/diagram" xmlns:o="urn:schemas-microsoft-com:office:office" xmlns:v="urn:schemas-microsoft-com:vml" xmlns:pvml="urn:schemas-microsoft-com:office:powerpoint" xmlns:com="http://schemas.openxmlformats.org/drawingml/2006/compatibility" xmlns:p14="http://schemas.microsoft.com/office/powerpoint/2010/main">
   <p:cSld>
     <p:spTree>
       <p:nvGrpSpPr>
-        <p:cNvPr id="1" name="Shape 43"/>
+        <p:cNvPr id="44" name="Shape 44"/>
         <p:cNvGrpSpPr/>
         <p:nvPr/>
       </p:nvGrpSpPr>
@@ -3930,10 +3726,8 @@
       </p:grpSpPr>
       <p:sp>
         <p:nvSpPr>
-          <p:cNvPr id="44" name="Shape 44"/>
-          <p:cNvSpPr txBox="1">
-            <a:spLocks noGrp="1"/>
-          </p:cNvSpPr>
+          <p:cNvPr id="45" name="Shape 45"/>
+          <p:cNvSpPr txBox="1"/>
           <p:nvPr>
             <p:ph type="ctrTitle"/>
           </p:nvPr>
@@ -3948,12 +3742,12 @@
           </a:prstGeom>
         </p:spPr>
         <p:txBody>
-          <a:bodyPr lIns="91425" tIns="91425" rIns="91425" bIns="91425" anchor="b" anchorCtr="0">
+          <a:bodyPr anchorCtr="0" anchor="b" bIns="91425" lIns="91425" rIns="91425" tIns="91425">
             <a:noAutofit/>
           </a:bodyPr>
           <a:lstStyle/>
           <a:p>
-            <a:pPr>
+            <a:pPr lvl="0">
               <a:spcBef>
                 <a:spcPts val="0"/>
               </a:spcBef>
@@ -3968,12 +3762,10 @@
       </p:sp>
       <p:sp>
         <p:nvSpPr>
-          <p:cNvPr id="45" name="Shape 45"/>
-          <p:cNvSpPr txBox="1">
-            <a:spLocks noGrp="1"/>
-          </p:cNvSpPr>
+          <p:cNvPr id="46" name="Shape 46"/>
+          <p:cNvSpPr txBox="1"/>
           <p:nvPr>
-            <p:ph type="subTitle" idx="1"/>
+            <p:ph idx="1" type="subTitle"/>
           </p:nvPr>
         </p:nvSpPr>
         <p:spPr>
@@ -3986,12 +3778,12 @@
           </a:prstGeom>
         </p:spPr>
         <p:txBody>
-          <a:bodyPr lIns="91425" tIns="91425" rIns="91425" bIns="91425" anchor="ctr" anchorCtr="0">
+          <a:bodyPr anchorCtr="0" anchor="ctr" bIns="91425" lIns="91425" rIns="91425" tIns="91425">
             <a:noAutofit/>
           </a:bodyPr>
           <a:lstStyle/>
           <a:p>
-            <a:pPr>
+            <a:pPr lvl="0">
               <a:spcBef>
                 <a:spcPts val="0"/>
               </a:spcBef>
@@ -4016,11 +3808,11 @@
 </file>
 
 <file path=ppt/slides/slide2.xml><?xml version="1.0" encoding="utf-8"?>
-<p:sld xmlns:a="http://schemas.openxmlformats.org/drawingml/2006/main" xmlns:r="http://schemas.openxmlformats.org/officeDocument/2006/relationships" xmlns:p="http://schemas.openxmlformats.org/presentationml/2006/main">
+<p:sld xmlns:a="http://schemas.openxmlformats.org/drawingml/2006/main" xmlns:r="http://schemas.openxmlformats.org/officeDocument/2006/relationships" xmlns:mc="http://schemas.openxmlformats.org/markup-compatibility/2006" xmlns:mv="urn:schemas-microsoft-com:mac:vml" xmlns:p="http://schemas.openxmlformats.org/presentationml/2006/main" xmlns:c="http://schemas.openxmlformats.org/drawingml/2006/chart" xmlns:dgm="http://schemas.openxmlformats.org/drawingml/2006/diagram" xmlns:o="urn:schemas-microsoft-com:office:office" xmlns:v="urn:schemas-microsoft-com:vml" xmlns:pvml="urn:schemas-microsoft-com:office:powerpoint" xmlns:com="http://schemas.openxmlformats.org/drawingml/2006/compatibility" xmlns:p14="http://schemas.microsoft.com/office/powerpoint/2010/main">
   <p:cSld>
     <p:spTree>
       <p:nvGrpSpPr>
-        <p:cNvPr id="1" name="Shape 49"/>
+        <p:cNvPr id="50" name="Shape 50"/>
         <p:cNvGrpSpPr/>
         <p:nvPr/>
       </p:nvGrpSpPr>
@@ -4034,10 +3826,8 @@
       </p:grpSpPr>
       <p:sp>
         <p:nvSpPr>
-          <p:cNvPr id="50" name="Shape 50"/>
-          <p:cNvSpPr txBox="1">
-            <a:spLocks noGrp="1"/>
-          </p:cNvSpPr>
+          <p:cNvPr id="51" name="Shape 51"/>
+          <p:cNvSpPr txBox="1"/>
           <p:nvPr>
             <p:ph type="title"/>
           </p:nvPr>
@@ -4052,12 +3842,12 @@
           </a:prstGeom>
         </p:spPr>
         <p:txBody>
-          <a:bodyPr lIns="91425" tIns="91425" rIns="91425" bIns="91425" anchor="b" anchorCtr="0">
+          <a:bodyPr anchorCtr="0" anchor="b" bIns="91425" lIns="91425" rIns="91425" tIns="91425">
             <a:noAutofit/>
           </a:bodyPr>
           <a:lstStyle/>
           <a:p>
-            <a:pPr>
+            <a:pPr lvl="0">
               <a:spcBef>
                 <a:spcPts val="0"/>
               </a:spcBef>
@@ -4072,12 +3862,10 @@
       </p:sp>
       <p:sp>
         <p:nvSpPr>
-          <p:cNvPr id="51" name="Shape 51"/>
-          <p:cNvSpPr txBox="1">
-            <a:spLocks noGrp="1"/>
-          </p:cNvSpPr>
+          <p:cNvPr id="52" name="Shape 52"/>
+          <p:cNvSpPr txBox="1"/>
           <p:nvPr>
-            <p:ph type="body" idx="1"/>
+            <p:ph idx="1" type="body"/>
           </p:nvPr>
         </p:nvSpPr>
         <p:spPr>
@@ -4090,12 +3878,12 @@
           </a:prstGeom>
         </p:spPr>
         <p:txBody>
-          <a:bodyPr lIns="91425" tIns="91425" rIns="91425" bIns="91425" anchor="t" anchorCtr="0">
+          <a:bodyPr anchorCtr="0" anchor="t" bIns="91425" lIns="91425" rIns="91425" tIns="91425">
             <a:noAutofit/>
           </a:bodyPr>
           <a:lstStyle/>
           <a:p>
-            <a:pPr marL="457200" lvl="0" indent="-228600" rtl="0">
+            <a:pPr indent="-228600" lvl="0" marL="457200" rtl="0">
               <a:spcBef>
                 <a:spcPts val="0"/>
               </a:spcBef>
@@ -4114,7 +3902,7 @@
             </a:r>
           </a:p>
           <a:p>
-            <a:pPr marL="914400" lvl="1" indent="-228600" rtl="0">
+            <a:pPr indent="-323850" lvl="1" marL="914400" rtl="0">
               <a:spcBef>
                 <a:spcPts val="0"/>
               </a:spcBef>
@@ -4131,7 +3919,7 @@
             </a:r>
           </a:p>
           <a:p>
-            <a:pPr marL="457200" lvl="0" indent="-228600" rtl="0">
+            <a:pPr indent="-228600" lvl="0" marL="457200" rtl="0">
               <a:spcBef>
                 <a:spcPts val="0"/>
               </a:spcBef>
@@ -4142,7 +3930,7 @@
             </a:r>
           </a:p>
           <a:p>
-            <a:pPr rtl="0">
+            <a:pPr lvl="0" rtl="0">
               <a:spcBef>
                 <a:spcPts val="0"/>
               </a:spcBef>
@@ -4154,7 +3942,7 @@
             </a:r>
           </a:p>
           <a:p>
-            <a:pPr rtl="0">
+            <a:pPr lvl="0" rtl="0">
               <a:spcBef>
                 <a:spcPts val="0"/>
               </a:spcBef>
@@ -4188,7 +3976,7 @@
       </p:sp>
       <p:pic>
         <p:nvPicPr>
-          <p:cNvPr id="52" name="Shape 52"/>
+          <p:cNvPr id="53" name="Shape 53"/>
           <p:cNvPicPr preferRelativeResize="0"/>
           <p:nvPr/>
         </p:nvPicPr>
@@ -4209,20 +3997,20 @@
             <a:avLst/>
           </a:prstGeom>
           <a:noFill/>
-          <a:ln w="9525" cap="flat" cmpd="sng">
+          <a:ln cap="flat" cmpd="sng" w="9525">
             <a:solidFill>
               <a:srgbClr val="980000"/>
             </a:solidFill>
             <a:prstDash val="solid"/>
             <a:round/>
-            <a:headEnd type="none" w="med" len="med"/>
-            <a:tailEnd type="none" w="med" len="med"/>
+            <a:headEnd len="med" w="med" type="none"/>
+            <a:tailEnd len="med" w="med" type="none"/>
           </a:ln>
         </p:spPr>
       </p:pic>
       <p:pic>
         <p:nvPicPr>
-          <p:cNvPr id="53" name="Shape 53"/>
+          <p:cNvPr id="54" name="Shape 54"/>
           <p:cNvPicPr preferRelativeResize="0"/>
           <p:nvPr/>
         </p:nvPicPr>
@@ -4243,14 +4031,14 @@
             <a:avLst/>
           </a:prstGeom>
           <a:noFill/>
-          <a:ln w="9525" cap="flat" cmpd="sng">
+          <a:ln cap="flat" cmpd="sng" w="9525">
             <a:solidFill>
               <a:srgbClr val="980000"/>
             </a:solidFill>
             <a:prstDash val="solid"/>
             <a:round/>
-            <a:headEnd type="none" w="med" len="med"/>
-            <a:tailEnd type="none" w="med" len="med"/>
+            <a:headEnd len="med" w="med" type="none"/>
+            <a:tailEnd len="med" w="med" type="none"/>
           </a:ln>
         </p:spPr>
       </p:pic>
@@ -4266,11 +4054,11 @@
 </file>
 
 <file path=ppt/slides/slide3.xml><?xml version="1.0" encoding="utf-8"?>
-<p:sld xmlns:a="http://schemas.openxmlformats.org/drawingml/2006/main" xmlns:r="http://schemas.openxmlformats.org/officeDocument/2006/relationships" xmlns:p="http://schemas.openxmlformats.org/presentationml/2006/main">
+<p:sld xmlns:a="http://schemas.openxmlformats.org/drawingml/2006/main" xmlns:r="http://schemas.openxmlformats.org/officeDocument/2006/relationships" xmlns:mc="http://schemas.openxmlformats.org/markup-compatibility/2006" xmlns:mv="urn:schemas-microsoft-com:mac:vml" xmlns:p="http://schemas.openxmlformats.org/presentationml/2006/main" xmlns:c="http://schemas.openxmlformats.org/drawingml/2006/chart" xmlns:dgm="http://schemas.openxmlformats.org/drawingml/2006/diagram" xmlns:o="urn:schemas-microsoft-com:office:office" xmlns:v="urn:schemas-microsoft-com:vml" xmlns:pvml="urn:schemas-microsoft-com:office:powerpoint" xmlns:com="http://schemas.openxmlformats.org/drawingml/2006/compatibility" xmlns:p14="http://schemas.microsoft.com/office/powerpoint/2010/main">
   <p:cSld>
     <p:spTree>
       <p:nvGrpSpPr>
-        <p:cNvPr id="1" name="Shape 57"/>
+        <p:cNvPr id="58" name="Shape 58"/>
         <p:cNvGrpSpPr/>
         <p:nvPr/>
       </p:nvGrpSpPr>
@@ -4284,10 +4072,8 @@
       </p:grpSpPr>
       <p:sp>
         <p:nvSpPr>
-          <p:cNvPr id="58" name="Shape 58"/>
-          <p:cNvSpPr txBox="1">
-            <a:spLocks noGrp="1"/>
-          </p:cNvSpPr>
+          <p:cNvPr id="59" name="Shape 59"/>
+          <p:cNvSpPr txBox="1"/>
           <p:nvPr>
             <p:ph type="title"/>
           </p:nvPr>
@@ -4302,12 +4088,12 @@
           </a:prstGeom>
         </p:spPr>
         <p:txBody>
-          <a:bodyPr lIns="91425" tIns="91425" rIns="91425" bIns="91425" anchor="b" anchorCtr="0">
+          <a:bodyPr anchorCtr="0" anchor="b" bIns="91425" lIns="91425" rIns="91425" tIns="91425">
             <a:noAutofit/>
           </a:bodyPr>
           <a:lstStyle/>
           <a:p>
-            <a:pPr>
+            <a:pPr lvl="0">
               <a:spcBef>
                 <a:spcPts val="0"/>
               </a:spcBef>
@@ -4322,12 +4108,10 @@
       </p:sp>
       <p:sp>
         <p:nvSpPr>
-          <p:cNvPr id="59" name="Shape 59"/>
-          <p:cNvSpPr txBox="1">
-            <a:spLocks noGrp="1"/>
-          </p:cNvSpPr>
+          <p:cNvPr id="60" name="Shape 60"/>
+          <p:cNvSpPr txBox="1"/>
           <p:nvPr>
-            <p:ph type="body" idx="1"/>
+            <p:ph idx="1" type="body"/>
           </p:nvPr>
         </p:nvSpPr>
         <p:spPr>
@@ -4338,23 +4122,23 @@
           <a:prstGeom prst="rect">
             <a:avLst/>
           </a:prstGeom>
-          <a:ln w="9525" cap="flat" cmpd="sng">
+          <a:ln cap="flat" cmpd="sng" w="9525">
             <a:solidFill>
               <a:srgbClr val="980000"/>
             </a:solidFill>
             <a:prstDash val="solid"/>
             <a:round/>
-            <a:headEnd type="none" w="med" len="med"/>
-            <a:tailEnd type="none" w="med" len="med"/>
+            <a:headEnd len="med" w="med" type="none"/>
+            <a:tailEnd len="med" w="med" type="none"/>
           </a:ln>
         </p:spPr>
         <p:txBody>
-          <a:bodyPr lIns="91425" tIns="91425" rIns="91425" bIns="91425" anchor="t" anchorCtr="0">
+          <a:bodyPr anchorCtr="0" anchor="t" bIns="91425" lIns="91425" rIns="91425" tIns="91425">
             <a:noAutofit/>
           </a:bodyPr>
           <a:lstStyle/>
           <a:p>
-            <a:pPr rtl="0">
+            <a:pPr lvl="0" rtl="0">
               <a:lnSpc>
                 <a:spcPct val="150000"/>
               </a:lnSpc>
@@ -4364,7 +4148,7 @@
               <a:buNone/>
             </a:pPr>
             <a:r>
-              <a:rPr lang="es" sz="1000" b="1">
+              <a:rPr b="1" lang="es" sz="1000">
                 <a:solidFill>
                   <a:srgbClr val="404040"/>
                 </a:solidFill>
@@ -4379,7 +4163,7 @@
               <a:t>RewriteEngine On</a:t>
             </a:r>
             <a:br>
-              <a:rPr lang="es" sz="1000" b="1">
+              <a:rPr b="1" lang="es" sz="1000">
                 <a:solidFill>
                   <a:srgbClr val="404040"/>
                 </a:solidFill>
@@ -4393,7 +4177,7 @@
               </a:rPr>
             </a:br>
             <a:r>
-              <a:rPr lang="es" sz="1000" b="1">
+              <a:rPr b="1" lang="es" sz="1000">
                 <a:solidFill>
                   <a:srgbClr val="404040"/>
                 </a:solidFill>
@@ -4408,7 +4192,7 @@
               <a:t>RewriteCond %{REQUEST_FILENAME} !-f</a:t>
             </a:r>
             <a:br>
-              <a:rPr lang="es" sz="1000" b="1">
+              <a:rPr b="1" lang="es" sz="1000">
                 <a:solidFill>
                   <a:srgbClr val="404040"/>
                 </a:solidFill>
@@ -4422,7 +4206,7 @@
               </a:rPr>
             </a:br>
             <a:r>
-              <a:rPr lang="es" sz="1000" b="1">
+              <a:rPr b="1" lang="es" sz="1000">
                 <a:solidFill>
                   <a:srgbClr val="404040"/>
                 </a:solidFill>
@@ -4437,7 +4221,7 @@
               <a:t>RewriteCond %{REQUEST_FILENAME} !-d</a:t>
             </a:r>
             <a:br>
-              <a:rPr lang="es" sz="1000" b="1">
+              <a:rPr b="1" lang="es" sz="1000">
                 <a:solidFill>
                   <a:srgbClr val="404040"/>
                 </a:solidFill>
@@ -4451,7 +4235,7 @@
               </a:rPr>
             </a:br>
             <a:r>
-              <a:rPr lang="es" sz="1000" b="1">
+              <a:rPr b="1" lang="es" sz="1000">
                 <a:solidFill>
                   <a:srgbClr val="404040"/>
                 </a:solidFill>
@@ -4470,7 +4254,7 @@
       </p:sp>
       <p:sp>
         <p:nvSpPr>
-          <p:cNvPr id="60" name="Shape 60"/>
+          <p:cNvPr id="61" name="Shape 61"/>
           <p:cNvSpPr txBox="1"/>
           <p:nvPr/>
         </p:nvSpPr>
@@ -4488,12 +4272,12 @@
           </a:ln>
         </p:spPr>
         <p:txBody>
-          <a:bodyPr lIns="91425" tIns="91425" rIns="91425" bIns="91425" anchor="t" anchorCtr="0">
+          <a:bodyPr anchorCtr="0" anchor="t" bIns="91425" lIns="91425" rIns="91425" tIns="91425">
             <a:noAutofit/>
           </a:bodyPr>
           <a:lstStyle/>
           <a:p>
-            <a:pPr marL="457200" lvl="0" indent="-355600" rtl="0">
+            <a:pPr indent="-355600" lvl="0" marL="457200" rtl="0">
               <a:spcBef>
                 <a:spcPts val="0"/>
               </a:spcBef>
@@ -4506,7 +4290,7 @@
             </a:r>
           </a:p>
           <a:p>
-            <a:pPr marL="914400" lvl="1" indent="-355600" rtl="0">
+            <a:pPr indent="-355600" lvl="1" marL="914400" rtl="0">
               <a:spcBef>
                 <a:spcPts val="0"/>
               </a:spcBef>
@@ -4519,19 +4303,22 @@
             </a:r>
           </a:p>
           <a:p>
-            <a:pPr marL="457200" lvl="0" indent="0">
+            <a:pPr indent="0" lvl="0" marL="457200">
               <a:spcBef>
                 <a:spcPts val="0"/>
               </a:spcBef>
               <a:buNone/>
             </a:pPr>
+            <a:r>
+              <a:t/>
+            </a:r>
             <a:endParaRPr sz="2000"/>
           </a:p>
         </p:txBody>
       </p:sp>
       <p:sp>
         <p:nvSpPr>
-          <p:cNvPr id="61" name="Shape 61"/>
+          <p:cNvPr id="62" name="Shape 62"/>
           <p:cNvSpPr txBox="1"/>
           <p:nvPr/>
         </p:nvSpPr>
@@ -4549,12 +4336,12 @@
           </a:ln>
         </p:spPr>
         <p:txBody>
-          <a:bodyPr lIns="91425" tIns="91425" rIns="91425" bIns="91425" anchor="t" anchorCtr="0">
+          <a:bodyPr anchorCtr="0" anchor="t" bIns="91425" lIns="91425" rIns="91425" tIns="91425">
             <a:noAutofit/>
           </a:bodyPr>
           <a:lstStyle/>
           <a:p>
-            <a:pPr marL="457200" lvl="0" indent="-355600" rtl="0">
+            <a:pPr indent="-355600" lvl="0" marL="457200" rtl="0">
               <a:spcBef>
                 <a:spcPts val="0"/>
               </a:spcBef>
@@ -4579,7 +4366,7 @@
             </a:r>
           </a:p>
           <a:p>
-            <a:pPr marL="914400" lvl="1" indent="-355600" rtl="0">
+            <a:pPr indent="-355600" lvl="1" marL="914400" rtl="0">
               <a:spcBef>
                 <a:spcPts val="0"/>
               </a:spcBef>
@@ -4612,7 +4399,7 @@
             </a:r>
           </a:p>
           <a:p>
-            <a:pPr marL="914400" lvl="1" indent="-355600" rtl="0">
+            <a:pPr indent="-355600" lvl="1" marL="914400" rtl="0">
               <a:spcBef>
                 <a:spcPts val="0"/>
               </a:spcBef>
@@ -4665,7 +4452,7 @@
             </a:r>
           </a:p>
           <a:p>
-            <a:pPr marL="1371600" lvl="2" indent="-342900" rtl="0">
+            <a:pPr indent="-342900" lvl="2" marL="1371600" rtl="0">
               <a:spcBef>
                 <a:spcPts val="0"/>
               </a:spcBef>
@@ -4691,11 +4478,11 @@
 </file>
 
 <file path=ppt/slides/slide4.xml><?xml version="1.0" encoding="utf-8"?>
-<p:sld xmlns:a="http://schemas.openxmlformats.org/drawingml/2006/main" xmlns:r="http://schemas.openxmlformats.org/officeDocument/2006/relationships" xmlns:p="http://schemas.openxmlformats.org/presentationml/2006/main">
+<p:sld xmlns:a="http://schemas.openxmlformats.org/drawingml/2006/main" xmlns:r="http://schemas.openxmlformats.org/officeDocument/2006/relationships" xmlns:mc="http://schemas.openxmlformats.org/markup-compatibility/2006" xmlns:mv="urn:schemas-microsoft-com:mac:vml" xmlns:p="http://schemas.openxmlformats.org/presentationml/2006/main" xmlns:c="http://schemas.openxmlformats.org/drawingml/2006/chart" xmlns:dgm="http://schemas.openxmlformats.org/drawingml/2006/diagram" xmlns:o="urn:schemas-microsoft-com:office:office" xmlns:v="urn:schemas-microsoft-com:vml" xmlns:pvml="urn:schemas-microsoft-com:office:powerpoint" xmlns:com="http://schemas.openxmlformats.org/drawingml/2006/compatibility" xmlns:p14="http://schemas.microsoft.com/office/powerpoint/2010/main">
   <p:cSld>
     <p:spTree>
       <p:nvGrpSpPr>
-        <p:cNvPr id="1" name="Shape 65"/>
+        <p:cNvPr id="66" name="Shape 66"/>
         <p:cNvGrpSpPr/>
         <p:nvPr/>
       </p:nvGrpSpPr>
@@ -4709,10 +4496,8 @@
       </p:grpSpPr>
       <p:sp>
         <p:nvSpPr>
-          <p:cNvPr id="66" name="Shape 66"/>
-          <p:cNvSpPr txBox="1">
-            <a:spLocks noGrp="1"/>
-          </p:cNvSpPr>
+          <p:cNvPr id="67" name="Shape 67"/>
+          <p:cNvSpPr txBox="1"/>
           <p:nvPr>
             <p:ph type="title"/>
           </p:nvPr>
@@ -4727,12 +4512,12 @@
           </a:prstGeom>
         </p:spPr>
         <p:txBody>
-          <a:bodyPr lIns="91425" tIns="91425" rIns="91425" bIns="91425" anchor="b" anchorCtr="0">
+          <a:bodyPr anchorCtr="0" anchor="b" bIns="91425" lIns="91425" rIns="91425" tIns="91425">
             <a:noAutofit/>
           </a:bodyPr>
           <a:lstStyle/>
           <a:p>
-            <a:pPr>
+            <a:pPr lvl="0">
               <a:spcBef>
                 <a:spcPts val="0"/>
               </a:spcBef>
@@ -4747,12 +4532,10 @@
       </p:sp>
       <p:sp>
         <p:nvSpPr>
-          <p:cNvPr id="67" name="Shape 67"/>
-          <p:cNvSpPr txBox="1">
-            <a:spLocks noGrp="1"/>
-          </p:cNvSpPr>
+          <p:cNvPr id="68" name="Shape 68"/>
+          <p:cNvSpPr txBox="1"/>
           <p:nvPr>
-            <p:ph type="body" idx="1"/>
+            <p:ph idx="1" type="body"/>
           </p:nvPr>
         </p:nvSpPr>
         <p:spPr>
@@ -4765,12 +4548,12 @@
           </a:prstGeom>
         </p:spPr>
         <p:txBody>
-          <a:bodyPr lIns="91425" tIns="91425" rIns="91425" bIns="91425" anchor="t" anchorCtr="0">
+          <a:bodyPr anchorCtr="0" anchor="t" bIns="91425" lIns="91425" rIns="91425" tIns="91425">
             <a:noAutofit/>
           </a:bodyPr>
           <a:lstStyle/>
           <a:p>
-            <a:pPr marL="457200" lvl="0" indent="-228600" rtl="0">
+            <a:pPr indent="-323850" lvl="0" marL="457200" rtl="0">
               <a:spcBef>
                 <a:spcPts val="0"/>
               </a:spcBef>
@@ -4782,7 +4565,7 @@
             </a:r>
           </a:p>
           <a:p>
-            <a:pPr marL="457200" lvl="0" indent="-228600" rtl="0">
+            <a:pPr indent="-323850" lvl="0" marL="457200" rtl="0">
               <a:spcBef>
                 <a:spcPts val="0"/>
               </a:spcBef>
@@ -4794,7 +4577,7 @@
             </a:r>
           </a:p>
           <a:p>
-            <a:pPr marL="457200" lvl="0" indent="-228600" rtl="0">
+            <a:pPr indent="-323850" lvl="0" marL="457200" rtl="0">
               <a:spcBef>
                 <a:spcPts val="0"/>
               </a:spcBef>
@@ -4802,11 +4585,11 @@
             </a:pPr>
             <a:r>
               <a:rPr lang="es" sz="1500"/>
-              <a:t>Cada acción se representa con una función de clase.</a:t>
-            </a:r>
-          </a:p>
-          <a:p>
-            <a:pPr marL="457200" lvl="0" indent="-228600" rtl="0">
+              <a:t>Cada acción se representa con un método de la clase.</a:t>
+            </a:r>
+          </a:p>
+          <a:p>
+            <a:pPr indent="-323850" lvl="0" marL="457200" rtl="0">
               <a:spcBef>
                 <a:spcPts val="0"/>
               </a:spcBef>
@@ -4818,7 +4601,7 @@
             </a:r>
           </a:p>
           <a:p>
-            <a:pPr marL="457200" lvl="0" indent="-228600" rtl="0">
+            <a:pPr indent="-323850" lvl="0" marL="457200" rtl="0">
               <a:spcBef>
                 <a:spcPts val="0"/>
               </a:spcBef>
@@ -4830,7 +4613,7 @@
             </a:r>
           </a:p>
           <a:p>
-            <a:pPr marL="914400" lvl="1" indent="-228600" rtl="0">
+            <a:pPr indent="-323850" lvl="1" marL="914400" rtl="0">
               <a:spcBef>
                 <a:spcPts val="0"/>
               </a:spcBef>
@@ -4842,7 +4625,7 @@
             </a:r>
           </a:p>
           <a:p>
-            <a:pPr marL="457200" lvl="0" indent="-228600" rtl="0">
+            <a:pPr indent="-323850" lvl="0" marL="457200" rtl="0">
               <a:spcBef>
                 <a:spcPts val="0"/>
               </a:spcBef>
@@ -4854,7 +4637,7 @@
             </a:r>
           </a:p>
           <a:p>
-            <a:pPr marL="914400" lvl="1" indent="-228600" rtl="0">
+            <a:pPr indent="-323850" lvl="1" marL="914400" rtl="0">
               <a:spcBef>
                 <a:spcPts val="0"/>
               </a:spcBef>
@@ -4866,7 +4649,7 @@
             </a:r>
           </a:p>
           <a:p>
-            <a:pPr marL="457200" lvl="0" indent="-228600" rtl="0">
+            <a:pPr indent="-323850" lvl="0" marL="457200" rtl="0">
               <a:spcBef>
                 <a:spcPts val="0"/>
               </a:spcBef>
@@ -4878,7 +4661,7 @@
             </a:r>
           </a:p>
           <a:p>
-            <a:pPr marL="914400" lvl="1" indent="-228600" rtl="0">
+            <a:pPr indent="-323850" lvl="1" marL="914400" rtl="0">
               <a:spcBef>
                 <a:spcPts val="0"/>
               </a:spcBef>
@@ -4922,7 +4705,7 @@
             </a:r>
           </a:p>
           <a:p>
-            <a:pPr marL="914400" lvl="1" indent="-228600" rtl="0">
+            <a:pPr indent="-323850" lvl="1" marL="914400" rtl="0">
               <a:spcBef>
                 <a:spcPts val="0"/>
               </a:spcBef>
@@ -4998,7 +4781,7 @@
             </a:r>
           </a:p>
           <a:p>
-            <a:pPr marL="457200" lvl="0" indent="-228600" rtl="0">
+            <a:pPr indent="-323850" lvl="0" marL="457200" rtl="0">
               <a:spcBef>
                 <a:spcPts val="0"/>
               </a:spcBef>
@@ -5010,7 +4793,7 @@
             </a:r>
           </a:p>
           <a:p>
-            <a:pPr marL="914400" lvl="1" indent="-228600" rtl="0">
+            <a:pPr indent="-323850" lvl="1" marL="914400" rtl="0">
               <a:spcBef>
                 <a:spcPts val="0"/>
               </a:spcBef>
@@ -5054,7 +4837,7 @@
             </a:r>
           </a:p>
           <a:p>
-            <a:pPr marL="457200" lvl="0" indent="-228600" rtl="0">
+            <a:pPr indent="-323850" lvl="0" marL="457200" rtl="0">
               <a:spcBef>
                 <a:spcPts val="0"/>
               </a:spcBef>
@@ -5072,6 +4855,9 @@
               </a:spcBef>
               <a:buNone/>
             </a:pPr>
+            <a:r>
+              <a:t/>
+            </a:r>
             <a:endParaRPr sz="1500"/>
           </a:p>
         </p:txBody>
@@ -5088,11 +4874,11 @@
 </file>
 
 <file path=ppt/slides/slide5.xml><?xml version="1.0" encoding="utf-8"?>
-<p:sld xmlns:a="http://schemas.openxmlformats.org/drawingml/2006/main" xmlns:r="http://schemas.openxmlformats.org/officeDocument/2006/relationships" xmlns:p="http://schemas.openxmlformats.org/presentationml/2006/main">
+<p:sld xmlns:a="http://schemas.openxmlformats.org/drawingml/2006/main" xmlns:r="http://schemas.openxmlformats.org/officeDocument/2006/relationships" xmlns:mc="http://schemas.openxmlformats.org/markup-compatibility/2006" xmlns:mv="urn:schemas-microsoft-com:mac:vml" xmlns:p="http://schemas.openxmlformats.org/presentationml/2006/main" xmlns:c="http://schemas.openxmlformats.org/drawingml/2006/chart" xmlns:dgm="http://schemas.openxmlformats.org/drawingml/2006/diagram" xmlns:o="urn:schemas-microsoft-com:office:office" xmlns:v="urn:schemas-microsoft-com:vml" xmlns:pvml="urn:schemas-microsoft-com:office:powerpoint" xmlns:com="http://schemas.openxmlformats.org/drawingml/2006/compatibility" xmlns:p14="http://schemas.microsoft.com/office/powerpoint/2010/main">
   <p:cSld>
     <p:spTree>
       <p:nvGrpSpPr>
-        <p:cNvPr id="1" name="Shape 83"/>
+        <p:cNvPr id="72" name="Shape 72"/>
         <p:cNvGrpSpPr/>
         <p:nvPr/>
       </p:nvGrpSpPr>
@@ -5106,10 +4892,8 @@
       </p:grpSpPr>
       <p:sp>
         <p:nvSpPr>
-          <p:cNvPr id="84" name="Shape 84"/>
-          <p:cNvSpPr txBox="1">
-            <a:spLocks noGrp="1"/>
-          </p:cNvSpPr>
+          <p:cNvPr id="73" name="Shape 73"/>
+          <p:cNvSpPr txBox="1"/>
           <p:nvPr>
             <p:ph type="title"/>
           </p:nvPr>
@@ -5124,12 +4908,12 @@
           </a:prstGeom>
         </p:spPr>
         <p:txBody>
-          <a:bodyPr lIns="91425" tIns="91425" rIns="91425" bIns="91425" anchor="b" anchorCtr="0">
+          <a:bodyPr anchorCtr="0" anchor="b" bIns="91425" lIns="91425" rIns="91425" tIns="91425">
             <a:noAutofit/>
           </a:bodyPr>
           <a:lstStyle/>
           <a:p>
-            <a:pPr>
+            <a:pPr lvl="0">
               <a:spcBef>
                 <a:spcPts val="0"/>
               </a:spcBef>
@@ -5144,41 +4928,39 @@
       </p:sp>
       <p:sp>
         <p:nvSpPr>
-          <p:cNvPr id="85" name="Shape 85"/>
-          <p:cNvSpPr txBox="1">
-            <a:spLocks noGrp="1"/>
-          </p:cNvSpPr>
+          <p:cNvPr id="74" name="Shape 74"/>
+          <p:cNvSpPr txBox="1"/>
           <p:nvPr>
-            <p:ph type="body" idx="1"/>
+            <p:ph idx="1" type="body"/>
           </p:nvPr>
         </p:nvSpPr>
         <p:spPr>
           <a:xfrm>
             <a:off x="457200" y="1200150"/>
-            <a:ext cx="8229600" cy="3725699"/>
+            <a:ext cx="8229600" cy="3822299"/>
           </a:xfrm>
           <a:prstGeom prst="rect">
             <a:avLst/>
           </a:prstGeom>
         </p:spPr>
         <p:txBody>
-          <a:bodyPr lIns="91425" tIns="91425" rIns="91425" bIns="91425" anchor="t" anchorCtr="0">
+          <a:bodyPr anchorCtr="0" anchor="t" bIns="91425" lIns="91425" rIns="91425" tIns="91425">
             <a:noAutofit/>
           </a:bodyPr>
           <a:lstStyle/>
           <a:p>
-            <a:pPr marL="457200" lvl="0" indent="-228600" rtl="0">
-              <a:spcBef>
-                <a:spcPts val="0"/>
-              </a:spcBef>
-              <a:buSzPct val="100000"/>
-            </a:pPr>
-            <a:r>
-              <a:rPr lang="es" sz="1200" dirty="0"/>
+            <a:pPr indent="-304800" lvl="0" marL="457200" rtl="0">
+              <a:spcBef>
+                <a:spcPts val="0"/>
+              </a:spcBef>
+              <a:buSzPct val="100000"/>
+            </a:pPr>
+            <a:r>
+              <a:rPr lang="es" sz="1200"/>
               <a:t>Son ficheros que se ubican bajo el directorio “application/views”, y contienen HTML “salpicado” de marcas </a:t>
             </a:r>
             <a:r>
-              <a:rPr lang="es" sz="1200" dirty="0">
+              <a:rPr lang="es" sz="1200">
                 <a:solidFill>
                   <a:srgbClr val="0000FF"/>
                 </a:solidFill>
@@ -5186,11 +4968,11 @@
               <a:t>&lt;?php … ?&gt;</a:t>
             </a:r>
             <a:r>
-              <a:rPr lang="es" sz="1200" dirty="0"/>
+              <a:rPr lang="es" sz="1200"/>
               <a:t> del estilo </a:t>
             </a:r>
             <a:r>
-              <a:rPr lang="es" sz="1200" dirty="0">
+              <a:rPr lang="es" sz="1200">
                 <a:solidFill>
                   <a:srgbClr val="0000FF"/>
                 </a:solidFill>
@@ -5198,11 +4980,11 @@
               <a:t>&lt;?=...?&gt;</a:t>
             </a:r>
             <a:r>
-              <a:rPr lang="es" sz="1200" dirty="0"/>
+              <a:rPr lang="es" sz="1200"/>
               <a:t>, </a:t>
             </a:r>
             <a:r>
-              <a:rPr lang="es" sz="1200" dirty="0">
+              <a:rPr lang="es" sz="1200">
                 <a:solidFill>
                   <a:srgbClr val="0000FF"/>
                 </a:solidFill>
@@ -5210,174 +4992,151 @@
               <a:t>&lt;?php foreach …. ?&gt;</a:t>
             </a:r>
             <a:r>
-              <a:rPr lang="es" sz="1200" dirty="0"/>
+              <a:rPr lang="es" sz="1200"/>
               <a:t>, etc.</a:t>
             </a:r>
           </a:p>
           <a:p>
-            <a:pPr marL="457200" lvl="0" indent="-228600" rtl="0">
-              <a:spcBef>
-                <a:spcPts val="0"/>
-              </a:spcBef>
-              <a:buSzPct val="100000"/>
-            </a:pPr>
-            <a:r>
-              <a:rPr lang="es" sz="1200" dirty="0"/>
+            <a:pPr indent="-304800" lvl="0" marL="457200" rtl="0">
+              <a:spcBef>
+                <a:spcPts val="0"/>
+              </a:spcBef>
+              <a:buSzPct val="100000"/>
+            </a:pPr>
+            <a:r>
+              <a:rPr lang="es" sz="1200"/>
               <a:t>Se cargan </a:t>
             </a:r>
             <a:r>
-              <a:rPr lang="es" sz="1200" u="sng" dirty="0"/>
+              <a:rPr lang="es" sz="1200" u="sng"/>
               <a:t>desde un controlador</a:t>
             </a:r>
             <a:r>
-              <a:rPr lang="es" sz="1200" dirty="0"/>
+              <a:rPr lang="es" sz="1200"/>
               <a:t> mediante </a:t>
             </a:r>
             <a:r>
-              <a:rPr lang="es" sz="1200" dirty="0">
+              <a:rPr lang="es" sz="1200">
                 <a:solidFill>
                   <a:srgbClr val="A61C00"/>
                 </a:solidFill>
               </a:rPr>
-              <a:t>$this -&gt; load -&gt; view(‘ficheroVista</a:t>
-            </a:r>
-            <a:r>
-              <a:rPr lang="es" sz="1200" dirty="0" smtClean="0">
+              <a:t>$this -&gt; load -&gt; view(‘ficheroVista’)</a:t>
+            </a:r>
+          </a:p>
+          <a:p>
+            <a:pPr indent="-304800" lvl="1" marL="914400" rtl="0">
+              <a:spcBef>
+                <a:spcPts val="0"/>
+              </a:spcBef>
+              <a:buSzPct val="100000"/>
+            </a:pPr>
+            <a:r>
+              <a:rPr lang="es" sz="1200"/>
+              <a:t>Se cargaría el fichero “application/views/ficheroVista.php” (si no se indica la extensión utiliza .php)</a:t>
+            </a:r>
+          </a:p>
+          <a:p>
+            <a:pPr indent="-304800" lvl="0" marL="457200" rtl="0">
+              <a:spcBef>
+                <a:spcPts val="0"/>
+              </a:spcBef>
+              <a:buSzPct val="100000"/>
+            </a:pPr>
+            <a:r>
+              <a:rPr lang="es" sz="1200"/>
+              <a:t>También se pueden organizar las vistas en carpetas: </a:t>
+            </a:r>
+            <a:r>
+              <a:rPr lang="es" sz="1200">
                 <a:solidFill>
                   <a:srgbClr val="A61C00"/>
                 </a:solidFill>
               </a:rPr>
-              <a:t>’)</a:t>
-            </a:r>
-            <a:endParaRPr lang="es" sz="1200" dirty="0">
-              <a:solidFill>
-                <a:srgbClr val="A61C00"/>
-              </a:solidFill>
-            </a:endParaRPr>
-          </a:p>
-          <a:p>
-            <a:pPr marL="914400" lvl="1" indent="-228600" rtl="0">
-              <a:spcBef>
-                <a:spcPts val="0"/>
-              </a:spcBef>
-              <a:buSzPct val="100000"/>
-            </a:pPr>
-            <a:r>
-              <a:rPr lang="es" sz="1200" dirty="0"/>
-              <a:t>Se cargaría el fichero “application/views/ficheroVista.php</a:t>
-            </a:r>
-            <a:r>
-              <a:rPr lang="es" sz="1200" dirty="0" smtClean="0"/>
-              <a:t>”</a:t>
-            </a:r>
-            <a:endParaRPr lang="es" sz="1200" dirty="0"/>
-          </a:p>
-          <a:p>
-            <a:pPr marL="457200" lvl="0" indent="-228600" rtl="0">
-              <a:spcBef>
-                <a:spcPts val="0"/>
-              </a:spcBef>
-              <a:buSzPct val="100000"/>
-            </a:pPr>
-            <a:r>
-              <a:rPr lang="es" sz="1200" dirty="0"/>
-              <a:t>También se pueden organizar las vistas en carpetas: </a:t>
-            </a:r>
-            <a:r>
-              <a:rPr lang="es" sz="1200" dirty="0">
+              <a:t>$this -&gt; load -&gt;view(‘c1/c2/ficheroVista’)</a:t>
+            </a:r>
+          </a:p>
+          <a:p>
+            <a:pPr indent="-304800" lvl="1" marL="914400" rtl="0">
+              <a:spcBef>
+                <a:spcPts val="0"/>
+              </a:spcBef>
+              <a:buSzPct val="100000"/>
+            </a:pPr>
+            <a:r>
+              <a:rPr lang="es" sz="1200"/>
+              <a:t>Cargaría el fichero “application/views/c1/c2/ficheroVista.php”</a:t>
+            </a:r>
+          </a:p>
+          <a:p>
+            <a:pPr indent="-304800" lvl="0" marL="457200" rtl="0">
+              <a:spcBef>
+                <a:spcPts val="0"/>
+              </a:spcBef>
+              <a:buSzPct val="100000"/>
+            </a:pPr>
+            <a:r>
+              <a:rPr lang="es" sz="1200"/>
+              <a:t>Se le pueden pasar datos de la siguiente manera:</a:t>
+            </a:r>
+          </a:p>
+          <a:p>
+            <a:pPr indent="-304800" lvl="1" marL="914400" rtl="0">
+              <a:spcBef>
+                <a:spcPts val="0"/>
+              </a:spcBef>
+              <a:buSzPct val="100000"/>
+            </a:pPr>
+            <a:r>
+              <a:rPr lang="es" sz="1200">
                 <a:solidFill>
                   <a:srgbClr val="A61C00"/>
                 </a:solidFill>
               </a:rPr>
-              <a:t>$this -&gt; load -&gt;view(‘c1/c2/ficheroVista’)</a:t>
-            </a:r>
-          </a:p>
-          <a:p>
-            <a:pPr marL="914400" lvl="1" indent="-228600" rtl="0">
-              <a:spcBef>
-                <a:spcPts val="0"/>
-              </a:spcBef>
-              <a:buSzPct val="100000"/>
-            </a:pPr>
-            <a:r>
-              <a:rPr lang="es" sz="1200" dirty="0"/>
-              <a:t>Cargaría el fichero “application/views/c1/c2/ficheroVista.php</a:t>
-            </a:r>
-            <a:r>
-              <a:rPr lang="es" sz="1200" dirty="0" smtClean="0"/>
-              <a:t>”</a:t>
-            </a:r>
-            <a:endParaRPr lang="es" sz="1200" dirty="0"/>
-          </a:p>
-          <a:p>
-            <a:pPr marL="457200" lvl="0" indent="-228600" rtl="0">
-              <a:spcBef>
-                <a:spcPts val="0"/>
-              </a:spcBef>
-              <a:buSzPct val="100000"/>
-            </a:pPr>
-            <a:r>
-              <a:rPr lang="es" sz="1200" dirty="0"/>
-              <a:t>Se le pueden pasar datos de la siguiente manera:</a:t>
-            </a:r>
-          </a:p>
-          <a:p>
-            <a:pPr marL="914400" lvl="1" indent="-228600" rtl="0">
-              <a:spcBef>
-                <a:spcPts val="0"/>
-              </a:spcBef>
-              <a:buSzPct val="100000"/>
-            </a:pPr>
-            <a:r>
-              <a:rPr lang="es" sz="1200" dirty="0">
-                <a:solidFill>
-                  <a:srgbClr val="A61C00"/>
-                </a:solidFill>
-              </a:rPr>
               <a:t>$this -&gt; load -&gt; view(‘ficheroVista’,$datos)</a:t>
             </a:r>
             <a:r>
-              <a:rPr lang="es" sz="1200" dirty="0"/>
+              <a:rPr lang="es" sz="1200"/>
               <a:t>, donde $datos suele ser un array asociativo del estilo:</a:t>
             </a:r>
           </a:p>
           <a:p>
-            <a:pPr marL="1371600" lvl="2" indent="-228600" rtl="0">
-              <a:spcBef>
-                <a:spcPts val="0"/>
-              </a:spcBef>
-              <a:buSzPct val="100000"/>
-            </a:pPr>
-            <a:r>
-              <a:rPr lang="es" sz="1200" dirty="0"/>
+            <a:pPr indent="-304800" lvl="2" marL="1371600" rtl="0">
+              <a:spcBef>
+                <a:spcPts val="0"/>
+              </a:spcBef>
+              <a:buSzPct val="100000"/>
+            </a:pPr>
+            <a:r>
+              <a:rPr lang="es" sz="1200"/>
               <a:t>$datos = [ ‘dato1’ =&gt; valor1, ‘dato2’ =&gt; valor2 , ….. ]</a:t>
             </a:r>
           </a:p>
           <a:p>
-            <a:pPr marL="457200" lvl="0" indent="-228600" rtl="0">
-              <a:spcBef>
-                <a:spcPts val="0"/>
-              </a:spcBef>
-              <a:buSzPct val="100000"/>
-            </a:pPr>
-            <a:r>
-              <a:rPr lang="es" sz="1200" dirty="0"/>
+            <a:pPr indent="-304800" lvl="0" marL="457200" rtl="0">
+              <a:spcBef>
+                <a:spcPts val="0"/>
+              </a:spcBef>
+              <a:buSzPct val="100000"/>
+            </a:pPr>
+            <a:r>
+              <a:rPr lang="es" sz="1200"/>
               <a:t>Los datos pasados de la forma anterior se pueden recuperar en las vistas así de sencillo.</a:t>
             </a:r>
           </a:p>
           <a:p>
-            <a:pPr marL="914400" lvl="1" indent="-228600" rtl="0">
-              <a:spcBef>
-                <a:spcPts val="0"/>
-              </a:spcBef>
-              <a:buSzPct val="100000"/>
-            </a:pPr>
-            <a:r>
-              <a:rPr lang="es" sz="1200" dirty="0"/>
+            <a:pPr indent="-304800" lvl="1" marL="914400" rtl="0">
+              <a:spcBef>
+                <a:spcPts val="0"/>
+              </a:spcBef>
+              <a:buSzPct val="100000"/>
+            </a:pPr>
+            <a:r>
+              <a:rPr lang="es" sz="1200"/>
               <a:t>Ej: </a:t>
             </a:r>
             <a:r>
-              <a:rPr lang="es" sz="1200" dirty="0">
+              <a:rPr lang="es" sz="1200">
                 <a:solidFill>
                   <a:srgbClr val="38761D"/>
                 </a:solidFill>
@@ -5385,7 +5144,7 @@
               <a:t>&lt;body&gt; …. El valor del dato1 es: </a:t>
             </a:r>
             <a:r>
-              <a:rPr lang="es" sz="1200" dirty="0">
+              <a:rPr lang="es" sz="1200">
                 <a:solidFill>
                   <a:srgbClr val="0000FF"/>
                 </a:solidFill>
@@ -5393,7 +5152,7 @@
               <a:t>&lt;?= $dato1 ?&gt;</a:t>
             </a:r>
             <a:r>
-              <a:rPr lang="es" sz="1200" dirty="0">
+              <a:rPr lang="es" sz="1200">
                 <a:solidFill>
                   <a:srgbClr val="38761D"/>
                 </a:solidFill>
@@ -5402,7 +5161,7 @@
             </a:r>
           </a:p>
           <a:p>
-            <a:pPr marL="457200" lvl="0" indent="-228600" rtl="0">
+            <a:pPr indent="-304800" lvl="0" marL="457200" rtl="0">
               <a:spcBef>
                 <a:spcPts val="0"/>
               </a:spcBef>
@@ -5412,7 +5171,7 @@
               <a:buSzPct val="100000"/>
             </a:pPr>
             <a:r>
-              <a:rPr lang="es" sz="1200" dirty="0">
+              <a:rPr lang="es" sz="1200">
                 <a:solidFill>
                   <a:srgbClr val="000000"/>
                 </a:solidFill>
@@ -5420,7 +5179,7 @@
               <a:t>También se pueden pasar datos desde el controlador empaquetados en objetos. En ese caso, en lugar de aludir a los índices del array asociativo, aludiremos a los </a:t>
             </a:r>
             <a:r>
-              <a:rPr lang="es" sz="1200" u="sng" dirty="0">
+              <a:rPr lang="es" sz="1200" u="sng">
                 <a:solidFill>
                   <a:srgbClr val="000000"/>
                 </a:solidFill>
@@ -5428,7 +5187,7 @@
               <a:t>atributos</a:t>
             </a:r>
             <a:r>
-              <a:rPr lang="es" sz="1200" dirty="0">
+              <a:rPr lang="es" sz="1200">
                 <a:solidFill>
                   <a:srgbClr val="000000"/>
                 </a:solidFill>
@@ -5437,7 +5196,7 @@
             </a:r>
           </a:p>
           <a:p>
-            <a:pPr marL="457200" lvl="0" indent="-228600" rtl="0">
+            <a:pPr indent="-304800" lvl="0" marL="457200" rtl="0">
               <a:spcBef>
                 <a:spcPts val="0"/>
               </a:spcBef>
@@ -5447,7 +5206,7 @@
               <a:buSzPct val="100000"/>
             </a:pPr>
             <a:r>
-              <a:rPr lang="es" sz="1200" dirty="0">
+              <a:rPr lang="es" sz="1200">
                 <a:solidFill>
                   <a:srgbClr val="000000"/>
                 </a:solidFill>
@@ -5456,7 +5215,7 @@
             </a:r>
           </a:p>
           <a:p>
-            <a:pPr marL="914400" lvl="1" indent="-228600" rtl="0">
+            <a:pPr indent="-304800" lvl="1" marL="914400" rtl="0">
               <a:spcBef>
                 <a:spcPts val="0"/>
               </a:spcBef>
@@ -5466,7 +5225,7 @@
               <a:buSzPct val="100000"/>
             </a:pPr>
             <a:r>
-              <a:rPr lang="es" sz="1200" dirty="0">
+              <a:rPr lang="es" sz="1200">
                 <a:solidFill>
                   <a:srgbClr val="A61C00"/>
                 </a:solidFill>
@@ -5474,7 +5233,7 @@
               <a:t>$this -&gt; load -&gt; view(‘miVista’)</a:t>
             </a:r>
             <a:r>
-              <a:rPr lang="es" sz="1200" dirty="0">
+              <a:rPr lang="es" sz="1200">
                 <a:solidFill>
                   <a:srgbClr val="000000"/>
                 </a:solidFill>
@@ -5483,7 +5242,7 @@
             </a:r>
           </a:p>
           <a:p>
-            <a:pPr marL="914400" lvl="1" indent="-228600" rtl="0">
+            <a:pPr indent="-304800" lvl="1" marL="914400" rtl="0">
               <a:spcBef>
                 <a:spcPts val="0"/>
               </a:spcBef>
@@ -5493,7 +5252,7 @@
               <a:buSzPct val="100000"/>
             </a:pPr>
             <a:r>
-              <a:rPr lang="es" sz="1200" dirty="0">
+              <a:rPr lang="es" sz="1200">
                 <a:solidFill>
                   <a:srgbClr val="A61C00"/>
                 </a:solidFill>
@@ -5501,7 +5260,7 @@
               <a:t>$codigoVista = $this -&gt; load -&gt; view(‘miVista’,’’,true)</a:t>
             </a:r>
             <a:r>
-              <a:rPr lang="es" sz="1200" dirty="0">
+              <a:rPr lang="es" sz="1200">
                 <a:solidFill>
                   <a:srgbClr val="000000"/>
                 </a:solidFill>
@@ -5510,7 +5269,7 @@
             </a:r>
           </a:p>
           <a:p>
-            <a:pPr marL="457200" lvl="0" indent="-228600" rtl="0">
+            <a:pPr indent="-304800" lvl="0" marL="457200" rtl="0">
               <a:spcBef>
                 <a:spcPts val="0"/>
               </a:spcBef>
@@ -5520,68 +5279,32 @@
               <a:buSzPct val="100000"/>
             </a:pPr>
             <a:r>
-              <a:rPr lang="es" sz="1200" dirty="0">
+              <a:rPr lang="es" sz="1200">
                 <a:solidFill>
                   <a:srgbClr val="000000"/>
                 </a:solidFill>
               </a:rPr>
-              <a:t>Se pueden utilizar helpers en el código de las vistas para facilitar su despliegue</a:t>
-            </a:r>
-            <a:r>
-              <a:rPr lang="es" sz="1200" dirty="0" smtClean="0">
-                <a:solidFill>
-                  <a:srgbClr val="000000"/>
-                </a:solidFill>
-              </a:rPr>
-              <a:t>.</a:t>
-            </a:r>
-          </a:p>
-          <a:p>
-            <a:pPr marL="457200" indent="-228600">
+              <a:t>Se pueden utilizar helpers en el código de las vistas para facilitar su despliegue.</a:t>
+            </a:r>
+          </a:p>
+          <a:p>
+            <a:pPr indent="-304800" lvl="0" marL="457200" rtl="0">
+              <a:spcBef>
+                <a:spcPts val="0"/>
+              </a:spcBef>
               <a:buClr>
                 <a:srgbClr val="000000"/>
               </a:buClr>
-            </a:pPr>
-            <a:r>
-              <a:rPr lang="es-ES" sz="1200" dirty="0">
+              <a:buSzPct val="100000"/>
+            </a:pPr>
+            <a:r>
+              <a:rPr lang="es" sz="1200">
                 <a:solidFill>
                   <a:srgbClr val="000000"/>
                 </a:solidFill>
               </a:rPr>
-              <a:t>En los link y los “</a:t>
-            </a:r>
-            <a:r>
-              <a:rPr lang="es-ES" sz="1200" dirty="0" err="1">
-                <a:solidFill>
-                  <a:srgbClr val="000000"/>
-                </a:solidFill>
-              </a:rPr>
-              <a:t>action</a:t>
-            </a:r>
-            <a:r>
-              <a:rPr lang="es-ES" sz="1200" dirty="0">
-                <a:solidFill>
-                  <a:srgbClr val="000000"/>
-                </a:solidFill>
-              </a:rPr>
-              <a:t>” basta con poner el nombre del controlador y la acción (ruta relativa)</a:t>
-            </a:r>
-          </a:p>
-          <a:p>
-            <a:pPr marL="457200" lvl="0" indent="-228600" rtl="0">
-              <a:spcBef>
-                <a:spcPts val="0"/>
-              </a:spcBef>
-              <a:buClr>
-                <a:srgbClr val="000000"/>
-              </a:buClr>
-              <a:buSzPct val="100000"/>
-            </a:pPr>
-            <a:endParaRPr lang="es" sz="1200" dirty="0">
-              <a:solidFill>
-                <a:srgbClr val="000000"/>
-              </a:solidFill>
-            </a:endParaRPr>
+              <a:t>Podremos utilizar la función “base_url(..)” del helper “url” para concatenarla a nuestras rutas.</a:t>
+            </a:r>
           </a:p>
         </p:txBody>
       </p:sp>
@@ -5597,11 +5320,11 @@
 </file>
 
 <file path=ppt/slides/slide6.xml><?xml version="1.0" encoding="utf-8"?>
-<p:sld xmlns:a="http://schemas.openxmlformats.org/drawingml/2006/main" xmlns:r="http://schemas.openxmlformats.org/officeDocument/2006/relationships" xmlns:p="http://schemas.openxmlformats.org/presentationml/2006/main">
+<p:sld xmlns:a="http://schemas.openxmlformats.org/drawingml/2006/main" xmlns:r="http://schemas.openxmlformats.org/officeDocument/2006/relationships" xmlns:mc="http://schemas.openxmlformats.org/markup-compatibility/2006" xmlns:mv="urn:schemas-microsoft-com:mac:vml" xmlns:p="http://schemas.openxmlformats.org/presentationml/2006/main" xmlns:c="http://schemas.openxmlformats.org/drawingml/2006/chart" xmlns:dgm="http://schemas.openxmlformats.org/drawingml/2006/diagram" xmlns:o="urn:schemas-microsoft-com:office:office" xmlns:v="urn:schemas-microsoft-com:vml" xmlns:pvml="urn:schemas-microsoft-com:office:powerpoint" xmlns:com="http://schemas.openxmlformats.org/drawingml/2006/compatibility" xmlns:p14="http://schemas.microsoft.com/office/powerpoint/2010/main">
   <p:cSld>
     <p:spTree>
       <p:nvGrpSpPr>
-        <p:cNvPr id="1" name="Shape 89"/>
+        <p:cNvPr id="78" name="Shape 78"/>
         <p:cNvGrpSpPr/>
         <p:nvPr/>
       </p:nvGrpSpPr>
@@ -5615,10 +5338,8 @@
       </p:grpSpPr>
       <p:sp>
         <p:nvSpPr>
-          <p:cNvPr id="90" name="Shape 90"/>
-          <p:cNvSpPr txBox="1">
-            <a:spLocks noGrp="1"/>
-          </p:cNvSpPr>
+          <p:cNvPr id="79" name="Shape 79"/>
+          <p:cNvSpPr txBox="1"/>
           <p:nvPr>
             <p:ph type="title"/>
           </p:nvPr>
@@ -5633,12 +5354,12 @@
           </a:prstGeom>
         </p:spPr>
         <p:txBody>
-          <a:bodyPr lIns="91425" tIns="91425" rIns="91425" bIns="91425" anchor="b" anchorCtr="0">
+          <a:bodyPr anchorCtr="0" anchor="b" bIns="91425" lIns="91425" rIns="91425" tIns="91425">
             <a:noAutofit/>
           </a:bodyPr>
           <a:lstStyle/>
           <a:p>
-            <a:pPr>
+            <a:pPr lvl="0">
               <a:spcBef>
                 <a:spcPts val="0"/>
               </a:spcBef>
@@ -5653,12 +5374,10 @@
       </p:sp>
       <p:sp>
         <p:nvSpPr>
-          <p:cNvPr id="91" name="Shape 91"/>
-          <p:cNvSpPr txBox="1">
-            <a:spLocks noGrp="1"/>
-          </p:cNvSpPr>
+          <p:cNvPr id="80" name="Shape 80"/>
+          <p:cNvSpPr txBox="1"/>
           <p:nvPr>
-            <p:ph type="body" idx="1"/>
+            <p:ph idx="1" type="body"/>
           </p:nvPr>
         </p:nvSpPr>
         <p:spPr>
@@ -5671,12 +5390,12 @@
           </a:prstGeom>
         </p:spPr>
         <p:txBody>
-          <a:bodyPr lIns="91425" tIns="91425" rIns="91425" bIns="91425" anchor="t" anchorCtr="0">
+          <a:bodyPr anchorCtr="0" anchor="t" bIns="91425" lIns="91425" rIns="91425" tIns="91425">
             <a:noAutofit/>
           </a:bodyPr>
           <a:lstStyle/>
           <a:p>
-            <a:pPr marL="457200" lvl="0" indent="-228600" rtl="0">
+            <a:pPr indent="-342900" lvl="0" marL="457200" rtl="0">
               <a:spcBef>
                 <a:spcPts val="0"/>
               </a:spcBef>
@@ -5688,7 +5407,7 @@
             </a:r>
           </a:p>
           <a:p>
-            <a:pPr marL="457200" lvl="0" indent="-228600" rtl="0">
+            <a:pPr indent="-342900" lvl="0" marL="457200" rtl="0">
               <a:spcBef>
                 <a:spcPts val="0"/>
               </a:spcBef>
@@ -5700,7 +5419,7 @@
             </a:r>
           </a:p>
           <a:p>
-            <a:pPr marL="914400" lvl="1" indent="-228600" rtl="0">
+            <a:pPr indent="-342900" lvl="1" marL="914400" rtl="0">
               <a:spcBef>
                 <a:spcPts val="0"/>
               </a:spcBef>
@@ -5719,7 +5438,7 @@
             </a:r>
           </a:p>
           <a:p>
-            <a:pPr marL="914400" lvl="1" indent="-228600" rtl="0">
+            <a:pPr indent="-342900" lvl="1" marL="914400" rtl="0">
               <a:spcBef>
                 <a:spcPts val="0"/>
               </a:spcBef>
@@ -5739,7 +5458,7 @@
             </a:r>
           </a:p>
           <a:p>
-            <a:pPr marL="457200" lvl="0" indent="-228600" rtl="0">
+            <a:pPr indent="-342900" lvl="0" marL="457200" rtl="0">
               <a:spcBef>
                 <a:spcPts val="0"/>
               </a:spcBef>
@@ -5751,7 +5470,7 @@
             </a:r>
           </a:p>
           <a:p>
-            <a:pPr marL="914400" lvl="1" indent="-228600" rtl="0">
+            <a:pPr indent="-342900" lvl="1" marL="914400" rtl="0">
               <a:spcBef>
                 <a:spcPts val="0"/>
               </a:spcBef>
@@ -5762,7 +5481,7 @@
               <a:t>Ej: </a:t>
             </a:r>
             <a:r>
-              <a:rPr lang="es" sz="1800" b="1">
+              <a:rPr b="1" lang="es" sz="1800">
                 <a:solidFill>
                   <a:srgbClr val="980000"/>
                 </a:solidFill>
@@ -5786,7 +5505,7 @@
               <a:t> </a:t>
             </a:r>
             <a:r>
-              <a:rPr lang="es" sz="1800" b="1">
+              <a:rPr b="1" lang="es" sz="1800">
                 <a:solidFill>
                   <a:srgbClr val="980000"/>
                 </a:solidFill>
@@ -5795,7 +5514,7 @@
             </a:r>
           </a:p>
           <a:p>
-            <a:pPr marL="1371600" lvl="2" indent="-228600" rtl="0">
+            <a:pPr indent="-342900" lvl="2" marL="1371600" rtl="0">
               <a:spcBef>
                 <a:spcPts val="0"/>
               </a:spcBef>
@@ -5807,7 +5526,7 @@
             </a:r>
           </a:p>
           <a:p>
-            <a:pPr marL="457200" lvl="0" indent="-228600">
+            <a:pPr indent="-342900" lvl="0" marL="457200">
               <a:spcBef>
                 <a:spcPts val="0"/>
               </a:spcBef>
@@ -5831,7 +5550,7 @@
       </p:sp>
       <p:pic>
         <p:nvPicPr>
-          <p:cNvPr id="92" name="Shape 92"/>
+          <p:cNvPr id="81" name="Shape 81"/>
           <p:cNvPicPr preferRelativeResize="0"/>
           <p:nvPr/>
         </p:nvPicPr>
@@ -5852,14 +5571,14 @@
             <a:avLst/>
           </a:prstGeom>
           <a:noFill/>
-          <a:ln w="9525" cap="flat" cmpd="sng">
+          <a:ln cap="flat" cmpd="sng" w="9525">
             <a:solidFill>
               <a:srgbClr val="980000"/>
             </a:solidFill>
             <a:prstDash val="solid"/>
             <a:round/>
-            <a:headEnd type="none" w="med" len="med"/>
-            <a:tailEnd type="none" w="med" len="med"/>
+            <a:headEnd len="med" w="med" type="none"/>
+            <a:tailEnd len="med" w="med" type="none"/>
           </a:ln>
         </p:spPr>
       </p:pic>
@@ -5875,11 +5594,11 @@
 </file>
 
 <file path=ppt/slides/slide7.xml><?xml version="1.0" encoding="utf-8"?>
-<p:sld xmlns:a="http://schemas.openxmlformats.org/drawingml/2006/main" xmlns:r="http://schemas.openxmlformats.org/officeDocument/2006/relationships" xmlns:p="http://schemas.openxmlformats.org/presentationml/2006/main">
+<p:sld xmlns:a="http://schemas.openxmlformats.org/drawingml/2006/main" xmlns:r="http://schemas.openxmlformats.org/officeDocument/2006/relationships" xmlns:mc="http://schemas.openxmlformats.org/markup-compatibility/2006" xmlns:mv="urn:schemas-microsoft-com:mac:vml" xmlns:p="http://schemas.openxmlformats.org/presentationml/2006/main" xmlns:c="http://schemas.openxmlformats.org/drawingml/2006/chart" xmlns:dgm="http://schemas.openxmlformats.org/drawingml/2006/diagram" xmlns:o="urn:schemas-microsoft-com:office:office" xmlns:v="urn:schemas-microsoft-com:vml" xmlns:pvml="urn:schemas-microsoft-com:office:powerpoint" xmlns:com="http://schemas.openxmlformats.org/drawingml/2006/compatibility" xmlns:p14="http://schemas.microsoft.com/office/powerpoint/2010/main">
   <p:cSld>
     <p:spTree>
       <p:nvGrpSpPr>
-        <p:cNvPr id="1" name="Shape 71"/>
+        <p:cNvPr id="85" name="Shape 85"/>
         <p:cNvGrpSpPr/>
         <p:nvPr/>
       </p:nvGrpSpPr>
@@ -5893,10 +5612,8 @@
       </p:grpSpPr>
       <p:sp>
         <p:nvSpPr>
-          <p:cNvPr id="72" name="Shape 72"/>
-          <p:cNvSpPr txBox="1">
-            <a:spLocks noGrp="1"/>
-          </p:cNvSpPr>
+          <p:cNvPr id="86" name="Shape 86"/>
+          <p:cNvSpPr txBox="1"/>
           <p:nvPr>
             <p:ph type="title"/>
           </p:nvPr>
@@ -5911,12 +5628,12 @@
           </a:prstGeom>
         </p:spPr>
         <p:txBody>
-          <a:bodyPr lIns="91425" tIns="91425" rIns="91425" bIns="91425" anchor="b" anchorCtr="0">
+          <a:bodyPr anchorCtr="0" anchor="b" bIns="91425" lIns="91425" rIns="91425" tIns="91425">
             <a:noAutofit/>
           </a:bodyPr>
           <a:lstStyle/>
           <a:p>
-            <a:pPr>
+            <a:pPr lvl="0">
               <a:spcBef>
                 <a:spcPts val="0"/>
               </a:spcBef>
@@ -5931,12 +5648,10 @@
       </p:sp>
       <p:sp>
         <p:nvSpPr>
-          <p:cNvPr id="73" name="Shape 73"/>
-          <p:cNvSpPr txBox="1">
-            <a:spLocks noGrp="1"/>
-          </p:cNvSpPr>
+          <p:cNvPr id="87" name="Shape 87"/>
+          <p:cNvSpPr txBox="1"/>
           <p:nvPr>
-            <p:ph type="body" idx="1"/>
+            <p:ph idx="1" type="body"/>
           </p:nvPr>
         </p:nvSpPr>
         <p:spPr>
@@ -5949,12 +5664,12 @@
           </a:prstGeom>
         </p:spPr>
         <p:txBody>
-          <a:bodyPr lIns="91425" tIns="91425" rIns="91425" bIns="91425" anchor="t" anchorCtr="0">
+          <a:bodyPr anchorCtr="0" anchor="t" bIns="91425" lIns="91425" rIns="91425" tIns="91425">
             <a:noAutofit/>
           </a:bodyPr>
           <a:lstStyle/>
           <a:p>
-            <a:pPr marL="457200" lvl="0" indent="-228600" rtl="0">
+            <a:pPr indent="-342900" lvl="0" marL="457200" rtl="0">
               <a:spcBef>
                 <a:spcPts val="0"/>
               </a:spcBef>
@@ -5986,7 +5701,7 @@
             </a:r>
           </a:p>
           <a:p>
-            <a:pPr marL="457200" lvl="0" indent="-228600" rtl="0">
+            <a:pPr indent="-342900" lvl="0" marL="457200" rtl="0">
               <a:spcBef>
                 <a:spcPts val="0"/>
               </a:spcBef>
@@ -6018,7 +5733,7 @@
             </a:r>
           </a:p>
           <a:p>
-            <a:pPr marL="457200" lvl="0" indent="-228600" rtl="0">
+            <a:pPr indent="-342900" lvl="0" marL="457200" rtl="0">
               <a:spcBef>
                 <a:spcPts val="0"/>
               </a:spcBef>
@@ -6030,7 +5745,7 @@
             </a:r>
           </a:p>
           <a:p>
-            <a:pPr marL="457200" lvl="0" indent="-228600" rtl="0">
+            <a:pPr indent="-342900" lvl="0" marL="457200" rtl="0">
               <a:spcBef>
                 <a:spcPts val="0"/>
               </a:spcBef>
@@ -6042,7 +5757,7 @@
             </a:r>
           </a:p>
           <a:p>
-            <a:pPr marL="914400" lvl="1" indent="-228600" rtl="0">
+            <a:pPr indent="-342900" lvl="1" marL="914400" rtl="0">
               <a:spcBef>
                 <a:spcPts val="0"/>
               </a:spcBef>
@@ -6080,11 +5795,11 @@
 </file>
 
 <file path=ppt/slides/slide8.xml><?xml version="1.0" encoding="utf-8"?>
-<p:sld xmlns:a="http://schemas.openxmlformats.org/drawingml/2006/main" xmlns:r="http://schemas.openxmlformats.org/officeDocument/2006/relationships" xmlns:p="http://schemas.openxmlformats.org/presentationml/2006/main">
+<p:sld xmlns:a="http://schemas.openxmlformats.org/drawingml/2006/main" xmlns:r="http://schemas.openxmlformats.org/officeDocument/2006/relationships" xmlns:mc="http://schemas.openxmlformats.org/markup-compatibility/2006" xmlns:mv="urn:schemas-microsoft-com:mac:vml" xmlns:p="http://schemas.openxmlformats.org/presentationml/2006/main" xmlns:c="http://schemas.openxmlformats.org/drawingml/2006/chart" xmlns:dgm="http://schemas.openxmlformats.org/drawingml/2006/diagram" xmlns:o="urn:schemas-microsoft-com:office:office" xmlns:v="urn:schemas-microsoft-com:vml" xmlns:pvml="urn:schemas-microsoft-com:office:powerpoint" xmlns:com="http://schemas.openxmlformats.org/drawingml/2006/compatibility" xmlns:p14="http://schemas.microsoft.com/office/powerpoint/2010/main">
   <p:cSld>
     <p:spTree>
       <p:nvGrpSpPr>
-        <p:cNvPr id="1" name="Shape 77"/>
+        <p:cNvPr id="91" name="Shape 91"/>
         <p:cNvGrpSpPr/>
         <p:nvPr/>
       </p:nvGrpSpPr>
@@ -6098,10 +5813,8 @@
       </p:grpSpPr>
       <p:sp>
         <p:nvSpPr>
-          <p:cNvPr id="78" name="Shape 78"/>
-          <p:cNvSpPr txBox="1">
-            <a:spLocks noGrp="1"/>
-          </p:cNvSpPr>
+          <p:cNvPr id="92" name="Shape 92"/>
+          <p:cNvSpPr txBox="1"/>
           <p:nvPr>
             <p:ph type="title"/>
           </p:nvPr>
@@ -6116,12 +5829,12 @@
           </a:prstGeom>
         </p:spPr>
         <p:txBody>
-          <a:bodyPr lIns="91425" tIns="91425" rIns="91425" bIns="91425" anchor="b" anchorCtr="0">
+          <a:bodyPr anchorCtr="0" anchor="b" bIns="91425" lIns="91425" rIns="91425" tIns="91425">
             <a:noAutofit/>
           </a:bodyPr>
           <a:lstStyle/>
           <a:p>
-            <a:pPr>
+            <a:pPr lvl="0">
               <a:spcBef>
                 <a:spcPts val="0"/>
               </a:spcBef>
@@ -6136,12 +5849,10 @@
       </p:sp>
       <p:sp>
         <p:nvSpPr>
-          <p:cNvPr id="79" name="Shape 79"/>
-          <p:cNvSpPr txBox="1">
-            <a:spLocks noGrp="1"/>
-          </p:cNvSpPr>
+          <p:cNvPr id="93" name="Shape 93"/>
+          <p:cNvSpPr txBox="1"/>
           <p:nvPr>
-            <p:ph type="body" idx="1"/>
+            <p:ph idx="1" type="body"/>
           </p:nvPr>
         </p:nvSpPr>
         <p:spPr>
@@ -6154,12 +5865,12 @@
           </a:prstGeom>
         </p:spPr>
         <p:txBody>
-          <a:bodyPr lIns="91425" tIns="91425" rIns="91425" bIns="91425" anchor="t" anchorCtr="0">
+          <a:bodyPr anchorCtr="0" anchor="t" bIns="91425" lIns="91425" rIns="91425" tIns="91425">
             <a:noAutofit/>
           </a:bodyPr>
           <a:lstStyle/>
           <a:p>
-            <a:pPr marL="457200" lvl="0" indent="-228600" rtl="0">
+            <a:pPr indent="-323850" lvl="0" marL="457200" rtl="0">
               <a:spcBef>
                 <a:spcPts val="0"/>
               </a:spcBef>
@@ -6203,7 +5914,7 @@
             </a:r>
           </a:p>
           <a:p>
-            <a:pPr marL="457200" lvl="0" indent="-228600" rtl="0">
+            <a:pPr indent="-323850" lvl="0" marL="457200" rtl="0">
               <a:spcBef>
                 <a:spcPts val="0"/>
               </a:spcBef>
@@ -6215,7 +5926,7 @@
             </a:r>
           </a:p>
           <a:p>
-            <a:pPr marL="914400" lvl="1" indent="-228600" rtl="0">
+            <a:pPr indent="-323850" lvl="1" marL="914400" rtl="0">
               <a:spcBef>
                 <a:spcPts val="0"/>
               </a:spcBef>
@@ -6235,7 +5946,7 @@
             </a:r>
           </a:p>
           <a:p>
-            <a:pPr marL="1371600" lvl="2" indent="-228600" rtl="0">
+            <a:pPr indent="-323850" lvl="2" marL="1371600" rtl="0">
               <a:spcBef>
                 <a:spcPts val="0"/>
               </a:spcBef>
@@ -6259,7 +5970,7 @@
             </a:r>
           </a:p>
           <a:p>
-            <a:pPr marL="914400" lvl="1" indent="-228600" rtl="0">
+            <a:pPr indent="-323850" lvl="1" marL="914400" rtl="0">
               <a:spcBef>
                 <a:spcPts val="0"/>
               </a:spcBef>
@@ -6279,7 +5990,7 @@
             </a:r>
           </a:p>
           <a:p>
-            <a:pPr marL="914400" lvl="1" indent="-228600" rtl="0">
+            <a:pPr indent="-323850" lvl="1" marL="914400" rtl="0">
               <a:spcBef>
                 <a:spcPts val="0"/>
               </a:spcBef>
@@ -6295,11 +6006,19 @@
             </a:r>
             <a:r>
               <a:rPr lang="es" sz="1500"/>
-              <a:t> Inserta una fila en miTabla con los valores de los atributos de este objeto (se asume que la tabla tiene columnas con los mismos nombres de los atributos</a:t>
-            </a:r>
-          </a:p>
-          <a:p>
-            <a:pPr marL="914400" lvl="1" indent="-228600" rtl="0">
+              <a:t> Inserta una fila en miTabla con los valores de los atributos de este objeto (se asume que la tabla tiene columnas con los mismos nombres de los atributos, y que éstos son “</a:t>
+            </a:r>
+            <a:r>
+              <a:rPr lang="es" sz="1500" u="sng"/>
+              <a:t>public</a:t>
+            </a:r>
+            <a:r>
+              <a:rPr lang="es" sz="1500"/>
+              <a:t>”)</a:t>
+            </a:r>
+          </a:p>
+          <a:p>
+            <a:pPr indent="-323850" lvl="1" marL="914400" rtl="0">
               <a:spcBef>
                 <a:spcPts val="0"/>
               </a:spcBef>
@@ -6323,12 +6042,15 @@
             </a:r>
           </a:p>
           <a:p>
-            <a:pPr>
+            <a:pPr lvl="0">
               <a:spcBef>
                 <a:spcPts val="0"/>
               </a:spcBef>
               <a:buNone/>
             </a:pPr>
+            <a:r>
+              <a:t/>
+            </a:r>
             <a:endParaRPr sz="1500"/>
           </a:p>
         </p:txBody>
@@ -6345,11 +6067,11 @@
 </file>
 
 <file path=ppt/slides/slide9.xml><?xml version="1.0" encoding="utf-8"?>
-<p:sld xmlns:a="http://schemas.openxmlformats.org/drawingml/2006/main" xmlns:r="http://schemas.openxmlformats.org/officeDocument/2006/relationships" xmlns:p="http://schemas.openxmlformats.org/presentationml/2006/main">
+<p:sld xmlns:a="http://schemas.openxmlformats.org/drawingml/2006/main" xmlns:r="http://schemas.openxmlformats.org/officeDocument/2006/relationships" xmlns:mc="http://schemas.openxmlformats.org/markup-compatibility/2006" xmlns:mv="urn:schemas-microsoft-com:mac:vml" xmlns:p="http://schemas.openxmlformats.org/presentationml/2006/main" xmlns:c="http://schemas.openxmlformats.org/drawingml/2006/chart" xmlns:dgm="http://schemas.openxmlformats.org/drawingml/2006/diagram" xmlns:o="urn:schemas-microsoft-com:office:office" xmlns:v="urn:schemas-microsoft-com:vml" xmlns:pvml="urn:schemas-microsoft-com:office:powerpoint" xmlns:com="http://schemas.openxmlformats.org/drawingml/2006/compatibility" xmlns:p14="http://schemas.microsoft.com/office/powerpoint/2010/main">
   <p:cSld>
     <p:spTree>
       <p:nvGrpSpPr>
-        <p:cNvPr id="1" name="Shape 96"/>
+        <p:cNvPr id="97" name="Shape 97"/>
         <p:cNvGrpSpPr/>
         <p:nvPr/>
       </p:nvGrpSpPr>
@@ -6363,10 +6085,8 @@
       </p:grpSpPr>
       <p:sp>
         <p:nvSpPr>
-          <p:cNvPr id="97" name="Shape 97"/>
-          <p:cNvSpPr txBox="1">
-            <a:spLocks noGrp="1"/>
-          </p:cNvSpPr>
+          <p:cNvPr id="98" name="Shape 98"/>
+          <p:cNvSpPr txBox="1"/>
           <p:nvPr>
             <p:ph type="title"/>
           </p:nvPr>
@@ -6381,12 +6101,12 @@
           </a:prstGeom>
         </p:spPr>
         <p:txBody>
-          <a:bodyPr lIns="91425" tIns="91425" rIns="91425" bIns="91425" anchor="b" anchorCtr="0">
+          <a:bodyPr anchorCtr="0" anchor="b" bIns="91425" lIns="91425" rIns="91425" tIns="91425">
             <a:noAutofit/>
           </a:bodyPr>
           <a:lstStyle/>
           <a:p>
-            <a:pPr>
+            <a:pPr lvl="0">
               <a:spcBef>
                 <a:spcPts val="0"/>
               </a:spcBef>
@@ -6401,12 +6121,10 @@
       </p:sp>
       <p:sp>
         <p:nvSpPr>
-          <p:cNvPr id="98" name="Shape 98"/>
-          <p:cNvSpPr txBox="1">
-            <a:spLocks noGrp="1"/>
-          </p:cNvSpPr>
+          <p:cNvPr id="99" name="Shape 99"/>
+          <p:cNvSpPr txBox="1"/>
           <p:nvPr>
-            <p:ph type="body" idx="1"/>
+            <p:ph idx="1" type="body"/>
           </p:nvPr>
         </p:nvSpPr>
         <p:spPr>
@@ -6419,12 +6137,12 @@
           </a:prstGeom>
         </p:spPr>
         <p:txBody>
-          <a:bodyPr lIns="91425" tIns="91425" rIns="91425" bIns="91425" anchor="t" anchorCtr="0">
+          <a:bodyPr anchorCtr="0" anchor="t" bIns="91425" lIns="91425" rIns="91425" tIns="91425">
             <a:noAutofit/>
           </a:bodyPr>
           <a:lstStyle/>
           <a:p>
-            <a:pPr marL="457200" lvl="0" indent="-228600" rtl="0">
+            <a:pPr indent="-228600" lvl="0" marL="457200" rtl="0">
               <a:spcBef>
                 <a:spcPts val="0"/>
               </a:spcBef>
@@ -6435,7 +6153,7 @@
             </a:r>
           </a:p>
           <a:p>
-            <a:pPr marL="914400" lvl="1" indent="-228600" rtl="0">
+            <a:pPr indent="-361950" lvl="1" marL="914400" rtl="0">
               <a:spcBef>
                 <a:spcPts val="0"/>
               </a:spcBef>
@@ -6452,7 +6170,7 @@
             </a:r>
           </a:p>
           <a:p>
-            <a:pPr marL="457200" lvl="0" indent="-228600">
+            <a:pPr indent="-228600" lvl="0" marL="457200">
               <a:spcBef>
                 <a:spcPts val="0"/>
               </a:spcBef>
@@ -6476,7 +6194,7 @@
 </file>
 
 <file path=ppt/theme/theme1.xml><?xml version="1.0" encoding="utf-8"?>
-<a:theme xmlns:a="http://schemas.openxmlformats.org/drawingml/2006/main" name="label">
+<a:theme xmlns:a="http://schemas.openxmlformats.org/drawingml/2006/main" xmlns:r="http://schemas.openxmlformats.org/officeDocument/2006/relationships" name="label">
   <a:themeElements>
     <a:clrScheme name="Custom 352">
       <a:dk1>
@@ -6751,13 +6469,11 @@
       </a:bgFillStyleLst>
     </a:fmtScheme>
   </a:themeElements>
-  <a:objectDefaults/>
-  <a:extraClrSchemeLst/>
 </a:theme>
 </file>
 
 <file path=ppt/theme/theme2.xml><?xml version="1.0" encoding="utf-8"?>
-<a:theme xmlns:a="http://schemas.openxmlformats.org/drawingml/2006/main" name="Custom Theme">
+<a:theme xmlns:a="http://schemas.openxmlformats.org/drawingml/2006/main" xmlns:r="http://schemas.openxmlformats.org/officeDocument/2006/relationships" name="Custom Theme">
   <a:themeElements>
     <a:clrScheme name="Default">
       <a:dk1>
@@ -7032,7 +6748,5 @@
       </a:bgFillStyleLst>
     </a:fmtScheme>
   </a:themeElements>
-  <a:objectDefaults/>
-  <a:extraClrSchemeLst/>
 </a:theme>
 </file>
--- a/Servidor/Temas/1_7_2 - Code Igniter básico.pptx
+++ b/Servidor/Temas/1_7_2 - Code Igniter básico.pptx
@@ -1,27 +1,27 @@
 
 <file path=ppt/presentation.xml><?xml version="1.0" encoding="utf-8"?>
-<p:presentation xmlns:a="http://schemas.openxmlformats.org/drawingml/2006/main" xmlns:r="http://schemas.openxmlformats.org/officeDocument/2006/relationships" xmlns:mc="http://schemas.openxmlformats.org/markup-compatibility/2006" xmlns:mv="urn:schemas-microsoft-com:mac:vml" xmlns:p="http://schemas.openxmlformats.org/presentationml/2006/main" xmlns:c="http://schemas.openxmlformats.org/drawingml/2006/chart" xmlns:dgm="http://schemas.openxmlformats.org/drawingml/2006/diagram" xmlns:o="urn:schemas-microsoft-com:office:office" xmlns:v="urn:schemas-microsoft-com:vml" xmlns:pvml="urn:schemas-microsoft-com:office:powerpoint" xmlns:com="http://schemas.openxmlformats.org/drawingml/2006/compatibility" xmlns:p14="http://schemas.microsoft.com/office/powerpoint/2010/main" autoCompressPictures="0" strictFirstAndLastChars="0" saveSubsetFonts="1">
+<p:presentation xmlns:a="http://schemas.openxmlformats.org/drawingml/2006/main" xmlns:r="http://schemas.openxmlformats.org/officeDocument/2006/relationships" xmlns:p="http://schemas.openxmlformats.org/presentationml/2006/main" strictFirstAndLastChars="0" saveSubsetFonts="1" autoCompressPictures="0">
   <p:sldMasterIdLst>
-    <p:sldMasterId id="2147483654" r:id="rId3"/>
+    <p:sldMasterId id="2147483654" r:id="rId1"/>
   </p:sldMasterIdLst>
   <p:notesMasterIdLst>
-    <p:notesMasterId r:id="rId4"/>
+    <p:notesMasterId r:id="rId11"/>
   </p:notesMasterIdLst>
   <p:sldIdLst>
-    <p:sldId id="256" r:id="rId5"/>
-    <p:sldId id="257" r:id="rId6"/>
-    <p:sldId id="258" r:id="rId7"/>
-    <p:sldId id="259" r:id="rId8"/>
-    <p:sldId id="260" r:id="rId9"/>
-    <p:sldId id="261" r:id="rId10"/>
-    <p:sldId id="262" r:id="rId11"/>
-    <p:sldId id="263" r:id="rId12"/>
-    <p:sldId id="264" r:id="rId13"/>
+    <p:sldId id="256" r:id="rId2"/>
+    <p:sldId id="257" r:id="rId3"/>
+    <p:sldId id="258" r:id="rId4"/>
+    <p:sldId id="259" r:id="rId5"/>
+    <p:sldId id="260" r:id="rId6"/>
+    <p:sldId id="261" r:id="rId7"/>
+    <p:sldId id="262" r:id="rId8"/>
+    <p:sldId id="263" r:id="rId9"/>
+    <p:sldId id="264" r:id="rId10"/>
   </p:sldIdLst>
-  <p:sldSz cy="5143500" cx="9144000"/>
+  <p:sldSz cx="9144000" cy="5143500" type="screen16x9"/>
   <p:notesSz cx="6858000" cy="9144000"/>
   <p:defaultTextStyle>
-    <a:defPPr lvl="0" marR="0" rtl="0" algn="l">
+    <a:defPPr marR="0" lvl="0" algn="l" rtl="0">
       <a:lnSpc>
         <a:spcPct val="100000"/>
       </a:lnSpc>
@@ -32,7 +32,7 @@
         <a:spcPts val="0"/>
       </a:spcAft>
     </a:defPPr>
-    <a:lvl1pPr lvl="0" marR="0" rtl="0" algn="l">
+    <a:lvl1pPr marR="0" lvl="0" algn="l" rtl="0">
       <a:lnSpc>
         <a:spcPct val="100000"/>
       </a:lnSpc>
@@ -43,7 +43,7 @@
         <a:spcPts val="0"/>
       </a:spcAft>
       <a:buNone/>
-      <a:defRPr b="0" i="0" sz="1400" u="none" cap="none" strike="noStrike">
+      <a:defRPr sz="1400" b="0" i="0" u="none" strike="noStrike" cap="none">
         <a:solidFill>
           <a:srgbClr val="000000"/>
         </a:solidFill>
@@ -54,7 +54,7 @@
         <a:rtl val="0"/>
       </a:defRPr>
     </a:lvl1pPr>
-    <a:lvl2pPr lvl="1" marR="0" rtl="0" algn="l">
+    <a:lvl2pPr marR="0" lvl="1" algn="l" rtl="0">
       <a:lnSpc>
         <a:spcPct val="100000"/>
       </a:lnSpc>
@@ -65,7 +65,7 @@
         <a:spcPts val="0"/>
       </a:spcAft>
       <a:buNone/>
-      <a:defRPr b="0" i="0" sz="1400" u="none" cap="none" strike="noStrike">
+      <a:defRPr sz="1400" b="0" i="0" u="none" strike="noStrike" cap="none">
         <a:solidFill>
           <a:srgbClr val="000000"/>
         </a:solidFill>
@@ -76,7 +76,7 @@
         <a:rtl val="0"/>
       </a:defRPr>
     </a:lvl2pPr>
-    <a:lvl3pPr lvl="2" marR="0" rtl="0" algn="l">
+    <a:lvl3pPr marR="0" lvl="2" algn="l" rtl="0">
       <a:lnSpc>
         <a:spcPct val="100000"/>
       </a:lnSpc>
@@ -87,7 +87,7 @@
         <a:spcPts val="0"/>
       </a:spcAft>
       <a:buNone/>
-      <a:defRPr b="0" i="0" sz="1400" u="none" cap="none" strike="noStrike">
+      <a:defRPr sz="1400" b="0" i="0" u="none" strike="noStrike" cap="none">
         <a:solidFill>
           <a:srgbClr val="000000"/>
         </a:solidFill>
@@ -98,7 +98,7 @@
         <a:rtl val="0"/>
       </a:defRPr>
     </a:lvl3pPr>
-    <a:lvl4pPr lvl="3" marR="0" rtl="0" algn="l">
+    <a:lvl4pPr marR="0" lvl="3" algn="l" rtl="0">
       <a:lnSpc>
         <a:spcPct val="100000"/>
       </a:lnSpc>
@@ -109,7 +109,7 @@
         <a:spcPts val="0"/>
       </a:spcAft>
       <a:buNone/>
-      <a:defRPr b="0" i="0" sz="1400" u="none" cap="none" strike="noStrike">
+      <a:defRPr sz="1400" b="0" i="0" u="none" strike="noStrike" cap="none">
         <a:solidFill>
           <a:srgbClr val="000000"/>
         </a:solidFill>
@@ -120,7 +120,7 @@
         <a:rtl val="0"/>
       </a:defRPr>
     </a:lvl4pPr>
-    <a:lvl5pPr lvl="4" marR="0" rtl="0" algn="l">
+    <a:lvl5pPr marR="0" lvl="4" algn="l" rtl="0">
       <a:lnSpc>
         <a:spcPct val="100000"/>
       </a:lnSpc>
@@ -131,7 +131,7 @@
         <a:spcPts val="0"/>
       </a:spcAft>
       <a:buNone/>
-      <a:defRPr b="0" i="0" sz="1400" u="none" cap="none" strike="noStrike">
+      <a:defRPr sz="1400" b="0" i="0" u="none" strike="noStrike" cap="none">
         <a:solidFill>
           <a:srgbClr val="000000"/>
         </a:solidFill>
@@ -142,7 +142,7 @@
         <a:rtl val="0"/>
       </a:defRPr>
     </a:lvl5pPr>
-    <a:lvl6pPr lvl="5" marR="0" rtl="0" algn="l">
+    <a:lvl6pPr marR="0" lvl="5" algn="l" rtl="0">
       <a:lnSpc>
         <a:spcPct val="100000"/>
       </a:lnSpc>
@@ -153,7 +153,7 @@
         <a:spcPts val="0"/>
       </a:spcAft>
       <a:buNone/>
-      <a:defRPr b="0" i="0" sz="1400" u="none" cap="none" strike="noStrike">
+      <a:defRPr sz="1400" b="0" i="0" u="none" strike="noStrike" cap="none">
         <a:solidFill>
           <a:srgbClr val="000000"/>
         </a:solidFill>
@@ -164,7 +164,7 @@
         <a:rtl val="0"/>
       </a:defRPr>
     </a:lvl6pPr>
-    <a:lvl7pPr lvl="6" marR="0" rtl="0" algn="l">
+    <a:lvl7pPr marR="0" lvl="6" algn="l" rtl="0">
       <a:lnSpc>
         <a:spcPct val="100000"/>
       </a:lnSpc>
@@ -175,7 +175,7 @@
         <a:spcPts val="0"/>
       </a:spcAft>
       <a:buNone/>
-      <a:defRPr b="0" i="0" sz="1400" u="none" cap="none" strike="noStrike">
+      <a:defRPr sz="1400" b="0" i="0" u="none" strike="noStrike" cap="none">
         <a:solidFill>
           <a:srgbClr val="000000"/>
         </a:solidFill>
@@ -186,7 +186,7 @@
         <a:rtl val="0"/>
       </a:defRPr>
     </a:lvl7pPr>
-    <a:lvl8pPr lvl="7" marR="0" rtl="0" algn="l">
+    <a:lvl8pPr marR="0" lvl="7" algn="l" rtl="0">
       <a:lnSpc>
         <a:spcPct val="100000"/>
       </a:lnSpc>
@@ -197,7 +197,7 @@
         <a:spcPts val="0"/>
       </a:spcAft>
       <a:buNone/>
-      <a:defRPr b="0" i="0" sz="1400" u="none" cap="none" strike="noStrike">
+      <a:defRPr sz="1400" b="0" i="0" u="none" strike="noStrike" cap="none">
         <a:solidFill>
           <a:srgbClr val="000000"/>
         </a:solidFill>
@@ -208,7 +208,7 @@
         <a:rtl val="0"/>
       </a:defRPr>
     </a:lvl8pPr>
-    <a:lvl9pPr lvl="8" marR="0" rtl="0" algn="l">
+    <a:lvl9pPr marR="0" lvl="8" algn="l" rtl="0">
       <a:lnSpc>
         <a:spcPct val="100000"/>
       </a:lnSpc>
@@ -219,7 +219,7 @@
         <a:spcPts val="0"/>
       </a:spcAft>
       <a:buNone/>
-      <a:defRPr b="0" i="0" sz="1400" u="none" cap="none" strike="noStrike">
+      <a:defRPr sz="1400" b="0" i="0" u="none" strike="noStrike" cap="none">
         <a:solidFill>
           <a:srgbClr val="000000"/>
         </a:solidFill>
@@ -235,11 +235,16 @@
 </file>
 
 <file path=ppt/notesMasters/notesMaster1.xml><?xml version="1.0" encoding="utf-8"?>
-<p:notesMaster xmlns:a="http://schemas.openxmlformats.org/drawingml/2006/main" xmlns:r="http://schemas.openxmlformats.org/officeDocument/2006/relationships" xmlns:mc="http://schemas.openxmlformats.org/markup-compatibility/2006" xmlns:mv="urn:schemas-microsoft-com:mac:vml" xmlns:p="http://schemas.openxmlformats.org/presentationml/2006/main" xmlns:c="http://schemas.openxmlformats.org/drawingml/2006/chart" xmlns:dgm="http://schemas.openxmlformats.org/drawingml/2006/diagram" xmlns:o="urn:schemas-microsoft-com:office:office" xmlns:v="urn:schemas-microsoft-com:vml" xmlns:pvml="urn:schemas-microsoft-com:office:powerpoint" xmlns:com="http://schemas.openxmlformats.org/drawingml/2006/compatibility" xmlns:p14="http://schemas.microsoft.com/office/powerpoint/2010/main">
+<p:notesMaster xmlns:a="http://schemas.openxmlformats.org/drawingml/2006/main" xmlns:r="http://schemas.openxmlformats.org/officeDocument/2006/relationships" xmlns:p="http://schemas.openxmlformats.org/presentationml/2006/main">
   <p:cSld>
+    <p:bg>
+      <p:bgRef idx="1001">
+        <a:schemeClr val="bg1"/>
+      </p:bgRef>
+    </p:bg>
     <p:spTree>
       <p:nvGrpSpPr>
-        <p:cNvPr id="2" name="Shape 2"/>
+        <p:cNvPr id="1" name="Shape 2"/>
         <p:cNvGrpSpPr/>
         <p:nvPr/>
       </p:nvGrpSpPr>
@@ -254,9 +259,11 @@
       <p:sp>
         <p:nvSpPr>
           <p:cNvPr id="3" name="Shape 3"/>
-          <p:cNvSpPr/>
+          <p:cNvSpPr>
+            <a:spLocks noGrp="1" noRot="1" noChangeAspect="1"/>
+          </p:cNvSpPr>
           <p:nvPr>
-            <p:ph idx="2" type="sldImg"/>
+            <p:ph type="sldImg" idx="2"/>
           </p:nvPr>
         </p:nvSpPr>
         <p:spPr>
@@ -265,8 +272,13 @@
             <a:ext cx="6096075" cy="3429000"/>
           </a:xfrm>
           <a:custGeom>
+            <a:avLst/>
+            <a:gdLst/>
+            <a:ahLst/>
+            <a:cxnLst/>
+            <a:rect l="0" t="0" r="0" b="0"/>
             <a:pathLst>
-              <a:path extrusionOk="0" h="120000" w="120000">
+              <a:path w="120000" h="120000" extrusionOk="0">
                 <a:moveTo>
                   <a:pt x="0" y="0"/>
                 </a:moveTo>
@@ -284,23 +296,25 @@
             </a:pathLst>
           </a:custGeom>
           <a:noFill/>
-          <a:ln cap="flat" cmpd="sng" w="9525">
+          <a:ln w="9525" cap="flat" cmpd="sng">
             <a:solidFill>
               <a:srgbClr val="000000"/>
             </a:solidFill>
             <a:prstDash val="solid"/>
             <a:round/>
-            <a:headEnd len="med" w="med" type="none"/>
-            <a:tailEnd len="med" w="med" type="none"/>
+            <a:headEnd type="none" w="med" len="med"/>
+            <a:tailEnd type="none" w="med" len="med"/>
           </a:ln>
         </p:spPr>
       </p:sp>
       <p:sp>
         <p:nvSpPr>
           <p:cNvPr id="4" name="Shape 4"/>
-          <p:cNvSpPr txBox="1"/>
+          <p:cNvSpPr txBox="1">
+            <a:spLocks noGrp="1"/>
+          </p:cNvSpPr>
           <p:nvPr>
-            <p:ph idx="1" type="body"/>
+            <p:ph type="body" idx="1"/>
           </p:nvPr>
         </p:nvSpPr>
         <p:spPr>
@@ -317,7 +331,7 @@
           </a:ln>
         </p:spPr>
         <p:txBody>
-          <a:bodyPr anchorCtr="0" anchor="t" bIns="91425" lIns="91425" rIns="91425" tIns="91425"/>
+          <a:bodyPr lIns="91425" tIns="91425" rIns="91425" bIns="91425" anchor="t" anchorCtr="0"/>
           <a:lstStyle>
             <a:lvl1pPr lvl="0">
               <a:spcBef>
@@ -374,21 +388,120 @@
               <a:defRPr sz="1100"/>
             </a:lvl9pPr>
           </a:lstStyle>
-          <a:p/>
+          <a:p>
+            <a:endParaRPr/>
+          </a:p>
         </p:txBody>
       </p:sp>
     </p:spTree>
+    <p:extLst>
+      <p:ext uri="{BB962C8B-B14F-4D97-AF65-F5344CB8AC3E}">
+        <p14:creationId xmlns:p14="http://schemas.microsoft.com/office/powerpoint/2010/main" val="4137298826"/>
+      </p:ext>
+    </p:extLst>
   </p:cSld>
-  <p:clrMap accent1="accent1" accent2="accent2" accent3="accent3" accent4="accent4" accent5="accent5" accent6="accent6" bg1="lt1" bg2="dk2" tx1="dk1" tx2="lt2" folHlink="folHlink" hlink="hlink"/>
+  <p:clrMap bg1="lt1" tx1="dk1" bg2="dk2" tx2="lt2" accent1="accent1" accent2="accent2" accent3="accent3" accent4="accent4" accent5="accent5" accent6="accent6" hlink="hlink" folHlink="folHlink"/>
+  <p:notesStyle>
+    <a:lvl1pPr marL="0" algn="l" defTabSz="914400" rtl="0" eaLnBrk="1" latinLnBrk="0" hangingPunct="1">
+      <a:defRPr sz="1200" kern="1200">
+        <a:solidFill>
+          <a:schemeClr val="tx1"/>
+        </a:solidFill>
+        <a:latin typeface="+mn-lt"/>
+        <a:ea typeface="+mn-ea"/>
+        <a:cs typeface="+mn-cs"/>
+      </a:defRPr>
+    </a:lvl1pPr>
+    <a:lvl2pPr marL="457200" algn="l" defTabSz="914400" rtl="0" eaLnBrk="1" latinLnBrk="0" hangingPunct="1">
+      <a:defRPr sz="1200" kern="1200">
+        <a:solidFill>
+          <a:schemeClr val="tx1"/>
+        </a:solidFill>
+        <a:latin typeface="+mn-lt"/>
+        <a:ea typeface="+mn-ea"/>
+        <a:cs typeface="+mn-cs"/>
+      </a:defRPr>
+    </a:lvl2pPr>
+    <a:lvl3pPr marL="914400" algn="l" defTabSz="914400" rtl="0" eaLnBrk="1" latinLnBrk="0" hangingPunct="1">
+      <a:defRPr sz="1200" kern="1200">
+        <a:solidFill>
+          <a:schemeClr val="tx1"/>
+        </a:solidFill>
+        <a:latin typeface="+mn-lt"/>
+        <a:ea typeface="+mn-ea"/>
+        <a:cs typeface="+mn-cs"/>
+      </a:defRPr>
+    </a:lvl3pPr>
+    <a:lvl4pPr marL="1371600" algn="l" defTabSz="914400" rtl="0" eaLnBrk="1" latinLnBrk="0" hangingPunct="1">
+      <a:defRPr sz="1200" kern="1200">
+        <a:solidFill>
+          <a:schemeClr val="tx1"/>
+        </a:solidFill>
+        <a:latin typeface="+mn-lt"/>
+        <a:ea typeface="+mn-ea"/>
+        <a:cs typeface="+mn-cs"/>
+      </a:defRPr>
+    </a:lvl4pPr>
+    <a:lvl5pPr marL="1828800" algn="l" defTabSz="914400" rtl="0" eaLnBrk="1" latinLnBrk="0" hangingPunct="1">
+      <a:defRPr sz="1200" kern="1200">
+        <a:solidFill>
+          <a:schemeClr val="tx1"/>
+        </a:solidFill>
+        <a:latin typeface="+mn-lt"/>
+        <a:ea typeface="+mn-ea"/>
+        <a:cs typeface="+mn-cs"/>
+      </a:defRPr>
+    </a:lvl5pPr>
+    <a:lvl6pPr marL="2286000" algn="l" defTabSz="914400" rtl="0" eaLnBrk="1" latinLnBrk="0" hangingPunct="1">
+      <a:defRPr sz="1200" kern="1200">
+        <a:solidFill>
+          <a:schemeClr val="tx1"/>
+        </a:solidFill>
+        <a:latin typeface="+mn-lt"/>
+        <a:ea typeface="+mn-ea"/>
+        <a:cs typeface="+mn-cs"/>
+      </a:defRPr>
+    </a:lvl6pPr>
+    <a:lvl7pPr marL="2743200" algn="l" defTabSz="914400" rtl="0" eaLnBrk="1" latinLnBrk="0" hangingPunct="1">
+      <a:defRPr sz="1200" kern="1200">
+        <a:solidFill>
+          <a:schemeClr val="tx1"/>
+        </a:solidFill>
+        <a:latin typeface="+mn-lt"/>
+        <a:ea typeface="+mn-ea"/>
+        <a:cs typeface="+mn-cs"/>
+      </a:defRPr>
+    </a:lvl7pPr>
+    <a:lvl8pPr marL="3200400" algn="l" defTabSz="914400" rtl="0" eaLnBrk="1" latinLnBrk="0" hangingPunct="1">
+      <a:defRPr sz="1200" kern="1200">
+        <a:solidFill>
+          <a:schemeClr val="tx1"/>
+        </a:solidFill>
+        <a:latin typeface="+mn-lt"/>
+        <a:ea typeface="+mn-ea"/>
+        <a:cs typeface="+mn-cs"/>
+      </a:defRPr>
+    </a:lvl8pPr>
+    <a:lvl9pPr marL="3657600" algn="l" defTabSz="914400" rtl="0" eaLnBrk="1" latinLnBrk="0" hangingPunct="1">
+      <a:defRPr sz="1200" kern="1200">
+        <a:solidFill>
+          <a:schemeClr val="tx1"/>
+        </a:solidFill>
+        <a:latin typeface="+mn-lt"/>
+        <a:ea typeface="+mn-ea"/>
+        <a:cs typeface="+mn-cs"/>
+      </a:defRPr>
+    </a:lvl9pPr>
+  </p:notesStyle>
 </p:notesMaster>
 </file>
 
 <file path=ppt/notesSlides/notesSlide1.xml><?xml version="1.0" encoding="utf-8"?>
-<p:notes xmlns:a="http://schemas.openxmlformats.org/drawingml/2006/main" xmlns:r="http://schemas.openxmlformats.org/officeDocument/2006/relationships" xmlns:mc="http://schemas.openxmlformats.org/markup-compatibility/2006" xmlns:mv="urn:schemas-microsoft-com:mac:vml" xmlns:p="http://schemas.openxmlformats.org/presentationml/2006/main" xmlns:c="http://schemas.openxmlformats.org/drawingml/2006/chart" xmlns:dgm="http://schemas.openxmlformats.org/drawingml/2006/diagram" xmlns:o="urn:schemas-microsoft-com:office:office" xmlns:v="urn:schemas-microsoft-com:vml" xmlns:pvml="urn:schemas-microsoft-com:office:powerpoint" xmlns:com="http://schemas.openxmlformats.org/drawingml/2006/compatibility" xmlns:p14="http://schemas.microsoft.com/office/powerpoint/2010/main" showMasterPhAnim="0" showMasterSp="0">
+<p:notes xmlns:a="http://schemas.openxmlformats.org/drawingml/2006/main" xmlns:r="http://schemas.openxmlformats.org/officeDocument/2006/relationships" xmlns:p="http://schemas.openxmlformats.org/presentationml/2006/main" showMasterSp="0" showMasterPhAnim="0">
   <p:cSld>
     <p:spTree>
       <p:nvGrpSpPr>
-        <p:cNvPr id="41" name="Shape 41"/>
+        <p:cNvPr id="1" name="Shape 41"/>
         <p:cNvGrpSpPr/>
         <p:nvPr/>
       </p:nvGrpSpPr>
@@ -403,9 +516,11 @@
       <p:sp>
         <p:nvSpPr>
           <p:cNvPr id="42" name="Shape 42"/>
-          <p:cNvSpPr/>
+          <p:cNvSpPr>
+            <a:spLocks noGrp="1" noRot="1" noChangeAspect="1"/>
+          </p:cNvSpPr>
           <p:nvPr>
-            <p:ph idx="2" type="sldImg"/>
+            <p:ph type="sldImg" idx="2"/>
           </p:nvPr>
         </p:nvSpPr>
         <p:spPr>
@@ -414,8 +529,13 @@
             <a:ext cx="6096075" cy="3429000"/>
           </a:xfrm>
           <a:custGeom>
+            <a:avLst/>
+            <a:gdLst/>
+            <a:ahLst/>
+            <a:cxnLst/>
+            <a:rect l="0" t="0" r="0" b="0"/>
             <a:pathLst>
-              <a:path extrusionOk="0" h="120000" w="120000">
+              <a:path w="120000" h="120000" extrusionOk="0">
                 <a:moveTo>
                   <a:pt x="0" y="0"/>
                 </a:moveTo>
@@ -433,23 +553,25 @@
             </a:pathLst>
           </a:custGeom>
           <a:noFill/>
-          <a:ln cap="flat" cmpd="sng" w="9525">
+          <a:ln w="9525" cap="flat" cmpd="sng">
             <a:solidFill>
               <a:srgbClr val="000000"/>
             </a:solidFill>
             <a:prstDash val="solid"/>
             <a:round/>
-            <a:headEnd len="med" w="med" type="none"/>
-            <a:tailEnd len="med" w="med" type="none"/>
+            <a:headEnd type="none" w="med" len="med"/>
+            <a:tailEnd type="none" w="med" len="med"/>
           </a:ln>
         </p:spPr>
       </p:sp>
       <p:sp>
         <p:nvSpPr>
           <p:cNvPr id="43" name="Shape 43"/>
-          <p:cNvSpPr txBox="1"/>
+          <p:cNvSpPr txBox="1">
+            <a:spLocks noGrp="1"/>
+          </p:cNvSpPr>
           <p:nvPr>
-            <p:ph idx="1" type="body"/>
+            <p:ph type="body" idx="1"/>
           </p:nvPr>
         </p:nvSpPr>
         <p:spPr>
@@ -462,7 +584,7 @@
           </a:prstGeom>
         </p:spPr>
         <p:txBody>
-          <a:bodyPr anchorCtr="0" anchor="t" bIns="91425" lIns="91425" rIns="91425" tIns="91425">
+          <a:bodyPr lIns="91425" tIns="91425" rIns="91425" bIns="91425" anchor="t" anchorCtr="0">
             <a:noAutofit/>
           </a:bodyPr>
           <a:lstStyle/>
@@ -473,9 +595,6 @@
               </a:spcBef>
               <a:buNone/>
             </a:pPr>
-            <a:r>
-              <a:t/>
-            </a:r>
             <a:endParaRPr/>
           </a:p>
         </p:txBody>
@@ -489,11 +608,11 @@
 </file>
 
 <file path=ppt/notesSlides/notesSlide2.xml><?xml version="1.0" encoding="utf-8"?>
-<p:notes xmlns:a="http://schemas.openxmlformats.org/drawingml/2006/main" xmlns:r="http://schemas.openxmlformats.org/officeDocument/2006/relationships" xmlns:mc="http://schemas.openxmlformats.org/markup-compatibility/2006" xmlns:mv="urn:schemas-microsoft-com:mac:vml" xmlns:p="http://schemas.openxmlformats.org/presentationml/2006/main" xmlns:c="http://schemas.openxmlformats.org/drawingml/2006/chart" xmlns:dgm="http://schemas.openxmlformats.org/drawingml/2006/diagram" xmlns:o="urn:schemas-microsoft-com:office:office" xmlns:v="urn:schemas-microsoft-com:vml" xmlns:pvml="urn:schemas-microsoft-com:office:powerpoint" xmlns:com="http://schemas.openxmlformats.org/drawingml/2006/compatibility" xmlns:p14="http://schemas.microsoft.com/office/powerpoint/2010/main" showMasterPhAnim="0" showMasterSp="0">
+<p:notes xmlns:a="http://schemas.openxmlformats.org/drawingml/2006/main" xmlns:r="http://schemas.openxmlformats.org/officeDocument/2006/relationships" xmlns:p="http://schemas.openxmlformats.org/presentationml/2006/main" showMasterSp="0" showMasterPhAnim="0">
   <p:cSld>
     <p:spTree>
       <p:nvGrpSpPr>
-        <p:cNvPr id="47" name="Shape 47"/>
+        <p:cNvPr id="1" name="Shape 47"/>
         <p:cNvGrpSpPr/>
         <p:nvPr/>
       </p:nvGrpSpPr>
@@ -508,9 +627,11 @@
       <p:sp>
         <p:nvSpPr>
           <p:cNvPr id="48" name="Shape 48"/>
-          <p:cNvSpPr/>
+          <p:cNvSpPr>
+            <a:spLocks noGrp="1" noRot="1" noChangeAspect="1"/>
+          </p:cNvSpPr>
           <p:nvPr>
-            <p:ph idx="2" type="sldImg"/>
+            <p:ph type="sldImg" idx="2"/>
           </p:nvPr>
         </p:nvSpPr>
         <p:spPr>
@@ -519,8 +640,13 @@
             <a:ext cx="6096000" cy="3429000"/>
           </a:xfrm>
           <a:custGeom>
+            <a:avLst/>
+            <a:gdLst/>
+            <a:ahLst/>
+            <a:cxnLst/>
+            <a:rect l="0" t="0" r="0" b="0"/>
             <a:pathLst>
-              <a:path extrusionOk="0" h="120000" w="120000">
+              <a:path w="120000" h="120000" extrusionOk="0">
                 <a:moveTo>
                   <a:pt x="0" y="0"/>
                 </a:moveTo>
@@ -538,23 +664,25 @@
             </a:pathLst>
           </a:custGeom>
           <a:noFill/>
-          <a:ln cap="flat" cmpd="sng" w="9525">
+          <a:ln w="9525" cap="flat" cmpd="sng">
             <a:solidFill>
               <a:srgbClr val="000000"/>
             </a:solidFill>
             <a:prstDash val="solid"/>
             <a:round/>
-            <a:headEnd len="med" w="med" type="none"/>
-            <a:tailEnd len="med" w="med" type="none"/>
+            <a:headEnd type="none" w="med" len="med"/>
+            <a:tailEnd type="none" w="med" len="med"/>
           </a:ln>
         </p:spPr>
       </p:sp>
       <p:sp>
         <p:nvSpPr>
           <p:cNvPr id="49" name="Shape 49"/>
-          <p:cNvSpPr txBox="1"/>
+          <p:cNvSpPr txBox="1">
+            <a:spLocks noGrp="1"/>
+          </p:cNvSpPr>
           <p:nvPr>
-            <p:ph idx="1" type="body"/>
+            <p:ph type="body" idx="1"/>
           </p:nvPr>
         </p:nvSpPr>
         <p:spPr>
@@ -567,7 +695,7 @@
           </a:prstGeom>
         </p:spPr>
         <p:txBody>
-          <a:bodyPr anchorCtr="0" anchor="t" bIns="91425" lIns="91425" rIns="91425" tIns="91425">
+          <a:bodyPr lIns="91425" tIns="91425" rIns="91425" bIns="91425" anchor="t" anchorCtr="0">
             <a:noAutofit/>
           </a:bodyPr>
           <a:lstStyle/>
@@ -578,9 +706,6 @@
               </a:spcBef>
               <a:buNone/>
             </a:pPr>
-            <a:r>
-              <a:t/>
-            </a:r>
             <a:endParaRPr/>
           </a:p>
         </p:txBody>
@@ -594,11 +719,11 @@
 </file>
 
 <file path=ppt/notesSlides/notesSlide3.xml><?xml version="1.0" encoding="utf-8"?>
-<p:notes xmlns:a="http://schemas.openxmlformats.org/drawingml/2006/main" xmlns:r="http://schemas.openxmlformats.org/officeDocument/2006/relationships" xmlns:mc="http://schemas.openxmlformats.org/markup-compatibility/2006" xmlns:mv="urn:schemas-microsoft-com:mac:vml" xmlns:p="http://schemas.openxmlformats.org/presentationml/2006/main" xmlns:c="http://schemas.openxmlformats.org/drawingml/2006/chart" xmlns:dgm="http://schemas.openxmlformats.org/drawingml/2006/diagram" xmlns:o="urn:schemas-microsoft-com:office:office" xmlns:v="urn:schemas-microsoft-com:vml" xmlns:pvml="urn:schemas-microsoft-com:office:powerpoint" xmlns:com="http://schemas.openxmlformats.org/drawingml/2006/compatibility" xmlns:p14="http://schemas.microsoft.com/office/powerpoint/2010/main" showMasterPhAnim="0" showMasterSp="0">
+<p:notes xmlns:a="http://schemas.openxmlformats.org/drawingml/2006/main" xmlns:r="http://schemas.openxmlformats.org/officeDocument/2006/relationships" xmlns:p="http://schemas.openxmlformats.org/presentationml/2006/main" showMasterSp="0" showMasterPhAnim="0">
   <p:cSld>
     <p:spTree>
       <p:nvGrpSpPr>
-        <p:cNvPr id="55" name="Shape 55"/>
+        <p:cNvPr id="1" name="Shape 55"/>
         <p:cNvGrpSpPr/>
         <p:nvPr/>
       </p:nvGrpSpPr>
@@ -613,9 +738,11 @@
       <p:sp>
         <p:nvSpPr>
           <p:cNvPr id="56" name="Shape 56"/>
-          <p:cNvSpPr/>
+          <p:cNvSpPr>
+            <a:spLocks noGrp="1" noRot="1" noChangeAspect="1"/>
+          </p:cNvSpPr>
           <p:nvPr>
-            <p:ph idx="2" type="sldImg"/>
+            <p:ph type="sldImg" idx="2"/>
           </p:nvPr>
         </p:nvSpPr>
         <p:spPr>
@@ -624,8 +751,13 @@
             <a:ext cx="6096000" cy="3429000"/>
           </a:xfrm>
           <a:custGeom>
+            <a:avLst/>
+            <a:gdLst/>
+            <a:ahLst/>
+            <a:cxnLst/>
+            <a:rect l="0" t="0" r="0" b="0"/>
             <a:pathLst>
-              <a:path extrusionOk="0" h="120000" w="120000">
+              <a:path w="120000" h="120000" extrusionOk="0">
                 <a:moveTo>
                   <a:pt x="0" y="0"/>
                 </a:moveTo>
@@ -643,23 +775,25 @@
             </a:pathLst>
           </a:custGeom>
           <a:noFill/>
-          <a:ln cap="flat" cmpd="sng" w="9525">
+          <a:ln w="9525" cap="flat" cmpd="sng">
             <a:solidFill>
               <a:srgbClr val="000000"/>
             </a:solidFill>
             <a:prstDash val="solid"/>
             <a:round/>
-            <a:headEnd len="med" w="med" type="none"/>
-            <a:tailEnd len="med" w="med" type="none"/>
+            <a:headEnd type="none" w="med" len="med"/>
+            <a:tailEnd type="none" w="med" len="med"/>
           </a:ln>
         </p:spPr>
       </p:sp>
       <p:sp>
         <p:nvSpPr>
           <p:cNvPr id="57" name="Shape 57"/>
-          <p:cNvSpPr txBox="1"/>
+          <p:cNvSpPr txBox="1">
+            <a:spLocks noGrp="1"/>
+          </p:cNvSpPr>
           <p:nvPr>
-            <p:ph idx="1" type="body"/>
+            <p:ph type="body" idx="1"/>
           </p:nvPr>
         </p:nvSpPr>
         <p:spPr>
@@ -672,7 +806,7 @@
           </a:prstGeom>
         </p:spPr>
         <p:txBody>
-          <a:bodyPr anchorCtr="0" anchor="t" bIns="91425" lIns="91425" rIns="91425" tIns="91425">
+          <a:bodyPr lIns="91425" tIns="91425" rIns="91425" bIns="91425" anchor="t" anchorCtr="0">
             <a:noAutofit/>
           </a:bodyPr>
           <a:lstStyle/>
@@ -683,9 +817,6 @@
               </a:spcBef>
               <a:buNone/>
             </a:pPr>
-            <a:r>
-              <a:t/>
-            </a:r>
             <a:endParaRPr/>
           </a:p>
         </p:txBody>
@@ -699,11 +830,11 @@
 </file>
 
 <file path=ppt/notesSlides/notesSlide4.xml><?xml version="1.0" encoding="utf-8"?>
-<p:notes xmlns:a="http://schemas.openxmlformats.org/drawingml/2006/main" xmlns:r="http://schemas.openxmlformats.org/officeDocument/2006/relationships" xmlns:mc="http://schemas.openxmlformats.org/markup-compatibility/2006" xmlns:mv="urn:schemas-microsoft-com:mac:vml" xmlns:p="http://schemas.openxmlformats.org/presentationml/2006/main" xmlns:c="http://schemas.openxmlformats.org/drawingml/2006/chart" xmlns:dgm="http://schemas.openxmlformats.org/drawingml/2006/diagram" xmlns:o="urn:schemas-microsoft-com:office:office" xmlns:v="urn:schemas-microsoft-com:vml" xmlns:pvml="urn:schemas-microsoft-com:office:powerpoint" xmlns:com="http://schemas.openxmlformats.org/drawingml/2006/compatibility" xmlns:p14="http://schemas.microsoft.com/office/powerpoint/2010/main" showMasterPhAnim="0" showMasterSp="0">
+<p:notes xmlns:a="http://schemas.openxmlformats.org/drawingml/2006/main" xmlns:r="http://schemas.openxmlformats.org/officeDocument/2006/relationships" xmlns:p="http://schemas.openxmlformats.org/presentationml/2006/main" showMasterSp="0" showMasterPhAnim="0">
   <p:cSld>
     <p:spTree>
       <p:nvGrpSpPr>
-        <p:cNvPr id="63" name="Shape 63"/>
+        <p:cNvPr id="1" name="Shape 63"/>
         <p:cNvGrpSpPr/>
         <p:nvPr/>
       </p:nvGrpSpPr>
@@ -718,9 +849,11 @@
       <p:sp>
         <p:nvSpPr>
           <p:cNvPr id="64" name="Shape 64"/>
-          <p:cNvSpPr/>
+          <p:cNvSpPr>
+            <a:spLocks noGrp="1" noRot="1" noChangeAspect="1"/>
+          </p:cNvSpPr>
           <p:nvPr>
-            <p:ph idx="2" type="sldImg"/>
+            <p:ph type="sldImg" idx="2"/>
           </p:nvPr>
         </p:nvSpPr>
         <p:spPr>
@@ -729,8 +862,13 @@
             <a:ext cx="6096000" cy="3429000"/>
           </a:xfrm>
           <a:custGeom>
+            <a:avLst/>
+            <a:gdLst/>
+            <a:ahLst/>
+            <a:cxnLst/>
+            <a:rect l="0" t="0" r="0" b="0"/>
             <a:pathLst>
-              <a:path extrusionOk="0" h="120000" w="120000">
+              <a:path w="120000" h="120000" extrusionOk="0">
                 <a:moveTo>
                   <a:pt x="0" y="0"/>
                 </a:moveTo>
@@ -748,23 +886,25 @@
             </a:pathLst>
           </a:custGeom>
           <a:noFill/>
-          <a:ln cap="flat" cmpd="sng" w="9525">
+          <a:ln w="9525" cap="flat" cmpd="sng">
             <a:solidFill>
               <a:srgbClr val="000000"/>
             </a:solidFill>
             <a:prstDash val="solid"/>
             <a:round/>
-            <a:headEnd len="med" w="med" type="none"/>
-            <a:tailEnd len="med" w="med" type="none"/>
+            <a:headEnd type="none" w="med" len="med"/>
+            <a:tailEnd type="none" w="med" len="med"/>
           </a:ln>
         </p:spPr>
       </p:sp>
       <p:sp>
         <p:nvSpPr>
           <p:cNvPr id="65" name="Shape 65"/>
-          <p:cNvSpPr txBox="1"/>
+          <p:cNvSpPr txBox="1">
+            <a:spLocks noGrp="1"/>
+          </p:cNvSpPr>
           <p:nvPr>
-            <p:ph idx="1" type="body"/>
+            <p:ph type="body" idx="1"/>
           </p:nvPr>
         </p:nvSpPr>
         <p:spPr>
@@ -777,7 +917,7 @@
           </a:prstGeom>
         </p:spPr>
         <p:txBody>
-          <a:bodyPr anchorCtr="0" anchor="t" bIns="91425" lIns="91425" rIns="91425" tIns="91425">
+          <a:bodyPr lIns="91425" tIns="91425" rIns="91425" bIns="91425" anchor="t" anchorCtr="0">
             <a:noAutofit/>
           </a:bodyPr>
           <a:lstStyle/>
@@ -788,9 +928,6 @@
               </a:spcBef>
               <a:buNone/>
             </a:pPr>
-            <a:r>
-              <a:t/>
-            </a:r>
             <a:endParaRPr/>
           </a:p>
         </p:txBody>
@@ -804,11 +941,11 @@
 </file>
 
 <file path=ppt/notesSlides/notesSlide5.xml><?xml version="1.0" encoding="utf-8"?>
-<p:notes xmlns:a="http://schemas.openxmlformats.org/drawingml/2006/main" xmlns:r="http://schemas.openxmlformats.org/officeDocument/2006/relationships" xmlns:mc="http://schemas.openxmlformats.org/markup-compatibility/2006" xmlns:mv="urn:schemas-microsoft-com:mac:vml" xmlns:p="http://schemas.openxmlformats.org/presentationml/2006/main" xmlns:c="http://schemas.openxmlformats.org/drawingml/2006/chart" xmlns:dgm="http://schemas.openxmlformats.org/drawingml/2006/diagram" xmlns:o="urn:schemas-microsoft-com:office:office" xmlns:v="urn:schemas-microsoft-com:vml" xmlns:pvml="urn:schemas-microsoft-com:office:powerpoint" xmlns:com="http://schemas.openxmlformats.org/drawingml/2006/compatibility" xmlns:p14="http://schemas.microsoft.com/office/powerpoint/2010/main" showMasterPhAnim="0" showMasterSp="0">
+<p:notes xmlns:a="http://schemas.openxmlformats.org/drawingml/2006/main" xmlns:r="http://schemas.openxmlformats.org/officeDocument/2006/relationships" xmlns:p="http://schemas.openxmlformats.org/presentationml/2006/main" showMasterSp="0" showMasterPhAnim="0">
   <p:cSld>
     <p:spTree>
       <p:nvGrpSpPr>
-        <p:cNvPr id="69" name="Shape 69"/>
+        <p:cNvPr id="1" name="Shape 69"/>
         <p:cNvGrpSpPr/>
         <p:nvPr/>
       </p:nvGrpSpPr>
@@ -823,9 +960,11 @@
       <p:sp>
         <p:nvSpPr>
           <p:cNvPr id="70" name="Shape 70"/>
-          <p:cNvSpPr/>
+          <p:cNvSpPr>
+            <a:spLocks noGrp="1" noRot="1" noChangeAspect="1"/>
+          </p:cNvSpPr>
           <p:nvPr>
-            <p:ph idx="2" type="sldImg"/>
+            <p:ph type="sldImg" idx="2"/>
           </p:nvPr>
         </p:nvSpPr>
         <p:spPr>
@@ -834,8 +973,13 @@
             <a:ext cx="6096000" cy="3429000"/>
           </a:xfrm>
           <a:custGeom>
+            <a:avLst/>
+            <a:gdLst/>
+            <a:ahLst/>
+            <a:cxnLst/>
+            <a:rect l="0" t="0" r="0" b="0"/>
             <a:pathLst>
-              <a:path extrusionOk="0" h="120000" w="120000">
+              <a:path w="120000" h="120000" extrusionOk="0">
                 <a:moveTo>
                   <a:pt x="0" y="0"/>
                 </a:moveTo>
@@ -853,23 +997,25 @@
             </a:pathLst>
           </a:custGeom>
           <a:noFill/>
-          <a:ln cap="flat" cmpd="sng" w="9525">
+          <a:ln w="9525" cap="flat" cmpd="sng">
             <a:solidFill>
               <a:srgbClr val="000000"/>
             </a:solidFill>
             <a:prstDash val="solid"/>
             <a:round/>
-            <a:headEnd len="med" w="med" type="none"/>
-            <a:tailEnd len="med" w="med" type="none"/>
+            <a:headEnd type="none" w="med" len="med"/>
+            <a:tailEnd type="none" w="med" len="med"/>
           </a:ln>
         </p:spPr>
       </p:sp>
       <p:sp>
         <p:nvSpPr>
           <p:cNvPr id="71" name="Shape 71"/>
-          <p:cNvSpPr txBox="1"/>
+          <p:cNvSpPr txBox="1">
+            <a:spLocks noGrp="1"/>
+          </p:cNvSpPr>
           <p:nvPr>
-            <p:ph idx="1" type="body"/>
+            <p:ph type="body" idx="1"/>
           </p:nvPr>
         </p:nvSpPr>
         <p:spPr>
@@ -882,7 +1028,7 @@
           </a:prstGeom>
         </p:spPr>
         <p:txBody>
-          <a:bodyPr anchorCtr="0" anchor="t" bIns="91425" lIns="91425" rIns="91425" tIns="91425">
+          <a:bodyPr lIns="91425" tIns="91425" rIns="91425" bIns="91425" anchor="t" anchorCtr="0">
             <a:noAutofit/>
           </a:bodyPr>
           <a:lstStyle/>
@@ -893,9 +1039,6 @@
               </a:spcBef>
               <a:buNone/>
             </a:pPr>
-            <a:r>
-              <a:t/>
-            </a:r>
             <a:endParaRPr/>
           </a:p>
         </p:txBody>
@@ -909,11 +1052,11 @@
 </file>
 
 <file path=ppt/notesSlides/notesSlide6.xml><?xml version="1.0" encoding="utf-8"?>
-<p:notes xmlns:a="http://schemas.openxmlformats.org/drawingml/2006/main" xmlns:r="http://schemas.openxmlformats.org/officeDocument/2006/relationships" xmlns:mc="http://schemas.openxmlformats.org/markup-compatibility/2006" xmlns:mv="urn:schemas-microsoft-com:mac:vml" xmlns:p="http://schemas.openxmlformats.org/presentationml/2006/main" xmlns:c="http://schemas.openxmlformats.org/drawingml/2006/chart" xmlns:dgm="http://schemas.openxmlformats.org/drawingml/2006/diagram" xmlns:o="urn:schemas-microsoft-com:office:office" xmlns:v="urn:schemas-microsoft-com:vml" xmlns:pvml="urn:schemas-microsoft-com:office:powerpoint" xmlns:com="http://schemas.openxmlformats.org/drawingml/2006/compatibility" xmlns:p14="http://schemas.microsoft.com/office/powerpoint/2010/main" showMasterPhAnim="0" showMasterSp="0">
+<p:notes xmlns:a="http://schemas.openxmlformats.org/drawingml/2006/main" xmlns:r="http://schemas.openxmlformats.org/officeDocument/2006/relationships" xmlns:p="http://schemas.openxmlformats.org/presentationml/2006/main" showMasterSp="0" showMasterPhAnim="0">
   <p:cSld>
     <p:spTree>
       <p:nvGrpSpPr>
-        <p:cNvPr id="75" name="Shape 75"/>
+        <p:cNvPr id="1" name="Shape 75"/>
         <p:cNvGrpSpPr/>
         <p:nvPr/>
       </p:nvGrpSpPr>
@@ -928,9 +1071,11 @@
       <p:sp>
         <p:nvSpPr>
           <p:cNvPr id="76" name="Shape 76"/>
-          <p:cNvSpPr/>
+          <p:cNvSpPr>
+            <a:spLocks noGrp="1" noRot="1" noChangeAspect="1"/>
+          </p:cNvSpPr>
           <p:nvPr>
-            <p:ph idx="2" type="sldImg"/>
+            <p:ph type="sldImg" idx="2"/>
           </p:nvPr>
         </p:nvSpPr>
         <p:spPr>
@@ -939,8 +1084,13 @@
             <a:ext cx="6096000" cy="3429000"/>
           </a:xfrm>
           <a:custGeom>
+            <a:avLst/>
+            <a:gdLst/>
+            <a:ahLst/>
+            <a:cxnLst/>
+            <a:rect l="0" t="0" r="0" b="0"/>
             <a:pathLst>
-              <a:path extrusionOk="0" h="120000" w="120000">
+              <a:path w="120000" h="120000" extrusionOk="0">
                 <a:moveTo>
                   <a:pt x="0" y="0"/>
                 </a:moveTo>
@@ -958,23 +1108,25 @@
             </a:pathLst>
           </a:custGeom>
           <a:noFill/>
-          <a:ln cap="flat" cmpd="sng" w="9525">
+          <a:ln w="9525" cap="flat" cmpd="sng">
             <a:solidFill>
               <a:srgbClr val="000000"/>
             </a:solidFill>
             <a:prstDash val="solid"/>
             <a:round/>
-            <a:headEnd len="med" w="med" type="none"/>
-            <a:tailEnd len="med" w="med" type="none"/>
+            <a:headEnd type="none" w="med" len="med"/>
+            <a:tailEnd type="none" w="med" len="med"/>
           </a:ln>
         </p:spPr>
       </p:sp>
       <p:sp>
         <p:nvSpPr>
           <p:cNvPr id="77" name="Shape 77"/>
-          <p:cNvSpPr txBox="1"/>
+          <p:cNvSpPr txBox="1">
+            <a:spLocks noGrp="1"/>
+          </p:cNvSpPr>
           <p:nvPr>
-            <p:ph idx="1" type="body"/>
+            <p:ph type="body" idx="1"/>
           </p:nvPr>
         </p:nvSpPr>
         <p:spPr>
@@ -987,7 +1139,7 @@
           </a:prstGeom>
         </p:spPr>
         <p:txBody>
-          <a:bodyPr anchorCtr="0" anchor="t" bIns="91425" lIns="91425" rIns="91425" tIns="91425">
+          <a:bodyPr lIns="91425" tIns="91425" rIns="91425" bIns="91425" anchor="t" anchorCtr="0">
             <a:noAutofit/>
           </a:bodyPr>
           <a:lstStyle/>
@@ -998,9 +1150,6 @@
               </a:spcBef>
               <a:buNone/>
             </a:pPr>
-            <a:r>
-              <a:t/>
-            </a:r>
             <a:endParaRPr/>
           </a:p>
         </p:txBody>
@@ -1014,11 +1163,11 @@
 </file>
 
 <file path=ppt/notesSlides/notesSlide7.xml><?xml version="1.0" encoding="utf-8"?>
-<p:notes xmlns:a="http://schemas.openxmlformats.org/drawingml/2006/main" xmlns:r="http://schemas.openxmlformats.org/officeDocument/2006/relationships" xmlns:mc="http://schemas.openxmlformats.org/markup-compatibility/2006" xmlns:mv="urn:schemas-microsoft-com:mac:vml" xmlns:p="http://schemas.openxmlformats.org/presentationml/2006/main" xmlns:c="http://schemas.openxmlformats.org/drawingml/2006/chart" xmlns:dgm="http://schemas.openxmlformats.org/drawingml/2006/diagram" xmlns:o="urn:schemas-microsoft-com:office:office" xmlns:v="urn:schemas-microsoft-com:vml" xmlns:pvml="urn:schemas-microsoft-com:office:powerpoint" xmlns:com="http://schemas.openxmlformats.org/drawingml/2006/compatibility" xmlns:p14="http://schemas.microsoft.com/office/powerpoint/2010/main" showMasterPhAnim="0" showMasterSp="0">
+<p:notes xmlns:a="http://schemas.openxmlformats.org/drawingml/2006/main" xmlns:r="http://schemas.openxmlformats.org/officeDocument/2006/relationships" xmlns:p="http://schemas.openxmlformats.org/presentationml/2006/main" showMasterSp="0" showMasterPhAnim="0">
   <p:cSld>
     <p:spTree>
       <p:nvGrpSpPr>
-        <p:cNvPr id="82" name="Shape 82"/>
+        <p:cNvPr id="1" name="Shape 82"/>
         <p:cNvGrpSpPr/>
         <p:nvPr/>
       </p:nvGrpSpPr>
@@ -1033,9 +1182,11 @@
       <p:sp>
         <p:nvSpPr>
           <p:cNvPr id="83" name="Shape 83"/>
-          <p:cNvSpPr/>
+          <p:cNvSpPr>
+            <a:spLocks noGrp="1" noRot="1" noChangeAspect="1"/>
+          </p:cNvSpPr>
           <p:nvPr>
-            <p:ph idx="2" type="sldImg"/>
+            <p:ph type="sldImg" idx="2"/>
           </p:nvPr>
         </p:nvSpPr>
         <p:spPr>
@@ -1044,8 +1195,13 @@
             <a:ext cx="6096000" cy="3429000"/>
           </a:xfrm>
           <a:custGeom>
+            <a:avLst/>
+            <a:gdLst/>
+            <a:ahLst/>
+            <a:cxnLst/>
+            <a:rect l="0" t="0" r="0" b="0"/>
             <a:pathLst>
-              <a:path extrusionOk="0" h="120000" w="120000">
+              <a:path w="120000" h="120000" extrusionOk="0">
                 <a:moveTo>
                   <a:pt x="0" y="0"/>
                 </a:moveTo>
@@ -1063,23 +1219,25 @@
             </a:pathLst>
           </a:custGeom>
           <a:noFill/>
-          <a:ln cap="flat" cmpd="sng" w="9525">
+          <a:ln w="9525" cap="flat" cmpd="sng">
             <a:solidFill>
               <a:srgbClr val="000000"/>
             </a:solidFill>
             <a:prstDash val="solid"/>
             <a:round/>
-            <a:headEnd len="med" w="med" type="none"/>
-            <a:tailEnd len="med" w="med" type="none"/>
+            <a:headEnd type="none" w="med" len="med"/>
+            <a:tailEnd type="none" w="med" len="med"/>
           </a:ln>
         </p:spPr>
       </p:sp>
       <p:sp>
         <p:nvSpPr>
           <p:cNvPr id="84" name="Shape 84"/>
-          <p:cNvSpPr txBox="1"/>
+          <p:cNvSpPr txBox="1">
+            <a:spLocks noGrp="1"/>
+          </p:cNvSpPr>
           <p:nvPr>
-            <p:ph idx="1" type="body"/>
+            <p:ph type="body" idx="1"/>
           </p:nvPr>
         </p:nvSpPr>
         <p:spPr>
@@ -1092,7 +1250,7 @@
           </a:prstGeom>
         </p:spPr>
         <p:txBody>
-          <a:bodyPr anchorCtr="0" anchor="t" bIns="91425" lIns="91425" rIns="91425" tIns="91425">
+          <a:bodyPr lIns="91425" tIns="91425" rIns="91425" bIns="91425" anchor="t" anchorCtr="0">
             <a:noAutofit/>
           </a:bodyPr>
           <a:lstStyle/>
@@ -1103,9 +1261,6 @@
               </a:spcBef>
               <a:buNone/>
             </a:pPr>
-            <a:r>
-              <a:t/>
-            </a:r>
             <a:endParaRPr/>
           </a:p>
         </p:txBody>
@@ -1119,11 +1274,11 @@
 </file>
 
 <file path=ppt/notesSlides/notesSlide8.xml><?xml version="1.0" encoding="utf-8"?>
-<p:notes xmlns:a="http://schemas.openxmlformats.org/drawingml/2006/main" xmlns:r="http://schemas.openxmlformats.org/officeDocument/2006/relationships" xmlns:mc="http://schemas.openxmlformats.org/markup-compatibility/2006" xmlns:mv="urn:schemas-microsoft-com:mac:vml" xmlns:p="http://schemas.openxmlformats.org/presentationml/2006/main" xmlns:c="http://schemas.openxmlformats.org/drawingml/2006/chart" xmlns:dgm="http://schemas.openxmlformats.org/drawingml/2006/diagram" xmlns:o="urn:schemas-microsoft-com:office:office" xmlns:v="urn:schemas-microsoft-com:vml" xmlns:pvml="urn:schemas-microsoft-com:office:powerpoint" xmlns:com="http://schemas.openxmlformats.org/drawingml/2006/compatibility" xmlns:p14="http://schemas.microsoft.com/office/powerpoint/2010/main" showMasterPhAnim="0" showMasterSp="0">
+<p:notes xmlns:a="http://schemas.openxmlformats.org/drawingml/2006/main" xmlns:r="http://schemas.openxmlformats.org/officeDocument/2006/relationships" xmlns:p="http://schemas.openxmlformats.org/presentationml/2006/main" showMasterSp="0" showMasterPhAnim="0">
   <p:cSld>
     <p:spTree>
       <p:nvGrpSpPr>
-        <p:cNvPr id="88" name="Shape 88"/>
+        <p:cNvPr id="1" name="Shape 88"/>
         <p:cNvGrpSpPr/>
         <p:nvPr/>
       </p:nvGrpSpPr>
@@ -1138,9 +1293,11 @@
       <p:sp>
         <p:nvSpPr>
           <p:cNvPr id="89" name="Shape 89"/>
-          <p:cNvSpPr/>
+          <p:cNvSpPr>
+            <a:spLocks noGrp="1" noRot="1" noChangeAspect="1"/>
+          </p:cNvSpPr>
           <p:nvPr>
-            <p:ph idx="2" type="sldImg"/>
+            <p:ph type="sldImg" idx="2"/>
           </p:nvPr>
         </p:nvSpPr>
         <p:spPr>
@@ -1149,8 +1306,13 @@
             <a:ext cx="6096000" cy="3429000"/>
           </a:xfrm>
           <a:custGeom>
+            <a:avLst/>
+            <a:gdLst/>
+            <a:ahLst/>
+            <a:cxnLst/>
+            <a:rect l="0" t="0" r="0" b="0"/>
             <a:pathLst>
-              <a:path extrusionOk="0" h="120000" w="120000">
+              <a:path w="120000" h="120000" extrusionOk="0">
                 <a:moveTo>
                   <a:pt x="0" y="0"/>
                 </a:moveTo>
@@ -1168,23 +1330,25 @@
             </a:pathLst>
           </a:custGeom>
           <a:noFill/>
-          <a:ln cap="flat" cmpd="sng" w="9525">
+          <a:ln w="9525" cap="flat" cmpd="sng">
             <a:solidFill>
               <a:srgbClr val="000000"/>
             </a:solidFill>
             <a:prstDash val="solid"/>
             <a:round/>
-            <a:headEnd len="med" w="med" type="none"/>
-            <a:tailEnd len="med" w="med" type="none"/>
+            <a:headEnd type="none" w="med" len="med"/>
+            <a:tailEnd type="none" w="med" len="med"/>
           </a:ln>
         </p:spPr>
       </p:sp>
       <p:sp>
         <p:nvSpPr>
           <p:cNvPr id="90" name="Shape 90"/>
-          <p:cNvSpPr txBox="1"/>
+          <p:cNvSpPr txBox="1">
+            <a:spLocks noGrp="1"/>
+          </p:cNvSpPr>
           <p:nvPr>
-            <p:ph idx="1" type="body"/>
+            <p:ph type="body" idx="1"/>
           </p:nvPr>
         </p:nvSpPr>
         <p:spPr>
@@ -1197,7 +1361,7 @@
           </a:prstGeom>
         </p:spPr>
         <p:txBody>
-          <a:bodyPr anchorCtr="0" anchor="t" bIns="91425" lIns="91425" rIns="91425" tIns="91425">
+          <a:bodyPr lIns="91425" tIns="91425" rIns="91425" bIns="91425" anchor="t" anchorCtr="0">
             <a:noAutofit/>
           </a:bodyPr>
           <a:lstStyle/>
@@ -1208,9 +1372,6 @@
               </a:spcBef>
               <a:buNone/>
             </a:pPr>
-            <a:r>
-              <a:t/>
-            </a:r>
             <a:endParaRPr/>
           </a:p>
         </p:txBody>
@@ -1224,11 +1385,11 @@
 </file>
 
 <file path=ppt/notesSlides/notesSlide9.xml><?xml version="1.0" encoding="utf-8"?>
-<p:notes xmlns:a="http://schemas.openxmlformats.org/drawingml/2006/main" xmlns:r="http://schemas.openxmlformats.org/officeDocument/2006/relationships" xmlns:mc="http://schemas.openxmlformats.org/markup-compatibility/2006" xmlns:mv="urn:schemas-microsoft-com:mac:vml" xmlns:p="http://schemas.openxmlformats.org/presentationml/2006/main" xmlns:c="http://schemas.openxmlformats.org/drawingml/2006/chart" xmlns:dgm="http://schemas.openxmlformats.org/drawingml/2006/diagram" xmlns:o="urn:schemas-microsoft-com:office:office" xmlns:v="urn:schemas-microsoft-com:vml" xmlns:pvml="urn:schemas-microsoft-com:office:powerpoint" xmlns:com="http://schemas.openxmlformats.org/drawingml/2006/compatibility" xmlns:p14="http://schemas.microsoft.com/office/powerpoint/2010/main" showMasterPhAnim="0" showMasterSp="0">
+<p:notes xmlns:a="http://schemas.openxmlformats.org/drawingml/2006/main" xmlns:r="http://schemas.openxmlformats.org/officeDocument/2006/relationships" xmlns:p="http://schemas.openxmlformats.org/presentationml/2006/main" showMasterSp="0" showMasterPhAnim="0">
   <p:cSld>
     <p:spTree>
       <p:nvGrpSpPr>
-        <p:cNvPr id="94" name="Shape 94"/>
+        <p:cNvPr id="1" name="Shape 94"/>
         <p:cNvGrpSpPr/>
         <p:nvPr/>
       </p:nvGrpSpPr>
@@ -1243,19 +1404,26 @@
       <p:sp>
         <p:nvSpPr>
           <p:cNvPr id="95" name="Shape 95"/>
-          <p:cNvSpPr/>
+          <p:cNvSpPr>
+            <a:spLocks noGrp="1" noRot="1" noChangeAspect="1"/>
+          </p:cNvSpPr>
           <p:nvPr>
-            <p:ph idx="2" type="sldImg"/>
+            <p:ph type="sldImg" idx="2"/>
           </p:nvPr>
         </p:nvSpPr>
         <p:spPr>
           <a:xfrm>
-            <a:off x="381300" y="685800"/>
+            <a:off x="381000" y="685800"/>
             <a:ext cx="6096000" cy="3429000"/>
           </a:xfrm>
           <a:custGeom>
+            <a:avLst/>
+            <a:gdLst/>
+            <a:ahLst/>
+            <a:cxnLst/>
+            <a:rect l="0" t="0" r="0" b="0"/>
             <a:pathLst>
-              <a:path extrusionOk="0" h="120000" w="120000">
+              <a:path w="120000" h="120000" extrusionOk="0">
                 <a:moveTo>
                   <a:pt x="0" y="0"/>
                 </a:moveTo>
@@ -1273,23 +1441,25 @@
             </a:pathLst>
           </a:custGeom>
           <a:noFill/>
-          <a:ln cap="flat" cmpd="sng" w="9525">
+          <a:ln w="9525" cap="flat" cmpd="sng">
             <a:solidFill>
               <a:srgbClr val="000000"/>
             </a:solidFill>
             <a:prstDash val="solid"/>
             <a:round/>
-            <a:headEnd len="med" w="med" type="none"/>
-            <a:tailEnd len="med" w="med" type="none"/>
+            <a:headEnd type="none" w="med" len="med"/>
+            <a:tailEnd type="none" w="med" len="med"/>
           </a:ln>
         </p:spPr>
       </p:sp>
       <p:sp>
         <p:nvSpPr>
           <p:cNvPr id="96" name="Shape 96"/>
-          <p:cNvSpPr txBox="1"/>
+          <p:cNvSpPr txBox="1">
+            <a:spLocks noGrp="1"/>
+          </p:cNvSpPr>
           <p:nvPr>
-            <p:ph idx="1" type="body"/>
+            <p:ph type="body" idx="1"/>
           </p:nvPr>
         </p:nvSpPr>
         <p:spPr>
@@ -1302,7 +1472,7 @@
           </a:prstGeom>
         </p:spPr>
         <p:txBody>
-          <a:bodyPr anchorCtr="0" anchor="t" bIns="91425" lIns="91425" rIns="91425" tIns="91425">
+          <a:bodyPr lIns="91425" tIns="91425" rIns="91425" bIns="91425" anchor="t" anchorCtr="0">
             <a:noAutofit/>
           </a:bodyPr>
           <a:lstStyle/>
@@ -1313,9 +1483,6 @@
               </a:spcBef>
               <a:buNone/>
             </a:pPr>
-            <a:r>
-              <a:t/>
-            </a:r>
             <a:endParaRPr/>
           </a:p>
         </p:txBody>
@@ -1329,11 +1496,11 @@
 </file>
 
 <file path=ppt/slideLayouts/slideLayout1.xml><?xml version="1.0" encoding="utf-8"?>
-<p:sldLayout xmlns:a="http://schemas.openxmlformats.org/drawingml/2006/main" xmlns:r="http://schemas.openxmlformats.org/officeDocument/2006/relationships" xmlns:mc="http://schemas.openxmlformats.org/markup-compatibility/2006" xmlns:mv="urn:schemas-microsoft-com:mac:vml" xmlns:p="http://schemas.openxmlformats.org/presentationml/2006/main" xmlns:c="http://schemas.openxmlformats.org/drawingml/2006/chart" xmlns:dgm="http://schemas.openxmlformats.org/drawingml/2006/diagram" xmlns:o="urn:schemas-microsoft-com:office:office" xmlns:v="urn:schemas-microsoft-com:vml" xmlns:pvml="urn:schemas-microsoft-com:office:powerpoint" xmlns:com="http://schemas.openxmlformats.org/drawingml/2006/compatibility" xmlns:p14="http://schemas.microsoft.com/office/powerpoint/2010/main" type="title">
+<p:sldLayout xmlns:a="http://schemas.openxmlformats.org/drawingml/2006/main" xmlns:r="http://schemas.openxmlformats.org/officeDocument/2006/relationships" xmlns:p="http://schemas.openxmlformats.org/presentationml/2006/main" type="title">
   <p:cSld name="Title slide">
     <p:spTree>
       <p:nvGrpSpPr>
-        <p:cNvPr id="9" name="Shape 9"/>
+        <p:cNvPr id="1" name="Shape 9"/>
         <p:cNvGrpSpPr/>
         <p:nvPr/>
       </p:nvGrpSpPr>
@@ -1358,7 +1525,7 @@
           </a:xfrm>
           <a:prstGeom prst="roundRect">
             <a:avLst>
-              <a:gd fmla="val 3653" name="adj"/>
+              <a:gd name="adj" fmla="val 3653"/>
             </a:avLst>
           </a:prstGeom>
           <a:solidFill>
@@ -1369,7 +1536,7 @@
           </a:ln>
         </p:spPr>
         <p:txBody>
-          <a:bodyPr anchorCtr="0" anchor="ctr" bIns="45700" lIns="91425" rIns="91425" tIns="45700">
+          <a:bodyPr lIns="91425" tIns="45700" rIns="91425" bIns="45700" anchor="ctr" anchorCtr="0">
             <a:noAutofit/>
           </a:bodyPr>
           <a:lstStyle/>
@@ -1380,9 +1547,6 @@
               </a:spcBef>
               <a:buNone/>
             </a:pPr>
-            <a:r>
-              <a:t/>
-            </a:r>
             <a:endParaRPr/>
           </a:p>
         </p:txBody>
@@ -1400,7 +1564,7 @@
           </a:xfrm>
           <a:prstGeom prst="roundRect">
             <a:avLst>
-              <a:gd fmla="val 15243" name="adj"/>
+              <a:gd name="adj" fmla="val 15243"/>
             </a:avLst>
           </a:prstGeom>
           <a:solidFill>
@@ -1411,7 +1575,7 @@
           </a:ln>
         </p:spPr>
         <p:txBody>
-          <a:bodyPr anchorCtr="0" anchor="ctr" bIns="45700" lIns="91425" rIns="91425" tIns="45700">
+          <a:bodyPr lIns="91425" tIns="45700" rIns="91425" bIns="45700" anchor="ctr" anchorCtr="0">
             <a:noAutofit/>
           </a:bodyPr>
           <a:lstStyle/>
@@ -1422,9 +1586,6 @@
               </a:spcBef>
               <a:buNone/>
             </a:pPr>
-            <a:r>
-              <a:t/>
-            </a:r>
             <a:endParaRPr/>
           </a:p>
         </p:txBody>
@@ -1432,7 +1593,9 @@
       <p:sp>
         <p:nvSpPr>
           <p:cNvPr id="12" name="Shape 12"/>
-          <p:cNvSpPr txBox="1"/>
+          <p:cNvSpPr txBox="1">
+            <a:spLocks noGrp="1"/>
+          </p:cNvSpPr>
           <p:nvPr>
             <p:ph type="ctrTitle"/>
           </p:nvPr>
@@ -1447,7 +1610,7 @@
           </a:prstGeom>
         </p:spPr>
         <p:txBody>
-          <a:bodyPr anchorCtr="0" anchor="b" bIns="91425" lIns="91425" rIns="91425" tIns="91425"/>
+          <a:bodyPr lIns="91425" tIns="91425" rIns="91425" bIns="91425" anchor="b" anchorCtr="0"/>
           <a:lstStyle>
             <a:lvl1pPr lvl="0">
               <a:spcBef>
@@ -1513,15 +1676,19 @@
               <a:defRPr sz="7200"/>
             </a:lvl9pPr>
           </a:lstStyle>
-          <a:p/>
+          <a:p>
+            <a:endParaRPr/>
+          </a:p>
         </p:txBody>
       </p:sp>
       <p:sp>
         <p:nvSpPr>
           <p:cNvPr id="13" name="Shape 13"/>
-          <p:cNvSpPr txBox="1"/>
+          <p:cNvSpPr txBox="1">
+            <a:spLocks noGrp="1"/>
+          </p:cNvSpPr>
           <p:nvPr>
-            <p:ph idx="1" type="subTitle"/>
+            <p:ph type="subTitle" idx="1"/>
           </p:nvPr>
         </p:nvSpPr>
         <p:spPr>
@@ -1534,7 +1701,7 @@
           </a:prstGeom>
         </p:spPr>
         <p:txBody>
-          <a:bodyPr anchorCtr="0" anchor="ctr" bIns="91425" lIns="91425" rIns="91425" tIns="91425"/>
+          <a:bodyPr lIns="91425" tIns="91425" rIns="91425" bIns="91425" anchor="ctr" anchorCtr="0"/>
           <a:lstStyle>
             <a:lvl1pPr lvl="0">
               <a:spcBef>
@@ -1608,15 +1775,19 @@
               <a:defRPr sz="3000"/>
             </a:lvl9pPr>
           </a:lstStyle>
-          <a:p/>
+          <a:p>
+            <a:endParaRPr/>
+          </a:p>
         </p:txBody>
       </p:sp>
       <p:sp>
         <p:nvSpPr>
           <p:cNvPr id="14" name="Shape 14"/>
-          <p:cNvSpPr txBox="1"/>
+          <p:cNvSpPr txBox="1">
+            <a:spLocks noGrp="1"/>
+          </p:cNvSpPr>
           <p:nvPr>
-            <p:ph idx="12" type="sldNum"/>
+            <p:ph type="sldNum" idx="12"/>
           </p:nvPr>
         </p:nvSpPr>
         <p:spPr>
@@ -1629,7 +1800,7 @@
           </a:prstGeom>
         </p:spPr>
         <p:txBody>
-          <a:bodyPr anchorCtr="0" anchor="ctr" bIns="91425" lIns="91425" rIns="91425" tIns="91425">
+          <a:bodyPr lIns="91425" tIns="91425" rIns="91425" bIns="91425" anchor="ctr" anchorCtr="0">
             <a:noAutofit/>
           </a:bodyPr>
           <a:lstStyle/>
@@ -1642,8 +1813,9 @@
             </a:pPr>
             <a:fld id="{00000000-1234-1234-1234-123412341234}" type="slidenum">
               <a:rPr lang="es"/>
-              <a:t>‹#›</a:t>
+              <a:t>‹Nº›</a:t>
             </a:fld>
+            <a:endParaRPr lang="es"/>
           </a:p>
         </p:txBody>
       </p:sp>
@@ -1656,11 +1828,11 @@
 </file>
 
 <file path=ppt/slideLayouts/slideLayout2.xml><?xml version="1.0" encoding="utf-8"?>
-<p:sldLayout xmlns:a="http://schemas.openxmlformats.org/drawingml/2006/main" xmlns:r="http://schemas.openxmlformats.org/officeDocument/2006/relationships" xmlns:mc="http://schemas.openxmlformats.org/markup-compatibility/2006" xmlns:mv="urn:schemas-microsoft-com:mac:vml" xmlns:p="http://schemas.openxmlformats.org/presentationml/2006/main" xmlns:c="http://schemas.openxmlformats.org/drawingml/2006/chart" xmlns:dgm="http://schemas.openxmlformats.org/drawingml/2006/diagram" xmlns:o="urn:schemas-microsoft-com:office:office" xmlns:v="urn:schemas-microsoft-com:vml" xmlns:pvml="urn:schemas-microsoft-com:office:powerpoint" xmlns:com="http://schemas.openxmlformats.org/drawingml/2006/compatibility" xmlns:p14="http://schemas.microsoft.com/office/powerpoint/2010/main" type="tx">
+<p:sldLayout xmlns:a="http://schemas.openxmlformats.org/drawingml/2006/main" xmlns:r="http://schemas.openxmlformats.org/officeDocument/2006/relationships" xmlns:p="http://schemas.openxmlformats.org/presentationml/2006/main" type="tx">
   <p:cSld name="Title and body">
     <p:spTree>
       <p:nvGrpSpPr>
-        <p:cNvPr id="15" name="Shape 15"/>
+        <p:cNvPr id="1" name="Shape 15"/>
         <p:cNvGrpSpPr/>
         <p:nvPr/>
       </p:nvGrpSpPr>
@@ -1685,7 +1857,7 @@
           </a:xfrm>
           <a:prstGeom prst="roundRect">
             <a:avLst>
-              <a:gd fmla="val 2970" name="adj"/>
+              <a:gd name="adj" fmla="val 2970"/>
             </a:avLst>
           </a:prstGeom>
           <a:solidFill>
@@ -1696,7 +1868,7 @@
           </a:ln>
         </p:spPr>
         <p:txBody>
-          <a:bodyPr anchorCtr="0" anchor="ctr" bIns="45700" lIns="91425" rIns="91425" tIns="45700">
+          <a:bodyPr lIns="91425" tIns="45700" rIns="91425" bIns="45700" anchor="ctr" anchorCtr="0">
             <a:noAutofit/>
           </a:bodyPr>
           <a:lstStyle/>
@@ -1707,9 +1879,6 @@
               </a:spcBef>
               <a:buNone/>
             </a:pPr>
-            <a:r>
-              <a:t/>
-            </a:r>
             <a:endParaRPr/>
           </a:p>
         </p:txBody>
@@ -1721,14 +1890,14 @@
           <p:nvPr/>
         </p:nvSpPr>
         <p:spPr>
-          <a:xfrm flipH="1" rot="10800000">
+          <a:xfrm rot="10800000" flipH="1">
             <a:off x="372035" y="59"/>
             <a:ext cx="8399999" cy="1049700"/>
           </a:xfrm>
           <a:prstGeom prst="round2SameRect">
             <a:avLst>
-              <a:gd fmla="val 10590" name="adj1"/>
-              <a:gd fmla="val 0" name="adj2"/>
+              <a:gd name="adj1" fmla="val 10590"/>
+              <a:gd name="adj2" fmla="val 0"/>
             </a:avLst>
           </a:prstGeom>
           <a:solidFill>
@@ -1739,7 +1908,7 @@
           </a:ln>
         </p:spPr>
         <p:txBody>
-          <a:bodyPr anchorCtr="0" anchor="ctr" bIns="45700" lIns="91425" rIns="91425" tIns="45700">
+          <a:bodyPr lIns="91425" tIns="45700" rIns="91425" bIns="45700" anchor="ctr" anchorCtr="0">
             <a:noAutofit/>
           </a:bodyPr>
           <a:lstStyle/>
@@ -1750,9 +1919,6 @@
               </a:spcBef>
               <a:buNone/>
             </a:pPr>
-            <a:r>
-              <a:t/>
-            </a:r>
             <a:endParaRPr/>
           </a:p>
         </p:txBody>
@@ -1760,7 +1926,9 @@
       <p:sp>
         <p:nvSpPr>
           <p:cNvPr id="18" name="Shape 18"/>
-          <p:cNvSpPr txBox="1"/>
+          <p:cNvSpPr txBox="1">
+            <a:spLocks noGrp="1"/>
+          </p:cNvSpPr>
           <p:nvPr>
             <p:ph type="title"/>
           </p:nvPr>
@@ -1775,7 +1943,7 @@
           </a:prstGeom>
         </p:spPr>
         <p:txBody>
-          <a:bodyPr anchorCtr="0" anchor="b" bIns="91425" lIns="91425" rIns="91425" tIns="91425"/>
+          <a:bodyPr lIns="91425" tIns="91425" rIns="91425" bIns="91425" anchor="b" anchorCtr="0"/>
           <a:lstStyle>
             <a:lvl1pPr lvl="0">
               <a:spcBef>
@@ -1832,15 +2000,19 @@
               <a:defRPr/>
             </a:lvl9pPr>
           </a:lstStyle>
-          <a:p/>
+          <a:p>
+            <a:endParaRPr/>
+          </a:p>
         </p:txBody>
       </p:sp>
       <p:sp>
         <p:nvSpPr>
           <p:cNvPr id="19" name="Shape 19"/>
-          <p:cNvSpPr txBox="1"/>
+          <p:cNvSpPr txBox="1">
+            <a:spLocks noGrp="1"/>
+          </p:cNvSpPr>
           <p:nvPr>
-            <p:ph idx="1" type="body"/>
+            <p:ph type="body" idx="1"/>
           </p:nvPr>
         </p:nvSpPr>
         <p:spPr>
@@ -1853,7 +2025,7 @@
           </a:prstGeom>
         </p:spPr>
         <p:txBody>
-          <a:bodyPr anchorCtr="0" anchor="t" bIns="91425" lIns="91425" rIns="91425" tIns="91425"/>
+          <a:bodyPr lIns="91425" tIns="91425" rIns="91425" bIns="91425" anchor="t" anchorCtr="0"/>
           <a:lstStyle>
             <a:lvl1pPr lvl="0">
               <a:spcBef>
@@ -1910,15 +2082,19 @@
               <a:defRPr/>
             </a:lvl9pPr>
           </a:lstStyle>
-          <a:p/>
+          <a:p>
+            <a:endParaRPr/>
+          </a:p>
         </p:txBody>
       </p:sp>
       <p:sp>
         <p:nvSpPr>
           <p:cNvPr id="20" name="Shape 20"/>
-          <p:cNvSpPr txBox="1"/>
+          <p:cNvSpPr txBox="1">
+            <a:spLocks noGrp="1"/>
+          </p:cNvSpPr>
           <p:nvPr>
-            <p:ph idx="12" type="sldNum"/>
+            <p:ph type="sldNum" idx="12"/>
           </p:nvPr>
         </p:nvSpPr>
         <p:spPr>
@@ -1931,7 +2107,7 @@
           </a:prstGeom>
         </p:spPr>
         <p:txBody>
-          <a:bodyPr anchorCtr="0" anchor="ctr" bIns="91425" lIns="91425" rIns="91425" tIns="91425">
+          <a:bodyPr lIns="91425" tIns="91425" rIns="91425" bIns="91425" anchor="ctr" anchorCtr="0">
             <a:noAutofit/>
           </a:bodyPr>
           <a:lstStyle/>
@@ -1944,8 +2120,9 @@
             </a:pPr>
             <a:fld id="{00000000-1234-1234-1234-123412341234}" type="slidenum">
               <a:rPr lang="es"/>
-              <a:t>‹#›</a:t>
+              <a:t>‹Nº›</a:t>
             </a:fld>
+            <a:endParaRPr lang="es"/>
           </a:p>
         </p:txBody>
       </p:sp>
@@ -1958,11 +2135,11 @@
 </file>
 
 <file path=ppt/slideLayouts/slideLayout3.xml><?xml version="1.0" encoding="utf-8"?>
-<p:sldLayout xmlns:a="http://schemas.openxmlformats.org/drawingml/2006/main" xmlns:r="http://schemas.openxmlformats.org/officeDocument/2006/relationships" xmlns:mc="http://schemas.openxmlformats.org/markup-compatibility/2006" xmlns:mv="urn:schemas-microsoft-com:mac:vml" xmlns:p="http://schemas.openxmlformats.org/presentationml/2006/main" xmlns:c="http://schemas.openxmlformats.org/drawingml/2006/chart" xmlns:dgm="http://schemas.openxmlformats.org/drawingml/2006/diagram" xmlns:o="urn:schemas-microsoft-com:office:office" xmlns:v="urn:schemas-microsoft-com:vml" xmlns:pvml="urn:schemas-microsoft-com:office:powerpoint" xmlns:com="http://schemas.openxmlformats.org/drawingml/2006/compatibility" xmlns:p14="http://schemas.microsoft.com/office/powerpoint/2010/main" type="twoColTx">
+<p:sldLayout xmlns:a="http://schemas.openxmlformats.org/drawingml/2006/main" xmlns:r="http://schemas.openxmlformats.org/officeDocument/2006/relationships" xmlns:p="http://schemas.openxmlformats.org/presentationml/2006/main" type="twoColTx">
   <p:cSld name="Title and two columns">
     <p:spTree>
       <p:nvGrpSpPr>
-        <p:cNvPr id="21" name="Shape 21"/>
+        <p:cNvPr id="1" name="Shape 21"/>
         <p:cNvGrpSpPr/>
         <p:nvPr/>
       </p:nvGrpSpPr>
@@ -1987,7 +2164,7 @@
           </a:xfrm>
           <a:prstGeom prst="roundRect">
             <a:avLst>
-              <a:gd fmla="val 3784" name="adj"/>
+              <a:gd name="adj" fmla="val 3784"/>
             </a:avLst>
           </a:prstGeom>
           <a:solidFill>
@@ -1998,7 +2175,7 @@
           </a:ln>
         </p:spPr>
         <p:txBody>
-          <a:bodyPr anchorCtr="0" anchor="ctr" bIns="45700" lIns="91425" rIns="91425" tIns="45700">
+          <a:bodyPr lIns="91425" tIns="45700" rIns="91425" bIns="45700" anchor="ctr" anchorCtr="0">
             <a:noAutofit/>
           </a:bodyPr>
           <a:lstStyle/>
@@ -2009,9 +2186,6 @@
               </a:spcBef>
               <a:buNone/>
             </a:pPr>
-            <a:r>
-              <a:t/>
-            </a:r>
             <a:endParaRPr/>
           </a:p>
         </p:txBody>
@@ -2023,14 +2197,14 @@
           <p:nvPr/>
         </p:nvSpPr>
         <p:spPr>
-          <a:xfrm flipH="1" rot="10800000">
+          <a:xfrm rot="10800000" flipH="1">
             <a:off x="372035" y="59"/>
             <a:ext cx="8399999" cy="1049700"/>
           </a:xfrm>
           <a:prstGeom prst="round2SameRect">
             <a:avLst>
-              <a:gd fmla="val 10590" name="adj1"/>
-              <a:gd fmla="val 0" name="adj2"/>
+              <a:gd name="adj1" fmla="val 10590"/>
+              <a:gd name="adj2" fmla="val 0"/>
             </a:avLst>
           </a:prstGeom>
           <a:solidFill>
@@ -2041,7 +2215,7 @@
           </a:ln>
         </p:spPr>
         <p:txBody>
-          <a:bodyPr anchorCtr="0" anchor="ctr" bIns="45700" lIns="91425" rIns="91425" tIns="45700">
+          <a:bodyPr lIns="91425" tIns="45700" rIns="91425" bIns="45700" anchor="ctr" anchorCtr="0">
             <a:noAutofit/>
           </a:bodyPr>
           <a:lstStyle/>
@@ -2052,9 +2226,6 @@
               </a:spcBef>
               <a:buNone/>
             </a:pPr>
-            <a:r>
-              <a:t/>
-            </a:r>
             <a:endParaRPr/>
           </a:p>
         </p:txBody>
@@ -2062,7 +2233,9 @@
       <p:sp>
         <p:nvSpPr>
           <p:cNvPr id="24" name="Shape 24"/>
-          <p:cNvSpPr txBox="1"/>
+          <p:cNvSpPr txBox="1">
+            <a:spLocks noGrp="1"/>
+          </p:cNvSpPr>
           <p:nvPr>
             <p:ph type="title"/>
           </p:nvPr>
@@ -2077,7 +2250,7 @@
           </a:prstGeom>
         </p:spPr>
         <p:txBody>
-          <a:bodyPr anchorCtr="0" anchor="b" bIns="91425" lIns="91425" rIns="91425" tIns="91425"/>
+          <a:bodyPr lIns="91425" tIns="91425" rIns="91425" bIns="91425" anchor="b" anchorCtr="0"/>
           <a:lstStyle>
             <a:lvl1pPr lvl="0">
               <a:spcBef>
@@ -2134,15 +2307,19 @@
               <a:defRPr/>
             </a:lvl9pPr>
           </a:lstStyle>
-          <a:p/>
+          <a:p>
+            <a:endParaRPr/>
+          </a:p>
         </p:txBody>
       </p:sp>
       <p:sp>
         <p:nvSpPr>
           <p:cNvPr id="25" name="Shape 25"/>
-          <p:cNvSpPr txBox="1"/>
+          <p:cNvSpPr txBox="1">
+            <a:spLocks noGrp="1"/>
+          </p:cNvSpPr>
           <p:nvPr>
-            <p:ph idx="1" type="body"/>
+            <p:ph type="body" idx="1"/>
           </p:nvPr>
         </p:nvSpPr>
         <p:spPr>
@@ -2155,7 +2332,7 @@
           </a:prstGeom>
         </p:spPr>
         <p:txBody>
-          <a:bodyPr anchorCtr="0" anchor="t" bIns="91425" lIns="91425" rIns="91425" tIns="91425"/>
+          <a:bodyPr lIns="91425" tIns="91425" rIns="91425" bIns="91425" anchor="t" anchorCtr="0"/>
           <a:lstStyle>
             <a:lvl1pPr lvl="0">
               <a:spcBef>
@@ -2212,7 +2389,9 @@
               <a:defRPr/>
             </a:lvl9pPr>
           </a:lstStyle>
-          <a:p/>
+          <a:p>
+            <a:endParaRPr/>
+          </a:p>
         </p:txBody>
       </p:sp>
       <p:sp>
@@ -2228,7 +2407,7 @@
           </a:xfrm>
           <a:prstGeom prst="roundRect">
             <a:avLst>
-              <a:gd fmla="val 3784" name="adj"/>
+              <a:gd name="adj" fmla="val 3784"/>
             </a:avLst>
           </a:prstGeom>
           <a:solidFill>
@@ -2239,7 +2418,7 @@
           </a:ln>
         </p:spPr>
         <p:txBody>
-          <a:bodyPr anchorCtr="0" anchor="ctr" bIns="45700" lIns="91425" rIns="91425" tIns="45700">
+          <a:bodyPr lIns="91425" tIns="45700" rIns="91425" bIns="45700" anchor="ctr" anchorCtr="0">
             <a:noAutofit/>
           </a:bodyPr>
           <a:lstStyle/>
@@ -2250,9 +2429,6 @@
               </a:spcBef>
               <a:buNone/>
             </a:pPr>
-            <a:r>
-              <a:t/>
-            </a:r>
             <a:endParaRPr/>
           </a:p>
         </p:txBody>
@@ -2260,9 +2436,11 @@
       <p:sp>
         <p:nvSpPr>
           <p:cNvPr id="27" name="Shape 27"/>
-          <p:cNvSpPr txBox="1"/>
+          <p:cNvSpPr txBox="1">
+            <a:spLocks noGrp="1"/>
+          </p:cNvSpPr>
           <p:nvPr>
-            <p:ph idx="2" type="body"/>
+            <p:ph type="body" idx="2"/>
           </p:nvPr>
         </p:nvSpPr>
         <p:spPr>
@@ -2275,7 +2453,7 @@
           </a:prstGeom>
         </p:spPr>
         <p:txBody>
-          <a:bodyPr anchorCtr="0" anchor="t" bIns="91425" lIns="91425" rIns="91425" tIns="91425"/>
+          <a:bodyPr lIns="91425" tIns="91425" rIns="91425" bIns="91425" anchor="t" anchorCtr="0"/>
           <a:lstStyle>
             <a:lvl1pPr lvl="0">
               <a:spcBef>
@@ -2332,15 +2510,19 @@
               <a:defRPr/>
             </a:lvl9pPr>
           </a:lstStyle>
-          <a:p/>
+          <a:p>
+            <a:endParaRPr/>
+          </a:p>
         </p:txBody>
       </p:sp>
       <p:sp>
         <p:nvSpPr>
           <p:cNvPr id="28" name="Shape 28"/>
-          <p:cNvSpPr txBox="1"/>
+          <p:cNvSpPr txBox="1">
+            <a:spLocks noGrp="1"/>
+          </p:cNvSpPr>
           <p:nvPr>
-            <p:ph idx="12" type="sldNum"/>
+            <p:ph type="sldNum" idx="12"/>
           </p:nvPr>
         </p:nvSpPr>
         <p:spPr>
@@ -2353,7 +2535,7 @@
           </a:prstGeom>
         </p:spPr>
         <p:txBody>
-          <a:bodyPr anchorCtr="0" anchor="ctr" bIns="91425" lIns="91425" rIns="91425" tIns="91425">
+          <a:bodyPr lIns="91425" tIns="91425" rIns="91425" bIns="91425" anchor="ctr" anchorCtr="0">
             <a:noAutofit/>
           </a:bodyPr>
           <a:lstStyle/>
@@ -2366,8 +2548,9 @@
             </a:pPr>
             <a:fld id="{00000000-1234-1234-1234-123412341234}" type="slidenum">
               <a:rPr lang="es"/>
-              <a:t>‹#›</a:t>
+              <a:t>‹Nº›</a:t>
             </a:fld>
+            <a:endParaRPr lang="es"/>
           </a:p>
         </p:txBody>
       </p:sp>
@@ -2380,11 +2563,11 @@
 </file>
 
 <file path=ppt/slideLayouts/slideLayout4.xml><?xml version="1.0" encoding="utf-8"?>
-<p:sldLayout xmlns:a="http://schemas.openxmlformats.org/drawingml/2006/main" xmlns:r="http://schemas.openxmlformats.org/officeDocument/2006/relationships" xmlns:mc="http://schemas.openxmlformats.org/markup-compatibility/2006" xmlns:mv="urn:schemas-microsoft-com:mac:vml" xmlns:p="http://schemas.openxmlformats.org/presentationml/2006/main" xmlns:c="http://schemas.openxmlformats.org/drawingml/2006/chart" xmlns:dgm="http://schemas.openxmlformats.org/drawingml/2006/diagram" xmlns:o="urn:schemas-microsoft-com:office:office" xmlns:v="urn:schemas-microsoft-com:vml" xmlns:pvml="urn:schemas-microsoft-com:office:powerpoint" xmlns:com="http://schemas.openxmlformats.org/drawingml/2006/compatibility" xmlns:p14="http://schemas.microsoft.com/office/powerpoint/2010/main" type="titleOnly">
+<p:sldLayout xmlns:a="http://schemas.openxmlformats.org/drawingml/2006/main" xmlns:r="http://schemas.openxmlformats.org/officeDocument/2006/relationships" xmlns:p="http://schemas.openxmlformats.org/presentationml/2006/main" type="titleOnly">
   <p:cSld name="Title only">
     <p:spTree>
       <p:nvGrpSpPr>
-        <p:cNvPr id="29" name="Shape 29"/>
+        <p:cNvPr id="1" name="Shape 29"/>
         <p:cNvGrpSpPr/>
         <p:nvPr/>
       </p:nvGrpSpPr>
@@ -2409,7 +2592,7 @@
           </a:xfrm>
           <a:prstGeom prst="roundRect">
             <a:avLst>
-              <a:gd fmla="val 2970" name="adj"/>
+              <a:gd name="adj" fmla="val 2970"/>
             </a:avLst>
           </a:prstGeom>
           <a:solidFill>
@@ -2420,7 +2603,7 @@
           </a:ln>
         </p:spPr>
         <p:txBody>
-          <a:bodyPr anchorCtr="0" anchor="ctr" bIns="45700" lIns="91425" rIns="91425" tIns="45700">
+          <a:bodyPr lIns="91425" tIns="45700" rIns="91425" bIns="45700" anchor="ctr" anchorCtr="0">
             <a:noAutofit/>
           </a:bodyPr>
           <a:lstStyle/>
@@ -2431,9 +2614,6 @@
               </a:spcBef>
               <a:buNone/>
             </a:pPr>
-            <a:r>
-              <a:t/>
-            </a:r>
             <a:endParaRPr/>
           </a:p>
         </p:txBody>
@@ -2445,14 +2625,14 @@
           <p:nvPr/>
         </p:nvSpPr>
         <p:spPr>
-          <a:xfrm flipH="1" rot="10800000">
+          <a:xfrm rot="10800000" flipH="1">
             <a:off x="372035" y="59"/>
             <a:ext cx="8399999" cy="1049700"/>
           </a:xfrm>
           <a:prstGeom prst="round2SameRect">
             <a:avLst>
-              <a:gd fmla="val 10590" name="adj1"/>
-              <a:gd fmla="val 0" name="adj2"/>
+              <a:gd name="adj1" fmla="val 10590"/>
+              <a:gd name="adj2" fmla="val 0"/>
             </a:avLst>
           </a:prstGeom>
           <a:solidFill>
@@ -2463,7 +2643,7 @@
           </a:ln>
         </p:spPr>
         <p:txBody>
-          <a:bodyPr anchorCtr="0" anchor="ctr" bIns="45700" lIns="91425" rIns="91425" tIns="45700">
+          <a:bodyPr lIns="91425" tIns="45700" rIns="91425" bIns="45700" anchor="ctr" anchorCtr="0">
             <a:noAutofit/>
           </a:bodyPr>
           <a:lstStyle/>
@@ -2474,9 +2654,6 @@
               </a:spcBef>
               <a:buNone/>
             </a:pPr>
-            <a:r>
-              <a:t/>
-            </a:r>
             <a:endParaRPr/>
           </a:p>
         </p:txBody>
@@ -2484,7 +2661,9 @@
       <p:sp>
         <p:nvSpPr>
           <p:cNvPr id="32" name="Shape 32"/>
-          <p:cNvSpPr txBox="1"/>
+          <p:cNvSpPr txBox="1">
+            <a:spLocks noGrp="1"/>
+          </p:cNvSpPr>
           <p:nvPr>
             <p:ph type="title"/>
           </p:nvPr>
@@ -2499,7 +2678,7 @@
           </a:prstGeom>
         </p:spPr>
         <p:txBody>
-          <a:bodyPr anchorCtr="0" anchor="b" bIns="91425" lIns="91425" rIns="91425" tIns="91425"/>
+          <a:bodyPr lIns="91425" tIns="91425" rIns="91425" bIns="91425" anchor="b" anchorCtr="0"/>
           <a:lstStyle>
             <a:lvl1pPr lvl="0">
               <a:spcBef>
@@ -2556,15 +2735,19 @@
               <a:defRPr/>
             </a:lvl9pPr>
           </a:lstStyle>
-          <a:p/>
+          <a:p>
+            <a:endParaRPr/>
+          </a:p>
         </p:txBody>
       </p:sp>
       <p:sp>
         <p:nvSpPr>
           <p:cNvPr id="33" name="Shape 33"/>
-          <p:cNvSpPr txBox="1"/>
+          <p:cNvSpPr txBox="1">
+            <a:spLocks noGrp="1"/>
+          </p:cNvSpPr>
           <p:nvPr>
-            <p:ph idx="12" type="sldNum"/>
+            <p:ph type="sldNum" idx="12"/>
           </p:nvPr>
         </p:nvSpPr>
         <p:spPr>
@@ -2577,7 +2760,7 @@
           </a:prstGeom>
         </p:spPr>
         <p:txBody>
-          <a:bodyPr anchorCtr="0" anchor="ctr" bIns="91425" lIns="91425" rIns="91425" tIns="91425">
+          <a:bodyPr lIns="91425" tIns="91425" rIns="91425" bIns="91425" anchor="ctr" anchorCtr="0">
             <a:noAutofit/>
           </a:bodyPr>
           <a:lstStyle/>
@@ -2590,8 +2773,9 @@
             </a:pPr>
             <a:fld id="{00000000-1234-1234-1234-123412341234}" type="slidenum">
               <a:rPr lang="es"/>
-              <a:t>‹#›</a:t>
+              <a:t>‹Nº›</a:t>
             </a:fld>
+            <a:endParaRPr lang="es"/>
           </a:p>
         </p:txBody>
       </p:sp>
@@ -2604,11 +2788,11 @@
 </file>
 
 <file path=ppt/slideLayouts/slideLayout5.xml><?xml version="1.0" encoding="utf-8"?>
-<p:sldLayout xmlns:a="http://schemas.openxmlformats.org/drawingml/2006/main" xmlns:r="http://schemas.openxmlformats.org/officeDocument/2006/relationships" xmlns:mc="http://schemas.openxmlformats.org/markup-compatibility/2006" xmlns:mv="urn:schemas-microsoft-com:mac:vml" xmlns:p="http://schemas.openxmlformats.org/presentationml/2006/main" xmlns:c="http://schemas.openxmlformats.org/drawingml/2006/chart" xmlns:dgm="http://schemas.openxmlformats.org/drawingml/2006/diagram" xmlns:o="urn:schemas-microsoft-com:office:office" xmlns:v="urn:schemas-microsoft-com:vml" xmlns:pvml="urn:schemas-microsoft-com:office:powerpoint" xmlns:com="http://schemas.openxmlformats.org/drawingml/2006/compatibility" xmlns:p14="http://schemas.microsoft.com/office/powerpoint/2010/main">
+<p:sldLayout xmlns:a="http://schemas.openxmlformats.org/drawingml/2006/main" xmlns:r="http://schemas.openxmlformats.org/officeDocument/2006/relationships" xmlns:p="http://schemas.openxmlformats.org/presentationml/2006/main">
   <p:cSld name="Caption">
     <p:spTree>
       <p:nvGrpSpPr>
-        <p:cNvPr id="34" name="Shape 34"/>
+        <p:cNvPr id="1" name="Shape 34"/>
         <p:cNvGrpSpPr/>
         <p:nvPr/>
       </p:nvGrpSpPr>
@@ -2623,9 +2807,11 @@
       <p:sp>
         <p:nvSpPr>
           <p:cNvPr id="35" name="Shape 35"/>
-          <p:cNvSpPr txBox="1"/>
+          <p:cNvSpPr txBox="1">
+            <a:spLocks noGrp="1"/>
+          </p:cNvSpPr>
           <p:nvPr>
-            <p:ph idx="1" type="body"/>
+            <p:ph type="body" idx="1"/>
           </p:nvPr>
         </p:nvSpPr>
         <p:spPr>
@@ -2638,7 +2824,7 @@
           </a:prstGeom>
         </p:spPr>
         <p:txBody>
-          <a:bodyPr anchorCtr="0" anchor="t" bIns="91425" lIns="91425" rIns="91425" tIns="91425"/>
+          <a:bodyPr lIns="91425" tIns="91425" rIns="91425" bIns="91425" anchor="t" anchorCtr="0"/>
           <a:lstStyle>
             <a:lvl1pPr lvl="0">
               <a:spcBef>
@@ -2649,14 +2835,16 @@
               </a:buClr>
               <a:buSzPct val="100000"/>
               <a:buNone/>
-              <a:defRPr b="1" sz="2400">
+              <a:defRPr sz="2400" b="1">
                 <a:solidFill>
                   <a:schemeClr val="lt1"/>
                 </a:solidFill>
               </a:defRPr>
             </a:lvl1pPr>
           </a:lstStyle>
-          <a:p/>
+          <a:p>
+            <a:endParaRPr/>
+          </a:p>
         </p:txBody>
       </p:sp>
       <p:sp>
@@ -2672,7 +2860,7 @@
           </a:xfrm>
           <a:prstGeom prst="roundRect">
             <a:avLst>
-              <a:gd fmla="val 2776" name="adj"/>
+              <a:gd name="adj" fmla="val 2776"/>
             </a:avLst>
           </a:prstGeom>
           <a:solidFill>
@@ -2683,7 +2871,7 @@
           </a:ln>
         </p:spPr>
         <p:txBody>
-          <a:bodyPr anchorCtr="0" anchor="ctr" bIns="45700" lIns="91425" rIns="91425" tIns="45700">
+          <a:bodyPr lIns="91425" tIns="45700" rIns="91425" bIns="45700" anchor="ctr" anchorCtr="0">
             <a:noAutofit/>
           </a:bodyPr>
           <a:lstStyle/>
@@ -2694,9 +2882,6 @@
               </a:spcBef>
               <a:buNone/>
             </a:pPr>
-            <a:r>
-              <a:t/>
-            </a:r>
             <a:endParaRPr/>
           </a:p>
         </p:txBody>
@@ -2704,9 +2889,11 @@
       <p:sp>
         <p:nvSpPr>
           <p:cNvPr id="37" name="Shape 37"/>
-          <p:cNvSpPr txBox="1"/>
+          <p:cNvSpPr txBox="1">
+            <a:spLocks noGrp="1"/>
+          </p:cNvSpPr>
           <p:nvPr>
-            <p:ph idx="12" type="sldNum"/>
+            <p:ph type="sldNum" idx="12"/>
           </p:nvPr>
         </p:nvSpPr>
         <p:spPr>
@@ -2719,7 +2906,7 @@
           </a:prstGeom>
         </p:spPr>
         <p:txBody>
-          <a:bodyPr anchorCtr="0" anchor="ctr" bIns="91425" lIns="91425" rIns="91425" tIns="91425">
+          <a:bodyPr lIns="91425" tIns="91425" rIns="91425" bIns="91425" anchor="ctr" anchorCtr="0">
             <a:noAutofit/>
           </a:bodyPr>
           <a:lstStyle/>
@@ -2732,8 +2919,9 @@
             </a:pPr>
             <a:fld id="{00000000-1234-1234-1234-123412341234}" type="slidenum">
               <a:rPr lang="es"/>
-              <a:t>‹#›</a:t>
+              <a:t>‹Nº›</a:t>
             </a:fld>
+            <a:endParaRPr lang="es"/>
           </a:p>
         </p:txBody>
       </p:sp>
@@ -2746,11 +2934,11 @@
 </file>
 
 <file path=ppt/slideLayouts/slideLayout6.xml><?xml version="1.0" encoding="utf-8"?>
-<p:sldLayout xmlns:a="http://schemas.openxmlformats.org/drawingml/2006/main" xmlns:r="http://schemas.openxmlformats.org/officeDocument/2006/relationships" xmlns:mc="http://schemas.openxmlformats.org/markup-compatibility/2006" xmlns:mv="urn:schemas-microsoft-com:mac:vml" xmlns:p="http://schemas.openxmlformats.org/presentationml/2006/main" xmlns:c="http://schemas.openxmlformats.org/drawingml/2006/chart" xmlns:dgm="http://schemas.openxmlformats.org/drawingml/2006/diagram" xmlns:o="urn:schemas-microsoft-com:office:office" xmlns:v="urn:schemas-microsoft-com:vml" xmlns:pvml="urn:schemas-microsoft-com:office:powerpoint" xmlns:com="http://schemas.openxmlformats.org/drawingml/2006/compatibility" xmlns:p14="http://schemas.microsoft.com/office/powerpoint/2010/main" type="blank">
+<p:sldLayout xmlns:a="http://schemas.openxmlformats.org/drawingml/2006/main" xmlns:r="http://schemas.openxmlformats.org/officeDocument/2006/relationships" xmlns:p="http://schemas.openxmlformats.org/presentationml/2006/main" type="blank">
   <p:cSld name="Blank">
     <p:spTree>
       <p:nvGrpSpPr>
-        <p:cNvPr id="38" name="Shape 38"/>
+        <p:cNvPr id="1" name="Shape 38"/>
         <p:cNvGrpSpPr/>
         <p:nvPr/>
       </p:nvGrpSpPr>
@@ -2775,7 +2963,7 @@
           </a:xfrm>
           <a:prstGeom prst="roundRect">
             <a:avLst>
-              <a:gd fmla="val 2255" name="adj"/>
+              <a:gd name="adj" fmla="val 2255"/>
             </a:avLst>
           </a:prstGeom>
           <a:solidFill>
@@ -2786,7 +2974,7 @@
           </a:ln>
         </p:spPr>
         <p:txBody>
-          <a:bodyPr anchorCtr="0" anchor="ctr" bIns="45700" lIns="91425" rIns="91425" tIns="45700">
+          <a:bodyPr lIns="91425" tIns="45700" rIns="91425" bIns="45700" anchor="ctr" anchorCtr="0">
             <a:noAutofit/>
           </a:bodyPr>
           <a:lstStyle/>
@@ -2797,9 +2985,6 @@
               </a:spcBef>
               <a:buNone/>
             </a:pPr>
-            <a:r>
-              <a:t/>
-            </a:r>
             <a:endParaRPr/>
           </a:p>
         </p:txBody>
@@ -2807,9 +2992,11 @@
       <p:sp>
         <p:nvSpPr>
           <p:cNvPr id="40" name="Shape 40"/>
-          <p:cNvSpPr txBox="1"/>
+          <p:cNvSpPr txBox="1">
+            <a:spLocks noGrp="1"/>
+          </p:cNvSpPr>
           <p:nvPr>
-            <p:ph idx="12" type="sldNum"/>
+            <p:ph type="sldNum" idx="12"/>
           </p:nvPr>
         </p:nvSpPr>
         <p:spPr>
@@ -2822,7 +3009,7 @@
           </a:prstGeom>
         </p:spPr>
         <p:txBody>
-          <a:bodyPr anchorCtr="0" anchor="ctr" bIns="91425" lIns="91425" rIns="91425" tIns="91425">
+          <a:bodyPr lIns="91425" tIns="91425" rIns="91425" bIns="91425" anchor="ctr" anchorCtr="0">
             <a:noAutofit/>
           </a:bodyPr>
           <a:lstStyle/>
@@ -2835,8 +3022,9 @@
             </a:pPr>
             <a:fld id="{00000000-1234-1234-1234-123412341234}" type="slidenum">
               <a:rPr lang="es"/>
-              <a:t>‹#›</a:t>
+              <a:t>‹Nº›</a:t>
             </a:fld>
+            <a:endParaRPr lang="es"/>
           </a:p>
         </p:txBody>
       </p:sp>
@@ -2849,18 +3037,19 @@
 </file>
 
 <file path=ppt/slideMasters/slideMaster1.xml><?xml version="1.0" encoding="utf-8"?>
-<p:sldMaster xmlns:a="http://schemas.openxmlformats.org/drawingml/2006/main" xmlns:r="http://schemas.openxmlformats.org/officeDocument/2006/relationships" xmlns:mc="http://schemas.openxmlformats.org/markup-compatibility/2006" xmlns:mv="urn:schemas-microsoft-com:mac:vml" xmlns:p="http://schemas.openxmlformats.org/presentationml/2006/main" xmlns:c="http://schemas.openxmlformats.org/drawingml/2006/chart" xmlns:dgm="http://schemas.openxmlformats.org/drawingml/2006/diagram" xmlns:o="urn:schemas-microsoft-com:office:office" xmlns:v="urn:schemas-microsoft-com:vml" xmlns:pvml="urn:schemas-microsoft-com:office:powerpoint" xmlns:com="http://schemas.openxmlformats.org/drawingml/2006/compatibility" xmlns:p14="http://schemas.microsoft.com/office/powerpoint/2010/main">
+<p:sldMaster xmlns:a="http://schemas.openxmlformats.org/drawingml/2006/main" xmlns:r="http://schemas.openxmlformats.org/officeDocument/2006/relationships" xmlns:p="http://schemas.openxmlformats.org/presentationml/2006/main">
   <p:cSld>
     <p:bg>
       <p:bgPr>
         <a:solidFill>
           <a:schemeClr val="dk2"/>
         </a:solidFill>
+        <a:effectLst/>
       </p:bgPr>
     </p:bg>
     <p:spTree>
       <p:nvGrpSpPr>
-        <p:cNvPr id="5" name="Shape 5"/>
+        <p:cNvPr id="1" name="Shape 5"/>
         <p:cNvGrpSpPr/>
         <p:nvPr/>
       </p:nvGrpSpPr>
@@ -2875,7 +3064,9 @@
       <p:sp>
         <p:nvSpPr>
           <p:cNvPr id="6" name="Shape 6"/>
-          <p:cNvSpPr txBox="1"/>
+          <p:cNvSpPr txBox="1">
+            <a:spLocks noGrp="1"/>
+          </p:cNvSpPr>
           <p:nvPr>
             <p:ph type="title"/>
           </p:nvPr>
@@ -2894,7 +3085,7 @@
           </a:ln>
         </p:spPr>
         <p:txBody>
-          <a:bodyPr anchorCtr="0" anchor="b" bIns="91425" lIns="91425" rIns="91425" tIns="91425"/>
+          <a:bodyPr lIns="91425" tIns="91425" rIns="91425" bIns="91425" anchor="b" anchorCtr="0"/>
           <a:lstStyle>
             <a:lvl1pPr lvl="0">
               <a:spcBef>
@@ -2905,7 +3096,7 @@
               </a:buClr>
               <a:buSzPct val="100000"/>
               <a:buNone/>
-              <a:defRPr b="1" sz="3600">
+              <a:defRPr sz="3600" b="1">
                 <a:solidFill>
                   <a:schemeClr val="dk2"/>
                 </a:solidFill>
@@ -2920,7 +3111,7 @@
               </a:buClr>
               <a:buSzPct val="100000"/>
               <a:buNone/>
-              <a:defRPr b="1" sz="3600">
+              <a:defRPr sz="3600" b="1">
                 <a:solidFill>
                   <a:schemeClr val="dk2"/>
                 </a:solidFill>
@@ -2935,7 +3126,7 @@
               </a:buClr>
               <a:buSzPct val="100000"/>
               <a:buNone/>
-              <a:defRPr b="1" sz="3600">
+              <a:defRPr sz="3600" b="1">
                 <a:solidFill>
                   <a:schemeClr val="dk2"/>
                 </a:solidFill>
@@ -2950,7 +3141,7 @@
               </a:buClr>
               <a:buSzPct val="100000"/>
               <a:buNone/>
-              <a:defRPr b="1" sz="3600">
+              <a:defRPr sz="3600" b="1">
                 <a:solidFill>
                   <a:schemeClr val="dk2"/>
                 </a:solidFill>
@@ -2965,7 +3156,7 @@
               </a:buClr>
               <a:buSzPct val="100000"/>
               <a:buNone/>
-              <a:defRPr b="1" sz="3600">
+              <a:defRPr sz="3600" b="1">
                 <a:solidFill>
                   <a:schemeClr val="dk2"/>
                 </a:solidFill>
@@ -2980,7 +3171,7 @@
               </a:buClr>
               <a:buSzPct val="100000"/>
               <a:buNone/>
-              <a:defRPr b="1" sz="3600">
+              <a:defRPr sz="3600" b="1">
                 <a:solidFill>
                   <a:schemeClr val="dk2"/>
                 </a:solidFill>
@@ -2995,7 +3186,7 @@
               </a:buClr>
               <a:buSzPct val="100000"/>
               <a:buNone/>
-              <a:defRPr b="1" sz="3600">
+              <a:defRPr sz="3600" b="1">
                 <a:solidFill>
                   <a:schemeClr val="dk2"/>
                 </a:solidFill>
@@ -3010,7 +3201,7 @@
               </a:buClr>
               <a:buSzPct val="100000"/>
               <a:buNone/>
-              <a:defRPr b="1" sz="3600">
+              <a:defRPr sz="3600" b="1">
                 <a:solidFill>
                   <a:schemeClr val="dk2"/>
                 </a:solidFill>
@@ -3025,22 +3216,26 @@
               </a:buClr>
               <a:buSzPct val="100000"/>
               <a:buNone/>
-              <a:defRPr b="1" sz="3600">
+              <a:defRPr sz="3600" b="1">
                 <a:solidFill>
                   <a:schemeClr val="dk2"/>
                 </a:solidFill>
               </a:defRPr>
             </a:lvl9pPr>
           </a:lstStyle>
-          <a:p/>
+          <a:p>
+            <a:endParaRPr/>
+          </a:p>
         </p:txBody>
       </p:sp>
       <p:sp>
         <p:nvSpPr>
           <p:cNvPr id="7" name="Shape 7"/>
-          <p:cNvSpPr txBox="1"/>
+          <p:cNvSpPr txBox="1">
+            <a:spLocks noGrp="1"/>
+          </p:cNvSpPr>
           <p:nvPr>
-            <p:ph idx="1" type="body"/>
+            <p:ph type="body" idx="1"/>
           </p:nvPr>
         </p:nvSpPr>
         <p:spPr>
@@ -3057,7 +3252,7 @@
           </a:ln>
         </p:spPr>
         <p:txBody>
-          <a:bodyPr anchorCtr="0" anchor="t" bIns="91425" lIns="91425" rIns="91425" tIns="91425"/>
+          <a:bodyPr lIns="91425" tIns="91425" rIns="91425" bIns="91425" anchor="t" anchorCtr="0"/>
           <a:lstStyle>
             <a:lvl1pPr lvl="0">
               <a:spcBef>
@@ -3186,15 +3381,19 @@
               </a:defRPr>
             </a:lvl9pPr>
           </a:lstStyle>
-          <a:p/>
+          <a:p>
+            <a:endParaRPr/>
+          </a:p>
         </p:txBody>
       </p:sp>
       <p:sp>
         <p:nvSpPr>
           <p:cNvPr id="8" name="Shape 8"/>
-          <p:cNvSpPr txBox="1"/>
+          <p:cNvSpPr txBox="1">
+            <a:spLocks noGrp="1"/>
+          </p:cNvSpPr>
           <p:nvPr>
-            <p:ph idx="12" type="sldNum"/>
+            <p:ph type="sldNum" idx="12"/>
           </p:nvPr>
         </p:nvSpPr>
         <p:spPr>
@@ -3211,7 +3410,7 @@
           </a:ln>
         </p:spPr>
         <p:txBody>
-          <a:bodyPr anchorCtr="0" anchor="ctr" bIns="91425" lIns="91425" rIns="91425" tIns="91425">
+          <a:bodyPr lIns="91425" tIns="91425" rIns="91425" bIns="91425" anchor="ctr" anchorCtr="0">
             <a:noAutofit/>
           </a:bodyPr>
           <a:lstStyle/>
@@ -3228,14 +3427,19 @@
                   <a:schemeClr val="lt1"/>
                 </a:solidFill>
               </a:rPr>
-              <a:t>‹#›</a:t>
+              <a:t>‹Nº›</a:t>
             </a:fld>
+            <a:endParaRPr lang="es" sz="1300">
+              <a:solidFill>
+                <a:schemeClr val="lt1"/>
+              </a:solidFill>
+            </a:endParaRPr>
           </a:p>
         </p:txBody>
       </p:sp>
     </p:spTree>
   </p:cSld>
-  <p:clrMap accent1="accent1" accent2="accent2" accent3="accent3" accent4="accent4" accent5="accent5" accent6="accent6" bg1="lt1" bg2="dk2" tx1="dk1" tx2="lt2" folHlink="folHlink" hlink="hlink"/>
+  <p:clrMap bg1="lt1" tx1="dk1" bg2="dk2" tx2="lt2" accent1="accent1" accent2="accent2" accent3="accent3" accent4="accent4" accent5="accent5" accent6="accent6" hlink="hlink" folHlink="folHlink"/>
   <p:sldLayoutIdLst>
     <p:sldLayoutId id="2147483648" r:id="rId1"/>
     <p:sldLayoutId id="2147483649" r:id="rId2"/>
@@ -3244,10 +3448,10 @@
     <p:sldLayoutId id="2147483652" r:id="rId5"/>
     <p:sldLayoutId id="2147483653" r:id="rId6"/>
   </p:sldLayoutIdLst>
-  <p:hf dt="0" ftr="0" hdr="0" sldNum="0"/>
+  <p:hf sldNum="0" hdr="0" ftr="0" dt="0"/>
   <p:txStyles>
     <p:titleStyle>
-      <a:defPPr lvl="0" marR="0" rtl="0" algn="l">
+      <a:defPPr marR="0" lvl="0" algn="l" rtl="0">
         <a:lnSpc>
           <a:spcPct val="100000"/>
         </a:lnSpc>
@@ -3258,7 +3462,7 @@
           <a:spcPts val="0"/>
         </a:spcAft>
       </a:defPPr>
-      <a:lvl1pPr lvl="0" marR="0" rtl="0" algn="l">
+      <a:lvl1pPr marR="0" lvl="0" algn="l" rtl="0">
         <a:lnSpc>
           <a:spcPct val="100000"/>
         </a:lnSpc>
@@ -3269,7 +3473,7 @@
           <a:spcPts val="0"/>
         </a:spcAft>
         <a:buNone/>
-        <a:defRPr b="0" i="0" sz="1400" u="none" cap="none" strike="noStrike">
+        <a:defRPr sz="1400" b="0" i="0" u="none" strike="noStrike" cap="none">
           <a:solidFill>
             <a:srgbClr val="000000"/>
           </a:solidFill>
@@ -3282,7 +3486,7 @@
       </a:lvl1pPr>
     </p:titleStyle>
     <p:bodyStyle>
-      <a:defPPr lvl="0" marR="0" rtl="0" algn="l">
+      <a:defPPr marR="0" lvl="0" algn="l" rtl="0">
         <a:lnSpc>
           <a:spcPct val="100000"/>
         </a:lnSpc>
@@ -3293,7 +3497,7 @@
           <a:spcPts val="0"/>
         </a:spcAft>
       </a:defPPr>
-      <a:lvl1pPr lvl="0" marR="0" rtl="0" algn="l">
+      <a:lvl1pPr marR="0" lvl="0" algn="l" rtl="0">
         <a:lnSpc>
           <a:spcPct val="100000"/>
         </a:lnSpc>
@@ -3304,7 +3508,7 @@
           <a:spcPts val="0"/>
         </a:spcAft>
         <a:buNone/>
-        <a:defRPr b="0" i="0" sz="1400" u="none" cap="none" strike="noStrike">
+        <a:defRPr sz="1400" b="0" i="0" u="none" strike="noStrike" cap="none">
           <a:solidFill>
             <a:srgbClr val="000000"/>
           </a:solidFill>
@@ -3315,7 +3519,7 @@
           <a:rtl val="0"/>
         </a:defRPr>
       </a:lvl1pPr>
-      <a:lvl2pPr lvl="1" marR="0" rtl="0" algn="l">
+      <a:lvl2pPr marR="0" lvl="1" algn="l" rtl="0">
         <a:lnSpc>
           <a:spcPct val="100000"/>
         </a:lnSpc>
@@ -3326,7 +3530,7 @@
           <a:spcPts val="0"/>
         </a:spcAft>
         <a:buNone/>
-        <a:defRPr b="0" i="0" sz="1400" u="none" cap="none" strike="noStrike">
+        <a:defRPr sz="1400" b="0" i="0" u="none" strike="noStrike" cap="none">
           <a:solidFill>
             <a:srgbClr val="000000"/>
           </a:solidFill>
@@ -3337,7 +3541,7 @@
           <a:rtl val="0"/>
         </a:defRPr>
       </a:lvl2pPr>
-      <a:lvl3pPr lvl="2" marR="0" rtl="0" algn="l">
+      <a:lvl3pPr marR="0" lvl="2" algn="l" rtl="0">
         <a:lnSpc>
           <a:spcPct val="100000"/>
         </a:lnSpc>
@@ -3348,7 +3552,7 @@
           <a:spcPts val="0"/>
         </a:spcAft>
         <a:buNone/>
-        <a:defRPr b="0" i="0" sz="1400" u="none" cap="none" strike="noStrike">
+        <a:defRPr sz="1400" b="0" i="0" u="none" strike="noStrike" cap="none">
           <a:solidFill>
             <a:srgbClr val="000000"/>
           </a:solidFill>
@@ -3359,7 +3563,7 @@
           <a:rtl val="0"/>
         </a:defRPr>
       </a:lvl3pPr>
-      <a:lvl4pPr lvl="3" marR="0" rtl="0" algn="l">
+      <a:lvl4pPr marR="0" lvl="3" algn="l" rtl="0">
         <a:lnSpc>
           <a:spcPct val="100000"/>
         </a:lnSpc>
@@ -3370,7 +3574,7 @@
           <a:spcPts val="0"/>
         </a:spcAft>
         <a:buNone/>
-        <a:defRPr b="0" i="0" sz="1400" u="none" cap="none" strike="noStrike">
+        <a:defRPr sz="1400" b="0" i="0" u="none" strike="noStrike" cap="none">
           <a:solidFill>
             <a:srgbClr val="000000"/>
           </a:solidFill>
@@ -3381,7 +3585,7 @@
           <a:rtl val="0"/>
         </a:defRPr>
       </a:lvl4pPr>
-      <a:lvl5pPr lvl="4" marR="0" rtl="0" algn="l">
+      <a:lvl5pPr marR="0" lvl="4" algn="l" rtl="0">
         <a:lnSpc>
           <a:spcPct val="100000"/>
         </a:lnSpc>
@@ -3392,7 +3596,7 @@
           <a:spcPts val="0"/>
         </a:spcAft>
         <a:buNone/>
-        <a:defRPr b="0" i="0" sz="1400" u="none" cap="none" strike="noStrike">
+        <a:defRPr sz="1400" b="0" i="0" u="none" strike="noStrike" cap="none">
           <a:solidFill>
             <a:srgbClr val="000000"/>
           </a:solidFill>
@@ -3403,7 +3607,7 @@
           <a:rtl val="0"/>
         </a:defRPr>
       </a:lvl5pPr>
-      <a:lvl6pPr lvl="5" marR="0" rtl="0" algn="l">
+      <a:lvl6pPr marR="0" lvl="5" algn="l" rtl="0">
         <a:lnSpc>
           <a:spcPct val="100000"/>
         </a:lnSpc>
@@ -3414,7 +3618,7 @@
           <a:spcPts val="0"/>
         </a:spcAft>
         <a:buNone/>
-        <a:defRPr b="0" i="0" sz="1400" u="none" cap="none" strike="noStrike">
+        <a:defRPr sz="1400" b="0" i="0" u="none" strike="noStrike" cap="none">
           <a:solidFill>
             <a:srgbClr val="000000"/>
           </a:solidFill>
@@ -3425,7 +3629,7 @@
           <a:rtl val="0"/>
         </a:defRPr>
       </a:lvl6pPr>
-      <a:lvl7pPr lvl="6" marR="0" rtl="0" algn="l">
+      <a:lvl7pPr marR="0" lvl="6" algn="l" rtl="0">
         <a:lnSpc>
           <a:spcPct val="100000"/>
         </a:lnSpc>
@@ -3436,7 +3640,7 @@
           <a:spcPts val="0"/>
         </a:spcAft>
         <a:buNone/>
-        <a:defRPr b="0" i="0" sz="1400" u="none" cap="none" strike="noStrike">
+        <a:defRPr sz="1400" b="0" i="0" u="none" strike="noStrike" cap="none">
           <a:solidFill>
             <a:srgbClr val="000000"/>
           </a:solidFill>
@@ -3447,7 +3651,7 @@
           <a:rtl val="0"/>
         </a:defRPr>
       </a:lvl7pPr>
-      <a:lvl8pPr lvl="7" marR="0" rtl="0" algn="l">
+      <a:lvl8pPr marR="0" lvl="7" algn="l" rtl="0">
         <a:lnSpc>
           <a:spcPct val="100000"/>
         </a:lnSpc>
@@ -3458,7 +3662,7 @@
           <a:spcPts val="0"/>
         </a:spcAft>
         <a:buNone/>
-        <a:defRPr b="0" i="0" sz="1400" u="none" cap="none" strike="noStrike">
+        <a:defRPr sz="1400" b="0" i="0" u="none" strike="noStrike" cap="none">
           <a:solidFill>
             <a:srgbClr val="000000"/>
           </a:solidFill>
@@ -3469,7 +3673,7 @@
           <a:rtl val="0"/>
         </a:defRPr>
       </a:lvl8pPr>
-      <a:lvl9pPr lvl="8" marR="0" rtl="0" algn="l">
+      <a:lvl9pPr marR="0" lvl="8" algn="l" rtl="0">
         <a:lnSpc>
           <a:spcPct val="100000"/>
         </a:lnSpc>
@@ -3480,7 +3684,7 @@
           <a:spcPts val="0"/>
         </a:spcAft>
         <a:buNone/>
-        <a:defRPr b="0" i="0" sz="1400" u="none" cap="none" strike="noStrike">
+        <a:defRPr sz="1400" b="0" i="0" u="none" strike="noStrike" cap="none">
           <a:solidFill>
             <a:srgbClr val="000000"/>
           </a:solidFill>
@@ -3493,7 +3697,7 @@
       </a:lvl9pPr>
     </p:bodyStyle>
     <p:otherStyle>
-      <a:defPPr lvl="0" marR="0" rtl="0" algn="l">
+      <a:defPPr marR="0" lvl="0" algn="l" rtl="0">
         <a:lnSpc>
           <a:spcPct val="100000"/>
         </a:lnSpc>
@@ -3504,7 +3708,7 @@
           <a:spcPts val="0"/>
         </a:spcAft>
       </a:defPPr>
-      <a:lvl1pPr lvl="0" marR="0" rtl="0" algn="l">
+      <a:lvl1pPr marR="0" lvl="0" algn="l" rtl="0">
         <a:lnSpc>
           <a:spcPct val="100000"/>
         </a:lnSpc>
@@ -3515,7 +3719,7 @@
           <a:spcPts val="0"/>
         </a:spcAft>
         <a:buNone/>
-        <a:defRPr b="0" i="0" sz="1400" u="none" cap="none" strike="noStrike">
+        <a:defRPr sz="1400" b="0" i="0" u="none" strike="noStrike" cap="none">
           <a:solidFill>
             <a:srgbClr val="000000"/>
           </a:solidFill>
@@ -3526,7 +3730,7 @@
           <a:rtl val="0"/>
         </a:defRPr>
       </a:lvl1pPr>
-      <a:lvl2pPr lvl="1" marR="0" rtl="0" algn="l">
+      <a:lvl2pPr marR="0" lvl="1" algn="l" rtl="0">
         <a:lnSpc>
           <a:spcPct val="100000"/>
         </a:lnSpc>
@@ -3537,7 +3741,7 @@
           <a:spcPts val="0"/>
         </a:spcAft>
         <a:buNone/>
-        <a:defRPr b="0" i="0" sz="1400" u="none" cap="none" strike="noStrike">
+        <a:defRPr sz="1400" b="0" i="0" u="none" strike="noStrike" cap="none">
           <a:solidFill>
             <a:srgbClr val="000000"/>
           </a:solidFill>
@@ -3548,7 +3752,7 @@
           <a:rtl val="0"/>
         </a:defRPr>
       </a:lvl2pPr>
-      <a:lvl3pPr lvl="2" marR="0" rtl="0" algn="l">
+      <a:lvl3pPr marR="0" lvl="2" algn="l" rtl="0">
         <a:lnSpc>
           <a:spcPct val="100000"/>
         </a:lnSpc>
@@ -3559,7 +3763,7 @@
           <a:spcPts val="0"/>
         </a:spcAft>
         <a:buNone/>
-        <a:defRPr b="0" i="0" sz="1400" u="none" cap="none" strike="noStrike">
+        <a:defRPr sz="1400" b="0" i="0" u="none" strike="noStrike" cap="none">
           <a:solidFill>
             <a:srgbClr val="000000"/>
           </a:solidFill>
@@ -3570,7 +3774,7 @@
           <a:rtl val="0"/>
         </a:defRPr>
       </a:lvl3pPr>
-      <a:lvl4pPr lvl="3" marR="0" rtl="0" algn="l">
+      <a:lvl4pPr marR="0" lvl="3" algn="l" rtl="0">
         <a:lnSpc>
           <a:spcPct val="100000"/>
         </a:lnSpc>
@@ -3581,7 +3785,7 @@
           <a:spcPts val="0"/>
         </a:spcAft>
         <a:buNone/>
-        <a:defRPr b="0" i="0" sz="1400" u="none" cap="none" strike="noStrike">
+        <a:defRPr sz="1400" b="0" i="0" u="none" strike="noStrike" cap="none">
           <a:solidFill>
             <a:srgbClr val="000000"/>
           </a:solidFill>
@@ -3592,7 +3796,7 @@
           <a:rtl val="0"/>
         </a:defRPr>
       </a:lvl4pPr>
-      <a:lvl5pPr lvl="4" marR="0" rtl="0" algn="l">
+      <a:lvl5pPr marR="0" lvl="4" algn="l" rtl="0">
         <a:lnSpc>
           <a:spcPct val="100000"/>
         </a:lnSpc>
@@ -3603,7 +3807,7 @@
           <a:spcPts val="0"/>
         </a:spcAft>
         <a:buNone/>
-        <a:defRPr b="0" i="0" sz="1400" u="none" cap="none" strike="noStrike">
+        <a:defRPr sz="1400" b="0" i="0" u="none" strike="noStrike" cap="none">
           <a:solidFill>
             <a:srgbClr val="000000"/>
           </a:solidFill>
@@ -3614,7 +3818,7 @@
           <a:rtl val="0"/>
         </a:defRPr>
       </a:lvl5pPr>
-      <a:lvl6pPr lvl="5" marR="0" rtl="0" algn="l">
+      <a:lvl6pPr marR="0" lvl="5" algn="l" rtl="0">
         <a:lnSpc>
           <a:spcPct val="100000"/>
         </a:lnSpc>
@@ -3625,7 +3829,7 @@
           <a:spcPts val="0"/>
         </a:spcAft>
         <a:buNone/>
-        <a:defRPr b="0" i="0" sz="1400" u="none" cap="none" strike="noStrike">
+        <a:defRPr sz="1400" b="0" i="0" u="none" strike="noStrike" cap="none">
           <a:solidFill>
             <a:srgbClr val="000000"/>
           </a:solidFill>
@@ -3636,7 +3840,7 @@
           <a:rtl val="0"/>
         </a:defRPr>
       </a:lvl6pPr>
-      <a:lvl7pPr lvl="6" marR="0" rtl="0" algn="l">
+      <a:lvl7pPr marR="0" lvl="6" algn="l" rtl="0">
         <a:lnSpc>
           <a:spcPct val="100000"/>
         </a:lnSpc>
@@ -3647,7 +3851,7 @@
           <a:spcPts val="0"/>
         </a:spcAft>
         <a:buNone/>
-        <a:defRPr b="0" i="0" sz="1400" u="none" cap="none" strike="noStrike">
+        <a:defRPr sz="1400" b="0" i="0" u="none" strike="noStrike" cap="none">
           <a:solidFill>
             <a:srgbClr val="000000"/>
           </a:solidFill>
@@ -3658,7 +3862,7 @@
           <a:rtl val="0"/>
         </a:defRPr>
       </a:lvl7pPr>
-      <a:lvl8pPr lvl="7" marR="0" rtl="0" algn="l">
+      <a:lvl8pPr marR="0" lvl="7" algn="l" rtl="0">
         <a:lnSpc>
           <a:spcPct val="100000"/>
         </a:lnSpc>
@@ -3669,7 +3873,7 @@
           <a:spcPts val="0"/>
         </a:spcAft>
         <a:buNone/>
-        <a:defRPr b="0" i="0" sz="1400" u="none" cap="none" strike="noStrike">
+        <a:defRPr sz="1400" b="0" i="0" u="none" strike="noStrike" cap="none">
           <a:solidFill>
             <a:srgbClr val="000000"/>
           </a:solidFill>
@@ -3680,7 +3884,7 @@
           <a:rtl val="0"/>
         </a:defRPr>
       </a:lvl8pPr>
-      <a:lvl9pPr lvl="8" marR="0" rtl="0" algn="l">
+      <a:lvl9pPr marR="0" lvl="8" algn="l" rtl="0">
         <a:lnSpc>
           <a:spcPct val="100000"/>
         </a:lnSpc>
@@ -3691,7 +3895,7 @@
           <a:spcPts val="0"/>
         </a:spcAft>
         <a:buNone/>
-        <a:defRPr b="0" i="0" sz="1400" u="none" cap="none" strike="noStrike">
+        <a:defRPr sz="1400" b="0" i="0" u="none" strike="noStrike" cap="none">
           <a:solidFill>
             <a:srgbClr val="000000"/>
           </a:solidFill>
@@ -3708,11 +3912,11 @@
 </file>
 
 <file path=ppt/slides/slide1.xml><?xml version="1.0" encoding="utf-8"?>
-<p:sld xmlns:a="http://schemas.openxmlformats.org/drawingml/2006/main" xmlns:r="http://schemas.openxmlformats.org/officeDocument/2006/relationships" xmlns:mc="http://schemas.openxmlformats.org/markup-compatibility/2006" xmlns:mv="urn:schemas-microsoft-com:mac:vml" xmlns:p="http://schemas.openxmlformats.org/presentationml/2006/main" xmlns:c="http://schemas.openxmlformats.org/drawingml/2006/chart" xmlns:dgm="http://schemas.openxmlformats.org/drawingml/2006/diagram" xmlns:o="urn:schemas-microsoft-com:office:office" xmlns:v="urn:schemas-microsoft-com:vml" xmlns:pvml="urn:schemas-microsoft-com:office:powerpoint" xmlns:com="http://schemas.openxmlformats.org/drawingml/2006/compatibility" xmlns:p14="http://schemas.microsoft.com/office/powerpoint/2010/main">
+<p:sld xmlns:a="http://schemas.openxmlformats.org/drawingml/2006/main" xmlns:r="http://schemas.openxmlformats.org/officeDocument/2006/relationships" xmlns:p="http://schemas.openxmlformats.org/presentationml/2006/main">
   <p:cSld>
     <p:spTree>
       <p:nvGrpSpPr>
-        <p:cNvPr id="44" name="Shape 44"/>
+        <p:cNvPr id="1" name="Shape 44"/>
         <p:cNvGrpSpPr/>
         <p:nvPr/>
       </p:nvGrpSpPr>
@@ -3727,7 +3931,9 @@
       <p:sp>
         <p:nvSpPr>
           <p:cNvPr id="45" name="Shape 45"/>
-          <p:cNvSpPr txBox="1"/>
+          <p:cNvSpPr txBox="1">
+            <a:spLocks noGrp="1"/>
+          </p:cNvSpPr>
           <p:nvPr>
             <p:ph type="ctrTitle"/>
           </p:nvPr>
@@ -3742,7 +3948,7 @@
           </a:prstGeom>
         </p:spPr>
         <p:txBody>
-          <a:bodyPr anchorCtr="0" anchor="b" bIns="91425" lIns="91425" rIns="91425" tIns="91425">
+          <a:bodyPr lIns="91425" tIns="91425" rIns="91425" bIns="91425" anchor="b" anchorCtr="0">
             <a:noAutofit/>
           </a:bodyPr>
           <a:lstStyle/>
@@ -3763,9 +3969,11 @@
       <p:sp>
         <p:nvSpPr>
           <p:cNvPr id="46" name="Shape 46"/>
-          <p:cNvSpPr txBox="1"/>
+          <p:cNvSpPr txBox="1">
+            <a:spLocks noGrp="1"/>
+          </p:cNvSpPr>
           <p:nvPr>
-            <p:ph idx="1" type="subTitle"/>
+            <p:ph type="subTitle" idx="1"/>
           </p:nvPr>
         </p:nvSpPr>
         <p:spPr>
@@ -3778,7 +3986,7 @@
           </a:prstGeom>
         </p:spPr>
         <p:txBody>
-          <a:bodyPr anchorCtr="0" anchor="ctr" bIns="91425" lIns="91425" rIns="91425" tIns="91425">
+          <a:bodyPr lIns="91425" tIns="91425" rIns="91425" bIns="91425" anchor="ctr" anchorCtr="0">
             <a:noAutofit/>
           </a:bodyPr>
           <a:lstStyle/>
@@ -3808,11 +4016,11 @@
 </file>
 
 <file path=ppt/slides/slide2.xml><?xml version="1.0" encoding="utf-8"?>
-<p:sld xmlns:a="http://schemas.openxmlformats.org/drawingml/2006/main" xmlns:r="http://schemas.openxmlformats.org/officeDocument/2006/relationships" xmlns:mc="http://schemas.openxmlformats.org/markup-compatibility/2006" xmlns:mv="urn:schemas-microsoft-com:mac:vml" xmlns:p="http://schemas.openxmlformats.org/presentationml/2006/main" xmlns:c="http://schemas.openxmlformats.org/drawingml/2006/chart" xmlns:dgm="http://schemas.openxmlformats.org/drawingml/2006/diagram" xmlns:o="urn:schemas-microsoft-com:office:office" xmlns:v="urn:schemas-microsoft-com:vml" xmlns:pvml="urn:schemas-microsoft-com:office:powerpoint" xmlns:com="http://schemas.openxmlformats.org/drawingml/2006/compatibility" xmlns:p14="http://schemas.microsoft.com/office/powerpoint/2010/main">
+<p:sld xmlns:a="http://schemas.openxmlformats.org/drawingml/2006/main" xmlns:r="http://schemas.openxmlformats.org/officeDocument/2006/relationships" xmlns:p="http://schemas.openxmlformats.org/presentationml/2006/main">
   <p:cSld>
     <p:spTree>
       <p:nvGrpSpPr>
-        <p:cNvPr id="50" name="Shape 50"/>
+        <p:cNvPr id="1" name="Shape 50"/>
         <p:cNvGrpSpPr/>
         <p:nvPr/>
       </p:nvGrpSpPr>
@@ -3827,7 +4035,9 @@
       <p:sp>
         <p:nvSpPr>
           <p:cNvPr id="51" name="Shape 51"/>
-          <p:cNvSpPr txBox="1"/>
+          <p:cNvSpPr txBox="1">
+            <a:spLocks noGrp="1"/>
+          </p:cNvSpPr>
           <p:nvPr>
             <p:ph type="title"/>
           </p:nvPr>
@@ -3842,7 +4052,7 @@
           </a:prstGeom>
         </p:spPr>
         <p:txBody>
-          <a:bodyPr anchorCtr="0" anchor="b" bIns="91425" lIns="91425" rIns="91425" tIns="91425">
+          <a:bodyPr lIns="91425" tIns="91425" rIns="91425" bIns="91425" anchor="b" anchorCtr="0">
             <a:noAutofit/>
           </a:bodyPr>
           <a:lstStyle/>
@@ -3863,9 +4073,11 @@
       <p:sp>
         <p:nvSpPr>
           <p:cNvPr id="52" name="Shape 52"/>
-          <p:cNvSpPr txBox="1"/>
+          <p:cNvSpPr txBox="1">
+            <a:spLocks noGrp="1"/>
+          </p:cNvSpPr>
           <p:nvPr>
-            <p:ph idx="1" type="body"/>
+            <p:ph type="body" idx="1"/>
           </p:nvPr>
         </p:nvSpPr>
         <p:spPr>
@@ -3878,12 +4090,12 @@
           </a:prstGeom>
         </p:spPr>
         <p:txBody>
-          <a:bodyPr anchorCtr="0" anchor="t" bIns="91425" lIns="91425" rIns="91425" tIns="91425">
+          <a:bodyPr lIns="91425" tIns="91425" rIns="91425" bIns="91425" anchor="t" anchorCtr="0">
             <a:noAutofit/>
           </a:bodyPr>
           <a:lstStyle/>
           <a:p>
-            <a:pPr indent="-228600" lvl="0" marL="457200" rtl="0">
+            <a:pPr marL="457200" lvl="0" indent="-228600" rtl="0">
               <a:spcBef>
                 <a:spcPts val="0"/>
               </a:spcBef>
@@ -3902,7 +4114,7 @@
             </a:r>
           </a:p>
           <a:p>
-            <a:pPr indent="-323850" lvl="1" marL="914400" rtl="0">
+            <a:pPr marL="914400" lvl="1" indent="-323850" rtl="0">
               <a:spcBef>
                 <a:spcPts val="0"/>
               </a:spcBef>
@@ -3919,7 +4131,7 @@
             </a:r>
           </a:p>
           <a:p>
-            <a:pPr indent="-228600" lvl="0" marL="457200" rtl="0">
+            <a:pPr marL="457200" lvl="0" indent="-228600" rtl="0">
               <a:spcBef>
                 <a:spcPts val="0"/>
               </a:spcBef>
@@ -3997,14 +4209,14 @@
             <a:avLst/>
           </a:prstGeom>
           <a:noFill/>
-          <a:ln cap="flat" cmpd="sng" w="9525">
+          <a:ln w="9525" cap="flat" cmpd="sng">
             <a:solidFill>
               <a:srgbClr val="980000"/>
             </a:solidFill>
             <a:prstDash val="solid"/>
             <a:round/>
-            <a:headEnd len="med" w="med" type="none"/>
-            <a:tailEnd len="med" w="med" type="none"/>
+            <a:headEnd type="none" w="med" len="med"/>
+            <a:tailEnd type="none" w="med" len="med"/>
           </a:ln>
         </p:spPr>
       </p:pic>
@@ -4031,14 +4243,14 @@
             <a:avLst/>
           </a:prstGeom>
           <a:noFill/>
-          <a:ln cap="flat" cmpd="sng" w="9525">
+          <a:ln w="9525" cap="flat" cmpd="sng">
             <a:solidFill>
               <a:srgbClr val="980000"/>
             </a:solidFill>
             <a:prstDash val="solid"/>
             <a:round/>
-            <a:headEnd len="med" w="med" type="none"/>
-            <a:tailEnd len="med" w="med" type="none"/>
+            <a:headEnd type="none" w="med" len="med"/>
+            <a:tailEnd type="none" w="med" len="med"/>
           </a:ln>
         </p:spPr>
       </p:pic>
@@ -4054,11 +4266,11 @@
 </file>
 
 <file path=ppt/slides/slide3.xml><?xml version="1.0" encoding="utf-8"?>
-<p:sld xmlns:a="http://schemas.openxmlformats.org/drawingml/2006/main" xmlns:r="http://schemas.openxmlformats.org/officeDocument/2006/relationships" xmlns:mc="http://schemas.openxmlformats.org/markup-compatibility/2006" xmlns:mv="urn:schemas-microsoft-com:mac:vml" xmlns:p="http://schemas.openxmlformats.org/presentationml/2006/main" xmlns:c="http://schemas.openxmlformats.org/drawingml/2006/chart" xmlns:dgm="http://schemas.openxmlformats.org/drawingml/2006/diagram" xmlns:o="urn:schemas-microsoft-com:office:office" xmlns:v="urn:schemas-microsoft-com:vml" xmlns:pvml="urn:schemas-microsoft-com:office:powerpoint" xmlns:com="http://schemas.openxmlformats.org/drawingml/2006/compatibility" xmlns:p14="http://schemas.microsoft.com/office/powerpoint/2010/main">
+<p:sld xmlns:a="http://schemas.openxmlformats.org/drawingml/2006/main" xmlns:r="http://schemas.openxmlformats.org/officeDocument/2006/relationships" xmlns:p="http://schemas.openxmlformats.org/presentationml/2006/main">
   <p:cSld>
     <p:spTree>
       <p:nvGrpSpPr>
-        <p:cNvPr id="58" name="Shape 58"/>
+        <p:cNvPr id="1" name="Shape 58"/>
         <p:cNvGrpSpPr/>
         <p:nvPr/>
       </p:nvGrpSpPr>
@@ -4073,7 +4285,9 @@
       <p:sp>
         <p:nvSpPr>
           <p:cNvPr id="59" name="Shape 59"/>
-          <p:cNvSpPr txBox="1"/>
+          <p:cNvSpPr txBox="1">
+            <a:spLocks noGrp="1"/>
+          </p:cNvSpPr>
           <p:nvPr>
             <p:ph type="title"/>
           </p:nvPr>
@@ -4088,7 +4302,7 @@
           </a:prstGeom>
         </p:spPr>
         <p:txBody>
-          <a:bodyPr anchorCtr="0" anchor="b" bIns="91425" lIns="91425" rIns="91425" tIns="91425">
+          <a:bodyPr lIns="91425" tIns="91425" rIns="91425" bIns="91425" anchor="b" anchorCtr="0">
             <a:noAutofit/>
           </a:bodyPr>
           <a:lstStyle/>
@@ -4109,9 +4323,11 @@
       <p:sp>
         <p:nvSpPr>
           <p:cNvPr id="60" name="Shape 60"/>
-          <p:cNvSpPr txBox="1"/>
+          <p:cNvSpPr txBox="1">
+            <a:spLocks noGrp="1"/>
+          </p:cNvSpPr>
           <p:nvPr>
-            <p:ph idx="1" type="body"/>
+            <p:ph type="body" idx="1"/>
           </p:nvPr>
         </p:nvSpPr>
         <p:spPr>
@@ -4122,18 +4338,18 @@
           <a:prstGeom prst="rect">
             <a:avLst/>
           </a:prstGeom>
-          <a:ln cap="flat" cmpd="sng" w="9525">
+          <a:ln w="9525" cap="flat" cmpd="sng">
             <a:solidFill>
               <a:srgbClr val="980000"/>
             </a:solidFill>
             <a:prstDash val="solid"/>
             <a:round/>
-            <a:headEnd len="med" w="med" type="none"/>
-            <a:tailEnd len="med" w="med" type="none"/>
+            <a:headEnd type="none" w="med" len="med"/>
+            <a:tailEnd type="none" w="med" len="med"/>
           </a:ln>
         </p:spPr>
         <p:txBody>
-          <a:bodyPr anchorCtr="0" anchor="t" bIns="91425" lIns="91425" rIns="91425" tIns="91425">
+          <a:bodyPr lIns="91425" tIns="91425" rIns="91425" bIns="91425" anchor="t" anchorCtr="0">
             <a:noAutofit/>
           </a:bodyPr>
           <a:lstStyle/>
@@ -4148,7 +4364,7 @@
               <a:buNone/>
             </a:pPr>
             <a:r>
-              <a:rPr b="1" lang="es" sz="1000">
+              <a:rPr lang="es" sz="1000" b="1">
                 <a:solidFill>
                   <a:srgbClr val="404040"/>
                 </a:solidFill>
@@ -4163,7 +4379,7 @@
               <a:t>RewriteEngine On</a:t>
             </a:r>
             <a:br>
-              <a:rPr b="1" lang="es" sz="1000">
+              <a:rPr lang="es" sz="1000" b="1">
                 <a:solidFill>
                   <a:srgbClr val="404040"/>
                 </a:solidFill>
@@ -4177,7 +4393,7 @@
               </a:rPr>
             </a:br>
             <a:r>
-              <a:rPr b="1" lang="es" sz="1000">
+              <a:rPr lang="es" sz="1000" b="1">
                 <a:solidFill>
                   <a:srgbClr val="404040"/>
                 </a:solidFill>
@@ -4192,7 +4408,7 @@
               <a:t>RewriteCond %{REQUEST_FILENAME} !-f</a:t>
             </a:r>
             <a:br>
-              <a:rPr b="1" lang="es" sz="1000">
+              <a:rPr lang="es" sz="1000" b="1">
                 <a:solidFill>
                   <a:srgbClr val="404040"/>
                 </a:solidFill>
@@ -4206,7 +4422,7 @@
               </a:rPr>
             </a:br>
             <a:r>
-              <a:rPr b="1" lang="es" sz="1000">
+              <a:rPr lang="es" sz="1000" b="1">
                 <a:solidFill>
                   <a:srgbClr val="404040"/>
                 </a:solidFill>
@@ -4221,7 +4437,7 @@
               <a:t>RewriteCond %{REQUEST_FILENAME} !-d</a:t>
             </a:r>
             <a:br>
-              <a:rPr b="1" lang="es" sz="1000">
+              <a:rPr lang="es" sz="1000" b="1">
                 <a:solidFill>
                   <a:srgbClr val="404040"/>
                 </a:solidFill>
@@ -4235,7 +4451,7 @@
               </a:rPr>
             </a:br>
             <a:r>
-              <a:rPr b="1" lang="es" sz="1000">
+              <a:rPr lang="es" sz="1000" b="1">
                 <a:solidFill>
                   <a:srgbClr val="404040"/>
                 </a:solidFill>
@@ -4272,12 +4488,12 @@
           </a:ln>
         </p:spPr>
         <p:txBody>
-          <a:bodyPr anchorCtr="0" anchor="t" bIns="91425" lIns="91425" rIns="91425" tIns="91425">
+          <a:bodyPr lIns="91425" tIns="91425" rIns="91425" bIns="91425" anchor="t" anchorCtr="0">
             <a:noAutofit/>
           </a:bodyPr>
           <a:lstStyle/>
           <a:p>
-            <a:pPr indent="-355600" lvl="0" marL="457200" rtl="0">
+            <a:pPr marL="457200" lvl="0" indent="-355600" rtl="0">
               <a:spcBef>
                 <a:spcPts val="0"/>
               </a:spcBef>
@@ -4290,7 +4506,7 @@
             </a:r>
           </a:p>
           <a:p>
-            <a:pPr indent="-355600" lvl="1" marL="914400" rtl="0">
+            <a:pPr marL="914400" lvl="1" indent="-355600" rtl="0">
               <a:spcBef>
                 <a:spcPts val="0"/>
               </a:spcBef>
@@ -4303,15 +4519,12 @@
             </a:r>
           </a:p>
           <a:p>
-            <a:pPr indent="0" lvl="0" marL="457200">
+            <a:pPr marL="457200" lvl="0" indent="0">
               <a:spcBef>
                 <a:spcPts val="0"/>
               </a:spcBef>
               <a:buNone/>
             </a:pPr>
-            <a:r>
-              <a:t/>
-            </a:r>
             <a:endParaRPr sz="2000"/>
           </a:p>
         </p:txBody>
@@ -4336,12 +4549,12 @@
           </a:ln>
         </p:spPr>
         <p:txBody>
-          <a:bodyPr anchorCtr="0" anchor="t" bIns="91425" lIns="91425" rIns="91425" tIns="91425">
+          <a:bodyPr lIns="91425" tIns="91425" rIns="91425" bIns="91425" anchor="t" anchorCtr="0">
             <a:noAutofit/>
           </a:bodyPr>
           <a:lstStyle/>
           <a:p>
-            <a:pPr indent="-355600" lvl="0" marL="457200" rtl="0">
+            <a:pPr marL="457200" lvl="0" indent="-355600" rtl="0">
               <a:spcBef>
                 <a:spcPts val="0"/>
               </a:spcBef>
@@ -4366,7 +4579,7 @@
             </a:r>
           </a:p>
           <a:p>
-            <a:pPr indent="-355600" lvl="1" marL="914400" rtl="0">
+            <a:pPr marL="914400" lvl="1" indent="-355600" rtl="0">
               <a:spcBef>
                 <a:spcPts val="0"/>
               </a:spcBef>
@@ -4399,7 +4612,7 @@
             </a:r>
           </a:p>
           <a:p>
-            <a:pPr indent="-355600" lvl="1" marL="914400" rtl="0">
+            <a:pPr marL="914400" lvl="1" indent="-355600" rtl="0">
               <a:spcBef>
                 <a:spcPts val="0"/>
               </a:spcBef>
@@ -4452,7 +4665,7 @@
             </a:r>
           </a:p>
           <a:p>
-            <a:pPr indent="-342900" lvl="2" marL="1371600" rtl="0">
+            <a:pPr marL="1371600" lvl="2" indent="-342900" rtl="0">
               <a:spcBef>
                 <a:spcPts val="0"/>
               </a:spcBef>
@@ -4478,11 +4691,11 @@
 </file>
 
 <file path=ppt/slides/slide4.xml><?xml version="1.0" encoding="utf-8"?>
-<p:sld xmlns:a="http://schemas.openxmlformats.org/drawingml/2006/main" xmlns:r="http://schemas.openxmlformats.org/officeDocument/2006/relationships" xmlns:mc="http://schemas.openxmlformats.org/markup-compatibility/2006" xmlns:mv="urn:schemas-microsoft-com:mac:vml" xmlns:p="http://schemas.openxmlformats.org/presentationml/2006/main" xmlns:c="http://schemas.openxmlformats.org/drawingml/2006/chart" xmlns:dgm="http://schemas.openxmlformats.org/drawingml/2006/diagram" xmlns:o="urn:schemas-microsoft-com:office:office" xmlns:v="urn:schemas-microsoft-com:vml" xmlns:pvml="urn:schemas-microsoft-com:office:powerpoint" xmlns:com="http://schemas.openxmlformats.org/drawingml/2006/compatibility" xmlns:p14="http://schemas.microsoft.com/office/powerpoint/2010/main">
+<p:sld xmlns:a="http://schemas.openxmlformats.org/drawingml/2006/main" xmlns:r="http://schemas.openxmlformats.org/officeDocument/2006/relationships" xmlns:p="http://schemas.openxmlformats.org/presentationml/2006/main">
   <p:cSld>
     <p:spTree>
       <p:nvGrpSpPr>
-        <p:cNvPr id="66" name="Shape 66"/>
+        <p:cNvPr id="1" name="Shape 66"/>
         <p:cNvGrpSpPr/>
         <p:nvPr/>
       </p:nvGrpSpPr>
@@ -4497,7 +4710,9 @@
       <p:sp>
         <p:nvSpPr>
           <p:cNvPr id="67" name="Shape 67"/>
-          <p:cNvSpPr txBox="1"/>
+          <p:cNvSpPr txBox="1">
+            <a:spLocks noGrp="1"/>
+          </p:cNvSpPr>
           <p:nvPr>
             <p:ph type="title"/>
           </p:nvPr>
@@ -4512,7 +4727,7 @@
           </a:prstGeom>
         </p:spPr>
         <p:txBody>
-          <a:bodyPr anchorCtr="0" anchor="b" bIns="91425" lIns="91425" rIns="91425" tIns="91425">
+          <a:bodyPr lIns="91425" tIns="91425" rIns="91425" bIns="91425" anchor="b" anchorCtr="0">
             <a:noAutofit/>
           </a:bodyPr>
           <a:lstStyle/>
@@ -4533,9 +4748,11 @@
       <p:sp>
         <p:nvSpPr>
           <p:cNvPr id="68" name="Shape 68"/>
-          <p:cNvSpPr txBox="1"/>
+          <p:cNvSpPr txBox="1">
+            <a:spLocks noGrp="1"/>
+          </p:cNvSpPr>
           <p:nvPr>
-            <p:ph idx="1" type="body"/>
+            <p:ph type="body" idx="1"/>
           </p:nvPr>
         </p:nvSpPr>
         <p:spPr>
@@ -4548,12 +4765,12 @@
           </a:prstGeom>
         </p:spPr>
         <p:txBody>
-          <a:bodyPr anchorCtr="0" anchor="t" bIns="91425" lIns="91425" rIns="91425" tIns="91425">
+          <a:bodyPr lIns="91425" tIns="91425" rIns="91425" bIns="91425" anchor="t" anchorCtr="0">
             <a:noAutofit/>
           </a:bodyPr>
           <a:lstStyle/>
           <a:p>
-            <a:pPr indent="-323850" lvl="0" marL="457200" rtl="0">
+            <a:pPr marL="457200" lvl="0" indent="-323850" rtl="0">
               <a:spcBef>
                 <a:spcPts val="0"/>
               </a:spcBef>
@@ -4565,7 +4782,7 @@
             </a:r>
           </a:p>
           <a:p>
-            <a:pPr indent="-323850" lvl="0" marL="457200" rtl="0">
+            <a:pPr marL="457200" lvl="0" indent="-323850" rtl="0">
               <a:spcBef>
                 <a:spcPts val="0"/>
               </a:spcBef>
@@ -4577,7 +4794,7 @@
             </a:r>
           </a:p>
           <a:p>
-            <a:pPr indent="-323850" lvl="0" marL="457200" rtl="0">
+            <a:pPr marL="457200" lvl="0" indent="-323850" rtl="0">
               <a:spcBef>
                 <a:spcPts val="0"/>
               </a:spcBef>
@@ -4589,7 +4806,7 @@
             </a:r>
           </a:p>
           <a:p>
-            <a:pPr indent="-323850" lvl="0" marL="457200" rtl="0">
+            <a:pPr marL="457200" lvl="0" indent="-323850" rtl="0">
               <a:spcBef>
                 <a:spcPts val="0"/>
               </a:spcBef>
@@ -4601,7 +4818,7 @@
             </a:r>
           </a:p>
           <a:p>
-            <a:pPr indent="-323850" lvl="0" marL="457200" rtl="0">
+            <a:pPr marL="457200" lvl="0" indent="-323850" rtl="0">
               <a:spcBef>
                 <a:spcPts val="0"/>
               </a:spcBef>
@@ -4613,7 +4830,7 @@
             </a:r>
           </a:p>
           <a:p>
-            <a:pPr indent="-323850" lvl="1" marL="914400" rtl="0">
+            <a:pPr marL="914400" lvl="1" indent="-323850" rtl="0">
               <a:spcBef>
                 <a:spcPts val="0"/>
               </a:spcBef>
@@ -4625,7 +4842,7 @@
             </a:r>
           </a:p>
           <a:p>
-            <a:pPr indent="-323850" lvl="0" marL="457200" rtl="0">
+            <a:pPr marL="457200" lvl="0" indent="-323850" rtl="0">
               <a:spcBef>
                 <a:spcPts val="0"/>
               </a:spcBef>
@@ -4637,7 +4854,7 @@
             </a:r>
           </a:p>
           <a:p>
-            <a:pPr indent="-323850" lvl="1" marL="914400" rtl="0">
+            <a:pPr marL="914400" lvl="1" indent="-323850" rtl="0">
               <a:spcBef>
                 <a:spcPts val="0"/>
               </a:spcBef>
@@ -4649,7 +4866,7 @@
             </a:r>
           </a:p>
           <a:p>
-            <a:pPr indent="-323850" lvl="0" marL="457200" rtl="0">
+            <a:pPr marL="457200" lvl="0" indent="-323850" rtl="0">
               <a:spcBef>
                 <a:spcPts val="0"/>
               </a:spcBef>
@@ -4661,7 +4878,7 @@
             </a:r>
           </a:p>
           <a:p>
-            <a:pPr indent="-323850" lvl="1" marL="914400" rtl="0">
+            <a:pPr marL="914400" lvl="1" indent="-323850" rtl="0">
               <a:spcBef>
                 <a:spcPts val="0"/>
               </a:spcBef>
@@ -4705,7 +4922,7 @@
             </a:r>
           </a:p>
           <a:p>
-            <a:pPr indent="-323850" lvl="1" marL="914400" rtl="0">
+            <a:pPr marL="914400" lvl="1" indent="-323850" rtl="0">
               <a:spcBef>
                 <a:spcPts val="0"/>
               </a:spcBef>
@@ -4781,7 +4998,7 @@
             </a:r>
           </a:p>
           <a:p>
-            <a:pPr indent="-323850" lvl="0" marL="457200" rtl="0">
+            <a:pPr marL="457200" lvl="0" indent="-323850" rtl="0">
               <a:spcBef>
                 <a:spcPts val="0"/>
               </a:spcBef>
@@ -4793,7 +5010,7 @@
             </a:r>
           </a:p>
           <a:p>
-            <a:pPr indent="-323850" lvl="1" marL="914400" rtl="0">
+            <a:pPr marL="914400" lvl="1" indent="-323850" rtl="0">
               <a:spcBef>
                 <a:spcPts val="0"/>
               </a:spcBef>
@@ -4837,7 +5054,7 @@
             </a:r>
           </a:p>
           <a:p>
-            <a:pPr indent="-323850" lvl="0" marL="457200" rtl="0">
+            <a:pPr marL="457200" lvl="0" indent="-323850" rtl="0">
               <a:spcBef>
                 <a:spcPts val="0"/>
               </a:spcBef>
@@ -4855,9 +5072,6 @@
               </a:spcBef>
               <a:buNone/>
             </a:pPr>
-            <a:r>
-              <a:t/>
-            </a:r>
             <a:endParaRPr sz="1500"/>
           </a:p>
         </p:txBody>
@@ -4874,11 +5088,11 @@
 </file>
 
 <file path=ppt/slides/slide5.xml><?xml version="1.0" encoding="utf-8"?>
-<p:sld xmlns:a="http://schemas.openxmlformats.org/drawingml/2006/main" xmlns:r="http://schemas.openxmlformats.org/officeDocument/2006/relationships" xmlns:mc="http://schemas.openxmlformats.org/markup-compatibility/2006" xmlns:mv="urn:schemas-microsoft-com:mac:vml" xmlns:p="http://schemas.openxmlformats.org/presentationml/2006/main" xmlns:c="http://schemas.openxmlformats.org/drawingml/2006/chart" xmlns:dgm="http://schemas.openxmlformats.org/drawingml/2006/diagram" xmlns:o="urn:schemas-microsoft-com:office:office" xmlns:v="urn:schemas-microsoft-com:vml" xmlns:pvml="urn:schemas-microsoft-com:office:powerpoint" xmlns:com="http://schemas.openxmlformats.org/drawingml/2006/compatibility" xmlns:p14="http://schemas.microsoft.com/office/powerpoint/2010/main">
+<p:sld xmlns:a="http://schemas.openxmlformats.org/drawingml/2006/main" xmlns:r="http://schemas.openxmlformats.org/officeDocument/2006/relationships" xmlns:p="http://schemas.openxmlformats.org/presentationml/2006/main">
   <p:cSld>
     <p:spTree>
       <p:nvGrpSpPr>
-        <p:cNvPr id="72" name="Shape 72"/>
+        <p:cNvPr id="1" name="Shape 72"/>
         <p:cNvGrpSpPr/>
         <p:nvPr/>
       </p:nvGrpSpPr>
@@ -4893,7 +5107,9 @@
       <p:sp>
         <p:nvSpPr>
           <p:cNvPr id="73" name="Shape 73"/>
-          <p:cNvSpPr txBox="1"/>
+          <p:cNvSpPr txBox="1">
+            <a:spLocks noGrp="1"/>
+          </p:cNvSpPr>
           <p:nvPr>
             <p:ph type="title"/>
           </p:nvPr>
@@ -4908,7 +5124,7 @@
           </a:prstGeom>
         </p:spPr>
         <p:txBody>
-          <a:bodyPr anchorCtr="0" anchor="b" bIns="91425" lIns="91425" rIns="91425" tIns="91425">
+          <a:bodyPr lIns="91425" tIns="91425" rIns="91425" bIns="91425" anchor="b" anchorCtr="0">
             <a:noAutofit/>
           </a:bodyPr>
           <a:lstStyle/>
@@ -4929,9 +5145,11 @@
       <p:sp>
         <p:nvSpPr>
           <p:cNvPr id="74" name="Shape 74"/>
-          <p:cNvSpPr txBox="1"/>
+          <p:cNvSpPr txBox="1">
+            <a:spLocks noGrp="1"/>
+          </p:cNvSpPr>
           <p:nvPr>
-            <p:ph idx="1" type="body"/>
+            <p:ph type="body" idx="1"/>
           </p:nvPr>
         </p:nvSpPr>
         <p:spPr>
@@ -4944,12 +5162,12 @@
           </a:prstGeom>
         </p:spPr>
         <p:txBody>
-          <a:bodyPr anchorCtr="0" anchor="t" bIns="91425" lIns="91425" rIns="91425" tIns="91425">
+          <a:bodyPr lIns="91425" tIns="91425" rIns="91425" bIns="91425" anchor="t" anchorCtr="0">
             <a:noAutofit/>
           </a:bodyPr>
           <a:lstStyle/>
           <a:p>
-            <a:pPr indent="-304800" lvl="0" marL="457200" rtl="0">
+            <a:pPr marL="457200" lvl="0" indent="-304800" rtl="0">
               <a:spcBef>
                 <a:spcPts val="0"/>
               </a:spcBef>
@@ -4997,7 +5215,7 @@
             </a:r>
           </a:p>
           <a:p>
-            <a:pPr indent="-304800" lvl="0" marL="457200" rtl="0">
+            <a:pPr marL="457200" lvl="0" indent="-304800" rtl="0">
               <a:spcBef>
                 <a:spcPts val="0"/>
               </a:spcBef>
@@ -5025,7 +5243,7 @@
             </a:r>
           </a:p>
           <a:p>
-            <a:pPr indent="-304800" lvl="1" marL="914400" rtl="0">
+            <a:pPr marL="914400" lvl="1" indent="-304800" rtl="0">
               <a:spcBef>
                 <a:spcPts val="0"/>
               </a:spcBef>
@@ -5037,7 +5255,7 @@
             </a:r>
           </a:p>
           <a:p>
-            <a:pPr indent="-304800" lvl="0" marL="457200" rtl="0">
+            <a:pPr marL="457200" lvl="0" indent="-304800" rtl="0">
               <a:spcBef>
                 <a:spcPts val="0"/>
               </a:spcBef>
@@ -5057,7 +5275,7 @@
             </a:r>
           </a:p>
           <a:p>
-            <a:pPr indent="-304800" lvl="1" marL="914400" rtl="0">
+            <a:pPr marL="914400" lvl="1" indent="-304800" rtl="0">
               <a:spcBef>
                 <a:spcPts val="0"/>
               </a:spcBef>
@@ -5069,7 +5287,7 @@
             </a:r>
           </a:p>
           <a:p>
-            <a:pPr indent="-304800" lvl="0" marL="457200" rtl="0">
+            <a:pPr marL="457200" lvl="0" indent="-304800" rtl="0">
               <a:spcBef>
                 <a:spcPts val="0"/>
               </a:spcBef>
@@ -5081,7 +5299,7 @@
             </a:r>
           </a:p>
           <a:p>
-            <a:pPr indent="-304800" lvl="1" marL="914400" rtl="0">
+            <a:pPr marL="914400" lvl="1" indent="-304800" rtl="0">
               <a:spcBef>
                 <a:spcPts val="0"/>
               </a:spcBef>
@@ -5101,7 +5319,7 @@
             </a:r>
           </a:p>
           <a:p>
-            <a:pPr indent="-304800" lvl="2" marL="1371600" rtl="0">
+            <a:pPr marL="1371600" lvl="2" indent="-304800" rtl="0">
               <a:spcBef>
                 <a:spcPts val="0"/>
               </a:spcBef>
@@ -5113,7 +5331,7 @@
             </a:r>
           </a:p>
           <a:p>
-            <a:pPr indent="-304800" lvl="0" marL="457200" rtl="0">
+            <a:pPr marL="457200" lvl="0" indent="-304800" rtl="0">
               <a:spcBef>
                 <a:spcPts val="0"/>
               </a:spcBef>
@@ -5125,7 +5343,7 @@
             </a:r>
           </a:p>
           <a:p>
-            <a:pPr indent="-304800" lvl="1" marL="914400" rtl="0">
+            <a:pPr marL="914400" lvl="1" indent="-304800" rtl="0">
               <a:spcBef>
                 <a:spcPts val="0"/>
               </a:spcBef>
@@ -5161,7 +5379,7 @@
             </a:r>
           </a:p>
           <a:p>
-            <a:pPr indent="-304800" lvl="0" marL="457200" rtl="0">
+            <a:pPr marL="457200" lvl="0" indent="-304800" rtl="0">
               <a:spcBef>
                 <a:spcPts val="0"/>
               </a:spcBef>
@@ -5196,7 +5414,7 @@
             </a:r>
           </a:p>
           <a:p>
-            <a:pPr indent="-304800" lvl="0" marL="457200" rtl="0">
+            <a:pPr marL="457200" lvl="0" indent="-304800" rtl="0">
               <a:spcBef>
                 <a:spcPts val="0"/>
               </a:spcBef>
@@ -5215,7 +5433,7 @@
             </a:r>
           </a:p>
           <a:p>
-            <a:pPr indent="-304800" lvl="1" marL="914400" rtl="0">
+            <a:pPr marL="914400" lvl="1" indent="-304800" rtl="0">
               <a:spcBef>
                 <a:spcPts val="0"/>
               </a:spcBef>
@@ -5242,7 +5460,7 @@
             </a:r>
           </a:p>
           <a:p>
-            <a:pPr indent="-304800" lvl="1" marL="914400" rtl="0">
+            <a:pPr marL="914400" lvl="1" indent="-304800" rtl="0">
               <a:spcBef>
                 <a:spcPts val="0"/>
               </a:spcBef>
@@ -5269,7 +5487,7 @@
             </a:r>
           </a:p>
           <a:p>
-            <a:pPr indent="-304800" lvl="0" marL="457200" rtl="0">
+            <a:pPr marL="457200" lvl="0" indent="-304800" rtl="0">
               <a:spcBef>
                 <a:spcPts val="0"/>
               </a:spcBef>
@@ -5288,7 +5506,7 @@
             </a:r>
           </a:p>
           <a:p>
-            <a:pPr indent="-304800" lvl="0" marL="457200" rtl="0">
+            <a:pPr marL="457200" lvl="0" indent="-304800" rtl="0">
               <a:spcBef>
                 <a:spcPts val="0"/>
               </a:spcBef>
@@ -5320,11 +5538,11 @@
 </file>
 
 <file path=ppt/slides/slide6.xml><?xml version="1.0" encoding="utf-8"?>
-<p:sld xmlns:a="http://schemas.openxmlformats.org/drawingml/2006/main" xmlns:r="http://schemas.openxmlformats.org/officeDocument/2006/relationships" xmlns:mc="http://schemas.openxmlformats.org/markup-compatibility/2006" xmlns:mv="urn:schemas-microsoft-com:mac:vml" xmlns:p="http://schemas.openxmlformats.org/presentationml/2006/main" xmlns:c="http://schemas.openxmlformats.org/drawingml/2006/chart" xmlns:dgm="http://schemas.openxmlformats.org/drawingml/2006/diagram" xmlns:o="urn:schemas-microsoft-com:office:office" xmlns:v="urn:schemas-microsoft-com:vml" xmlns:pvml="urn:schemas-microsoft-com:office:powerpoint" xmlns:com="http://schemas.openxmlformats.org/drawingml/2006/compatibility" xmlns:p14="http://schemas.microsoft.com/office/powerpoint/2010/main">
+<p:sld xmlns:a="http://schemas.openxmlformats.org/drawingml/2006/main" xmlns:r="http://schemas.openxmlformats.org/officeDocument/2006/relationships" xmlns:p="http://schemas.openxmlformats.org/presentationml/2006/main">
   <p:cSld>
     <p:spTree>
       <p:nvGrpSpPr>
-        <p:cNvPr id="78" name="Shape 78"/>
+        <p:cNvPr id="1" name="Shape 78"/>
         <p:cNvGrpSpPr/>
         <p:nvPr/>
       </p:nvGrpSpPr>
@@ -5339,7 +5557,9 @@
       <p:sp>
         <p:nvSpPr>
           <p:cNvPr id="79" name="Shape 79"/>
-          <p:cNvSpPr txBox="1"/>
+          <p:cNvSpPr txBox="1">
+            <a:spLocks noGrp="1"/>
+          </p:cNvSpPr>
           <p:nvPr>
             <p:ph type="title"/>
           </p:nvPr>
@@ -5354,7 +5574,7 @@
           </a:prstGeom>
         </p:spPr>
         <p:txBody>
-          <a:bodyPr anchorCtr="0" anchor="b" bIns="91425" lIns="91425" rIns="91425" tIns="91425">
+          <a:bodyPr lIns="91425" tIns="91425" rIns="91425" bIns="91425" anchor="b" anchorCtr="0">
             <a:noAutofit/>
           </a:bodyPr>
           <a:lstStyle/>
@@ -5375,9 +5595,11 @@
       <p:sp>
         <p:nvSpPr>
           <p:cNvPr id="80" name="Shape 80"/>
-          <p:cNvSpPr txBox="1"/>
+          <p:cNvSpPr txBox="1">
+            <a:spLocks noGrp="1"/>
+          </p:cNvSpPr>
           <p:nvPr>
-            <p:ph idx="1" type="body"/>
+            <p:ph type="body" idx="1"/>
           </p:nvPr>
         </p:nvSpPr>
         <p:spPr>
@@ -5390,12 +5612,12 @@
           </a:prstGeom>
         </p:spPr>
         <p:txBody>
-          <a:bodyPr anchorCtr="0" anchor="t" bIns="91425" lIns="91425" rIns="91425" tIns="91425">
+          <a:bodyPr lIns="91425" tIns="91425" rIns="91425" bIns="91425" anchor="t" anchorCtr="0">
             <a:noAutofit/>
           </a:bodyPr>
           <a:lstStyle/>
           <a:p>
-            <a:pPr indent="-342900" lvl="0" marL="457200" rtl="0">
+            <a:pPr marL="457200" lvl="0" indent="-342900" rtl="0">
               <a:spcBef>
                 <a:spcPts val="0"/>
               </a:spcBef>
@@ -5407,7 +5629,7 @@
             </a:r>
           </a:p>
           <a:p>
-            <a:pPr indent="-342900" lvl="0" marL="457200" rtl="0">
+            <a:pPr marL="457200" lvl="0" indent="-342900" rtl="0">
               <a:spcBef>
                 <a:spcPts val="0"/>
               </a:spcBef>
@@ -5419,7 +5641,7 @@
             </a:r>
           </a:p>
           <a:p>
-            <a:pPr indent="-342900" lvl="1" marL="914400" rtl="0">
+            <a:pPr marL="914400" lvl="1" indent="-342900" rtl="0">
               <a:spcBef>
                 <a:spcPts val="0"/>
               </a:spcBef>
@@ -5438,7 +5660,7 @@
             </a:r>
           </a:p>
           <a:p>
-            <a:pPr indent="-342900" lvl="1" marL="914400" rtl="0">
+            <a:pPr marL="914400" lvl="1" indent="-342900" rtl="0">
               <a:spcBef>
                 <a:spcPts val="0"/>
               </a:spcBef>
@@ -5458,7 +5680,7 @@
             </a:r>
           </a:p>
           <a:p>
-            <a:pPr indent="-342900" lvl="0" marL="457200" rtl="0">
+            <a:pPr marL="457200" lvl="0" indent="-342900" rtl="0">
               <a:spcBef>
                 <a:spcPts val="0"/>
               </a:spcBef>
@@ -5470,7 +5692,7 @@
             </a:r>
           </a:p>
           <a:p>
-            <a:pPr indent="-342900" lvl="1" marL="914400" rtl="0">
+            <a:pPr marL="914400" lvl="1" indent="-342900" rtl="0">
               <a:spcBef>
                 <a:spcPts val="0"/>
               </a:spcBef>
@@ -5481,7 +5703,7 @@
               <a:t>Ej: </a:t>
             </a:r>
             <a:r>
-              <a:rPr b="1" lang="es" sz="1800">
+              <a:rPr lang="es" sz="1800" b="1">
                 <a:solidFill>
                   <a:srgbClr val="980000"/>
                 </a:solidFill>
@@ -5505,7 +5727,7 @@
               <a:t> </a:t>
             </a:r>
             <a:r>
-              <a:rPr b="1" lang="es" sz="1800">
+              <a:rPr lang="es" sz="1800" b="1">
                 <a:solidFill>
                   <a:srgbClr val="980000"/>
                 </a:solidFill>
@@ -5514,7 +5736,7 @@
             </a:r>
           </a:p>
           <a:p>
-            <a:pPr indent="-342900" lvl="2" marL="1371600" rtl="0">
+            <a:pPr marL="1371600" lvl="2" indent="-342900" rtl="0">
               <a:spcBef>
                 <a:spcPts val="0"/>
               </a:spcBef>
@@ -5526,7 +5748,7 @@
             </a:r>
           </a:p>
           <a:p>
-            <a:pPr indent="-342900" lvl="0" marL="457200">
+            <a:pPr marL="457200" lvl="0" indent="-342900">
               <a:spcBef>
                 <a:spcPts val="0"/>
               </a:spcBef>
@@ -5571,14 +5793,14 @@
             <a:avLst/>
           </a:prstGeom>
           <a:noFill/>
-          <a:ln cap="flat" cmpd="sng" w="9525">
+          <a:ln w="9525" cap="flat" cmpd="sng">
             <a:solidFill>
               <a:srgbClr val="980000"/>
             </a:solidFill>
             <a:prstDash val="solid"/>
             <a:round/>
-            <a:headEnd len="med" w="med" type="none"/>
-            <a:tailEnd len="med" w="med" type="none"/>
+            <a:headEnd type="none" w="med" len="med"/>
+            <a:tailEnd type="none" w="med" len="med"/>
           </a:ln>
         </p:spPr>
       </p:pic>
@@ -5594,11 +5816,11 @@
 </file>
 
 <file path=ppt/slides/slide7.xml><?xml version="1.0" encoding="utf-8"?>
-<p:sld xmlns:a="http://schemas.openxmlformats.org/drawingml/2006/main" xmlns:r="http://schemas.openxmlformats.org/officeDocument/2006/relationships" xmlns:mc="http://schemas.openxmlformats.org/markup-compatibility/2006" xmlns:mv="urn:schemas-microsoft-com:mac:vml" xmlns:p="http://schemas.openxmlformats.org/presentationml/2006/main" xmlns:c="http://schemas.openxmlformats.org/drawingml/2006/chart" xmlns:dgm="http://schemas.openxmlformats.org/drawingml/2006/diagram" xmlns:o="urn:schemas-microsoft-com:office:office" xmlns:v="urn:schemas-microsoft-com:vml" xmlns:pvml="urn:schemas-microsoft-com:office:powerpoint" xmlns:com="http://schemas.openxmlformats.org/drawingml/2006/compatibility" xmlns:p14="http://schemas.microsoft.com/office/powerpoint/2010/main">
+<p:sld xmlns:a="http://schemas.openxmlformats.org/drawingml/2006/main" xmlns:r="http://schemas.openxmlformats.org/officeDocument/2006/relationships" xmlns:p="http://schemas.openxmlformats.org/presentationml/2006/main">
   <p:cSld>
     <p:spTree>
       <p:nvGrpSpPr>
-        <p:cNvPr id="85" name="Shape 85"/>
+        <p:cNvPr id="1" name="Shape 85"/>
         <p:cNvGrpSpPr/>
         <p:nvPr/>
       </p:nvGrpSpPr>
@@ -5613,7 +5835,9 @@
       <p:sp>
         <p:nvSpPr>
           <p:cNvPr id="86" name="Shape 86"/>
-          <p:cNvSpPr txBox="1"/>
+          <p:cNvSpPr txBox="1">
+            <a:spLocks noGrp="1"/>
+          </p:cNvSpPr>
           <p:nvPr>
             <p:ph type="title"/>
           </p:nvPr>
@@ -5628,7 +5852,7 @@
           </a:prstGeom>
         </p:spPr>
         <p:txBody>
-          <a:bodyPr anchorCtr="0" anchor="b" bIns="91425" lIns="91425" rIns="91425" tIns="91425">
+          <a:bodyPr lIns="91425" tIns="91425" rIns="91425" bIns="91425" anchor="b" anchorCtr="0">
             <a:noAutofit/>
           </a:bodyPr>
           <a:lstStyle/>
@@ -5649,9 +5873,11 @@
       <p:sp>
         <p:nvSpPr>
           <p:cNvPr id="87" name="Shape 87"/>
-          <p:cNvSpPr txBox="1"/>
+          <p:cNvSpPr txBox="1">
+            <a:spLocks noGrp="1"/>
+          </p:cNvSpPr>
           <p:nvPr>
-            <p:ph idx="1" type="body"/>
+            <p:ph type="body" idx="1"/>
           </p:nvPr>
         </p:nvSpPr>
         <p:spPr>
@@ -5664,12 +5890,12 @@
           </a:prstGeom>
         </p:spPr>
         <p:txBody>
-          <a:bodyPr anchorCtr="0" anchor="t" bIns="91425" lIns="91425" rIns="91425" tIns="91425">
+          <a:bodyPr lIns="91425" tIns="91425" rIns="91425" bIns="91425" anchor="t" anchorCtr="0">
             <a:noAutofit/>
           </a:bodyPr>
           <a:lstStyle/>
           <a:p>
-            <a:pPr indent="-342900" lvl="0" marL="457200" rtl="0">
+            <a:pPr marL="457200" lvl="0" indent="-342900" rtl="0">
               <a:spcBef>
                 <a:spcPts val="0"/>
               </a:spcBef>
@@ -5701,7 +5927,7 @@
             </a:r>
           </a:p>
           <a:p>
-            <a:pPr indent="-342900" lvl="0" marL="457200" rtl="0">
+            <a:pPr marL="457200" lvl="0" indent="-342900" rtl="0">
               <a:spcBef>
                 <a:spcPts val="0"/>
               </a:spcBef>
@@ -5733,7 +5959,7 @@
             </a:r>
           </a:p>
           <a:p>
-            <a:pPr indent="-342900" lvl="0" marL="457200" rtl="0">
+            <a:pPr marL="457200" lvl="0" indent="-342900" rtl="0">
               <a:spcBef>
                 <a:spcPts val="0"/>
               </a:spcBef>
@@ -5745,7 +5971,7 @@
             </a:r>
           </a:p>
           <a:p>
-            <a:pPr indent="-342900" lvl="0" marL="457200" rtl="0">
+            <a:pPr marL="457200" lvl="0" indent="-342900" rtl="0">
               <a:spcBef>
                 <a:spcPts val="0"/>
               </a:spcBef>
@@ -5757,7 +5983,7 @@
             </a:r>
           </a:p>
           <a:p>
-            <a:pPr indent="-342900" lvl="1" marL="914400" rtl="0">
+            <a:pPr marL="914400" lvl="1" indent="-342900" rtl="0">
               <a:spcBef>
                 <a:spcPts val="0"/>
               </a:spcBef>
@@ -5795,11 +6021,11 @@
 </file>
 
 <file path=ppt/slides/slide8.xml><?xml version="1.0" encoding="utf-8"?>
-<p:sld xmlns:a="http://schemas.openxmlformats.org/drawingml/2006/main" xmlns:r="http://schemas.openxmlformats.org/officeDocument/2006/relationships" xmlns:mc="http://schemas.openxmlformats.org/markup-compatibility/2006" xmlns:mv="urn:schemas-microsoft-com:mac:vml" xmlns:p="http://schemas.openxmlformats.org/presentationml/2006/main" xmlns:c="http://schemas.openxmlformats.org/drawingml/2006/chart" xmlns:dgm="http://schemas.openxmlformats.org/drawingml/2006/diagram" xmlns:o="urn:schemas-microsoft-com:office:office" xmlns:v="urn:schemas-microsoft-com:vml" xmlns:pvml="urn:schemas-microsoft-com:office:powerpoint" xmlns:com="http://schemas.openxmlformats.org/drawingml/2006/compatibility" xmlns:p14="http://schemas.microsoft.com/office/powerpoint/2010/main">
+<p:sld xmlns:a="http://schemas.openxmlformats.org/drawingml/2006/main" xmlns:r="http://schemas.openxmlformats.org/officeDocument/2006/relationships" xmlns:p="http://schemas.openxmlformats.org/presentationml/2006/main">
   <p:cSld>
     <p:spTree>
       <p:nvGrpSpPr>
-        <p:cNvPr id="91" name="Shape 91"/>
+        <p:cNvPr id="1" name="Shape 91"/>
         <p:cNvGrpSpPr/>
         <p:nvPr/>
       </p:nvGrpSpPr>
@@ -5814,7 +6040,9 @@
       <p:sp>
         <p:nvSpPr>
           <p:cNvPr id="92" name="Shape 92"/>
-          <p:cNvSpPr txBox="1"/>
+          <p:cNvSpPr txBox="1">
+            <a:spLocks noGrp="1"/>
+          </p:cNvSpPr>
           <p:nvPr>
             <p:ph type="title"/>
           </p:nvPr>
@@ -5829,7 +6057,7 @@
           </a:prstGeom>
         </p:spPr>
         <p:txBody>
-          <a:bodyPr anchorCtr="0" anchor="b" bIns="91425" lIns="91425" rIns="91425" tIns="91425">
+          <a:bodyPr lIns="91425" tIns="91425" rIns="91425" bIns="91425" anchor="b" anchorCtr="0">
             <a:noAutofit/>
           </a:bodyPr>
           <a:lstStyle/>
@@ -5850,9 +6078,11 @@
       <p:sp>
         <p:nvSpPr>
           <p:cNvPr id="93" name="Shape 93"/>
-          <p:cNvSpPr txBox="1"/>
+          <p:cNvSpPr txBox="1">
+            <a:spLocks noGrp="1"/>
+          </p:cNvSpPr>
           <p:nvPr>
-            <p:ph idx="1" type="body"/>
+            <p:ph type="body" idx="1"/>
           </p:nvPr>
         </p:nvSpPr>
         <p:spPr>
@@ -5865,12 +6095,12 @@
           </a:prstGeom>
         </p:spPr>
         <p:txBody>
-          <a:bodyPr anchorCtr="0" anchor="t" bIns="91425" lIns="91425" rIns="91425" tIns="91425">
+          <a:bodyPr lIns="91425" tIns="91425" rIns="91425" bIns="91425" anchor="t" anchorCtr="0">
             <a:noAutofit/>
           </a:bodyPr>
           <a:lstStyle/>
           <a:p>
-            <a:pPr indent="-323850" lvl="0" marL="457200" rtl="0">
+            <a:pPr marL="457200" lvl="0" indent="-323850" rtl="0">
               <a:spcBef>
                 <a:spcPts val="0"/>
               </a:spcBef>
@@ -5914,7 +6144,7 @@
             </a:r>
           </a:p>
           <a:p>
-            <a:pPr indent="-323850" lvl="0" marL="457200" rtl="0">
+            <a:pPr marL="457200" lvl="0" indent="-323850" rtl="0">
               <a:spcBef>
                 <a:spcPts val="0"/>
               </a:spcBef>
@@ -5926,7 +6156,7 @@
             </a:r>
           </a:p>
           <a:p>
-            <a:pPr indent="-323850" lvl="1" marL="914400" rtl="0">
+            <a:pPr marL="914400" lvl="1" indent="-323850" rtl="0">
               <a:spcBef>
                 <a:spcPts val="0"/>
               </a:spcBef>
@@ -5946,7 +6176,7 @@
             </a:r>
           </a:p>
           <a:p>
-            <a:pPr indent="-323850" lvl="2" marL="1371600" rtl="0">
+            <a:pPr marL="1371600" lvl="2" indent="-323850" rtl="0">
               <a:spcBef>
                 <a:spcPts val="0"/>
               </a:spcBef>
@@ -5970,7 +6200,7 @@
             </a:r>
           </a:p>
           <a:p>
-            <a:pPr indent="-323850" lvl="1" marL="914400" rtl="0">
+            <a:pPr marL="914400" lvl="1" indent="-323850" rtl="0">
               <a:spcBef>
                 <a:spcPts val="0"/>
               </a:spcBef>
@@ -5990,7 +6220,7 @@
             </a:r>
           </a:p>
           <a:p>
-            <a:pPr indent="-323850" lvl="1" marL="914400" rtl="0">
+            <a:pPr marL="914400" lvl="1" indent="-323850" rtl="0">
               <a:spcBef>
                 <a:spcPts val="0"/>
               </a:spcBef>
@@ -6018,7 +6248,7 @@
             </a:r>
           </a:p>
           <a:p>
-            <a:pPr indent="-323850" lvl="1" marL="914400" rtl="0">
+            <a:pPr marL="914400" lvl="1" indent="-323850" rtl="0">
               <a:spcBef>
                 <a:spcPts val="0"/>
               </a:spcBef>
@@ -6048,9 +6278,6 @@
               </a:spcBef>
               <a:buNone/>
             </a:pPr>
-            <a:r>
-              <a:t/>
-            </a:r>
             <a:endParaRPr sz="1500"/>
           </a:p>
         </p:txBody>
@@ -6067,11 +6294,11 @@
 </file>
 
 <file path=ppt/slides/slide9.xml><?xml version="1.0" encoding="utf-8"?>
-<p:sld xmlns:a="http://schemas.openxmlformats.org/drawingml/2006/main" xmlns:r="http://schemas.openxmlformats.org/officeDocument/2006/relationships" xmlns:mc="http://schemas.openxmlformats.org/markup-compatibility/2006" xmlns:mv="urn:schemas-microsoft-com:mac:vml" xmlns:p="http://schemas.openxmlformats.org/presentationml/2006/main" xmlns:c="http://schemas.openxmlformats.org/drawingml/2006/chart" xmlns:dgm="http://schemas.openxmlformats.org/drawingml/2006/diagram" xmlns:o="urn:schemas-microsoft-com:office:office" xmlns:v="urn:schemas-microsoft-com:vml" xmlns:pvml="urn:schemas-microsoft-com:office:powerpoint" xmlns:com="http://schemas.openxmlformats.org/drawingml/2006/compatibility" xmlns:p14="http://schemas.microsoft.com/office/powerpoint/2010/main">
+<p:sld xmlns:a="http://schemas.openxmlformats.org/drawingml/2006/main" xmlns:r="http://schemas.openxmlformats.org/officeDocument/2006/relationships" xmlns:p="http://schemas.openxmlformats.org/presentationml/2006/main">
   <p:cSld>
     <p:spTree>
       <p:nvGrpSpPr>
-        <p:cNvPr id="97" name="Shape 97"/>
+        <p:cNvPr id="1" name="Shape 97"/>
         <p:cNvGrpSpPr/>
         <p:nvPr/>
       </p:nvGrpSpPr>
@@ -6086,7 +6313,9 @@
       <p:sp>
         <p:nvSpPr>
           <p:cNvPr id="98" name="Shape 98"/>
-          <p:cNvSpPr txBox="1"/>
+          <p:cNvSpPr txBox="1">
+            <a:spLocks noGrp="1"/>
+          </p:cNvSpPr>
           <p:nvPr>
             <p:ph type="title"/>
           </p:nvPr>
@@ -6101,7 +6330,7 @@
           </a:prstGeom>
         </p:spPr>
         <p:txBody>
-          <a:bodyPr anchorCtr="0" anchor="b" bIns="91425" lIns="91425" rIns="91425" tIns="91425">
+          <a:bodyPr lIns="91425" tIns="91425" rIns="91425" bIns="91425" anchor="b" anchorCtr="0">
             <a:noAutofit/>
           </a:bodyPr>
           <a:lstStyle/>
@@ -6122,9 +6351,11 @@
       <p:sp>
         <p:nvSpPr>
           <p:cNvPr id="99" name="Shape 99"/>
-          <p:cNvSpPr txBox="1"/>
+          <p:cNvSpPr txBox="1">
+            <a:spLocks noGrp="1"/>
+          </p:cNvSpPr>
           <p:nvPr>
-            <p:ph idx="1" type="body"/>
+            <p:ph type="body" idx="1"/>
           </p:nvPr>
         </p:nvSpPr>
         <p:spPr>
@@ -6137,30 +6368,30 @@
           </a:prstGeom>
         </p:spPr>
         <p:txBody>
-          <a:bodyPr anchorCtr="0" anchor="t" bIns="91425" lIns="91425" rIns="91425" tIns="91425">
+          <a:bodyPr lIns="91425" tIns="91425" rIns="91425" bIns="91425" anchor="t" anchorCtr="0">
             <a:noAutofit/>
           </a:bodyPr>
           <a:lstStyle/>
           <a:p>
-            <a:pPr indent="-228600" lvl="0" marL="457200" rtl="0">
-              <a:spcBef>
-                <a:spcPts val="0"/>
-              </a:spcBef>
-            </a:pPr>
-            <a:r>
-              <a:rPr lang="es"/>
+            <a:pPr marL="457200" lvl="0" indent="-228600" rtl="0">
+              <a:spcBef>
+                <a:spcPts val="0"/>
+              </a:spcBef>
+            </a:pPr>
+            <a:r>
+              <a:rPr lang="es" dirty="0"/>
               <a:t>Tutorial de codeigniter</a:t>
             </a:r>
           </a:p>
           <a:p>
-            <a:pPr indent="-361950" lvl="1" marL="914400" rtl="0">
-              <a:spcBef>
-                <a:spcPts val="0"/>
-              </a:spcBef>
-              <a:buSzPct val="100000"/>
-            </a:pPr>
-            <a:r>
-              <a:rPr lang="es" sz="2100" u="sng">
+            <a:pPr marL="914400" lvl="1" indent="-361950" rtl="0">
+              <a:spcBef>
+                <a:spcPts val="0"/>
+              </a:spcBef>
+              <a:buSzPct val="100000"/>
+            </a:pPr>
+            <a:r>
+              <a:rPr lang="es" sz="2100" u="sng" dirty="0">
                 <a:solidFill>
                   <a:schemeClr val="hlink"/>
                 </a:solidFill>
@@ -6170,15 +6401,43 @@
             </a:r>
           </a:p>
           <a:p>
-            <a:pPr indent="-228600" lvl="0" marL="457200">
-              <a:spcBef>
-                <a:spcPts val="0"/>
-              </a:spcBef>
-            </a:pPr>
-            <a:r>
-              <a:rPr lang="es"/>
-              <a:t>---</a:t>
-            </a:r>
+            <a:pPr fontAlgn="base"/>
+            <a:r>
+              <a:rPr lang="es-ES" dirty="0"/>
+              <a:t> </a:t>
+            </a:r>
+            <a:r>
+              <a:rPr lang="es-ES" dirty="0" smtClean="0"/>
+              <a:t>  Manual </a:t>
+            </a:r>
+            <a:r>
+              <a:rPr lang="es-ES" dirty="0"/>
+              <a:t>de comandos de “</a:t>
+            </a:r>
+            <a:r>
+              <a:rPr lang="es-ES" dirty="0" err="1"/>
+              <a:t>model</a:t>
+            </a:r>
+            <a:r>
+              <a:rPr lang="es-ES" dirty="0"/>
+              <a:t>”</a:t>
+            </a:r>
+          </a:p>
+          <a:p>
+            <a:pPr lvl="1" fontAlgn="base"/>
+            <a:r>
+              <a:rPr lang="es-ES" u="sng" smtClean="0">
+                <a:hlinkClick r:id="rId4"/>
+              </a:rPr>
+              <a:t>http</a:t>
+            </a:r>
+            <a:r>
+              <a:rPr lang="es-ES" u="sng" dirty="0">
+                <a:hlinkClick r:id="rId4"/>
+              </a:rPr>
+              <a:t>://escodeigniter.com/guia_usuario/database/active_record.html</a:t>
+            </a:r>
+            <a:endParaRPr lang="es-ES" dirty="0"/>
           </a:p>
         </p:txBody>
       </p:sp>
@@ -6194,7 +6453,7 @@
 </file>
 
 <file path=ppt/theme/theme1.xml><?xml version="1.0" encoding="utf-8"?>
-<a:theme xmlns:a="http://schemas.openxmlformats.org/drawingml/2006/main" xmlns:r="http://schemas.openxmlformats.org/officeDocument/2006/relationships" name="label">
+<a:theme xmlns:a="http://schemas.openxmlformats.org/drawingml/2006/main" name="label">
   <a:themeElements>
     <a:clrScheme name="Custom 352">
       <a:dk1>
@@ -6469,11 +6728,13 @@
       </a:bgFillStyleLst>
     </a:fmtScheme>
   </a:themeElements>
+  <a:objectDefaults/>
+  <a:extraClrSchemeLst/>
 </a:theme>
 </file>
 
 <file path=ppt/theme/theme2.xml><?xml version="1.0" encoding="utf-8"?>
-<a:theme xmlns:a="http://schemas.openxmlformats.org/drawingml/2006/main" xmlns:r="http://schemas.openxmlformats.org/officeDocument/2006/relationships" name="Custom Theme">
+<a:theme xmlns:a="http://schemas.openxmlformats.org/drawingml/2006/main" name="Custom Theme">
   <a:themeElements>
     <a:clrScheme name="Default">
       <a:dk1>
@@ -6748,5 +7009,7 @@
       </a:bgFillStyleLst>
     </a:fmtScheme>
   </a:themeElements>
+  <a:objectDefaults/>
+  <a:extraClrSchemeLst/>
 </a:theme>
 </file>